--- a/Dust_Data_Project.pptx
+++ b/Dust_Data_Project.pptx
@@ -23,6 +23,9 @@
     <p:sldId id="271" r:id="rId17"/>
     <p:sldId id="272" r:id="rId18"/>
     <p:sldId id="273" r:id="rId19"/>
+    <p:sldId id="276" r:id="rId20"/>
+    <p:sldId id="274" r:id="rId21"/>
+    <p:sldId id="275" r:id="rId22"/>
   </p:sldIdLst>
   <p:sldSz cx="12192000" cy="6858000"/>
   <p:notesSz cx="6858000" cy="9144000"/>
@@ -276,7 +279,7 @@
           <a:p>
             <a:fld id="{FE061E4A-4E32-4A9C-BF91-22E1DB7CF4C9}" type="datetimeFigureOut">
               <a:rPr lang="en-US" smtClean="0"/>
-              <a:t>7/19/2019</a:t>
+              <a:t>7/22/2019</a:t>
             </a:fld>
             <a:endParaRPr lang="en-US"/>
           </a:p>
@@ -474,7 +477,7 @@
           <a:p>
             <a:fld id="{FE061E4A-4E32-4A9C-BF91-22E1DB7CF4C9}" type="datetimeFigureOut">
               <a:rPr lang="en-US" smtClean="0"/>
-              <a:t>7/19/2019</a:t>
+              <a:t>7/22/2019</a:t>
             </a:fld>
             <a:endParaRPr lang="en-US"/>
           </a:p>
@@ -682,7 +685,7 @@
           <a:p>
             <a:fld id="{FE061E4A-4E32-4A9C-BF91-22E1DB7CF4C9}" type="datetimeFigureOut">
               <a:rPr lang="en-US" smtClean="0"/>
-              <a:t>7/19/2019</a:t>
+              <a:t>7/22/2019</a:t>
             </a:fld>
             <a:endParaRPr lang="en-US"/>
           </a:p>
@@ -880,7 +883,7 @@
           <a:p>
             <a:fld id="{FE061E4A-4E32-4A9C-BF91-22E1DB7CF4C9}" type="datetimeFigureOut">
               <a:rPr lang="en-US" smtClean="0"/>
-              <a:t>7/19/2019</a:t>
+              <a:t>7/22/2019</a:t>
             </a:fld>
             <a:endParaRPr lang="en-US"/>
           </a:p>
@@ -1155,7 +1158,7 @@
           <a:p>
             <a:fld id="{FE061E4A-4E32-4A9C-BF91-22E1DB7CF4C9}" type="datetimeFigureOut">
               <a:rPr lang="en-US" smtClean="0"/>
-              <a:t>7/19/2019</a:t>
+              <a:t>7/22/2019</a:t>
             </a:fld>
             <a:endParaRPr lang="en-US"/>
           </a:p>
@@ -1420,7 +1423,7 @@
           <a:p>
             <a:fld id="{FE061E4A-4E32-4A9C-BF91-22E1DB7CF4C9}" type="datetimeFigureOut">
               <a:rPr lang="en-US" smtClean="0"/>
-              <a:t>7/19/2019</a:t>
+              <a:t>7/22/2019</a:t>
             </a:fld>
             <a:endParaRPr lang="en-US"/>
           </a:p>
@@ -1832,7 +1835,7 @@
           <a:p>
             <a:fld id="{FE061E4A-4E32-4A9C-BF91-22E1DB7CF4C9}" type="datetimeFigureOut">
               <a:rPr lang="en-US" smtClean="0"/>
-              <a:t>7/19/2019</a:t>
+              <a:t>7/22/2019</a:t>
             </a:fld>
             <a:endParaRPr lang="en-US"/>
           </a:p>
@@ -1973,7 +1976,7 @@
           <a:p>
             <a:fld id="{FE061E4A-4E32-4A9C-BF91-22E1DB7CF4C9}" type="datetimeFigureOut">
               <a:rPr lang="en-US" smtClean="0"/>
-              <a:t>7/19/2019</a:t>
+              <a:t>7/22/2019</a:t>
             </a:fld>
             <a:endParaRPr lang="en-US"/>
           </a:p>
@@ -2086,7 +2089,7 @@
           <a:p>
             <a:fld id="{FE061E4A-4E32-4A9C-BF91-22E1DB7CF4C9}" type="datetimeFigureOut">
               <a:rPr lang="en-US" smtClean="0"/>
-              <a:t>7/19/2019</a:t>
+              <a:t>7/22/2019</a:t>
             </a:fld>
             <a:endParaRPr lang="en-US"/>
           </a:p>
@@ -2397,7 +2400,7 @@
           <a:p>
             <a:fld id="{FE061E4A-4E32-4A9C-BF91-22E1DB7CF4C9}" type="datetimeFigureOut">
               <a:rPr lang="en-US" smtClean="0"/>
-              <a:t>7/19/2019</a:t>
+              <a:t>7/22/2019</a:t>
             </a:fld>
             <a:endParaRPr lang="en-US"/>
           </a:p>
@@ -2685,7 +2688,7 @@
           <a:p>
             <a:fld id="{FE061E4A-4E32-4A9C-BF91-22E1DB7CF4C9}" type="datetimeFigureOut">
               <a:rPr lang="en-US" smtClean="0"/>
-              <a:t>7/19/2019</a:t>
+              <a:t>7/22/2019</a:t>
             </a:fld>
             <a:endParaRPr lang="en-US"/>
           </a:p>
@@ -2926,7 +2929,7 @@
           <a:p>
             <a:fld id="{FE061E4A-4E32-4A9C-BF91-22E1DB7CF4C9}" type="datetimeFigureOut">
               <a:rPr lang="en-US" smtClean="0"/>
-              <a:t>7/19/2019</a:t>
+              <a:t>7/22/2019</a:t>
             </a:fld>
             <a:endParaRPr lang="en-US"/>
           </a:p>
@@ -14108,6 +14111,147 @@
 </p:sld>
 </file>
 
+<file path=ppt/slides/slide19.xml><?xml version="1.0" encoding="utf-8"?>
+<p:sld xmlns:a="http://schemas.openxmlformats.org/drawingml/2006/main" xmlns:r="http://schemas.openxmlformats.org/officeDocument/2006/relationships" xmlns:p="http://schemas.openxmlformats.org/presentationml/2006/main">
+  <p:cSld>
+    <p:spTree>
+      <p:nvGrpSpPr>
+        <p:cNvPr id="1" name=""/>
+        <p:cNvGrpSpPr/>
+        <p:nvPr/>
+      </p:nvGrpSpPr>
+      <p:grpSpPr>
+        <a:xfrm>
+          <a:off x="0" y="0"/>
+          <a:ext cx="0" cy="0"/>
+          <a:chOff x="0" y="0"/>
+          <a:chExt cx="0" cy="0"/>
+        </a:xfrm>
+      </p:grpSpPr>
+      <p:sp>
+        <p:nvSpPr>
+          <p:cNvPr id="2" name="Title 1">
+            <a:extLst>
+              <a:ext uri="{FF2B5EF4-FFF2-40B4-BE49-F238E27FC236}">
+                <a16:creationId xmlns:a16="http://schemas.microsoft.com/office/drawing/2014/main" id="{12973E94-8D3C-46AA-8F2D-919A57736381}"/>
+              </a:ext>
+            </a:extLst>
+          </p:cNvPr>
+          <p:cNvSpPr>
+            <a:spLocks noGrp="1"/>
+          </p:cNvSpPr>
+          <p:nvPr>
+            <p:ph type="title"/>
+          </p:nvPr>
+        </p:nvSpPr>
+        <p:spPr/>
+        <p:txBody>
+          <a:bodyPr/>
+          <a:lstStyle/>
+          <a:p>
+            <a:r>
+              <a:rPr lang="en-US" dirty="0"/>
+              <a:t>Improvements</a:t>
+            </a:r>
+          </a:p>
+        </p:txBody>
+      </p:sp>
+      <p:sp>
+        <p:nvSpPr>
+          <p:cNvPr id="3" name="Content Placeholder 2">
+            <a:extLst>
+              <a:ext uri="{FF2B5EF4-FFF2-40B4-BE49-F238E27FC236}">
+                <a16:creationId xmlns:a16="http://schemas.microsoft.com/office/drawing/2014/main" id="{8EF7DD2C-782C-4902-B83B-E2F138D7615B}"/>
+              </a:ext>
+            </a:extLst>
+          </p:cNvPr>
+          <p:cNvSpPr>
+            <a:spLocks noGrp="1"/>
+          </p:cNvSpPr>
+          <p:nvPr>
+            <p:ph idx="1"/>
+          </p:nvPr>
+        </p:nvSpPr>
+        <p:spPr/>
+        <p:txBody>
+          <a:bodyPr>
+            <a:normAutofit/>
+          </a:bodyPr>
+          <a:lstStyle/>
+          <a:p>
+            <a:r>
+              <a:rPr lang="en-US" dirty="0"/>
+              <a:t>LabVIEW GUI</a:t>
+            </a:r>
+          </a:p>
+          <a:p>
+            <a:pPr lvl="1"/>
+            <a:r>
+              <a:rPr lang="en-US" dirty="0"/>
+              <a:t>Design Iteration</a:t>
+            </a:r>
+          </a:p>
+          <a:p>
+            <a:pPr lvl="1"/>
+            <a:r>
+              <a:rPr lang="en-US" dirty="0"/>
+              <a:t>Control fixation</a:t>
+            </a:r>
+          </a:p>
+          <a:p>
+            <a:pPr lvl="1"/>
+            <a:r>
+              <a:rPr lang="en-US" dirty="0"/>
+              <a:t>Backend validation</a:t>
+            </a:r>
+          </a:p>
+          <a:p>
+            <a:pPr lvl="1"/>
+            <a:r>
+              <a:rPr lang="en-US" dirty="0"/>
+              <a:t>Python integration</a:t>
+            </a:r>
+          </a:p>
+          <a:p>
+            <a:pPr lvl="1"/>
+            <a:r>
+              <a:rPr lang="en-US" dirty="0"/>
+              <a:t>Graphics generation</a:t>
+            </a:r>
+          </a:p>
+          <a:p>
+            <a:r>
+              <a:rPr lang="en-US" dirty="0"/>
+              <a:t>Windows setup tools</a:t>
+            </a:r>
+          </a:p>
+          <a:p>
+            <a:r>
+              <a:rPr lang="en-US" dirty="0"/>
+              <a:t>Python documentation and README</a:t>
+            </a:r>
+          </a:p>
+          <a:p>
+            <a:endParaRPr lang="en-US" dirty="0"/>
+          </a:p>
+          <a:p>
+            <a:endParaRPr lang="en-US" dirty="0"/>
+          </a:p>
+        </p:txBody>
+      </p:sp>
+    </p:spTree>
+    <p:extLst>
+      <p:ext uri="{BB962C8B-B14F-4D97-AF65-F5344CB8AC3E}">
+        <p14:creationId xmlns:p14="http://schemas.microsoft.com/office/powerpoint/2010/main" val="1323231805"/>
+      </p:ext>
+    </p:extLst>
+  </p:cSld>
+  <p:clrMapOvr>
+    <a:masterClrMapping/>
+  </p:clrMapOvr>
+</p:sld>
+</file>
+
 <file path=ppt/slides/slide2.xml><?xml version="1.0" encoding="utf-8"?>
 <p:sld xmlns:a="http://schemas.openxmlformats.org/drawingml/2006/main" xmlns:r="http://schemas.openxmlformats.org/officeDocument/2006/relationships" xmlns:p="http://schemas.openxmlformats.org/presentationml/2006/main">
   <p:cSld>
@@ -14219,6 +14363,240 @@
     <p:extLst>
       <p:ext uri="{BB962C8B-B14F-4D97-AF65-F5344CB8AC3E}">
         <p14:creationId xmlns:p14="http://schemas.microsoft.com/office/powerpoint/2010/main" val="304829104"/>
+      </p:ext>
+    </p:extLst>
+  </p:cSld>
+  <p:clrMapOvr>
+    <a:masterClrMapping/>
+  </p:clrMapOvr>
+</p:sld>
+</file>
+
+<file path=ppt/slides/slide20.xml><?xml version="1.0" encoding="utf-8"?>
+<p:sld xmlns:a="http://schemas.openxmlformats.org/drawingml/2006/main" xmlns:r="http://schemas.openxmlformats.org/officeDocument/2006/relationships" xmlns:p="http://schemas.openxmlformats.org/presentationml/2006/main">
+  <p:cSld>
+    <p:spTree>
+      <p:nvGrpSpPr>
+        <p:cNvPr id="1" name=""/>
+        <p:cNvGrpSpPr/>
+        <p:nvPr/>
+      </p:nvGrpSpPr>
+      <p:grpSpPr>
+        <a:xfrm>
+          <a:off x="0" y="0"/>
+          <a:ext cx="0" cy="0"/>
+          <a:chOff x="0" y="0"/>
+          <a:chExt cx="0" cy="0"/>
+        </a:xfrm>
+      </p:grpSpPr>
+      <p:sp>
+        <p:nvSpPr>
+          <p:cNvPr id="2" name="Title 1">
+            <a:extLst>
+              <a:ext uri="{FF2B5EF4-FFF2-40B4-BE49-F238E27FC236}">
+                <a16:creationId xmlns:a16="http://schemas.microsoft.com/office/drawing/2014/main" id="{D4C99E6C-30DA-49FF-AE43-75F69309BB26}"/>
+              </a:ext>
+            </a:extLst>
+          </p:cNvPr>
+          <p:cNvSpPr>
+            <a:spLocks noGrp="1"/>
+          </p:cNvSpPr>
+          <p:nvPr>
+            <p:ph type="title"/>
+          </p:nvPr>
+        </p:nvSpPr>
+        <p:spPr/>
+        <p:txBody>
+          <a:bodyPr/>
+          <a:lstStyle/>
+          <a:p>
+            <a:r>
+              <a:rPr lang="en-US" dirty="0"/>
+              <a:t>Work Going Forward</a:t>
+            </a:r>
+          </a:p>
+        </p:txBody>
+      </p:sp>
+      <p:sp>
+        <p:nvSpPr>
+          <p:cNvPr id="3" name="Content Placeholder 2">
+            <a:extLst>
+              <a:ext uri="{FF2B5EF4-FFF2-40B4-BE49-F238E27FC236}">
+                <a16:creationId xmlns:a16="http://schemas.microsoft.com/office/drawing/2014/main" id="{4A717BA5-ACC9-4A06-B9C3-5C183950F6BC}"/>
+              </a:ext>
+            </a:extLst>
+          </p:cNvPr>
+          <p:cNvSpPr>
+            <a:spLocks noGrp="1"/>
+          </p:cNvSpPr>
+          <p:nvPr>
+            <p:ph idx="1"/>
+          </p:nvPr>
+        </p:nvSpPr>
+        <p:spPr/>
+        <p:txBody>
+          <a:bodyPr/>
+          <a:lstStyle/>
+          <a:p>
+            <a:r>
+              <a:rPr lang="en-US" dirty="0"/>
+              <a:t>Mac/Linux executable setups</a:t>
+            </a:r>
+          </a:p>
+          <a:p>
+            <a:r>
+              <a:rPr lang="en-US" dirty="0"/>
+              <a:t>Mac/Linux LabVIEW Executables</a:t>
+            </a:r>
+          </a:p>
+          <a:p>
+            <a:r>
+              <a:rPr lang="en-US" dirty="0"/>
+              <a:t>LabVIEW Documentation</a:t>
+            </a:r>
+          </a:p>
+          <a:p>
+            <a:r>
+              <a:rPr lang="en-US" dirty="0"/>
+              <a:t>Other database insights?</a:t>
+            </a:r>
+          </a:p>
+          <a:p>
+            <a:r>
+              <a:rPr lang="en-US" dirty="0"/>
+              <a:t>Refine the demo version</a:t>
+            </a:r>
+          </a:p>
+          <a:p>
+            <a:r>
+              <a:rPr lang="en-US" dirty="0"/>
+              <a:t>Setup for connection to external MySQL server</a:t>
+            </a:r>
+          </a:p>
+        </p:txBody>
+      </p:sp>
+    </p:spTree>
+    <p:extLst>
+      <p:ext uri="{BB962C8B-B14F-4D97-AF65-F5344CB8AC3E}">
+        <p14:creationId xmlns:p14="http://schemas.microsoft.com/office/powerpoint/2010/main" val="3510450141"/>
+      </p:ext>
+    </p:extLst>
+  </p:cSld>
+  <p:clrMapOvr>
+    <a:masterClrMapping/>
+  </p:clrMapOvr>
+</p:sld>
+</file>
+
+<file path=ppt/slides/slide21.xml><?xml version="1.0" encoding="utf-8"?>
+<p:sld xmlns:a="http://schemas.openxmlformats.org/drawingml/2006/main" xmlns:r="http://schemas.openxmlformats.org/officeDocument/2006/relationships" xmlns:p="http://schemas.openxmlformats.org/presentationml/2006/main">
+  <p:cSld>
+    <p:spTree>
+      <p:nvGrpSpPr>
+        <p:cNvPr id="1" name=""/>
+        <p:cNvGrpSpPr/>
+        <p:nvPr/>
+      </p:nvGrpSpPr>
+      <p:grpSpPr>
+        <a:xfrm>
+          <a:off x="0" y="0"/>
+          <a:ext cx="0" cy="0"/>
+          <a:chOff x="0" y="0"/>
+          <a:chExt cx="0" cy="0"/>
+        </a:xfrm>
+      </p:grpSpPr>
+      <p:sp>
+        <p:nvSpPr>
+          <p:cNvPr id="2" name="Title 1">
+            <a:extLst>
+              <a:ext uri="{FF2B5EF4-FFF2-40B4-BE49-F238E27FC236}">
+                <a16:creationId xmlns:a16="http://schemas.microsoft.com/office/drawing/2014/main" id="{A5A5A45C-9CDB-402B-9B96-636F218992E7}"/>
+              </a:ext>
+            </a:extLst>
+          </p:cNvPr>
+          <p:cNvSpPr>
+            <a:spLocks noGrp="1"/>
+          </p:cNvSpPr>
+          <p:nvPr>
+            <p:ph type="title"/>
+          </p:nvPr>
+        </p:nvSpPr>
+        <p:spPr/>
+        <p:txBody>
+          <a:bodyPr/>
+          <a:lstStyle/>
+          <a:p>
+            <a:r>
+              <a:rPr lang="en-US" dirty="0"/>
+              <a:t>Windows Demo Version</a:t>
+            </a:r>
+          </a:p>
+        </p:txBody>
+      </p:sp>
+      <p:sp>
+        <p:nvSpPr>
+          <p:cNvPr id="3" name="Content Placeholder 2">
+            <a:extLst>
+              <a:ext uri="{FF2B5EF4-FFF2-40B4-BE49-F238E27FC236}">
+                <a16:creationId xmlns:a16="http://schemas.microsoft.com/office/drawing/2014/main" id="{357E6D70-06B2-4F73-9537-B40ADB242EDA}"/>
+              </a:ext>
+            </a:extLst>
+          </p:cNvPr>
+          <p:cNvSpPr>
+            <a:spLocks noGrp="1"/>
+          </p:cNvSpPr>
+          <p:nvPr>
+            <p:ph idx="1"/>
+          </p:nvPr>
+        </p:nvSpPr>
+        <p:spPr/>
+        <p:txBody>
+          <a:bodyPr/>
+          <a:lstStyle/>
+          <a:p>
+            <a:r>
+              <a:rPr lang="en-US" dirty="0">
+                <a:hlinkClick r:id="rId2"/>
+              </a:rPr>
+              <a:t>https://bit.ly/2Z7DOXY</a:t>
+            </a:r>
+            <a:endParaRPr lang="en-US" dirty="0"/>
+          </a:p>
+          <a:p>
+            <a:r>
+              <a:rPr lang="en-US" dirty="0"/>
+              <a:t>Clone my GitHub repository, use the Demo folder specifically</a:t>
+            </a:r>
+          </a:p>
+          <a:p>
+            <a:r>
+              <a:rPr lang="en-US" dirty="0"/>
+              <a:t>Executable and Setup tools are only Windows compatible, .vi files are available in the main folder</a:t>
+            </a:r>
+          </a:p>
+          <a:p>
+            <a:r>
+              <a:rPr lang="en-US" dirty="0"/>
+              <a:t>Demo pulls from saved data included in the .</a:t>
+            </a:r>
+            <a:r>
+              <a:rPr lang="en-US" dirty="0" err="1"/>
+              <a:t>pkl</a:t>
+            </a:r>
+            <a:r>
+              <a:rPr lang="en-US" dirty="0"/>
+              <a:t> file, no need to draw from database</a:t>
+            </a:r>
+          </a:p>
+          <a:p>
+            <a:endParaRPr lang="en-US" dirty="0"/>
+          </a:p>
+        </p:txBody>
+      </p:sp>
+    </p:spTree>
+    <p:extLst>
+      <p:ext uri="{BB962C8B-B14F-4D97-AF65-F5344CB8AC3E}">
+        <p14:creationId xmlns:p14="http://schemas.microsoft.com/office/powerpoint/2010/main" val="1505682374"/>
       </p:ext>
     </p:extLst>
   </p:cSld>

--- a/Dust_Data_Project.pptx
+++ b/Dust_Data_Project.pptx
@@ -279,7 +279,7 @@
           <a:p>
             <a:fld id="{FE061E4A-4E32-4A9C-BF91-22E1DB7CF4C9}" type="datetimeFigureOut">
               <a:rPr lang="en-US" smtClean="0"/>
-              <a:t>7/22/2019</a:t>
+              <a:t>7/23/2019</a:t>
             </a:fld>
             <a:endParaRPr lang="en-US"/>
           </a:p>
@@ -477,7 +477,7 @@
           <a:p>
             <a:fld id="{FE061E4A-4E32-4A9C-BF91-22E1DB7CF4C9}" type="datetimeFigureOut">
               <a:rPr lang="en-US" smtClean="0"/>
-              <a:t>7/22/2019</a:t>
+              <a:t>7/23/2019</a:t>
             </a:fld>
             <a:endParaRPr lang="en-US"/>
           </a:p>
@@ -685,7 +685,7 @@
           <a:p>
             <a:fld id="{FE061E4A-4E32-4A9C-BF91-22E1DB7CF4C9}" type="datetimeFigureOut">
               <a:rPr lang="en-US" smtClean="0"/>
-              <a:t>7/22/2019</a:t>
+              <a:t>7/23/2019</a:t>
             </a:fld>
             <a:endParaRPr lang="en-US"/>
           </a:p>
@@ -883,7 +883,7 @@
           <a:p>
             <a:fld id="{FE061E4A-4E32-4A9C-BF91-22E1DB7CF4C9}" type="datetimeFigureOut">
               <a:rPr lang="en-US" smtClean="0"/>
-              <a:t>7/22/2019</a:t>
+              <a:t>7/23/2019</a:t>
             </a:fld>
             <a:endParaRPr lang="en-US"/>
           </a:p>
@@ -1158,7 +1158,7 @@
           <a:p>
             <a:fld id="{FE061E4A-4E32-4A9C-BF91-22E1DB7CF4C9}" type="datetimeFigureOut">
               <a:rPr lang="en-US" smtClean="0"/>
-              <a:t>7/22/2019</a:t>
+              <a:t>7/23/2019</a:t>
             </a:fld>
             <a:endParaRPr lang="en-US"/>
           </a:p>
@@ -1423,7 +1423,7 @@
           <a:p>
             <a:fld id="{FE061E4A-4E32-4A9C-BF91-22E1DB7CF4C9}" type="datetimeFigureOut">
               <a:rPr lang="en-US" smtClean="0"/>
-              <a:t>7/22/2019</a:t>
+              <a:t>7/23/2019</a:t>
             </a:fld>
             <a:endParaRPr lang="en-US"/>
           </a:p>
@@ -1835,7 +1835,7 @@
           <a:p>
             <a:fld id="{FE061E4A-4E32-4A9C-BF91-22E1DB7CF4C9}" type="datetimeFigureOut">
               <a:rPr lang="en-US" smtClean="0"/>
-              <a:t>7/22/2019</a:t>
+              <a:t>7/23/2019</a:t>
             </a:fld>
             <a:endParaRPr lang="en-US"/>
           </a:p>
@@ -1976,7 +1976,7 @@
           <a:p>
             <a:fld id="{FE061E4A-4E32-4A9C-BF91-22E1DB7CF4C9}" type="datetimeFigureOut">
               <a:rPr lang="en-US" smtClean="0"/>
-              <a:t>7/22/2019</a:t>
+              <a:t>7/23/2019</a:t>
             </a:fld>
             <a:endParaRPr lang="en-US"/>
           </a:p>
@@ -2089,7 +2089,7 @@
           <a:p>
             <a:fld id="{FE061E4A-4E32-4A9C-BF91-22E1DB7CF4C9}" type="datetimeFigureOut">
               <a:rPr lang="en-US" smtClean="0"/>
-              <a:t>7/22/2019</a:t>
+              <a:t>7/23/2019</a:t>
             </a:fld>
             <a:endParaRPr lang="en-US"/>
           </a:p>
@@ -2400,7 +2400,7 @@
           <a:p>
             <a:fld id="{FE061E4A-4E32-4A9C-BF91-22E1DB7CF4C9}" type="datetimeFigureOut">
               <a:rPr lang="en-US" smtClean="0"/>
-              <a:t>7/22/2019</a:t>
+              <a:t>7/23/2019</a:t>
             </a:fld>
             <a:endParaRPr lang="en-US"/>
           </a:p>
@@ -2688,7 +2688,7 @@
           <a:p>
             <a:fld id="{FE061E4A-4E32-4A9C-BF91-22E1DB7CF4C9}" type="datetimeFigureOut">
               <a:rPr lang="en-US" smtClean="0"/>
-              <a:t>7/22/2019</a:t>
+              <a:t>7/23/2019</a:t>
             </a:fld>
             <a:endParaRPr lang="en-US"/>
           </a:p>
@@ -2929,7 +2929,7 @@
           <a:p>
             <a:fld id="{FE061E4A-4E32-4A9C-BF91-22E1DB7CF4C9}" type="datetimeFigureOut">
               <a:rPr lang="en-US" smtClean="0"/>
-              <a:t>7/22/2019</a:t>
+              <a:t>7/23/2019</a:t>
             </a:fld>
             <a:endParaRPr lang="en-US"/>
           </a:p>
@@ -14462,9 +14462,10 @@
             </a:r>
           </a:p>
           <a:p>
+            <a:pPr lvl="1"/>
             <a:r>
               <a:rPr lang="en-US" dirty="0"/>
-              <a:t>Refine the demo version</a:t>
+              <a:t>Optimal Rate</a:t>
             </a:r>
           </a:p>
           <a:p>

--- a/Dust_Data_Project.pptx
+++ b/Dust_Data_Project.pptx
@@ -26,6 +26,10 @@
     <p:sldId id="276" r:id="rId20"/>
     <p:sldId id="274" r:id="rId21"/>
     <p:sldId id="275" r:id="rId22"/>
+    <p:sldId id="280" r:id="rId23"/>
+    <p:sldId id="278" r:id="rId24"/>
+    <p:sldId id="277" r:id="rId25"/>
+    <p:sldId id="279" r:id="rId26"/>
   </p:sldIdLst>
   <p:sldSz cx="12192000" cy="6858000"/>
   <p:notesSz cx="6858000" cy="9144000"/>
@@ -279,7 +283,7 @@
           <a:p>
             <a:fld id="{FE061E4A-4E32-4A9C-BF91-22E1DB7CF4C9}" type="datetimeFigureOut">
               <a:rPr lang="en-US" smtClean="0"/>
-              <a:t>7/23/2019</a:t>
+              <a:t>7/29/2019</a:t>
             </a:fld>
             <a:endParaRPr lang="en-US"/>
           </a:p>
@@ -477,7 +481,7 @@
           <a:p>
             <a:fld id="{FE061E4A-4E32-4A9C-BF91-22E1DB7CF4C9}" type="datetimeFigureOut">
               <a:rPr lang="en-US" smtClean="0"/>
-              <a:t>7/23/2019</a:t>
+              <a:t>7/29/2019</a:t>
             </a:fld>
             <a:endParaRPr lang="en-US"/>
           </a:p>
@@ -685,7 +689,7 @@
           <a:p>
             <a:fld id="{FE061E4A-4E32-4A9C-BF91-22E1DB7CF4C9}" type="datetimeFigureOut">
               <a:rPr lang="en-US" smtClean="0"/>
-              <a:t>7/23/2019</a:t>
+              <a:t>7/29/2019</a:t>
             </a:fld>
             <a:endParaRPr lang="en-US"/>
           </a:p>
@@ -883,7 +887,7 @@
           <a:p>
             <a:fld id="{FE061E4A-4E32-4A9C-BF91-22E1DB7CF4C9}" type="datetimeFigureOut">
               <a:rPr lang="en-US" smtClean="0"/>
-              <a:t>7/23/2019</a:t>
+              <a:t>7/29/2019</a:t>
             </a:fld>
             <a:endParaRPr lang="en-US"/>
           </a:p>
@@ -1158,7 +1162,7 @@
           <a:p>
             <a:fld id="{FE061E4A-4E32-4A9C-BF91-22E1DB7CF4C9}" type="datetimeFigureOut">
               <a:rPr lang="en-US" smtClean="0"/>
-              <a:t>7/23/2019</a:t>
+              <a:t>7/29/2019</a:t>
             </a:fld>
             <a:endParaRPr lang="en-US"/>
           </a:p>
@@ -1423,7 +1427,7 @@
           <a:p>
             <a:fld id="{FE061E4A-4E32-4A9C-BF91-22E1DB7CF4C9}" type="datetimeFigureOut">
               <a:rPr lang="en-US" smtClean="0"/>
-              <a:t>7/23/2019</a:t>
+              <a:t>7/29/2019</a:t>
             </a:fld>
             <a:endParaRPr lang="en-US"/>
           </a:p>
@@ -1835,7 +1839,7 @@
           <a:p>
             <a:fld id="{FE061E4A-4E32-4A9C-BF91-22E1DB7CF4C9}" type="datetimeFigureOut">
               <a:rPr lang="en-US" smtClean="0"/>
-              <a:t>7/23/2019</a:t>
+              <a:t>7/29/2019</a:t>
             </a:fld>
             <a:endParaRPr lang="en-US"/>
           </a:p>
@@ -1976,7 +1980,7 @@
           <a:p>
             <a:fld id="{FE061E4A-4E32-4A9C-BF91-22E1DB7CF4C9}" type="datetimeFigureOut">
               <a:rPr lang="en-US" smtClean="0"/>
-              <a:t>7/23/2019</a:t>
+              <a:t>7/29/2019</a:t>
             </a:fld>
             <a:endParaRPr lang="en-US"/>
           </a:p>
@@ -2089,7 +2093,7 @@
           <a:p>
             <a:fld id="{FE061E4A-4E32-4A9C-BF91-22E1DB7CF4C9}" type="datetimeFigureOut">
               <a:rPr lang="en-US" smtClean="0"/>
-              <a:t>7/23/2019</a:t>
+              <a:t>7/29/2019</a:t>
             </a:fld>
             <a:endParaRPr lang="en-US"/>
           </a:p>
@@ -2400,7 +2404,7 @@
           <a:p>
             <a:fld id="{FE061E4A-4E32-4A9C-BF91-22E1DB7CF4C9}" type="datetimeFigureOut">
               <a:rPr lang="en-US" smtClean="0"/>
-              <a:t>7/23/2019</a:t>
+              <a:t>7/29/2019</a:t>
             </a:fld>
             <a:endParaRPr lang="en-US"/>
           </a:p>
@@ -2688,7 +2692,7 @@
           <a:p>
             <a:fld id="{FE061E4A-4E32-4A9C-BF91-22E1DB7CF4C9}" type="datetimeFigureOut">
               <a:rPr lang="en-US" smtClean="0"/>
-              <a:t>7/23/2019</a:t>
+              <a:t>7/29/2019</a:t>
             </a:fld>
             <a:endParaRPr lang="en-US"/>
           </a:p>
@@ -2929,7 +2933,7 @@
           <a:p>
             <a:fld id="{FE061E4A-4E32-4A9C-BF91-22E1DB7CF4C9}" type="datetimeFigureOut">
               <a:rPr lang="en-US" smtClean="0"/>
-              <a:t>7/23/2019</a:t>
+              <a:t>7/29/2019</a:t>
             </a:fld>
             <a:endParaRPr lang="en-US"/>
           </a:p>
@@ -14607,6 +14611,385 @@
 </p:sld>
 </file>
 
+<file path=ppt/slides/slide22.xml><?xml version="1.0" encoding="utf-8"?>
+<p:sld xmlns:a="http://schemas.openxmlformats.org/drawingml/2006/main" xmlns:r="http://schemas.openxmlformats.org/officeDocument/2006/relationships" xmlns:p="http://schemas.openxmlformats.org/presentationml/2006/main">
+  <p:cSld>
+    <p:spTree>
+      <p:nvGrpSpPr>
+        <p:cNvPr id="1" name=""/>
+        <p:cNvGrpSpPr/>
+        <p:nvPr/>
+      </p:nvGrpSpPr>
+      <p:grpSpPr>
+        <a:xfrm>
+          <a:off x="0" y="0"/>
+          <a:ext cx="0" cy="0"/>
+          <a:chOff x="0" y="0"/>
+          <a:chExt cx="0" cy="0"/>
+        </a:xfrm>
+      </p:grpSpPr>
+      <p:sp>
+        <p:nvSpPr>
+          <p:cNvPr id="2" name="Title 1">
+            <a:extLst>
+              <a:ext uri="{FF2B5EF4-FFF2-40B4-BE49-F238E27FC236}">
+                <a16:creationId xmlns:a16="http://schemas.microsoft.com/office/drawing/2014/main" id="{5F76F6A8-A427-41B0-B792-B7478FC2F91C}"/>
+              </a:ext>
+            </a:extLst>
+          </p:cNvPr>
+          <p:cNvSpPr>
+            <a:spLocks noGrp="1"/>
+          </p:cNvSpPr>
+          <p:nvPr>
+            <p:ph type="title"/>
+          </p:nvPr>
+        </p:nvSpPr>
+        <p:spPr/>
+        <p:txBody>
+          <a:bodyPr/>
+          <a:lstStyle/>
+          <a:p>
+            <a:r>
+              <a:rPr lang="en-US" dirty="0"/>
+              <a:t>Performance Factor</a:t>
+            </a:r>
+          </a:p>
+        </p:txBody>
+      </p:sp>
+      <p:sp>
+        <p:nvSpPr>
+          <p:cNvPr id="3" name="Content Placeholder 2">
+            <a:extLst>
+              <a:ext uri="{FF2B5EF4-FFF2-40B4-BE49-F238E27FC236}">
+                <a16:creationId xmlns:a16="http://schemas.microsoft.com/office/drawing/2014/main" id="{BC03EF23-DD57-409E-9D46-B3D1276F52D8}"/>
+              </a:ext>
+            </a:extLst>
+          </p:cNvPr>
+          <p:cNvSpPr>
+            <a:spLocks noGrp="1"/>
+          </p:cNvSpPr>
+          <p:nvPr>
+            <p:ph idx="1"/>
+          </p:nvPr>
+        </p:nvSpPr>
+        <p:spPr/>
+        <p:txBody>
+          <a:bodyPr/>
+          <a:lstStyle/>
+          <a:p>
+            <a:pPr marL="0" indent="0">
+              <a:buNone/>
+            </a:pPr>
+            <a:r>
+              <a:rPr lang="en-US" dirty="0"/>
+              <a:t>Comparison to an “expected” mean session</a:t>
+            </a:r>
+          </a:p>
+        </p:txBody>
+      </p:sp>
+    </p:spTree>
+    <p:extLst>
+      <p:ext uri="{BB962C8B-B14F-4D97-AF65-F5344CB8AC3E}">
+        <p14:creationId xmlns:p14="http://schemas.microsoft.com/office/powerpoint/2010/main" val="891354714"/>
+      </p:ext>
+    </p:extLst>
+  </p:cSld>
+  <p:clrMapOvr>
+    <a:masterClrMapping/>
+  </p:clrMapOvr>
+</p:sld>
+</file>
+
+<file path=ppt/slides/slide23.xml><?xml version="1.0" encoding="utf-8"?>
+<p:sld xmlns:a="http://schemas.openxmlformats.org/drawingml/2006/main" xmlns:r="http://schemas.openxmlformats.org/officeDocument/2006/relationships" xmlns:p="http://schemas.openxmlformats.org/presentationml/2006/main">
+  <p:cSld>
+    <p:spTree>
+      <p:nvGrpSpPr>
+        <p:cNvPr id="1" name=""/>
+        <p:cNvGrpSpPr/>
+        <p:nvPr/>
+      </p:nvGrpSpPr>
+      <p:grpSpPr>
+        <a:xfrm>
+          <a:off x="0" y="0"/>
+          <a:ext cx="0" cy="0"/>
+          <a:chOff x="0" y="0"/>
+          <a:chExt cx="0" cy="0"/>
+        </a:xfrm>
+      </p:grpSpPr>
+      <p:pic>
+        <p:nvPicPr>
+          <p:cNvPr id="5" name="Picture 4" descr="A picture containing screenshot&#10;&#10;Description automatically generated">
+            <a:extLst>
+              <a:ext uri="{FF2B5EF4-FFF2-40B4-BE49-F238E27FC236}">
+                <a16:creationId xmlns:a16="http://schemas.microsoft.com/office/drawing/2014/main" id="{10A4C676-9D95-4F77-8D7F-963DB49ADEAB}"/>
+              </a:ext>
+            </a:extLst>
+          </p:cNvPr>
+          <p:cNvPicPr>
+            <a:picLocks noChangeAspect="1"/>
+          </p:cNvPicPr>
+          <p:nvPr/>
+        </p:nvPicPr>
+        <p:blipFill>
+          <a:blip r:embed="rId2">
+            <a:extLst>
+              <a:ext uri="{28A0092B-C50C-407E-A947-70E740481C1C}">
+                <a14:useLocalDpi xmlns:a14="http://schemas.microsoft.com/office/drawing/2010/main" val="0"/>
+              </a:ext>
+            </a:extLst>
+          </a:blip>
+          <a:stretch>
+            <a:fillRect/>
+          </a:stretch>
+        </p:blipFill>
+        <p:spPr>
+          <a:xfrm>
+            <a:off x="419450" y="401506"/>
+            <a:ext cx="11772550" cy="6278694"/>
+          </a:xfrm>
+          <a:prstGeom prst="rect">
+            <a:avLst/>
+          </a:prstGeom>
+        </p:spPr>
+      </p:pic>
+      <p:sp>
+        <p:nvSpPr>
+          <p:cNvPr id="2" name="Title 1">
+            <a:extLst>
+              <a:ext uri="{FF2B5EF4-FFF2-40B4-BE49-F238E27FC236}">
+                <a16:creationId xmlns:a16="http://schemas.microsoft.com/office/drawing/2014/main" id="{23B0CD1D-94F3-44CA-AF8A-916778F408DA}"/>
+              </a:ext>
+            </a:extLst>
+          </p:cNvPr>
+          <p:cNvSpPr>
+            <a:spLocks noGrp="1"/>
+          </p:cNvSpPr>
+          <p:nvPr>
+            <p:ph type="title"/>
+          </p:nvPr>
+        </p:nvSpPr>
+        <p:spPr>
+          <a:xfrm>
+            <a:off x="3782736" y="0"/>
+            <a:ext cx="10515600" cy="1325563"/>
+          </a:xfrm>
+        </p:spPr>
+        <p:txBody>
+          <a:bodyPr/>
+          <a:lstStyle/>
+          <a:p>
+            <a:r>
+              <a:rPr lang="en-US" dirty="0"/>
+              <a:t>Performance Distribution</a:t>
+            </a:r>
+          </a:p>
+        </p:txBody>
+      </p:sp>
+    </p:spTree>
+    <p:extLst>
+      <p:ext uri="{BB962C8B-B14F-4D97-AF65-F5344CB8AC3E}">
+        <p14:creationId xmlns:p14="http://schemas.microsoft.com/office/powerpoint/2010/main" val="3576612028"/>
+      </p:ext>
+    </p:extLst>
+  </p:cSld>
+  <p:clrMapOvr>
+    <a:masterClrMapping/>
+  </p:clrMapOvr>
+</p:sld>
+</file>
+
+<file path=ppt/slides/slide24.xml><?xml version="1.0" encoding="utf-8"?>
+<p:sld xmlns:a="http://schemas.openxmlformats.org/drawingml/2006/main" xmlns:r="http://schemas.openxmlformats.org/officeDocument/2006/relationships" xmlns:p="http://schemas.openxmlformats.org/presentationml/2006/main">
+  <p:cSld>
+    <p:spTree>
+      <p:nvGrpSpPr>
+        <p:cNvPr id="1" name=""/>
+        <p:cNvGrpSpPr/>
+        <p:nvPr/>
+      </p:nvGrpSpPr>
+      <p:grpSpPr>
+        <a:xfrm>
+          <a:off x="0" y="0"/>
+          <a:ext cx="0" cy="0"/>
+          <a:chOff x="0" y="0"/>
+          <a:chExt cx="0" cy="0"/>
+        </a:xfrm>
+      </p:grpSpPr>
+      <p:sp>
+        <p:nvSpPr>
+          <p:cNvPr id="2" name="Title 1">
+            <a:extLst>
+              <a:ext uri="{FF2B5EF4-FFF2-40B4-BE49-F238E27FC236}">
+                <a16:creationId xmlns:a16="http://schemas.microsoft.com/office/drawing/2014/main" id="{91B68519-0B64-47C3-A0FB-0842BAB05FA7}"/>
+              </a:ext>
+            </a:extLst>
+          </p:cNvPr>
+          <p:cNvSpPr>
+            <a:spLocks noGrp="1"/>
+          </p:cNvSpPr>
+          <p:nvPr>
+            <p:ph type="title"/>
+          </p:nvPr>
+        </p:nvSpPr>
+        <p:spPr>
+          <a:xfrm>
+            <a:off x="762301" y="-180159"/>
+            <a:ext cx="10515600" cy="1325563"/>
+          </a:xfrm>
+        </p:spPr>
+        <p:txBody>
+          <a:bodyPr/>
+          <a:lstStyle/>
+          <a:p>
+            <a:r>
+              <a:rPr lang="en-US" dirty="0"/>
+              <a:t>Does increasing min v change performance?</a:t>
+            </a:r>
+          </a:p>
+        </p:txBody>
+      </p:sp>
+      <p:pic>
+        <p:nvPicPr>
+          <p:cNvPr id="5" name="Content Placeholder 4" descr="A close up of a map&#10;&#10;Description automatically generated">
+            <a:extLst>
+              <a:ext uri="{FF2B5EF4-FFF2-40B4-BE49-F238E27FC236}">
+                <a16:creationId xmlns:a16="http://schemas.microsoft.com/office/drawing/2014/main" id="{84A19DFE-9390-4600-A7D3-07F111E3D0F7}"/>
+              </a:ext>
+            </a:extLst>
+          </p:cNvPr>
+          <p:cNvPicPr>
+            <a:picLocks noGrp="1" noChangeAspect="1"/>
+          </p:cNvPicPr>
+          <p:nvPr>
+            <p:ph idx="1"/>
+          </p:nvPr>
+        </p:nvPicPr>
+        <p:blipFill>
+          <a:blip r:embed="rId2">
+            <a:extLst>
+              <a:ext uri="{28A0092B-C50C-407E-A947-70E740481C1C}">
+                <a14:useLocalDpi xmlns:a14="http://schemas.microsoft.com/office/drawing/2010/main" val="0"/>
+              </a:ext>
+            </a:extLst>
+          </a:blip>
+          <a:stretch>
+            <a:fillRect/>
+          </a:stretch>
+        </p:blipFill>
+        <p:spPr>
+          <a:xfrm>
+            <a:off x="2353961" y="784625"/>
+            <a:ext cx="7484077" cy="5613058"/>
+          </a:xfrm>
+        </p:spPr>
+      </p:pic>
+    </p:spTree>
+    <p:extLst>
+      <p:ext uri="{BB962C8B-B14F-4D97-AF65-F5344CB8AC3E}">
+        <p14:creationId xmlns:p14="http://schemas.microsoft.com/office/powerpoint/2010/main" val="1234422390"/>
+      </p:ext>
+    </p:extLst>
+  </p:cSld>
+  <p:clrMapOvr>
+    <a:masterClrMapping/>
+  </p:clrMapOvr>
+</p:sld>
+</file>
+
+<file path=ppt/slides/slide25.xml><?xml version="1.0" encoding="utf-8"?>
+<p:sld xmlns:a="http://schemas.openxmlformats.org/drawingml/2006/main" xmlns:r="http://schemas.openxmlformats.org/officeDocument/2006/relationships" xmlns:p="http://schemas.openxmlformats.org/presentationml/2006/main">
+  <p:cSld>
+    <p:spTree>
+      <p:nvGrpSpPr>
+        <p:cNvPr id="1" name=""/>
+        <p:cNvGrpSpPr/>
+        <p:nvPr/>
+      </p:nvGrpSpPr>
+      <p:grpSpPr>
+        <a:xfrm>
+          <a:off x="0" y="0"/>
+          <a:ext cx="0" cy="0"/>
+          <a:chOff x="0" y="0"/>
+          <a:chExt cx="0" cy="0"/>
+        </a:xfrm>
+      </p:grpSpPr>
+      <p:sp>
+        <p:nvSpPr>
+          <p:cNvPr id="2" name="Title 1">
+            <a:extLst>
+              <a:ext uri="{FF2B5EF4-FFF2-40B4-BE49-F238E27FC236}">
+                <a16:creationId xmlns:a16="http://schemas.microsoft.com/office/drawing/2014/main" id="{BD2F4936-9483-409F-BFAA-98EE23ED550E}"/>
+              </a:ext>
+            </a:extLst>
+          </p:cNvPr>
+          <p:cNvSpPr>
+            <a:spLocks noGrp="1"/>
+          </p:cNvSpPr>
+          <p:nvPr>
+            <p:ph type="title"/>
+          </p:nvPr>
+        </p:nvSpPr>
+        <p:spPr>
+          <a:xfrm>
+            <a:off x="838200" y="365125"/>
+            <a:ext cx="3943525" cy="5708504"/>
+          </a:xfrm>
+        </p:spPr>
+        <p:txBody>
+          <a:bodyPr/>
+          <a:lstStyle/>
+          <a:p>
+            <a:r>
+              <a:rPr lang="en-US" dirty="0"/>
+              <a:t>Increased Specificity and Performance</a:t>
+            </a:r>
+          </a:p>
+        </p:txBody>
+      </p:sp>
+      <p:pic>
+        <p:nvPicPr>
+          <p:cNvPr id="4" name="Picture 3">
+            <a:extLst>
+              <a:ext uri="{FF2B5EF4-FFF2-40B4-BE49-F238E27FC236}">
+                <a16:creationId xmlns:a16="http://schemas.microsoft.com/office/drawing/2014/main" id="{5B0929B8-5410-4AE3-8449-112A024881E2}"/>
+              </a:ext>
+            </a:extLst>
+          </p:cNvPr>
+          <p:cNvPicPr>
+            <a:picLocks noChangeAspect="1"/>
+          </p:cNvPicPr>
+          <p:nvPr/>
+        </p:nvPicPr>
+        <p:blipFill>
+          <a:blip r:embed="rId2"/>
+          <a:stretch>
+            <a:fillRect/>
+          </a:stretch>
+        </p:blipFill>
+        <p:spPr>
+          <a:xfrm>
+            <a:off x="4901618" y="0"/>
+            <a:ext cx="7086600" cy="6619875"/>
+          </a:xfrm>
+          <a:prstGeom prst="rect">
+            <a:avLst/>
+          </a:prstGeom>
+        </p:spPr>
+      </p:pic>
+    </p:spTree>
+    <p:extLst>
+      <p:ext uri="{BB962C8B-B14F-4D97-AF65-F5344CB8AC3E}">
+        <p14:creationId xmlns:p14="http://schemas.microsoft.com/office/powerpoint/2010/main" val="2063002891"/>
+      </p:ext>
+    </p:extLst>
+  </p:cSld>
+  <p:clrMapOvr>
+    <a:masterClrMapping/>
+  </p:clrMapOvr>
+</p:sld>
+</file>
+
 <file path=ppt/slides/slide3.xml><?xml version="1.0" encoding="utf-8"?>
 <p:sld xmlns:a="http://schemas.openxmlformats.org/drawingml/2006/main" xmlns:r="http://schemas.openxmlformats.org/officeDocument/2006/relationships" xmlns:p="http://schemas.openxmlformats.org/presentationml/2006/main">
   <p:cSld>

--- a/Dust_Data_Project.pptx
+++ b/Dust_Data_Project.pptx
@@ -30,6 +30,7 @@
     <p:sldId id="278" r:id="rId24"/>
     <p:sldId id="277" r:id="rId25"/>
     <p:sldId id="279" r:id="rId26"/>
+    <p:sldId id="281" r:id="rId27"/>
   </p:sldIdLst>
   <p:sldSz cx="12192000" cy="6858000"/>
   <p:notesSz cx="6858000" cy="9144000"/>
@@ -283,7 +284,7 @@
           <a:p>
             <a:fld id="{FE061E4A-4E32-4A9C-BF91-22E1DB7CF4C9}" type="datetimeFigureOut">
               <a:rPr lang="en-US" smtClean="0"/>
-              <a:t>7/29/2019</a:t>
+              <a:t>8/13/2019</a:t>
             </a:fld>
             <a:endParaRPr lang="en-US"/>
           </a:p>
@@ -481,7 +482,7 @@
           <a:p>
             <a:fld id="{FE061E4A-4E32-4A9C-BF91-22E1DB7CF4C9}" type="datetimeFigureOut">
               <a:rPr lang="en-US" smtClean="0"/>
-              <a:t>7/29/2019</a:t>
+              <a:t>8/13/2019</a:t>
             </a:fld>
             <a:endParaRPr lang="en-US"/>
           </a:p>
@@ -689,7 +690,7 @@
           <a:p>
             <a:fld id="{FE061E4A-4E32-4A9C-BF91-22E1DB7CF4C9}" type="datetimeFigureOut">
               <a:rPr lang="en-US" smtClean="0"/>
-              <a:t>7/29/2019</a:t>
+              <a:t>8/13/2019</a:t>
             </a:fld>
             <a:endParaRPr lang="en-US"/>
           </a:p>
@@ -887,7 +888,7 @@
           <a:p>
             <a:fld id="{FE061E4A-4E32-4A9C-BF91-22E1DB7CF4C9}" type="datetimeFigureOut">
               <a:rPr lang="en-US" smtClean="0"/>
-              <a:t>7/29/2019</a:t>
+              <a:t>8/13/2019</a:t>
             </a:fld>
             <a:endParaRPr lang="en-US"/>
           </a:p>
@@ -1162,7 +1163,7 @@
           <a:p>
             <a:fld id="{FE061E4A-4E32-4A9C-BF91-22E1DB7CF4C9}" type="datetimeFigureOut">
               <a:rPr lang="en-US" smtClean="0"/>
-              <a:t>7/29/2019</a:t>
+              <a:t>8/13/2019</a:t>
             </a:fld>
             <a:endParaRPr lang="en-US"/>
           </a:p>
@@ -1427,7 +1428,7 @@
           <a:p>
             <a:fld id="{FE061E4A-4E32-4A9C-BF91-22E1DB7CF4C9}" type="datetimeFigureOut">
               <a:rPr lang="en-US" smtClean="0"/>
-              <a:t>7/29/2019</a:t>
+              <a:t>8/13/2019</a:t>
             </a:fld>
             <a:endParaRPr lang="en-US"/>
           </a:p>
@@ -1839,7 +1840,7 @@
           <a:p>
             <a:fld id="{FE061E4A-4E32-4A9C-BF91-22E1DB7CF4C9}" type="datetimeFigureOut">
               <a:rPr lang="en-US" smtClean="0"/>
-              <a:t>7/29/2019</a:t>
+              <a:t>8/13/2019</a:t>
             </a:fld>
             <a:endParaRPr lang="en-US"/>
           </a:p>
@@ -1980,7 +1981,7 @@
           <a:p>
             <a:fld id="{FE061E4A-4E32-4A9C-BF91-22E1DB7CF4C9}" type="datetimeFigureOut">
               <a:rPr lang="en-US" smtClean="0"/>
-              <a:t>7/29/2019</a:t>
+              <a:t>8/13/2019</a:t>
             </a:fld>
             <a:endParaRPr lang="en-US"/>
           </a:p>
@@ -2093,7 +2094,7 @@
           <a:p>
             <a:fld id="{FE061E4A-4E32-4A9C-BF91-22E1DB7CF4C9}" type="datetimeFigureOut">
               <a:rPr lang="en-US" smtClean="0"/>
-              <a:t>7/29/2019</a:t>
+              <a:t>8/13/2019</a:t>
             </a:fld>
             <a:endParaRPr lang="en-US"/>
           </a:p>
@@ -2404,7 +2405,7 @@
           <a:p>
             <a:fld id="{FE061E4A-4E32-4A9C-BF91-22E1DB7CF4C9}" type="datetimeFigureOut">
               <a:rPr lang="en-US" smtClean="0"/>
-              <a:t>7/29/2019</a:t>
+              <a:t>8/13/2019</a:t>
             </a:fld>
             <a:endParaRPr lang="en-US"/>
           </a:p>
@@ -2692,7 +2693,7 @@
           <a:p>
             <a:fld id="{FE061E4A-4E32-4A9C-BF91-22E1DB7CF4C9}" type="datetimeFigureOut">
               <a:rPr lang="en-US" smtClean="0"/>
-              <a:t>7/29/2019</a:t>
+              <a:t>8/13/2019</a:t>
             </a:fld>
             <a:endParaRPr lang="en-US"/>
           </a:p>
@@ -2933,7 +2934,7 @@
           <a:p>
             <a:fld id="{FE061E4A-4E32-4A9C-BF91-22E1DB7CF4C9}" type="datetimeFigureOut">
               <a:rPr lang="en-US" smtClean="0"/>
-              <a:t>7/29/2019</a:t>
+              <a:t>8/13/2019</a:t>
             </a:fld>
             <a:endParaRPr lang="en-US"/>
           </a:p>
@@ -14656,33 +14657,1441 @@
           </a:p>
         </p:txBody>
       </p:sp>
-      <p:sp>
-        <p:nvSpPr>
-          <p:cNvPr id="3" name="Content Placeholder 2">
-            <a:extLst>
-              <a:ext uri="{FF2B5EF4-FFF2-40B4-BE49-F238E27FC236}">
-                <a16:creationId xmlns:a16="http://schemas.microsoft.com/office/drawing/2014/main" id="{BC03EF23-DD57-409E-9D46-B3D1276F52D8}"/>
-              </a:ext>
-            </a:extLst>
-          </p:cNvPr>
-          <p:cNvSpPr>
-            <a:spLocks noGrp="1"/>
-          </p:cNvSpPr>
-          <p:nvPr>
-            <p:ph idx="1"/>
-          </p:nvPr>
-        </p:nvSpPr>
-        <p:spPr/>
-        <p:txBody>
-          <a:bodyPr/>
-          <a:lstStyle/>
-          <a:p>
-            <a:pPr marL="0" indent="0">
-              <a:buNone/>
-            </a:pPr>
+      <p:pic>
+        <p:nvPicPr>
+          <p:cNvPr id="4" name="Picture 3">
+            <a:extLst>
+              <a:ext uri="{FF2B5EF4-FFF2-40B4-BE49-F238E27FC236}">
+                <a16:creationId xmlns:a16="http://schemas.microsoft.com/office/drawing/2014/main" id="{691E7709-2C82-4BA4-A22A-944A46261143}"/>
+              </a:ext>
+            </a:extLst>
+          </p:cNvPr>
+          <p:cNvPicPr>
+            <a:picLocks noChangeAspect="1"/>
+          </p:cNvPicPr>
+          <p:nvPr/>
+        </p:nvPicPr>
+        <p:blipFill>
+          <a:blip r:embed="rId2"/>
+          <a:stretch>
+            <a:fillRect/>
+          </a:stretch>
+        </p:blipFill>
+        <p:spPr>
+          <a:xfrm>
+            <a:off x="4558321" y="1504562"/>
+            <a:ext cx="6766938" cy="4740595"/>
+          </a:xfrm>
+          <a:prstGeom prst="rect">
+            <a:avLst/>
+          </a:prstGeom>
+        </p:spPr>
+      </p:pic>
+      <p:sp>
+        <p:nvSpPr>
+          <p:cNvPr id="6" name="TextBox 5">
+            <a:extLst>
+              <a:ext uri="{FF2B5EF4-FFF2-40B4-BE49-F238E27FC236}">
+                <a16:creationId xmlns:a16="http://schemas.microsoft.com/office/drawing/2014/main" id="{F1D5B3A2-36AF-4E3C-964D-865FE0515B00}"/>
+              </a:ext>
+            </a:extLst>
+          </p:cNvPr>
+          <p:cNvSpPr txBox="1"/>
+          <p:nvPr/>
+        </p:nvSpPr>
+        <p:spPr>
+          <a:xfrm>
+            <a:off x="838200" y="3413194"/>
+            <a:ext cx="3439486" cy="923330"/>
+          </a:xfrm>
+          <a:prstGeom prst="rect">
+            <a:avLst/>
+          </a:prstGeom>
+          <a:noFill/>
+        </p:spPr>
+        <p:txBody>
+          <a:bodyPr wrap="square" rtlCol="0">
+            <a:spAutoFit/>
+          </a:bodyPr>
+          <a:lstStyle/>
+          <a:p>
             <a:r>
               <a:rPr lang="en-US" dirty="0"/>
-              <a:t>Comparison to an “expected” mean session</a:t>
+              <a:t>Session</a:t>
+            </a:r>
+          </a:p>
+          <a:p>
+            <a:r>
+              <a:rPr lang="en-US" dirty="0"/>
+              <a:t>445 dust events in 2 hours</a:t>
+            </a:r>
+          </a:p>
+          <a:p>
+            <a:r>
+              <a:rPr lang="en-US" dirty="0"/>
+              <a:t>5km/s – 30km/s</a:t>
+            </a:r>
+          </a:p>
+        </p:txBody>
+      </p:sp>
+      <p:cxnSp>
+        <p:nvCxnSpPr>
+          <p:cNvPr id="8" name="Straight Connector 7">
+            <a:extLst>
+              <a:ext uri="{FF2B5EF4-FFF2-40B4-BE49-F238E27FC236}">
+                <a16:creationId xmlns:a16="http://schemas.microsoft.com/office/drawing/2014/main" id="{7041125F-A150-4071-870F-3BA7338D163C}"/>
+              </a:ext>
+            </a:extLst>
+          </p:cNvPr>
+          <p:cNvCxnSpPr>
+            <a:cxnSpLocks/>
+          </p:cNvCxnSpPr>
+          <p:nvPr/>
+        </p:nvCxnSpPr>
+        <p:spPr>
+          <a:xfrm flipV="1">
+            <a:off x="6096000" y="1963024"/>
+            <a:ext cx="0" cy="3491075"/>
+          </a:xfrm>
+          <a:prstGeom prst="line">
+            <a:avLst/>
+          </a:prstGeom>
+          <a:ln w="34925"/>
+        </p:spPr>
+        <p:style>
+          <a:lnRef idx="1">
+            <a:schemeClr val="accent2"/>
+          </a:lnRef>
+          <a:fillRef idx="0">
+            <a:schemeClr val="accent2"/>
+          </a:fillRef>
+          <a:effectRef idx="0">
+            <a:schemeClr val="accent2"/>
+          </a:effectRef>
+          <a:fontRef idx="minor">
+            <a:schemeClr val="tx1"/>
+          </a:fontRef>
+        </p:style>
+      </p:cxnSp>
+      <p:cxnSp>
+        <p:nvCxnSpPr>
+          <p:cNvPr id="10" name="Straight Connector 9">
+            <a:extLst>
+              <a:ext uri="{FF2B5EF4-FFF2-40B4-BE49-F238E27FC236}">
+                <a16:creationId xmlns:a16="http://schemas.microsoft.com/office/drawing/2014/main" id="{38043FDD-B333-48F5-B477-2A54BB9178BE}"/>
+              </a:ext>
+            </a:extLst>
+          </p:cNvPr>
+          <p:cNvCxnSpPr>
+            <a:cxnSpLocks/>
+          </p:cNvCxnSpPr>
+          <p:nvPr/>
+        </p:nvCxnSpPr>
+        <p:spPr>
+          <a:xfrm flipV="1">
+            <a:off x="7078910" y="1963023"/>
+            <a:ext cx="0" cy="3491075"/>
+          </a:xfrm>
+          <a:prstGeom prst="line">
+            <a:avLst/>
+          </a:prstGeom>
+          <a:ln w="34925"/>
+        </p:spPr>
+        <p:style>
+          <a:lnRef idx="1">
+            <a:schemeClr val="accent2"/>
+          </a:lnRef>
+          <a:fillRef idx="0">
+            <a:schemeClr val="accent2"/>
+          </a:fillRef>
+          <a:effectRef idx="0">
+            <a:schemeClr val="accent2"/>
+          </a:effectRef>
+          <a:fontRef idx="minor">
+            <a:schemeClr val="tx1"/>
+          </a:fontRef>
+        </p:style>
+      </p:cxnSp>
+      <p:sp>
+        <p:nvSpPr>
+          <p:cNvPr id="12" name="Freeform: Shape 11">
+            <a:extLst>
+              <a:ext uri="{FF2B5EF4-FFF2-40B4-BE49-F238E27FC236}">
+                <a16:creationId xmlns:a16="http://schemas.microsoft.com/office/drawing/2014/main" id="{8F3B8C38-D843-496F-9218-3052F5CADDD0}"/>
+              </a:ext>
+            </a:extLst>
+          </p:cNvPr>
+          <p:cNvSpPr/>
+          <p:nvPr/>
+        </p:nvSpPr>
+        <p:spPr>
+          <a:xfrm>
+            <a:off x="6129579" y="3229761"/>
+            <a:ext cx="850061" cy="2063692"/>
+          </a:xfrm>
+          <a:custGeom>
+            <a:avLst/>
+            <a:gdLst>
+              <a:gd name="connsiteX0" fmla="*/ 78274 w 850061"/>
+              <a:gd name="connsiteY0" fmla="*/ 0 h 2063692"/>
+              <a:gd name="connsiteX1" fmla="*/ 103441 w 850061"/>
+              <a:gd name="connsiteY1" fmla="*/ 100668 h 2063692"/>
+              <a:gd name="connsiteX2" fmla="*/ 53107 w 850061"/>
+              <a:gd name="connsiteY2" fmla="*/ 134224 h 2063692"/>
+              <a:gd name="connsiteX3" fmla="*/ 19551 w 850061"/>
+              <a:gd name="connsiteY3" fmla="*/ 159391 h 2063692"/>
+              <a:gd name="connsiteX4" fmla="*/ 2773 w 850061"/>
+              <a:gd name="connsiteY4" fmla="*/ 184558 h 2063692"/>
+              <a:gd name="connsiteX5" fmla="*/ 136997 w 850061"/>
+              <a:gd name="connsiteY5" fmla="*/ 176169 h 2063692"/>
+              <a:gd name="connsiteX6" fmla="*/ 254443 w 850061"/>
+              <a:gd name="connsiteY6" fmla="*/ 159391 h 2063692"/>
+              <a:gd name="connsiteX7" fmla="*/ 329944 w 850061"/>
+              <a:gd name="connsiteY7" fmla="*/ 167780 h 2063692"/>
+              <a:gd name="connsiteX8" fmla="*/ 321555 w 850061"/>
+              <a:gd name="connsiteY8" fmla="*/ 192947 h 2063692"/>
+              <a:gd name="connsiteX9" fmla="*/ 271221 w 850061"/>
+              <a:gd name="connsiteY9" fmla="*/ 234892 h 2063692"/>
+              <a:gd name="connsiteX10" fmla="*/ 246054 w 850061"/>
+              <a:gd name="connsiteY10" fmla="*/ 260059 h 2063692"/>
+              <a:gd name="connsiteX11" fmla="*/ 195720 w 850061"/>
+              <a:gd name="connsiteY11" fmla="*/ 293615 h 2063692"/>
+              <a:gd name="connsiteX12" fmla="*/ 136997 w 850061"/>
+              <a:gd name="connsiteY12" fmla="*/ 369116 h 2063692"/>
+              <a:gd name="connsiteX13" fmla="*/ 120219 w 850061"/>
+              <a:gd name="connsiteY13" fmla="*/ 394283 h 2063692"/>
+              <a:gd name="connsiteX14" fmla="*/ 95052 w 850061"/>
+              <a:gd name="connsiteY14" fmla="*/ 411061 h 2063692"/>
+              <a:gd name="connsiteX15" fmla="*/ 69885 w 850061"/>
+              <a:gd name="connsiteY15" fmla="*/ 436228 h 2063692"/>
+              <a:gd name="connsiteX16" fmla="*/ 128608 w 850061"/>
+              <a:gd name="connsiteY16" fmla="*/ 453006 h 2063692"/>
+              <a:gd name="connsiteX17" fmla="*/ 304777 w 850061"/>
+              <a:gd name="connsiteY17" fmla="*/ 436228 h 2063692"/>
+              <a:gd name="connsiteX18" fmla="*/ 371889 w 850061"/>
+              <a:gd name="connsiteY18" fmla="*/ 419450 h 2063692"/>
+              <a:gd name="connsiteX19" fmla="*/ 506113 w 850061"/>
+              <a:gd name="connsiteY19" fmla="*/ 427839 h 2063692"/>
+              <a:gd name="connsiteX20" fmla="*/ 447390 w 850061"/>
+              <a:gd name="connsiteY20" fmla="*/ 469784 h 2063692"/>
+              <a:gd name="connsiteX21" fmla="*/ 422223 w 850061"/>
+              <a:gd name="connsiteY21" fmla="*/ 478173 h 2063692"/>
+              <a:gd name="connsiteX22" fmla="*/ 397056 w 850061"/>
+              <a:gd name="connsiteY22" fmla="*/ 494951 h 2063692"/>
+              <a:gd name="connsiteX23" fmla="*/ 355111 w 850061"/>
+              <a:gd name="connsiteY23" fmla="*/ 511729 h 2063692"/>
+              <a:gd name="connsiteX24" fmla="*/ 304777 w 850061"/>
+              <a:gd name="connsiteY24" fmla="*/ 528507 h 2063692"/>
+              <a:gd name="connsiteX25" fmla="*/ 254443 w 850061"/>
+              <a:gd name="connsiteY25" fmla="*/ 562063 h 2063692"/>
+              <a:gd name="connsiteX26" fmla="*/ 220887 w 850061"/>
+              <a:gd name="connsiteY26" fmla="*/ 578841 h 2063692"/>
+              <a:gd name="connsiteX27" fmla="*/ 195720 w 850061"/>
+              <a:gd name="connsiteY27" fmla="*/ 604008 h 2063692"/>
+              <a:gd name="connsiteX28" fmla="*/ 162164 w 850061"/>
+              <a:gd name="connsiteY28" fmla="*/ 629175 h 2063692"/>
+              <a:gd name="connsiteX29" fmla="*/ 86663 w 850061"/>
+              <a:gd name="connsiteY29" fmla="*/ 687898 h 2063692"/>
+              <a:gd name="connsiteX30" fmla="*/ 153775 w 850061"/>
+              <a:gd name="connsiteY30" fmla="*/ 696287 h 2063692"/>
+              <a:gd name="connsiteX31" fmla="*/ 430612 w 850061"/>
+              <a:gd name="connsiteY31" fmla="*/ 671120 h 2063692"/>
+              <a:gd name="connsiteX32" fmla="*/ 724227 w 850061"/>
+              <a:gd name="connsiteY32" fmla="*/ 679509 h 2063692"/>
+              <a:gd name="connsiteX33" fmla="*/ 699060 w 850061"/>
+              <a:gd name="connsiteY33" fmla="*/ 687898 h 2063692"/>
+              <a:gd name="connsiteX34" fmla="*/ 665504 w 850061"/>
+              <a:gd name="connsiteY34" fmla="*/ 704676 h 2063692"/>
+              <a:gd name="connsiteX35" fmla="*/ 590003 w 850061"/>
+              <a:gd name="connsiteY35" fmla="*/ 721454 h 2063692"/>
+              <a:gd name="connsiteX36" fmla="*/ 531280 w 850061"/>
+              <a:gd name="connsiteY36" fmla="*/ 746621 h 2063692"/>
+              <a:gd name="connsiteX37" fmla="*/ 489335 w 850061"/>
+              <a:gd name="connsiteY37" fmla="*/ 755010 h 2063692"/>
+              <a:gd name="connsiteX38" fmla="*/ 430612 w 850061"/>
+              <a:gd name="connsiteY38" fmla="*/ 780177 h 2063692"/>
+              <a:gd name="connsiteX39" fmla="*/ 271221 w 850061"/>
+              <a:gd name="connsiteY39" fmla="*/ 830511 h 2063692"/>
+              <a:gd name="connsiteX40" fmla="*/ 237665 w 850061"/>
+              <a:gd name="connsiteY40" fmla="*/ 855678 h 2063692"/>
+              <a:gd name="connsiteX41" fmla="*/ 170553 w 850061"/>
+              <a:gd name="connsiteY41" fmla="*/ 889233 h 2063692"/>
+              <a:gd name="connsiteX42" fmla="*/ 145386 w 850061"/>
+              <a:gd name="connsiteY42" fmla="*/ 914400 h 2063692"/>
+              <a:gd name="connsiteX43" fmla="*/ 111830 w 850061"/>
+              <a:gd name="connsiteY43" fmla="*/ 964734 h 2063692"/>
+              <a:gd name="connsiteX44" fmla="*/ 363500 w 850061"/>
+              <a:gd name="connsiteY44" fmla="*/ 973123 h 2063692"/>
+              <a:gd name="connsiteX45" fmla="*/ 489335 w 850061"/>
+              <a:gd name="connsiteY45" fmla="*/ 956345 h 2063692"/>
+              <a:gd name="connsiteX46" fmla="*/ 564836 w 850061"/>
+              <a:gd name="connsiteY46" fmla="*/ 939567 h 2063692"/>
+              <a:gd name="connsiteX47" fmla="*/ 648726 w 850061"/>
+              <a:gd name="connsiteY47" fmla="*/ 931178 h 2063692"/>
+              <a:gd name="connsiteX48" fmla="*/ 682282 w 850061"/>
+              <a:gd name="connsiteY48" fmla="*/ 939567 h 2063692"/>
+              <a:gd name="connsiteX49" fmla="*/ 631948 w 850061"/>
+              <a:gd name="connsiteY49" fmla="*/ 956345 h 2063692"/>
+              <a:gd name="connsiteX50" fmla="*/ 581614 w 850061"/>
+              <a:gd name="connsiteY50" fmla="*/ 989901 h 2063692"/>
+              <a:gd name="connsiteX51" fmla="*/ 539669 w 850061"/>
+              <a:gd name="connsiteY51" fmla="*/ 1015068 h 2063692"/>
+              <a:gd name="connsiteX52" fmla="*/ 447390 w 850061"/>
+              <a:gd name="connsiteY52" fmla="*/ 1090569 h 2063692"/>
+              <a:gd name="connsiteX53" fmla="*/ 388667 w 850061"/>
+              <a:gd name="connsiteY53" fmla="*/ 1132514 h 2063692"/>
+              <a:gd name="connsiteX54" fmla="*/ 338333 w 850061"/>
+              <a:gd name="connsiteY54" fmla="*/ 1166070 h 2063692"/>
+              <a:gd name="connsiteX55" fmla="*/ 304777 w 850061"/>
+              <a:gd name="connsiteY55" fmla="*/ 1182848 h 2063692"/>
+              <a:gd name="connsiteX56" fmla="*/ 279610 w 850061"/>
+              <a:gd name="connsiteY56" fmla="*/ 1208015 h 2063692"/>
+              <a:gd name="connsiteX57" fmla="*/ 220887 w 850061"/>
+              <a:gd name="connsiteY57" fmla="*/ 1241571 h 2063692"/>
+              <a:gd name="connsiteX58" fmla="*/ 170553 w 850061"/>
+              <a:gd name="connsiteY58" fmla="*/ 1275127 h 2063692"/>
+              <a:gd name="connsiteX59" fmla="*/ 145386 w 850061"/>
+              <a:gd name="connsiteY59" fmla="*/ 1291905 h 2063692"/>
+              <a:gd name="connsiteX60" fmla="*/ 187331 w 850061"/>
+              <a:gd name="connsiteY60" fmla="*/ 1300294 h 2063692"/>
+              <a:gd name="connsiteX61" fmla="*/ 212498 w 850061"/>
+              <a:gd name="connsiteY61" fmla="*/ 1291905 h 2063692"/>
+              <a:gd name="connsiteX62" fmla="*/ 321555 w 850061"/>
+              <a:gd name="connsiteY62" fmla="*/ 1266738 h 2063692"/>
+              <a:gd name="connsiteX63" fmla="*/ 422223 w 850061"/>
+              <a:gd name="connsiteY63" fmla="*/ 1258349 h 2063692"/>
+              <a:gd name="connsiteX64" fmla="*/ 472557 w 850061"/>
+              <a:gd name="connsiteY64" fmla="*/ 1249960 h 2063692"/>
+              <a:gd name="connsiteX65" fmla="*/ 531280 w 850061"/>
+              <a:gd name="connsiteY65" fmla="*/ 1241571 h 2063692"/>
+              <a:gd name="connsiteX66" fmla="*/ 598392 w 850061"/>
+              <a:gd name="connsiteY66" fmla="*/ 1233182 h 2063692"/>
+              <a:gd name="connsiteX67" fmla="*/ 673893 w 850061"/>
+              <a:gd name="connsiteY67" fmla="*/ 1216404 h 2063692"/>
+              <a:gd name="connsiteX68" fmla="*/ 757782 w 850061"/>
+              <a:gd name="connsiteY68" fmla="*/ 1224793 h 2063692"/>
+              <a:gd name="connsiteX69" fmla="*/ 715838 w 850061"/>
+              <a:gd name="connsiteY69" fmla="*/ 1275127 h 2063692"/>
+              <a:gd name="connsiteX70" fmla="*/ 682282 w 850061"/>
+              <a:gd name="connsiteY70" fmla="*/ 1291905 h 2063692"/>
+              <a:gd name="connsiteX71" fmla="*/ 657115 w 850061"/>
+              <a:gd name="connsiteY71" fmla="*/ 1308683 h 2063692"/>
+              <a:gd name="connsiteX72" fmla="*/ 631948 w 850061"/>
+              <a:gd name="connsiteY72" fmla="*/ 1317072 h 2063692"/>
+              <a:gd name="connsiteX73" fmla="*/ 606781 w 850061"/>
+              <a:gd name="connsiteY73" fmla="*/ 1333850 h 2063692"/>
+              <a:gd name="connsiteX74" fmla="*/ 506113 w 850061"/>
+              <a:gd name="connsiteY74" fmla="*/ 1384184 h 2063692"/>
+              <a:gd name="connsiteX75" fmla="*/ 464168 w 850061"/>
+              <a:gd name="connsiteY75" fmla="*/ 1426129 h 2063692"/>
+              <a:gd name="connsiteX76" fmla="*/ 439001 w 850061"/>
+              <a:gd name="connsiteY76" fmla="*/ 1451296 h 2063692"/>
+              <a:gd name="connsiteX77" fmla="*/ 388667 w 850061"/>
+              <a:gd name="connsiteY77" fmla="*/ 1476463 h 2063692"/>
+              <a:gd name="connsiteX78" fmla="*/ 329944 w 850061"/>
+              <a:gd name="connsiteY78" fmla="*/ 1501630 h 2063692"/>
+              <a:gd name="connsiteX79" fmla="*/ 254443 w 850061"/>
+              <a:gd name="connsiteY79" fmla="*/ 1543575 h 2063692"/>
+              <a:gd name="connsiteX80" fmla="*/ 212498 w 850061"/>
+              <a:gd name="connsiteY80" fmla="*/ 1551964 h 2063692"/>
+              <a:gd name="connsiteX81" fmla="*/ 162164 w 850061"/>
+              <a:gd name="connsiteY81" fmla="*/ 1577131 h 2063692"/>
+              <a:gd name="connsiteX82" fmla="*/ 136997 w 850061"/>
+              <a:gd name="connsiteY82" fmla="*/ 1593909 h 2063692"/>
+              <a:gd name="connsiteX83" fmla="*/ 204109 w 850061"/>
+              <a:gd name="connsiteY83" fmla="*/ 1585520 h 2063692"/>
+              <a:gd name="connsiteX84" fmla="*/ 296388 w 850061"/>
+              <a:gd name="connsiteY84" fmla="*/ 1568742 h 2063692"/>
+              <a:gd name="connsiteX85" fmla="*/ 321555 w 850061"/>
+              <a:gd name="connsiteY85" fmla="*/ 1560353 h 2063692"/>
+              <a:gd name="connsiteX86" fmla="*/ 413834 w 850061"/>
+              <a:gd name="connsiteY86" fmla="*/ 1551964 h 2063692"/>
+              <a:gd name="connsiteX87" fmla="*/ 506113 w 850061"/>
+              <a:gd name="connsiteY87" fmla="*/ 1535186 h 2063692"/>
+              <a:gd name="connsiteX88" fmla="*/ 573225 w 850061"/>
+              <a:gd name="connsiteY88" fmla="*/ 1526797 h 2063692"/>
+              <a:gd name="connsiteX89" fmla="*/ 623559 w 850061"/>
+              <a:gd name="connsiteY89" fmla="*/ 1518408 h 2063692"/>
+              <a:gd name="connsiteX90" fmla="*/ 640337 w 850061"/>
+              <a:gd name="connsiteY90" fmla="*/ 1543575 h 2063692"/>
+              <a:gd name="connsiteX91" fmla="*/ 598392 w 850061"/>
+              <a:gd name="connsiteY91" fmla="*/ 1568742 h 2063692"/>
+              <a:gd name="connsiteX92" fmla="*/ 573225 w 850061"/>
+              <a:gd name="connsiteY92" fmla="*/ 1593909 h 2063692"/>
+              <a:gd name="connsiteX93" fmla="*/ 548058 w 850061"/>
+              <a:gd name="connsiteY93" fmla="*/ 1610687 h 2063692"/>
+              <a:gd name="connsiteX94" fmla="*/ 514502 w 850061"/>
+              <a:gd name="connsiteY94" fmla="*/ 1635854 h 2063692"/>
+              <a:gd name="connsiteX95" fmla="*/ 480946 w 850061"/>
+              <a:gd name="connsiteY95" fmla="*/ 1644243 h 2063692"/>
+              <a:gd name="connsiteX96" fmla="*/ 455779 w 850061"/>
+              <a:gd name="connsiteY96" fmla="*/ 1652632 h 2063692"/>
+              <a:gd name="connsiteX97" fmla="*/ 413834 w 850061"/>
+              <a:gd name="connsiteY97" fmla="*/ 1677799 h 2063692"/>
+              <a:gd name="connsiteX98" fmla="*/ 329944 w 850061"/>
+              <a:gd name="connsiteY98" fmla="*/ 1736522 h 2063692"/>
+              <a:gd name="connsiteX99" fmla="*/ 254443 w 850061"/>
+              <a:gd name="connsiteY99" fmla="*/ 1761689 h 2063692"/>
+              <a:gd name="connsiteX100" fmla="*/ 229276 w 850061"/>
+              <a:gd name="connsiteY100" fmla="*/ 1778467 h 2063692"/>
+              <a:gd name="connsiteX101" fmla="*/ 204109 w 850061"/>
+              <a:gd name="connsiteY101" fmla="*/ 1803633 h 2063692"/>
+              <a:gd name="connsiteX102" fmla="*/ 178942 w 850061"/>
+              <a:gd name="connsiteY102" fmla="*/ 1812022 h 2063692"/>
+              <a:gd name="connsiteX103" fmla="*/ 162164 w 850061"/>
+              <a:gd name="connsiteY103" fmla="*/ 1837189 h 2063692"/>
+              <a:gd name="connsiteX104" fmla="*/ 136997 w 850061"/>
+              <a:gd name="connsiteY104" fmla="*/ 1853967 h 2063692"/>
+              <a:gd name="connsiteX105" fmla="*/ 145386 w 850061"/>
+              <a:gd name="connsiteY105" fmla="*/ 1879134 h 2063692"/>
+              <a:gd name="connsiteX106" fmla="*/ 204109 w 850061"/>
+              <a:gd name="connsiteY106" fmla="*/ 1870745 h 2063692"/>
+              <a:gd name="connsiteX107" fmla="*/ 229276 w 850061"/>
+              <a:gd name="connsiteY107" fmla="*/ 1862356 h 2063692"/>
+              <a:gd name="connsiteX108" fmla="*/ 296388 w 850061"/>
+              <a:gd name="connsiteY108" fmla="*/ 1853967 h 2063692"/>
+              <a:gd name="connsiteX109" fmla="*/ 380278 w 850061"/>
+              <a:gd name="connsiteY109" fmla="*/ 1837189 h 2063692"/>
+              <a:gd name="connsiteX110" fmla="*/ 573225 w 850061"/>
+              <a:gd name="connsiteY110" fmla="*/ 1828800 h 2063692"/>
+              <a:gd name="connsiteX111" fmla="*/ 673893 w 850061"/>
+              <a:gd name="connsiteY111" fmla="*/ 1828800 h 2063692"/>
+              <a:gd name="connsiteX112" fmla="*/ 573225 w 850061"/>
+              <a:gd name="connsiteY112" fmla="*/ 1887523 h 2063692"/>
+              <a:gd name="connsiteX113" fmla="*/ 413834 w 850061"/>
+              <a:gd name="connsiteY113" fmla="*/ 1937857 h 2063692"/>
+              <a:gd name="connsiteX114" fmla="*/ 313166 w 850061"/>
+              <a:gd name="connsiteY114" fmla="*/ 1963024 h 2063692"/>
+              <a:gd name="connsiteX115" fmla="*/ 262832 w 850061"/>
+              <a:gd name="connsiteY115" fmla="*/ 1979802 h 2063692"/>
+              <a:gd name="connsiteX116" fmla="*/ 187331 w 850061"/>
+              <a:gd name="connsiteY116" fmla="*/ 2021747 h 2063692"/>
+              <a:gd name="connsiteX117" fmla="*/ 791338 w 850061"/>
+              <a:gd name="connsiteY117" fmla="*/ 2046914 h 2063692"/>
+              <a:gd name="connsiteX118" fmla="*/ 841672 w 850061"/>
+              <a:gd name="connsiteY118" fmla="*/ 2063692 h 2063692"/>
+              <a:gd name="connsiteX119" fmla="*/ 850061 w 850061"/>
+              <a:gd name="connsiteY119" fmla="*/ 2063692 h 2063692"/>
+            </a:gdLst>
+            <a:ahLst/>
+            <a:cxnLst>
+              <a:cxn ang="0">
+                <a:pos x="connsiteX0" y="connsiteY0"/>
+              </a:cxn>
+              <a:cxn ang="0">
+                <a:pos x="connsiteX1" y="connsiteY1"/>
+              </a:cxn>
+              <a:cxn ang="0">
+                <a:pos x="connsiteX2" y="connsiteY2"/>
+              </a:cxn>
+              <a:cxn ang="0">
+                <a:pos x="connsiteX3" y="connsiteY3"/>
+              </a:cxn>
+              <a:cxn ang="0">
+                <a:pos x="connsiteX4" y="connsiteY4"/>
+              </a:cxn>
+              <a:cxn ang="0">
+                <a:pos x="connsiteX5" y="connsiteY5"/>
+              </a:cxn>
+              <a:cxn ang="0">
+                <a:pos x="connsiteX6" y="connsiteY6"/>
+              </a:cxn>
+              <a:cxn ang="0">
+                <a:pos x="connsiteX7" y="connsiteY7"/>
+              </a:cxn>
+              <a:cxn ang="0">
+                <a:pos x="connsiteX8" y="connsiteY8"/>
+              </a:cxn>
+              <a:cxn ang="0">
+                <a:pos x="connsiteX9" y="connsiteY9"/>
+              </a:cxn>
+              <a:cxn ang="0">
+                <a:pos x="connsiteX10" y="connsiteY10"/>
+              </a:cxn>
+              <a:cxn ang="0">
+                <a:pos x="connsiteX11" y="connsiteY11"/>
+              </a:cxn>
+              <a:cxn ang="0">
+                <a:pos x="connsiteX12" y="connsiteY12"/>
+              </a:cxn>
+              <a:cxn ang="0">
+                <a:pos x="connsiteX13" y="connsiteY13"/>
+              </a:cxn>
+              <a:cxn ang="0">
+                <a:pos x="connsiteX14" y="connsiteY14"/>
+              </a:cxn>
+              <a:cxn ang="0">
+                <a:pos x="connsiteX15" y="connsiteY15"/>
+              </a:cxn>
+              <a:cxn ang="0">
+                <a:pos x="connsiteX16" y="connsiteY16"/>
+              </a:cxn>
+              <a:cxn ang="0">
+                <a:pos x="connsiteX17" y="connsiteY17"/>
+              </a:cxn>
+              <a:cxn ang="0">
+                <a:pos x="connsiteX18" y="connsiteY18"/>
+              </a:cxn>
+              <a:cxn ang="0">
+                <a:pos x="connsiteX19" y="connsiteY19"/>
+              </a:cxn>
+              <a:cxn ang="0">
+                <a:pos x="connsiteX20" y="connsiteY20"/>
+              </a:cxn>
+              <a:cxn ang="0">
+                <a:pos x="connsiteX21" y="connsiteY21"/>
+              </a:cxn>
+              <a:cxn ang="0">
+                <a:pos x="connsiteX22" y="connsiteY22"/>
+              </a:cxn>
+              <a:cxn ang="0">
+                <a:pos x="connsiteX23" y="connsiteY23"/>
+              </a:cxn>
+              <a:cxn ang="0">
+                <a:pos x="connsiteX24" y="connsiteY24"/>
+              </a:cxn>
+              <a:cxn ang="0">
+                <a:pos x="connsiteX25" y="connsiteY25"/>
+              </a:cxn>
+              <a:cxn ang="0">
+                <a:pos x="connsiteX26" y="connsiteY26"/>
+              </a:cxn>
+              <a:cxn ang="0">
+                <a:pos x="connsiteX27" y="connsiteY27"/>
+              </a:cxn>
+              <a:cxn ang="0">
+                <a:pos x="connsiteX28" y="connsiteY28"/>
+              </a:cxn>
+              <a:cxn ang="0">
+                <a:pos x="connsiteX29" y="connsiteY29"/>
+              </a:cxn>
+              <a:cxn ang="0">
+                <a:pos x="connsiteX30" y="connsiteY30"/>
+              </a:cxn>
+              <a:cxn ang="0">
+                <a:pos x="connsiteX31" y="connsiteY31"/>
+              </a:cxn>
+              <a:cxn ang="0">
+                <a:pos x="connsiteX32" y="connsiteY32"/>
+              </a:cxn>
+              <a:cxn ang="0">
+                <a:pos x="connsiteX33" y="connsiteY33"/>
+              </a:cxn>
+              <a:cxn ang="0">
+                <a:pos x="connsiteX34" y="connsiteY34"/>
+              </a:cxn>
+              <a:cxn ang="0">
+                <a:pos x="connsiteX35" y="connsiteY35"/>
+              </a:cxn>
+              <a:cxn ang="0">
+                <a:pos x="connsiteX36" y="connsiteY36"/>
+              </a:cxn>
+              <a:cxn ang="0">
+                <a:pos x="connsiteX37" y="connsiteY37"/>
+              </a:cxn>
+              <a:cxn ang="0">
+                <a:pos x="connsiteX38" y="connsiteY38"/>
+              </a:cxn>
+              <a:cxn ang="0">
+                <a:pos x="connsiteX39" y="connsiteY39"/>
+              </a:cxn>
+              <a:cxn ang="0">
+                <a:pos x="connsiteX40" y="connsiteY40"/>
+              </a:cxn>
+              <a:cxn ang="0">
+                <a:pos x="connsiteX41" y="connsiteY41"/>
+              </a:cxn>
+              <a:cxn ang="0">
+                <a:pos x="connsiteX42" y="connsiteY42"/>
+              </a:cxn>
+              <a:cxn ang="0">
+                <a:pos x="connsiteX43" y="connsiteY43"/>
+              </a:cxn>
+              <a:cxn ang="0">
+                <a:pos x="connsiteX44" y="connsiteY44"/>
+              </a:cxn>
+              <a:cxn ang="0">
+                <a:pos x="connsiteX45" y="connsiteY45"/>
+              </a:cxn>
+              <a:cxn ang="0">
+                <a:pos x="connsiteX46" y="connsiteY46"/>
+              </a:cxn>
+              <a:cxn ang="0">
+                <a:pos x="connsiteX47" y="connsiteY47"/>
+              </a:cxn>
+              <a:cxn ang="0">
+                <a:pos x="connsiteX48" y="connsiteY48"/>
+              </a:cxn>
+              <a:cxn ang="0">
+                <a:pos x="connsiteX49" y="connsiteY49"/>
+              </a:cxn>
+              <a:cxn ang="0">
+                <a:pos x="connsiteX50" y="connsiteY50"/>
+              </a:cxn>
+              <a:cxn ang="0">
+                <a:pos x="connsiteX51" y="connsiteY51"/>
+              </a:cxn>
+              <a:cxn ang="0">
+                <a:pos x="connsiteX52" y="connsiteY52"/>
+              </a:cxn>
+              <a:cxn ang="0">
+                <a:pos x="connsiteX53" y="connsiteY53"/>
+              </a:cxn>
+              <a:cxn ang="0">
+                <a:pos x="connsiteX54" y="connsiteY54"/>
+              </a:cxn>
+              <a:cxn ang="0">
+                <a:pos x="connsiteX55" y="connsiteY55"/>
+              </a:cxn>
+              <a:cxn ang="0">
+                <a:pos x="connsiteX56" y="connsiteY56"/>
+              </a:cxn>
+              <a:cxn ang="0">
+                <a:pos x="connsiteX57" y="connsiteY57"/>
+              </a:cxn>
+              <a:cxn ang="0">
+                <a:pos x="connsiteX58" y="connsiteY58"/>
+              </a:cxn>
+              <a:cxn ang="0">
+                <a:pos x="connsiteX59" y="connsiteY59"/>
+              </a:cxn>
+              <a:cxn ang="0">
+                <a:pos x="connsiteX60" y="connsiteY60"/>
+              </a:cxn>
+              <a:cxn ang="0">
+                <a:pos x="connsiteX61" y="connsiteY61"/>
+              </a:cxn>
+              <a:cxn ang="0">
+                <a:pos x="connsiteX62" y="connsiteY62"/>
+              </a:cxn>
+              <a:cxn ang="0">
+                <a:pos x="connsiteX63" y="connsiteY63"/>
+              </a:cxn>
+              <a:cxn ang="0">
+                <a:pos x="connsiteX64" y="connsiteY64"/>
+              </a:cxn>
+              <a:cxn ang="0">
+                <a:pos x="connsiteX65" y="connsiteY65"/>
+              </a:cxn>
+              <a:cxn ang="0">
+                <a:pos x="connsiteX66" y="connsiteY66"/>
+              </a:cxn>
+              <a:cxn ang="0">
+                <a:pos x="connsiteX67" y="connsiteY67"/>
+              </a:cxn>
+              <a:cxn ang="0">
+                <a:pos x="connsiteX68" y="connsiteY68"/>
+              </a:cxn>
+              <a:cxn ang="0">
+                <a:pos x="connsiteX69" y="connsiteY69"/>
+              </a:cxn>
+              <a:cxn ang="0">
+                <a:pos x="connsiteX70" y="connsiteY70"/>
+              </a:cxn>
+              <a:cxn ang="0">
+                <a:pos x="connsiteX71" y="connsiteY71"/>
+              </a:cxn>
+              <a:cxn ang="0">
+                <a:pos x="connsiteX72" y="connsiteY72"/>
+              </a:cxn>
+              <a:cxn ang="0">
+                <a:pos x="connsiteX73" y="connsiteY73"/>
+              </a:cxn>
+              <a:cxn ang="0">
+                <a:pos x="connsiteX74" y="connsiteY74"/>
+              </a:cxn>
+              <a:cxn ang="0">
+                <a:pos x="connsiteX75" y="connsiteY75"/>
+              </a:cxn>
+              <a:cxn ang="0">
+                <a:pos x="connsiteX76" y="connsiteY76"/>
+              </a:cxn>
+              <a:cxn ang="0">
+                <a:pos x="connsiteX77" y="connsiteY77"/>
+              </a:cxn>
+              <a:cxn ang="0">
+                <a:pos x="connsiteX78" y="connsiteY78"/>
+              </a:cxn>
+              <a:cxn ang="0">
+                <a:pos x="connsiteX79" y="connsiteY79"/>
+              </a:cxn>
+              <a:cxn ang="0">
+                <a:pos x="connsiteX80" y="connsiteY80"/>
+              </a:cxn>
+              <a:cxn ang="0">
+                <a:pos x="connsiteX81" y="connsiteY81"/>
+              </a:cxn>
+              <a:cxn ang="0">
+                <a:pos x="connsiteX82" y="connsiteY82"/>
+              </a:cxn>
+              <a:cxn ang="0">
+                <a:pos x="connsiteX83" y="connsiteY83"/>
+              </a:cxn>
+              <a:cxn ang="0">
+                <a:pos x="connsiteX84" y="connsiteY84"/>
+              </a:cxn>
+              <a:cxn ang="0">
+                <a:pos x="connsiteX85" y="connsiteY85"/>
+              </a:cxn>
+              <a:cxn ang="0">
+                <a:pos x="connsiteX86" y="connsiteY86"/>
+              </a:cxn>
+              <a:cxn ang="0">
+                <a:pos x="connsiteX87" y="connsiteY87"/>
+              </a:cxn>
+              <a:cxn ang="0">
+                <a:pos x="connsiteX88" y="connsiteY88"/>
+              </a:cxn>
+              <a:cxn ang="0">
+                <a:pos x="connsiteX89" y="connsiteY89"/>
+              </a:cxn>
+              <a:cxn ang="0">
+                <a:pos x="connsiteX90" y="connsiteY90"/>
+              </a:cxn>
+              <a:cxn ang="0">
+                <a:pos x="connsiteX91" y="connsiteY91"/>
+              </a:cxn>
+              <a:cxn ang="0">
+                <a:pos x="connsiteX92" y="connsiteY92"/>
+              </a:cxn>
+              <a:cxn ang="0">
+                <a:pos x="connsiteX93" y="connsiteY93"/>
+              </a:cxn>
+              <a:cxn ang="0">
+                <a:pos x="connsiteX94" y="connsiteY94"/>
+              </a:cxn>
+              <a:cxn ang="0">
+                <a:pos x="connsiteX95" y="connsiteY95"/>
+              </a:cxn>
+              <a:cxn ang="0">
+                <a:pos x="connsiteX96" y="connsiteY96"/>
+              </a:cxn>
+              <a:cxn ang="0">
+                <a:pos x="connsiteX97" y="connsiteY97"/>
+              </a:cxn>
+              <a:cxn ang="0">
+                <a:pos x="connsiteX98" y="connsiteY98"/>
+              </a:cxn>
+              <a:cxn ang="0">
+                <a:pos x="connsiteX99" y="connsiteY99"/>
+              </a:cxn>
+              <a:cxn ang="0">
+                <a:pos x="connsiteX100" y="connsiteY100"/>
+              </a:cxn>
+              <a:cxn ang="0">
+                <a:pos x="connsiteX101" y="connsiteY101"/>
+              </a:cxn>
+              <a:cxn ang="0">
+                <a:pos x="connsiteX102" y="connsiteY102"/>
+              </a:cxn>
+              <a:cxn ang="0">
+                <a:pos x="connsiteX103" y="connsiteY103"/>
+              </a:cxn>
+              <a:cxn ang="0">
+                <a:pos x="connsiteX104" y="connsiteY104"/>
+              </a:cxn>
+              <a:cxn ang="0">
+                <a:pos x="connsiteX105" y="connsiteY105"/>
+              </a:cxn>
+              <a:cxn ang="0">
+                <a:pos x="connsiteX106" y="connsiteY106"/>
+              </a:cxn>
+              <a:cxn ang="0">
+                <a:pos x="connsiteX107" y="connsiteY107"/>
+              </a:cxn>
+              <a:cxn ang="0">
+                <a:pos x="connsiteX108" y="connsiteY108"/>
+              </a:cxn>
+              <a:cxn ang="0">
+                <a:pos x="connsiteX109" y="connsiteY109"/>
+              </a:cxn>
+              <a:cxn ang="0">
+                <a:pos x="connsiteX110" y="connsiteY110"/>
+              </a:cxn>
+              <a:cxn ang="0">
+                <a:pos x="connsiteX111" y="connsiteY111"/>
+              </a:cxn>
+              <a:cxn ang="0">
+                <a:pos x="connsiteX112" y="connsiteY112"/>
+              </a:cxn>
+              <a:cxn ang="0">
+                <a:pos x="connsiteX113" y="connsiteY113"/>
+              </a:cxn>
+              <a:cxn ang="0">
+                <a:pos x="connsiteX114" y="connsiteY114"/>
+              </a:cxn>
+              <a:cxn ang="0">
+                <a:pos x="connsiteX115" y="connsiteY115"/>
+              </a:cxn>
+              <a:cxn ang="0">
+                <a:pos x="connsiteX116" y="connsiteY116"/>
+              </a:cxn>
+              <a:cxn ang="0">
+                <a:pos x="connsiteX117" y="connsiteY117"/>
+              </a:cxn>
+              <a:cxn ang="0">
+                <a:pos x="connsiteX118" y="connsiteY118"/>
+              </a:cxn>
+              <a:cxn ang="0">
+                <a:pos x="connsiteX119" y="connsiteY119"/>
+              </a:cxn>
+            </a:cxnLst>
+            <a:rect l="l" t="t" r="r" b="b"/>
+            <a:pathLst>
+              <a:path w="850061" h="2063692">
+                <a:moveTo>
+                  <a:pt x="78274" y="0"/>
+                </a:moveTo>
+                <a:cubicBezTo>
+                  <a:pt x="125724" y="28470"/>
+                  <a:pt x="150006" y="25000"/>
+                  <a:pt x="103441" y="100668"/>
+                </a:cubicBezTo>
+                <a:cubicBezTo>
+                  <a:pt x="92873" y="117841"/>
+                  <a:pt x="69239" y="122125"/>
+                  <a:pt x="53107" y="134224"/>
+                </a:cubicBezTo>
+                <a:cubicBezTo>
+                  <a:pt x="41922" y="142613"/>
+                  <a:pt x="29438" y="149504"/>
+                  <a:pt x="19551" y="159391"/>
+                </a:cubicBezTo>
+                <a:cubicBezTo>
+                  <a:pt x="12422" y="166520"/>
+                  <a:pt x="-7208" y="183132"/>
+                  <a:pt x="2773" y="184558"/>
+                </a:cubicBezTo>
+                <a:cubicBezTo>
+                  <a:pt x="47151" y="190898"/>
+                  <a:pt x="92256" y="178965"/>
+                  <a:pt x="136997" y="176169"/>
+                </a:cubicBezTo>
+                <a:cubicBezTo>
+                  <a:pt x="175720" y="168424"/>
+                  <a:pt x="214589" y="159391"/>
+                  <a:pt x="254443" y="159391"/>
+                </a:cubicBezTo>
+                <a:cubicBezTo>
+                  <a:pt x="279765" y="159391"/>
+                  <a:pt x="304777" y="164984"/>
+                  <a:pt x="329944" y="167780"/>
+                </a:cubicBezTo>
+                <a:cubicBezTo>
+                  <a:pt x="327148" y="176169"/>
+                  <a:pt x="326460" y="185589"/>
+                  <a:pt x="321555" y="192947"/>
+                </a:cubicBezTo>
+                <a:cubicBezTo>
+                  <a:pt x="303174" y="220519"/>
+                  <a:pt x="294434" y="215548"/>
+                  <a:pt x="271221" y="234892"/>
+                </a:cubicBezTo>
+                <a:cubicBezTo>
+                  <a:pt x="262107" y="242487"/>
+                  <a:pt x="255419" y="252775"/>
+                  <a:pt x="246054" y="260059"/>
+                </a:cubicBezTo>
+                <a:cubicBezTo>
+                  <a:pt x="230137" y="272439"/>
+                  <a:pt x="195720" y="293615"/>
+                  <a:pt x="195720" y="293615"/>
+                </a:cubicBezTo>
+                <a:cubicBezTo>
+                  <a:pt x="110909" y="420831"/>
+                  <a:pt x="202706" y="290265"/>
+                  <a:pt x="136997" y="369116"/>
+                </a:cubicBezTo>
+                <a:cubicBezTo>
+                  <a:pt x="130542" y="376861"/>
+                  <a:pt x="127348" y="387154"/>
+                  <a:pt x="120219" y="394283"/>
+                </a:cubicBezTo>
+                <a:cubicBezTo>
+                  <a:pt x="113090" y="401412"/>
+                  <a:pt x="102797" y="404606"/>
+                  <a:pt x="95052" y="411061"/>
+                </a:cubicBezTo>
+                <a:cubicBezTo>
+                  <a:pt x="85938" y="418656"/>
+                  <a:pt x="78274" y="427839"/>
+                  <a:pt x="69885" y="436228"/>
+                </a:cubicBezTo>
+                <a:cubicBezTo>
+                  <a:pt x="89459" y="441821"/>
+                  <a:pt x="108250" y="453006"/>
+                  <a:pt x="128608" y="453006"/>
+                </a:cubicBezTo>
+                <a:cubicBezTo>
+                  <a:pt x="187597" y="453006"/>
+                  <a:pt x="304777" y="436228"/>
+                  <a:pt x="304777" y="436228"/>
+                </a:cubicBezTo>
+                <a:cubicBezTo>
+                  <a:pt x="324636" y="429608"/>
+                  <a:pt x="351643" y="419450"/>
+                  <a:pt x="371889" y="419450"/>
+                </a:cubicBezTo>
+                <a:cubicBezTo>
+                  <a:pt x="416718" y="419450"/>
+                  <a:pt x="461372" y="425043"/>
+                  <a:pt x="506113" y="427839"/>
+                </a:cubicBezTo>
+                <a:cubicBezTo>
+                  <a:pt x="498513" y="433539"/>
+                  <a:pt x="459657" y="463651"/>
+                  <a:pt x="447390" y="469784"/>
+                </a:cubicBezTo>
+                <a:cubicBezTo>
+                  <a:pt x="439481" y="473739"/>
+                  <a:pt x="430132" y="474218"/>
+                  <a:pt x="422223" y="478173"/>
+                </a:cubicBezTo>
+                <a:cubicBezTo>
+                  <a:pt x="413205" y="482682"/>
+                  <a:pt x="406074" y="490442"/>
+                  <a:pt x="397056" y="494951"/>
+                </a:cubicBezTo>
+                <a:cubicBezTo>
+                  <a:pt x="383587" y="501685"/>
+                  <a:pt x="369263" y="506583"/>
+                  <a:pt x="355111" y="511729"/>
+                </a:cubicBezTo>
+                <a:cubicBezTo>
+                  <a:pt x="338490" y="517773"/>
+                  <a:pt x="319492" y="518697"/>
+                  <a:pt x="304777" y="528507"/>
+                </a:cubicBezTo>
+                <a:cubicBezTo>
+                  <a:pt x="287999" y="539692"/>
+                  <a:pt x="272479" y="553045"/>
+                  <a:pt x="254443" y="562063"/>
+                </a:cubicBezTo>
+                <a:cubicBezTo>
+                  <a:pt x="243258" y="567656"/>
+                  <a:pt x="231063" y="571572"/>
+                  <a:pt x="220887" y="578841"/>
+                </a:cubicBezTo>
+                <a:cubicBezTo>
+                  <a:pt x="211233" y="585737"/>
+                  <a:pt x="204728" y="596287"/>
+                  <a:pt x="195720" y="604008"/>
+                </a:cubicBezTo>
+                <a:cubicBezTo>
+                  <a:pt x="185104" y="613107"/>
+                  <a:pt x="173618" y="621157"/>
+                  <a:pt x="162164" y="629175"/>
+                </a:cubicBezTo>
+                <a:cubicBezTo>
+                  <a:pt x="95269" y="676001"/>
+                  <a:pt x="130024" y="644537"/>
+                  <a:pt x="86663" y="687898"/>
+                </a:cubicBezTo>
+                <a:cubicBezTo>
+                  <a:pt x="142920" y="716027"/>
+                  <a:pt x="96665" y="701998"/>
+                  <a:pt x="153775" y="696287"/>
+                </a:cubicBezTo>
+                <a:cubicBezTo>
+                  <a:pt x="519665" y="659698"/>
+                  <a:pt x="264977" y="694782"/>
+                  <a:pt x="430612" y="671120"/>
+                </a:cubicBezTo>
+                <a:cubicBezTo>
+                  <a:pt x="528484" y="673916"/>
+                  <a:pt x="626506" y="673401"/>
+                  <a:pt x="724227" y="679509"/>
+                </a:cubicBezTo>
+                <a:cubicBezTo>
+                  <a:pt x="733053" y="680061"/>
+                  <a:pt x="707188" y="684415"/>
+                  <a:pt x="699060" y="687898"/>
+                </a:cubicBezTo>
+                <a:cubicBezTo>
+                  <a:pt x="687566" y="692824"/>
+                  <a:pt x="677213" y="700285"/>
+                  <a:pt x="665504" y="704676"/>
+                </a:cubicBezTo>
+                <a:cubicBezTo>
+                  <a:pt x="651964" y="709753"/>
+                  <a:pt x="601393" y="719176"/>
+                  <a:pt x="590003" y="721454"/>
+                </a:cubicBezTo>
+                <a:cubicBezTo>
+                  <a:pt x="570429" y="729843"/>
+                  <a:pt x="551483" y="739887"/>
+                  <a:pt x="531280" y="746621"/>
+                </a:cubicBezTo>
+                <a:cubicBezTo>
+                  <a:pt x="517753" y="751130"/>
+                  <a:pt x="502862" y="750501"/>
+                  <a:pt x="489335" y="755010"/>
+                </a:cubicBezTo>
+                <a:cubicBezTo>
+                  <a:pt x="469132" y="761744"/>
+                  <a:pt x="450595" y="772815"/>
+                  <a:pt x="430612" y="780177"/>
+                </a:cubicBezTo>
+                <a:cubicBezTo>
+                  <a:pt x="361532" y="805627"/>
+                  <a:pt x="334658" y="812386"/>
+                  <a:pt x="271221" y="830511"/>
+                </a:cubicBezTo>
+                <a:cubicBezTo>
+                  <a:pt x="260036" y="838900"/>
+                  <a:pt x="249742" y="848633"/>
+                  <a:pt x="237665" y="855678"/>
+                </a:cubicBezTo>
+                <a:cubicBezTo>
+                  <a:pt x="216061" y="868280"/>
+                  <a:pt x="170553" y="889233"/>
+                  <a:pt x="170553" y="889233"/>
+                </a:cubicBezTo>
+                <a:cubicBezTo>
+                  <a:pt x="162164" y="897622"/>
+                  <a:pt x="152670" y="905035"/>
+                  <a:pt x="145386" y="914400"/>
+                </a:cubicBezTo>
+                <a:cubicBezTo>
+                  <a:pt x="133006" y="930317"/>
+                  <a:pt x="111830" y="964734"/>
+                  <a:pt x="111830" y="964734"/>
+                </a:cubicBezTo>
+                <a:cubicBezTo>
+                  <a:pt x="209019" y="1013328"/>
+                  <a:pt x="141292" y="986194"/>
+                  <a:pt x="363500" y="973123"/>
+                </a:cubicBezTo>
+                <a:cubicBezTo>
+                  <a:pt x="374297" y="972488"/>
+                  <a:pt x="474894" y="958971"/>
+                  <a:pt x="489335" y="956345"/>
+                </a:cubicBezTo>
+                <a:cubicBezTo>
+                  <a:pt x="544158" y="946377"/>
+                  <a:pt x="502391" y="947893"/>
+                  <a:pt x="564836" y="939567"/>
+                </a:cubicBezTo>
+                <a:cubicBezTo>
+                  <a:pt x="592692" y="935853"/>
+                  <a:pt x="620763" y="933974"/>
+                  <a:pt x="648726" y="931178"/>
+                </a:cubicBezTo>
+                <a:cubicBezTo>
+                  <a:pt x="659911" y="933974"/>
+                  <a:pt x="688677" y="929974"/>
+                  <a:pt x="682282" y="939567"/>
+                </a:cubicBezTo>
+                <a:cubicBezTo>
+                  <a:pt x="672472" y="954282"/>
+                  <a:pt x="647766" y="948436"/>
+                  <a:pt x="631948" y="956345"/>
+                </a:cubicBezTo>
+                <a:cubicBezTo>
+                  <a:pt x="613912" y="965363"/>
+                  <a:pt x="598626" y="979075"/>
+                  <a:pt x="581614" y="989901"/>
+                </a:cubicBezTo>
+                <a:cubicBezTo>
+                  <a:pt x="567858" y="998655"/>
+                  <a:pt x="539669" y="1015068"/>
+                  <a:pt x="539669" y="1015068"/>
+                </a:cubicBezTo>
+                <a:cubicBezTo>
+                  <a:pt x="496058" y="1073216"/>
+                  <a:pt x="531294" y="1034633"/>
+                  <a:pt x="447390" y="1090569"/>
+                </a:cubicBezTo>
+                <a:cubicBezTo>
+                  <a:pt x="365569" y="1145117"/>
+                  <a:pt x="492722" y="1059676"/>
+                  <a:pt x="388667" y="1132514"/>
+                </a:cubicBezTo>
+                <a:cubicBezTo>
+                  <a:pt x="372147" y="1144078"/>
+                  <a:pt x="356369" y="1157052"/>
+                  <a:pt x="338333" y="1166070"/>
+                </a:cubicBezTo>
+                <a:cubicBezTo>
+                  <a:pt x="327148" y="1171663"/>
+                  <a:pt x="314953" y="1175579"/>
+                  <a:pt x="304777" y="1182848"/>
+                </a:cubicBezTo>
+                <a:cubicBezTo>
+                  <a:pt x="295123" y="1189744"/>
+                  <a:pt x="288724" y="1200420"/>
+                  <a:pt x="279610" y="1208015"/>
+                </a:cubicBezTo>
+                <a:cubicBezTo>
+                  <a:pt x="254736" y="1228743"/>
+                  <a:pt x="250191" y="1223989"/>
+                  <a:pt x="220887" y="1241571"/>
+                </a:cubicBezTo>
+                <a:cubicBezTo>
+                  <a:pt x="203596" y="1251946"/>
+                  <a:pt x="187331" y="1263942"/>
+                  <a:pt x="170553" y="1275127"/>
+                </a:cubicBezTo>
+                <a:lnTo>
+                  <a:pt x="145386" y="1291905"/>
+                </a:lnTo>
+                <a:cubicBezTo>
+                  <a:pt x="159368" y="1294701"/>
+                  <a:pt x="173072" y="1300294"/>
+                  <a:pt x="187331" y="1300294"/>
+                </a:cubicBezTo>
+                <a:cubicBezTo>
+                  <a:pt x="196174" y="1300294"/>
+                  <a:pt x="203919" y="1294050"/>
+                  <a:pt x="212498" y="1291905"/>
+                </a:cubicBezTo>
+                <a:cubicBezTo>
+                  <a:pt x="248692" y="1282857"/>
+                  <a:pt x="284716" y="1272632"/>
+                  <a:pt x="321555" y="1266738"/>
+                </a:cubicBezTo>
+                <a:cubicBezTo>
+                  <a:pt x="354804" y="1261418"/>
+                  <a:pt x="388757" y="1262067"/>
+                  <a:pt x="422223" y="1258349"/>
+                </a:cubicBezTo>
+                <a:cubicBezTo>
+                  <a:pt x="439128" y="1256471"/>
+                  <a:pt x="455745" y="1252546"/>
+                  <a:pt x="472557" y="1249960"/>
+                </a:cubicBezTo>
+                <a:cubicBezTo>
+                  <a:pt x="492100" y="1246953"/>
+                  <a:pt x="511680" y="1244184"/>
+                  <a:pt x="531280" y="1241571"/>
+                </a:cubicBezTo>
+                <a:cubicBezTo>
+                  <a:pt x="553627" y="1238591"/>
+                  <a:pt x="576109" y="1236610"/>
+                  <a:pt x="598392" y="1233182"/>
+                </a:cubicBezTo>
+                <a:cubicBezTo>
+                  <a:pt x="626082" y="1228922"/>
+                  <a:pt x="647172" y="1223084"/>
+                  <a:pt x="673893" y="1216404"/>
+                </a:cubicBezTo>
+                <a:lnTo>
+                  <a:pt x="757782" y="1224793"/>
+                </a:lnTo>
+                <a:cubicBezTo>
+                  <a:pt x="779686" y="1238483"/>
+                  <a:pt x="716589" y="1274698"/>
+                  <a:pt x="715838" y="1275127"/>
+                </a:cubicBezTo>
+                <a:cubicBezTo>
+                  <a:pt x="704980" y="1281332"/>
+                  <a:pt x="693140" y="1285700"/>
+                  <a:pt x="682282" y="1291905"/>
+                </a:cubicBezTo>
+                <a:cubicBezTo>
+                  <a:pt x="673528" y="1296907"/>
+                  <a:pt x="666133" y="1304174"/>
+                  <a:pt x="657115" y="1308683"/>
+                </a:cubicBezTo>
+                <a:cubicBezTo>
+                  <a:pt x="649206" y="1312638"/>
+                  <a:pt x="639857" y="1313117"/>
+                  <a:pt x="631948" y="1317072"/>
+                </a:cubicBezTo>
+                <a:cubicBezTo>
+                  <a:pt x="622930" y="1321581"/>
+                  <a:pt x="615677" y="1329105"/>
+                  <a:pt x="606781" y="1333850"/>
+                </a:cubicBezTo>
+                <a:cubicBezTo>
+                  <a:pt x="573678" y="1351505"/>
+                  <a:pt x="506113" y="1384184"/>
+                  <a:pt x="506113" y="1384184"/>
+                </a:cubicBezTo>
+                <a:cubicBezTo>
+                  <a:pt x="475353" y="1430324"/>
+                  <a:pt x="506113" y="1391175"/>
+                  <a:pt x="464168" y="1426129"/>
+                </a:cubicBezTo>
+                <a:cubicBezTo>
+                  <a:pt x="455054" y="1433724"/>
+                  <a:pt x="448115" y="1443701"/>
+                  <a:pt x="439001" y="1451296"/>
+                </a:cubicBezTo>
+                <a:cubicBezTo>
+                  <a:pt x="402938" y="1481348"/>
+                  <a:pt x="426502" y="1457546"/>
+                  <a:pt x="388667" y="1476463"/>
+                </a:cubicBezTo>
+                <a:cubicBezTo>
+                  <a:pt x="330733" y="1505430"/>
+                  <a:pt x="399781" y="1484171"/>
+                  <a:pt x="329944" y="1501630"/>
+                </a:cubicBezTo>
+                <a:cubicBezTo>
+                  <a:pt x="292455" y="1526623"/>
+                  <a:pt x="289880" y="1534716"/>
+                  <a:pt x="254443" y="1543575"/>
+                </a:cubicBezTo>
+                <a:cubicBezTo>
+                  <a:pt x="240610" y="1547033"/>
+                  <a:pt x="226480" y="1549168"/>
+                  <a:pt x="212498" y="1551964"/>
+                </a:cubicBezTo>
+                <a:cubicBezTo>
+                  <a:pt x="140373" y="1600047"/>
+                  <a:pt x="231628" y="1542399"/>
+                  <a:pt x="162164" y="1577131"/>
+                </a:cubicBezTo>
+                <a:cubicBezTo>
+                  <a:pt x="153146" y="1581640"/>
+                  <a:pt x="127110" y="1591932"/>
+                  <a:pt x="136997" y="1593909"/>
+                </a:cubicBezTo>
+                <a:cubicBezTo>
+                  <a:pt x="159104" y="1598330"/>
+                  <a:pt x="181791" y="1588708"/>
+                  <a:pt x="204109" y="1585520"/>
+                </a:cubicBezTo>
+                <a:cubicBezTo>
+                  <a:pt x="221561" y="1583027"/>
+                  <a:pt x="277118" y="1573559"/>
+                  <a:pt x="296388" y="1568742"/>
+                </a:cubicBezTo>
+                <a:cubicBezTo>
+                  <a:pt x="304967" y="1566597"/>
+                  <a:pt x="312801" y="1561604"/>
+                  <a:pt x="321555" y="1560353"/>
+                </a:cubicBezTo>
+                <a:cubicBezTo>
+                  <a:pt x="352131" y="1555985"/>
+                  <a:pt x="383231" y="1556137"/>
+                  <a:pt x="413834" y="1551964"/>
+                </a:cubicBezTo>
+                <a:cubicBezTo>
+                  <a:pt x="444811" y="1547740"/>
+                  <a:pt x="475232" y="1540062"/>
+                  <a:pt x="506113" y="1535186"/>
+                </a:cubicBezTo>
+                <a:cubicBezTo>
+                  <a:pt x="528382" y="1531670"/>
+                  <a:pt x="550907" y="1529985"/>
+                  <a:pt x="573225" y="1526797"/>
+                </a:cubicBezTo>
+                <a:cubicBezTo>
+                  <a:pt x="590063" y="1524392"/>
+                  <a:pt x="606781" y="1521204"/>
+                  <a:pt x="623559" y="1518408"/>
+                </a:cubicBezTo>
+                <a:cubicBezTo>
+                  <a:pt x="629152" y="1526797"/>
+                  <a:pt x="644846" y="1534557"/>
+                  <a:pt x="640337" y="1543575"/>
+                </a:cubicBezTo>
+                <a:cubicBezTo>
+                  <a:pt x="633045" y="1558159"/>
+                  <a:pt x="611436" y="1558959"/>
+                  <a:pt x="598392" y="1568742"/>
+                </a:cubicBezTo>
+                <a:cubicBezTo>
+                  <a:pt x="588901" y="1575860"/>
+                  <a:pt x="582339" y="1586314"/>
+                  <a:pt x="573225" y="1593909"/>
+                </a:cubicBezTo>
+                <a:cubicBezTo>
+                  <a:pt x="565480" y="1600364"/>
+                  <a:pt x="556262" y="1604827"/>
+                  <a:pt x="548058" y="1610687"/>
+                </a:cubicBezTo>
+                <a:cubicBezTo>
+                  <a:pt x="536681" y="1618814"/>
+                  <a:pt x="527008" y="1629601"/>
+                  <a:pt x="514502" y="1635854"/>
+                </a:cubicBezTo>
+                <a:cubicBezTo>
+                  <a:pt x="504190" y="1641010"/>
+                  <a:pt x="492032" y="1641076"/>
+                  <a:pt x="480946" y="1644243"/>
+                </a:cubicBezTo>
+                <a:cubicBezTo>
+                  <a:pt x="472443" y="1646672"/>
+                  <a:pt x="463688" y="1648677"/>
+                  <a:pt x="455779" y="1652632"/>
+                </a:cubicBezTo>
+                <a:cubicBezTo>
+                  <a:pt x="441195" y="1659924"/>
+                  <a:pt x="427401" y="1668754"/>
+                  <a:pt x="413834" y="1677799"/>
+                </a:cubicBezTo>
+                <a:cubicBezTo>
+                  <a:pt x="385433" y="1696733"/>
+                  <a:pt x="362326" y="1725728"/>
+                  <a:pt x="329944" y="1736522"/>
+                </a:cubicBezTo>
+                <a:cubicBezTo>
+                  <a:pt x="304777" y="1744911"/>
+                  <a:pt x="276516" y="1746974"/>
+                  <a:pt x="254443" y="1761689"/>
+                </a:cubicBezTo>
+                <a:cubicBezTo>
+                  <a:pt x="246054" y="1767282"/>
+                  <a:pt x="237022" y="1772013"/>
+                  <a:pt x="229276" y="1778467"/>
+                </a:cubicBezTo>
+                <a:cubicBezTo>
+                  <a:pt x="220162" y="1786062"/>
+                  <a:pt x="213980" y="1797052"/>
+                  <a:pt x="204109" y="1803633"/>
+                </a:cubicBezTo>
+                <a:cubicBezTo>
+                  <a:pt x="196751" y="1808538"/>
+                  <a:pt x="187331" y="1809226"/>
+                  <a:pt x="178942" y="1812022"/>
+                </a:cubicBezTo>
+                <a:cubicBezTo>
+                  <a:pt x="173349" y="1820411"/>
+                  <a:pt x="169293" y="1830060"/>
+                  <a:pt x="162164" y="1837189"/>
+                </a:cubicBezTo>
+                <a:cubicBezTo>
+                  <a:pt x="155035" y="1844318"/>
+                  <a:pt x="140741" y="1844606"/>
+                  <a:pt x="136997" y="1853967"/>
+                </a:cubicBezTo>
+                <a:cubicBezTo>
+                  <a:pt x="133713" y="1862177"/>
+                  <a:pt x="142590" y="1870745"/>
+                  <a:pt x="145386" y="1879134"/>
+                </a:cubicBezTo>
+                <a:cubicBezTo>
+                  <a:pt x="164960" y="1876338"/>
+                  <a:pt x="184720" y="1874623"/>
+                  <a:pt x="204109" y="1870745"/>
+                </a:cubicBezTo>
+                <a:cubicBezTo>
+                  <a:pt x="212780" y="1869011"/>
+                  <a:pt x="220576" y="1863938"/>
+                  <a:pt x="229276" y="1862356"/>
+                </a:cubicBezTo>
+                <a:cubicBezTo>
+                  <a:pt x="251457" y="1858323"/>
+                  <a:pt x="274150" y="1857673"/>
+                  <a:pt x="296388" y="1853967"/>
+                </a:cubicBezTo>
+                <a:cubicBezTo>
+                  <a:pt x="347315" y="1845479"/>
+                  <a:pt x="317289" y="1841533"/>
+                  <a:pt x="380278" y="1837189"/>
+                </a:cubicBezTo>
+                <a:cubicBezTo>
+                  <a:pt x="444502" y="1832760"/>
+                  <a:pt x="508909" y="1831596"/>
+                  <a:pt x="573225" y="1828800"/>
+                </a:cubicBezTo>
+                <a:cubicBezTo>
+                  <a:pt x="596392" y="1821078"/>
+                  <a:pt x="664120" y="1794595"/>
+                  <a:pt x="673893" y="1828800"/>
+                </a:cubicBezTo>
+                <a:cubicBezTo>
+                  <a:pt x="687204" y="1875388"/>
+                  <a:pt x="594623" y="1881282"/>
+                  <a:pt x="573225" y="1887523"/>
+                </a:cubicBezTo>
+                <a:cubicBezTo>
+                  <a:pt x="519737" y="1903124"/>
+                  <a:pt x="467887" y="1924344"/>
+                  <a:pt x="413834" y="1937857"/>
+                </a:cubicBezTo>
+                <a:cubicBezTo>
+                  <a:pt x="380278" y="1946246"/>
+                  <a:pt x="346493" y="1953767"/>
+                  <a:pt x="313166" y="1963024"/>
+                </a:cubicBezTo>
+                <a:cubicBezTo>
+                  <a:pt x="296126" y="1967757"/>
+                  <a:pt x="277547" y="1969992"/>
+                  <a:pt x="262832" y="1979802"/>
+                </a:cubicBezTo>
+                <a:cubicBezTo>
+                  <a:pt x="205140" y="2018263"/>
+                  <a:pt x="231628" y="2006981"/>
+                  <a:pt x="187331" y="2021747"/>
+                </a:cubicBezTo>
+                <a:cubicBezTo>
+                  <a:pt x="406631" y="2109467"/>
+                  <a:pt x="172137" y="2021467"/>
+                  <a:pt x="791338" y="2046914"/>
+                </a:cubicBezTo>
+                <a:cubicBezTo>
+                  <a:pt x="809009" y="2047640"/>
+                  <a:pt x="823986" y="2063692"/>
+                  <a:pt x="841672" y="2063692"/>
+                </a:cubicBezTo>
+                <a:lnTo>
+                  <a:pt x="850061" y="2063692"/>
+                </a:lnTo>
+              </a:path>
+            </a:pathLst>
+          </a:custGeom>
+          <a:noFill/>
+        </p:spPr>
+        <p:style>
+          <a:lnRef idx="2">
+            <a:schemeClr val="accent1">
+              <a:shade val="50000"/>
+            </a:schemeClr>
+          </a:lnRef>
+          <a:fillRef idx="1">
+            <a:schemeClr val="accent1"/>
+          </a:fillRef>
+          <a:effectRef idx="0">
+            <a:schemeClr val="accent1"/>
+          </a:effectRef>
+          <a:fontRef idx="minor">
+            <a:schemeClr val="lt1"/>
+          </a:fontRef>
+        </p:style>
+        <p:txBody>
+          <a:bodyPr rtlCol="0" anchor="ctr"/>
+          <a:lstStyle/>
+          <a:p>
+            <a:pPr algn="ctr"/>
+            <a:endParaRPr lang="en-US"/>
+          </a:p>
+        </p:txBody>
+      </p:sp>
+      <p:sp>
+        <p:nvSpPr>
+          <p:cNvPr id="13" name="TextBox 12">
+            <a:extLst>
+              <a:ext uri="{FF2B5EF4-FFF2-40B4-BE49-F238E27FC236}">
+                <a16:creationId xmlns:a16="http://schemas.microsoft.com/office/drawing/2014/main" id="{63D8F489-9855-42C1-91BC-753A430BF0DF}"/>
+              </a:ext>
+            </a:extLst>
+          </p:cNvPr>
+          <p:cNvSpPr txBox="1"/>
+          <p:nvPr/>
+        </p:nvSpPr>
+        <p:spPr>
+          <a:xfrm>
+            <a:off x="724560" y="1685835"/>
+            <a:ext cx="3784126" cy="1200329"/>
+          </a:xfrm>
+          <a:prstGeom prst="rect">
+            <a:avLst/>
+          </a:prstGeom>
+          <a:noFill/>
+        </p:spPr>
+        <p:txBody>
+          <a:bodyPr wrap="square" rtlCol="0">
+            <a:spAutoFit/>
+          </a:bodyPr>
+          <a:lstStyle/>
+          <a:p>
+            <a:r>
+              <a:rPr lang="en-US" dirty="0"/>
+              <a:t>Performance Factor is a measure of how the session compares to a hypothetical session that follows the mean of the rate data.</a:t>
             </a:r>
           </a:p>
         </p:txBody>
@@ -14981,6 +16390,122 @@
     <p:extLst>
       <p:ext uri="{BB962C8B-B14F-4D97-AF65-F5344CB8AC3E}">
         <p14:creationId xmlns:p14="http://schemas.microsoft.com/office/powerpoint/2010/main" val="2063002891"/>
+      </p:ext>
+    </p:extLst>
+  </p:cSld>
+  <p:clrMapOvr>
+    <a:masterClrMapping/>
+  </p:clrMapOvr>
+</p:sld>
+</file>
+
+<file path=ppt/slides/slide26.xml><?xml version="1.0" encoding="utf-8"?>
+<p:sld xmlns:a="http://schemas.openxmlformats.org/drawingml/2006/main" xmlns:r="http://schemas.openxmlformats.org/officeDocument/2006/relationships" xmlns:p="http://schemas.openxmlformats.org/presentationml/2006/main">
+  <p:cSld>
+    <p:spTree>
+      <p:nvGrpSpPr>
+        <p:cNvPr id="1" name=""/>
+        <p:cNvGrpSpPr/>
+        <p:nvPr/>
+      </p:nvGrpSpPr>
+      <p:grpSpPr>
+        <a:xfrm>
+          <a:off x="0" y="0"/>
+          <a:ext cx="0" cy="0"/>
+          <a:chOff x="0" y="0"/>
+          <a:chExt cx="0" cy="0"/>
+        </a:xfrm>
+      </p:grpSpPr>
+      <p:sp>
+        <p:nvSpPr>
+          <p:cNvPr id="2" name="Title 1">
+            <a:extLst>
+              <a:ext uri="{FF2B5EF4-FFF2-40B4-BE49-F238E27FC236}">
+                <a16:creationId xmlns:a16="http://schemas.microsoft.com/office/drawing/2014/main" id="{408F25BB-5B09-4017-935F-6BB70124C2EF}"/>
+              </a:ext>
+            </a:extLst>
+          </p:cNvPr>
+          <p:cNvSpPr>
+            <a:spLocks noGrp="1"/>
+          </p:cNvSpPr>
+          <p:nvPr>
+            <p:ph type="title"/>
+          </p:nvPr>
+        </p:nvSpPr>
+        <p:spPr/>
+        <p:txBody>
+          <a:bodyPr/>
+          <a:lstStyle/>
+          <a:p>
+            <a:r>
+              <a:rPr lang="en-US" dirty="0"/>
+              <a:t>Moving Forward</a:t>
+            </a:r>
+          </a:p>
+        </p:txBody>
+      </p:sp>
+      <p:sp>
+        <p:nvSpPr>
+          <p:cNvPr id="3" name="Content Placeholder 2">
+            <a:extLst>
+              <a:ext uri="{FF2B5EF4-FFF2-40B4-BE49-F238E27FC236}">
+                <a16:creationId xmlns:a16="http://schemas.microsoft.com/office/drawing/2014/main" id="{EB1D3B27-D396-4C58-946F-BE225D066C17}"/>
+              </a:ext>
+            </a:extLst>
+          </p:cNvPr>
+          <p:cNvSpPr>
+            <a:spLocks noGrp="1"/>
+          </p:cNvSpPr>
+          <p:nvPr>
+            <p:ph idx="1"/>
+          </p:nvPr>
+        </p:nvSpPr>
+        <p:spPr>
+          <a:xfrm>
+            <a:off x="838200" y="1825625"/>
+            <a:ext cx="10515600" cy="4351338"/>
+          </a:xfrm>
+        </p:spPr>
+        <p:txBody>
+          <a:bodyPr/>
+          <a:lstStyle/>
+          <a:p>
+            <a:r>
+              <a:rPr lang="en-US" dirty="0"/>
+              <a:t>Final documentation</a:t>
+            </a:r>
+          </a:p>
+          <a:p>
+            <a:r>
+              <a:rPr lang="en-US" dirty="0" err="1"/>
+              <a:t>mySQL</a:t>
+            </a:r>
+            <a:r>
+              <a:rPr lang="en-US" dirty="0"/>
+              <a:t> server update 5.1 to 5.5</a:t>
+            </a:r>
+          </a:p>
+          <a:p>
+            <a:r>
+              <a:rPr lang="en-US" dirty="0"/>
+              <a:t>Down to 2 sig fig</a:t>
+            </a:r>
+          </a:p>
+          <a:p>
+            <a:r>
+              <a:rPr lang="en-US" dirty="0"/>
+              <a:t>Rates per hour, min, sec</a:t>
+            </a:r>
+          </a:p>
+          <a:p>
+            <a:endParaRPr lang="en-US" dirty="0"/>
+          </a:p>
+        </p:txBody>
+      </p:sp>
+    </p:spTree>
+    <p:extLst>
+      <p:ext uri="{BB962C8B-B14F-4D97-AF65-F5344CB8AC3E}">
+        <p14:creationId xmlns:p14="http://schemas.microsoft.com/office/powerpoint/2010/main" val="2943116899"/>
       </p:ext>
     </p:extLst>
   </p:cSld>

--- a/Dust_Data_Project.pptx
+++ b/Dust_Data_Project.pptx
@@ -31,6 +31,8 @@
     <p:sldId id="277" r:id="rId25"/>
     <p:sldId id="279" r:id="rId26"/>
     <p:sldId id="281" r:id="rId27"/>
+    <p:sldId id="282" r:id="rId28"/>
+    <p:sldId id="283" r:id="rId29"/>
   </p:sldIdLst>
   <p:sldSz cx="12192000" cy="6858000"/>
   <p:notesSz cx="6858000" cy="9144000"/>
@@ -284,7 +286,7 @@
           <a:p>
             <a:fld id="{FE061E4A-4E32-4A9C-BF91-22E1DB7CF4C9}" type="datetimeFigureOut">
               <a:rPr lang="en-US" smtClean="0"/>
-              <a:t>8/13/2019</a:t>
+              <a:t>8/20/2019</a:t>
             </a:fld>
             <a:endParaRPr lang="en-US"/>
           </a:p>
@@ -482,7 +484,7 @@
           <a:p>
             <a:fld id="{FE061E4A-4E32-4A9C-BF91-22E1DB7CF4C9}" type="datetimeFigureOut">
               <a:rPr lang="en-US" smtClean="0"/>
-              <a:t>8/13/2019</a:t>
+              <a:t>8/20/2019</a:t>
             </a:fld>
             <a:endParaRPr lang="en-US"/>
           </a:p>
@@ -690,7 +692,7 @@
           <a:p>
             <a:fld id="{FE061E4A-4E32-4A9C-BF91-22E1DB7CF4C9}" type="datetimeFigureOut">
               <a:rPr lang="en-US" smtClean="0"/>
-              <a:t>8/13/2019</a:t>
+              <a:t>8/20/2019</a:t>
             </a:fld>
             <a:endParaRPr lang="en-US"/>
           </a:p>
@@ -888,7 +890,7 @@
           <a:p>
             <a:fld id="{FE061E4A-4E32-4A9C-BF91-22E1DB7CF4C9}" type="datetimeFigureOut">
               <a:rPr lang="en-US" smtClean="0"/>
-              <a:t>8/13/2019</a:t>
+              <a:t>8/20/2019</a:t>
             </a:fld>
             <a:endParaRPr lang="en-US"/>
           </a:p>
@@ -1163,7 +1165,7 @@
           <a:p>
             <a:fld id="{FE061E4A-4E32-4A9C-BF91-22E1DB7CF4C9}" type="datetimeFigureOut">
               <a:rPr lang="en-US" smtClean="0"/>
-              <a:t>8/13/2019</a:t>
+              <a:t>8/20/2019</a:t>
             </a:fld>
             <a:endParaRPr lang="en-US"/>
           </a:p>
@@ -1428,7 +1430,7 @@
           <a:p>
             <a:fld id="{FE061E4A-4E32-4A9C-BF91-22E1DB7CF4C9}" type="datetimeFigureOut">
               <a:rPr lang="en-US" smtClean="0"/>
-              <a:t>8/13/2019</a:t>
+              <a:t>8/20/2019</a:t>
             </a:fld>
             <a:endParaRPr lang="en-US"/>
           </a:p>
@@ -1840,7 +1842,7 @@
           <a:p>
             <a:fld id="{FE061E4A-4E32-4A9C-BF91-22E1DB7CF4C9}" type="datetimeFigureOut">
               <a:rPr lang="en-US" smtClean="0"/>
-              <a:t>8/13/2019</a:t>
+              <a:t>8/20/2019</a:t>
             </a:fld>
             <a:endParaRPr lang="en-US"/>
           </a:p>
@@ -1981,7 +1983,7 @@
           <a:p>
             <a:fld id="{FE061E4A-4E32-4A9C-BF91-22E1DB7CF4C9}" type="datetimeFigureOut">
               <a:rPr lang="en-US" smtClean="0"/>
-              <a:t>8/13/2019</a:t>
+              <a:t>8/20/2019</a:t>
             </a:fld>
             <a:endParaRPr lang="en-US"/>
           </a:p>
@@ -2094,7 +2096,7 @@
           <a:p>
             <a:fld id="{FE061E4A-4E32-4A9C-BF91-22E1DB7CF4C9}" type="datetimeFigureOut">
               <a:rPr lang="en-US" smtClean="0"/>
-              <a:t>8/13/2019</a:t>
+              <a:t>8/20/2019</a:t>
             </a:fld>
             <a:endParaRPr lang="en-US"/>
           </a:p>
@@ -2405,7 +2407,7 @@
           <a:p>
             <a:fld id="{FE061E4A-4E32-4A9C-BF91-22E1DB7CF4C9}" type="datetimeFigureOut">
               <a:rPr lang="en-US" smtClean="0"/>
-              <a:t>8/13/2019</a:t>
+              <a:t>8/20/2019</a:t>
             </a:fld>
             <a:endParaRPr lang="en-US"/>
           </a:p>
@@ -2693,7 +2695,7 @@
           <a:p>
             <a:fld id="{FE061E4A-4E32-4A9C-BF91-22E1DB7CF4C9}" type="datetimeFigureOut">
               <a:rPr lang="en-US" smtClean="0"/>
-              <a:t>8/13/2019</a:t>
+              <a:t>8/20/2019</a:t>
             </a:fld>
             <a:endParaRPr lang="en-US"/>
           </a:p>
@@ -2934,7 +2936,7 @@
           <a:p>
             <a:fld id="{FE061E4A-4E32-4A9C-BF91-22E1DB7CF4C9}" type="datetimeFigureOut">
               <a:rPr lang="en-US" smtClean="0"/>
-              <a:t>8/13/2019</a:t>
+              <a:t>8/20/2019</a:t>
             </a:fld>
             <a:endParaRPr lang="en-US"/>
           </a:p>
@@ -16416,96 +16418,177 @@
           <a:chExt cx="0" cy="0"/>
         </a:xfrm>
       </p:grpSpPr>
-      <p:sp>
-        <p:nvSpPr>
-          <p:cNvPr id="2" name="Title 1">
-            <a:extLst>
-              <a:ext uri="{FF2B5EF4-FFF2-40B4-BE49-F238E27FC236}">
-                <a16:creationId xmlns:a16="http://schemas.microsoft.com/office/drawing/2014/main" id="{408F25BB-5B09-4017-935F-6BB70124C2EF}"/>
-              </a:ext>
-            </a:extLst>
-          </p:cNvPr>
-          <p:cNvSpPr>
-            <a:spLocks noGrp="1"/>
-          </p:cNvSpPr>
-          <p:nvPr>
-            <p:ph type="title"/>
-          </p:nvPr>
-        </p:nvSpPr>
-        <p:spPr/>
-        <p:txBody>
-          <a:bodyPr/>
-          <a:lstStyle/>
-          <a:p>
-            <a:r>
-              <a:rPr lang="en-US" dirty="0"/>
-              <a:t>Moving Forward</a:t>
-            </a:r>
-          </a:p>
-        </p:txBody>
-      </p:sp>
-      <p:sp>
-        <p:nvSpPr>
-          <p:cNvPr id="3" name="Content Placeholder 2">
-            <a:extLst>
-              <a:ext uri="{FF2B5EF4-FFF2-40B4-BE49-F238E27FC236}">
-                <a16:creationId xmlns:a16="http://schemas.microsoft.com/office/drawing/2014/main" id="{EB1D3B27-D396-4C58-946F-BE225D066C17}"/>
-              </a:ext>
-            </a:extLst>
-          </p:cNvPr>
-          <p:cNvSpPr>
-            <a:spLocks noGrp="1"/>
-          </p:cNvSpPr>
+      <p:pic>
+        <p:nvPicPr>
+          <p:cNvPr id="9" name="Content Placeholder 8" descr="A screenshot of a cell phone&#10;&#10;Description automatically generated">
+            <a:extLst>
+              <a:ext uri="{FF2B5EF4-FFF2-40B4-BE49-F238E27FC236}">
+                <a16:creationId xmlns:a16="http://schemas.microsoft.com/office/drawing/2014/main" id="{5D0B0E5A-89AE-4C77-A467-C0C2CC353221}"/>
+              </a:ext>
+            </a:extLst>
+          </p:cNvPr>
+          <p:cNvPicPr>
+            <a:picLocks noGrp="1" noChangeAspect="1"/>
+          </p:cNvPicPr>
           <p:nvPr>
             <p:ph idx="1"/>
           </p:nvPr>
-        </p:nvSpPr>
-        <p:spPr>
-          <a:xfrm>
-            <a:off x="838200" y="1825625"/>
-            <a:ext cx="10515600" cy="4351338"/>
-          </a:xfrm>
-        </p:spPr>
-        <p:txBody>
-          <a:bodyPr/>
-          <a:lstStyle/>
-          <a:p>
-            <a:r>
-              <a:rPr lang="en-US" dirty="0"/>
-              <a:t>Final documentation</a:t>
-            </a:r>
-          </a:p>
-          <a:p>
-            <a:r>
-              <a:rPr lang="en-US" dirty="0" err="1"/>
-              <a:t>mySQL</a:t>
-            </a:r>
-            <a:r>
-              <a:rPr lang="en-US" dirty="0"/>
-              <a:t> server update 5.1 to 5.5</a:t>
-            </a:r>
-          </a:p>
-          <a:p>
-            <a:r>
-              <a:rPr lang="en-US" dirty="0"/>
-              <a:t>Down to 2 sig fig</a:t>
-            </a:r>
-          </a:p>
-          <a:p>
-            <a:r>
-              <a:rPr lang="en-US" dirty="0"/>
-              <a:t>Rates per hour, min, sec</a:t>
-            </a:r>
-          </a:p>
-          <a:p>
-            <a:endParaRPr lang="en-US" dirty="0"/>
-          </a:p>
-        </p:txBody>
-      </p:sp>
+        </p:nvPicPr>
+        <p:blipFill>
+          <a:blip r:embed="rId2">
+            <a:extLst>
+              <a:ext uri="{28A0092B-C50C-407E-A947-70E740481C1C}">
+                <a14:useLocalDpi xmlns:a14="http://schemas.microsoft.com/office/drawing/2010/main" val="0"/>
+              </a:ext>
+            </a:extLst>
+          </a:blip>
+          <a:stretch>
+            <a:fillRect/>
+          </a:stretch>
+        </p:blipFill>
+        <p:spPr>
+          <a:xfrm>
+            <a:off x="691644" y="-377504"/>
+            <a:ext cx="10806450" cy="7859238"/>
+          </a:xfrm>
+        </p:spPr>
+      </p:pic>
     </p:spTree>
     <p:extLst>
       <p:ext uri="{BB962C8B-B14F-4D97-AF65-F5344CB8AC3E}">
-        <p14:creationId xmlns:p14="http://schemas.microsoft.com/office/powerpoint/2010/main" val="2943116899"/>
+        <p14:creationId xmlns:p14="http://schemas.microsoft.com/office/powerpoint/2010/main" val="2302028446"/>
+      </p:ext>
+    </p:extLst>
+  </p:cSld>
+  <p:clrMapOvr>
+    <a:masterClrMapping/>
+  </p:clrMapOvr>
+</p:sld>
+</file>
+
+<file path=ppt/slides/slide27.xml><?xml version="1.0" encoding="utf-8"?>
+<p:sld xmlns:a="http://schemas.openxmlformats.org/drawingml/2006/main" xmlns:r="http://schemas.openxmlformats.org/officeDocument/2006/relationships" xmlns:p="http://schemas.openxmlformats.org/presentationml/2006/main">
+  <p:cSld>
+    <p:spTree>
+      <p:nvGrpSpPr>
+        <p:cNvPr id="1" name=""/>
+        <p:cNvGrpSpPr/>
+        <p:nvPr/>
+      </p:nvGrpSpPr>
+      <p:grpSpPr>
+        <a:xfrm>
+          <a:off x="0" y="0"/>
+          <a:ext cx="0" cy="0"/>
+          <a:chOff x="0" y="0"/>
+          <a:chExt cx="0" cy="0"/>
+        </a:xfrm>
+      </p:grpSpPr>
+      <p:pic>
+        <p:nvPicPr>
+          <p:cNvPr id="5" name="Picture 4" descr="A screenshot of a cell phone&#10;&#10;Description automatically generated">
+            <a:extLst>
+              <a:ext uri="{FF2B5EF4-FFF2-40B4-BE49-F238E27FC236}">
+                <a16:creationId xmlns:a16="http://schemas.microsoft.com/office/drawing/2014/main" id="{A66C27BC-F01C-48E0-9438-66D8949EF371}"/>
+              </a:ext>
+            </a:extLst>
+          </p:cNvPr>
+          <p:cNvPicPr>
+            <a:picLocks noChangeAspect="1"/>
+          </p:cNvPicPr>
+          <p:nvPr/>
+        </p:nvPicPr>
+        <p:blipFill>
+          <a:blip r:embed="rId2">
+            <a:extLst>
+              <a:ext uri="{28A0092B-C50C-407E-A947-70E740481C1C}">
+                <a14:useLocalDpi xmlns:a14="http://schemas.microsoft.com/office/drawing/2010/main" val="0"/>
+              </a:ext>
+            </a:extLst>
+          </a:blip>
+          <a:stretch>
+            <a:fillRect/>
+          </a:stretch>
+        </p:blipFill>
+        <p:spPr>
+          <a:xfrm>
+            <a:off x="523558" y="-623686"/>
+            <a:ext cx="11144884" cy="8105371"/>
+          </a:xfrm>
+          <a:prstGeom prst="rect">
+            <a:avLst/>
+          </a:prstGeom>
+        </p:spPr>
+      </p:pic>
+    </p:spTree>
+    <p:extLst>
+      <p:ext uri="{BB962C8B-B14F-4D97-AF65-F5344CB8AC3E}">
+        <p14:creationId xmlns:p14="http://schemas.microsoft.com/office/powerpoint/2010/main" val="3999913125"/>
+      </p:ext>
+    </p:extLst>
+  </p:cSld>
+  <p:clrMapOvr>
+    <a:masterClrMapping/>
+  </p:clrMapOvr>
+</p:sld>
+</file>
+
+<file path=ppt/slides/slide28.xml><?xml version="1.0" encoding="utf-8"?>
+<p:sld xmlns:a="http://schemas.openxmlformats.org/drawingml/2006/main" xmlns:r="http://schemas.openxmlformats.org/officeDocument/2006/relationships" xmlns:p="http://schemas.openxmlformats.org/presentationml/2006/main">
+  <p:cSld>
+    <p:spTree>
+      <p:nvGrpSpPr>
+        <p:cNvPr id="1" name=""/>
+        <p:cNvGrpSpPr/>
+        <p:nvPr/>
+      </p:nvGrpSpPr>
+      <p:grpSpPr>
+        <a:xfrm>
+          <a:off x="0" y="0"/>
+          <a:ext cx="0" cy="0"/>
+          <a:chOff x="0" y="0"/>
+          <a:chExt cx="0" cy="0"/>
+        </a:xfrm>
+      </p:grpSpPr>
+      <p:pic>
+        <p:nvPicPr>
+          <p:cNvPr id="5" name="Picture 4" descr="A screenshot of a cell phone&#10;&#10;Description automatically generated">
+            <a:extLst>
+              <a:ext uri="{FF2B5EF4-FFF2-40B4-BE49-F238E27FC236}">
+                <a16:creationId xmlns:a16="http://schemas.microsoft.com/office/drawing/2014/main" id="{E7F618D4-1DE7-4FB8-90A0-CE4C0932FFBD}"/>
+              </a:ext>
+            </a:extLst>
+          </p:cNvPr>
+          <p:cNvPicPr>
+            <a:picLocks noChangeAspect="1"/>
+          </p:cNvPicPr>
+          <p:nvPr/>
+        </p:nvPicPr>
+        <p:blipFill>
+          <a:blip r:embed="rId2">
+            <a:extLst>
+              <a:ext uri="{28A0092B-C50C-407E-A947-70E740481C1C}">
+                <a14:useLocalDpi xmlns:a14="http://schemas.microsoft.com/office/drawing/2010/main" val="0"/>
+              </a:ext>
+            </a:extLst>
+          </a:blip>
+          <a:stretch>
+            <a:fillRect/>
+          </a:stretch>
+        </p:blipFill>
+        <p:spPr>
+          <a:xfrm>
+            <a:off x="272374" y="-806364"/>
+            <a:ext cx="11635293" cy="8462032"/>
+          </a:xfrm>
+          <a:prstGeom prst="rect">
+            <a:avLst/>
+          </a:prstGeom>
+        </p:spPr>
+      </p:pic>
+    </p:spTree>
+    <p:extLst>
+      <p:ext uri="{BB962C8B-B14F-4D97-AF65-F5344CB8AC3E}">
+        <p14:creationId xmlns:p14="http://schemas.microsoft.com/office/powerpoint/2010/main" val="1004199942"/>
       </p:ext>
     </p:extLst>
   </p:cSld>

--- a/Dust_Data_Project.pptx
+++ b/Dust_Data_Project.pptx
@@ -16,23 +16,21 @@
     <p:sldId id="264" r:id="rId10"/>
     <p:sldId id="265" r:id="rId11"/>
     <p:sldId id="266" r:id="rId12"/>
-    <p:sldId id="267" r:id="rId13"/>
-    <p:sldId id="268" r:id="rId14"/>
+    <p:sldId id="268" r:id="rId13"/>
+    <p:sldId id="284" r:id="rId14"/>
     <p:sldId id="269" r:id="rId15"/>
     <p:sldId id="270" r:id="rId16"/>
-    <p:sldId id="271" r:id="rId17"/>
-    <p:sldId id="272" r:id="rId18"/>
-    <p:sldId id="273" r:id="rId19"/>
-    <p:sldId id="276" r:id="rId20"/>
-    <p:sldId id="274" r:id="rId21"/>
-    <p:sldId id="275" r:id="rId22"/>
-    <p:sldId id="280" r:id="rId23"/>
-    <p:sldId id="278" r:id="rId24"/>
-    <p:sldId id="277" r:id="rId25"/>
-    <p:sldId id="279" r:id="rId26"/>
-    <p:sldId id="281" r:id="rId27"/>
-    <p:sldId id="282" r:id="rId28"/>
-    <p:sldId id="283" r:id="rId29"/>
+    <p:sldId id="285" r:id="rId17"/>
+    <p:sldId id="280" r:id="rId18"/>
+    <p:sldId id="278" r:id="rId19"/>
+    <p:sldId id="281" r:id="rId20"/>
+    <p:sldId id="290" r:id="rId21"/>
+    <p:sldId id="287" r:id="rId22"/>
+    <p:sldId id="288" r:id="rId23"/>
+    <p:sldId id="282" r:id="rId24"/>
+    <p:sldId id="289" r:id="rId25"/>
+    <p:sldId id="286" r:id="rId26"/>
+    <p:sldId id="291" r:id="rId27"/>
   </p:sldIdLst>
   <p:sldSz cx="12192000" cy="6858000"/>
   <p:notesSz cx="6858000" cy="9144000"/>
@@ -286,9 +284,9 @@
           <a:p>
             <a:fld id="{FE061E4A-4E32-4A9C-BF91-22E1DB7CF4C9}" type="datetimeFigureOut">
               <a:rPr lang="en-US" smtClean="0"/>
-              <a:t>8/20/2019</a:t>
+              <a:t>9/10/2019</a:t>
             </a:fld>
-            <a:endParaRPr lang="en-US"/>
+            <a:endParaRPr lang="en-US" dirty="0"/>
           </a:p>
         </p:txBody>
       </p:sp>
@@ -313,7 +311,7 @@
           <a:bodyPr/>
           <a:lstStyle/>
           <a:p>
-            <a:endParaRPr lang="en-US"/>
+            <a:endParaRPr lang="en-US" dirty="0"/>
           </a:p>
         </p:txBody>
       </p:sp>
@@ -342,7 +340,7 @@
               <a:rPr lang="en-US" smtClean="0"/>
               <a:t>‹#›</a:t>
             </a:fld>
-            <a:endParaRPr lang="en-US"/>
+            <a:endParaRPr lang="en-US" dirty="0"/>
           </a:p>
         </p:txBody>
       </p:sp>
@@ -484,9 +482,9 @@
           <a:p>
             <a:fld id="{FE061E4A-4E32-4A9C-BF91-22E1DB7CF4C9}" type="datetimeFigureOut">
               <a:rPr lang="en-US" smtClean="0"/>
-              <a:t>8/20/2019</a:t>
+              <a:t>9/10/2019</a:t>
             </a:fld>
-            <a:endParaRPr lang="en-US"/>
+            <a:endParaRPr lang="en-US" dirty="0"/>
           </a:p>
         </p:txBody>
       </p:sp>
@@ -511,7 +509,7 @@
           <a:bodyPr/>
           <a:lstStyle/>
           <a:p>
-            <a:endParaRPr lang="en-US"/>
+            <a:endParaRPr lang="en-US" dirty="0"/>
           </a:p>
         </p:txBody>
       </p:sp>
@@ -540,7 +538,7 @@
               <a:rPr lang="en-US" smtClean="0"/>
               <a:t>‹#›</a:t>
             </a:fld>
-            <a:endParaRPr lang="en-US"/>
+            <a:endParaRPr lang="en-US" dirty="0"/>
           </a:p>
         </p:txBody>
       </p:sp>
@@ -692,9 +690,9 @@
           <a:p>
             <a:fld id="{FE061E4A-4E32-4A9C-BF91-22E1DB7CF4C9}" type="datetimeFigureOut">
               <a:rPr lang="en-US" smtClean="0"/>
-              <a:t>8/20/2019</a:t>
+              <a:t>9/10/2019</a:t>
             </a:fld>
-            <a:endParaRPr lang="en-US"/>
+            <a:endParaRPr lang="en-US" dirty="0"/>
           </a:p>
         </p:txBody>
       </p:sp>
@@ -719,7 +717,7 @@
           <a:bodyPr/>
           <a:lstStyle/>
           <a:p>
-            <a:endParaRPr lang="en-US"/>
+            <a:endParaRPr lang="en-US" dirty="0"/>
           </a:p>
         </p:txBody>
       </p:sp>
@@ -748,7 +746,7 @@
               <a:rPr lang="en-US" smtClean="0"/>
               <a:t>‹#›</a:t>
             </a:fld>
-            <a:endParaRPr lang="en-US"/>
+            <a:endParaRPr lang="en-US" dirty="0"/>
           </a:p>
         </p:txBody>
       </p:sp>
@@ -890,9 +888,9 @@
           <a:p>
             <a:fld id="{FE061E4A-4E32-4A9C-BF91-22E1DB7CF4C9}" type="datetimeFigureOut">
               <a:rPr lang="en-US" smtClean="0"/>
-              <a:t>8/20/2019</a:t>
+              <a:t>9/10/2019</a:t>
             </a:fld>
-            <a:endParaRPr lang="en-US"/>
+            <a:endParaRPr lang="en-US" dirty="0"/>
           </a:p>
         </p:txBody>
       </p:sp>
@@ -917,7 +915,7 @@
           <a:bodyPr/>
           <a:lstStyle/>
           <a:p>
-            <a:endParaRPr lang="en-US"/>
+            <a:endParaRPr lang="en-US" dirty="0"/>
           </a:p>
         </p:txBody>
       </p:sp>
@@ -946,7 +944,7 @@
               <a:rPr lang="en-US" smtClean="0"/>
               <a:t>‹#›</a:t>
             </a:fld>
-            <a:endParaRPr lang="en-US"/>
+            <a:endParaRPr lang="en-US" dirty="0"/>
           </a:p>
         </p:txBody>
       </p:sp>
@@ -1165,9 +1163,9 @@
           <a:p>
             <a:fld id="{FE061E4A-4E32-4A9C-BF91-22E1DB7CF4C9}" type="datetimeFigureOut">
               <a:rPr lang="en-US" smtClean="0"/>
-              <a:t>8/20/2019</a:t>
+              <a:t>9/10/2019</a:t>
             </a:fld>
-            <a:endParaRPr lang="en-US"/>
+            <a:endParaRPr lang="en-US" dirty="0"/>
           </a:p>
         </p:txBody>
       </p:sp>
@@ -1192,7 +1190,7 @@
           <a:bodyPr/>
           <a:lstStyle/>
           <a:p>
-            <a:endParaRPr lang="en-US"/>
+            <a:endParaRPr lang="en-US" dirty="0"/>
           </a:p>
         </p:txBody>
       </p:sp>
@@ -1221,7 +1219,7 @@
               <a:rPr lang="en-US" smtClean="0"/>
               <a:t>‹#›</a:t>
             </a:fld>
-            <a:endParaRPr lang="en-US"/>
+            <a:endParaRPr lang="en-US" dirty="0"/>
           </a:p>
         </p:txBody>
       </p:sp>
@@ -1430,9 +1428,9 @@
           <a:p>
             <a:fld id="{FE061E4A-4E32-4A9C-BF91-22E1DB7CF4C9}" type="datetimeFigureOut">
               <a:rPr lang="en-US" smtClean="0"/>
-              <a:t>8/20/2019</a:t>
+              <a:t>9/10/2019</a:t>
             </a:fld>
-            <a:endParaRPr lang="en-US"/>
+            <a:endParaRPr lang="en-US" dirty="0"/>
           </a:p>
         </p:txBody>
       </p:sp>
@@ -1457,7 +1455,7 @@
           <a:bodyPr/>
           <a:lstStyle/>
           <a:p>
-            <a:endParaRPr lang="en-US"/>
+            <a:endParaRPr lang="en-US" dirty="0"/>
           </a:p>
         </p:txBody>
       </p:sp>
@@ -1486,7 +1484,7 @@
               <a:rPr lang="en-US" smtClean="0"/>
               <a:t>‹#›</a:t>
             </a:fld>
-            <a:endParaRPr lang="en-US"/>
+            <a:endParaRPr lang="en-US" dirty="0"/>
           </a:p>
         </p:txBody>
       </p:sp>
@@ -1842,9 +1840,9 @@
           <a:p>
             <a:fld id="{FE061E4A-4E32-4A9C-BF91-22E1DB7CF4C9}" type="datetimeFigureOut">
               <a:rPr lang="en-US" smtClean="0"/>
-              <a:t>8/20/2019</a:t>
+              <a:t>9/10/2019</a:t>
             </a:fld>
-            <a:endParaRPr lang="en-US"/>
+            <a:endParaRPr lang="en-US" dirty="0"/>
           </a:p>
         </p:txBody>
       </p:sp>
@@ -1869,7 +1867,7 @@
           <a:bodyPr/>
           <a:lstStyle/>
           <a:p>
-            <a:endParaRPr lang="en-US"/>
+            <a:endParaRPr lang="en-US" dirty="0"/>
           </a:p>
         </p:txBody>
       </p:sp>
@@ -1898,7 +1896,7 @@
               <a:rPr lang="en-US" smtClean="0"/>
               <a:t>‹#›</a:t>
             </a:fld>
-            <a:endParaRPr lang="en-US"/>
+            <a:endParaRPr lang="en-US" dirty="0"/>
           </a:p>
         </p:txBody>
       </p:sp>
@@ -1983,9 +1981,9 @@
           <a:p>
             <a:fld id="{FE061E4A-4E32-4A9C-BF91-22E1DB7CF4C9}" type="datetimeFigureOut">
               <a:rPr lang="en-US" smtClean="0"/>
-              <a:t>8/20/2019</a:t>
+              <a:t>9/10/2019</a:t>
             </a:fld>
-            <a:endParaRPr lang="en-US"/>
+            <a:endParaRPr lang="en-US" dirty="0"/>
           </a:p>
         </p:txBody>
       </p:sp>
@@ -2010,7 +2008,7 @@
           <a:bodyPr/>
           <a:lstStyle/>
           <a:p>
-            <a:endParaRPr lang="en-US"/>
+            <a:endParaRPr lang="en-US" dirty="0"/>
           </a:p>
         </p:txBody>
       </p:sp>
@@ -2039,7 +2037,7 @@
               <a:rPr lang="en-US" smtClean="0"/>
               <a:t>‹#›</a:t>
             </a:fld>
-            <a:endParaRPr lang="en-US"/>
+            <a:endParaRPr lang="en-US" dirty="0"/>
           </a:p>
         </p:txBody>
       </p:sp>
@@ -2096,9 +2094,9 @@
           <a:p>
             <a:fld id="{FE061E4A-4E32-4A9C-BF91-22E1DB7CF4C9}" type="datetimeFigureOut">
               <a:rPr lang="en-US" smtClean="0"/>
-              <a:t>8/20/2019</a:t>
+              <a:t>9/10/2019</a:t>
             </a:fld>
-            <a:endParaRPr lang="en-US"/>
+            <a:endParaRPr lang="en-US" dirty="0"/>
           </a:p>
         </p:txBody>
       </p:sp>
@@ -2123,7 +2121,7 @@
           <a:bodyPr/>
           <a:lstStyle/>
           <a:p>
-            <a:endParaRPr lang="en-US"/>
+            <a:endParaRPr lang="en-US" dirty="0"/>
           </a:p>
         </p:txBody>
       </p:sp>
@@ -2152,7 +2150,7 @@
               <a:rPr lang="en-US" smtClean="0"/>
               <a:t>‹#›</a:t>
             </a:fld>
-            <a:endParaRPr lang="en-US"/>
+            <a:endParaRPr lang="en-US" dirty="0"/>
           </a:p>
         </p:txBody>
       </p:sp>
@@ -2407,9 +2405,9 @@
           <a:p>
             <a:fld id="{FE061E4A-4E32-4A9C-BF91-22E1DB7CF4C9}" type="datetimeFigureOut">
               <a:rPr lang="en-US" smtClean="0"/>
-              <a:t>8/20/2019</a:t>
+              <a:t>9/10/2019</a:t>
             </a:fld>
-            <a:endParaRPr lang="en-US"/>
+            <a:endParaRPr lang="en-US" dirty="0"/>
           </a:p>
         </p:txBody>
       </p:sp>
@@ -2434,7 +2432,7 @@
           <a:bodyPr/>
           <a:lstStyle/>
           <a:p>
-            <a:endParaRPr lang="en-US"/>
+            <a:endParaRPr lang="en-US" dirty="0"/>
           </a:p>
         </p:txBody>
       </p:sp>
@@ -2463,7 +2461,7 @@
               <a:rPr lang="en-US" smtClean="0"/>
               <a:t>‹#›</a:t>
             </a:fld>
-            <a:endParaRPr lang="en-US"/>
+            <a:endParaRPr lang="en-US" dirty="0"/>
           </a:p>
         </p:txBody>
       </p:sp>
@@ -2597,7 +2595,7 @@
             </a:lvl9pPr>
           </a:lstStyle>
           <a:p>
-            <a:endParaRPr lang="en-US"/>
+            <a:endParaRPr lang="en-US" dirty="0"/>
           </a:p>
         </p:txBody>
       </p:sp>
@@ -2695,9 +2693,9 @@
           <a:p>
             <a:fld id="{FE061E4A-4E32-4A9C-BF91-22E1DB7CF4C9}" type="datetimeFigureOut">
               <a:rPr lang="en-US" smtClean="0"/>
-              <a:t>8/20/2019</a:t>
+              <a:t>9/10/2019</a:t>
             </a:fld>
-            <a:endParaRPr lang="en-US"/>
+            <a:endParaRPr lang="en-US" dirty="0"/>
           </a:p>
         </p:txBody>
       </p:sp>
@@ -2722,7 +2720,7 @@
           <a:bodyPr/>
           <a:lstStyle/>
           <a:p>
-            <a:endParaRPr lang="en-US"/>
+            <a:endParaRPr lang="en-US" dirty="0"/>
           </a:p>
         </p:txBody>
       </p:sp>
@@ -2751,7 +2749,7 @@
               <a:rPr lang="en-US" smtClean="0"/>
               <a:t>‹#›</a:t>
             </a:fld>
-            <a:endParaRPr lang="en-US"/>
+            <a:endParaRPr lang="en-US" dirty="0"/>
           </a:p>
         </p:txBody>
       </p:sp>
@@ -2936,9 +2934,9 @@
           <a:p>
             <a:fld id="{FE061E4A-4E32-4A9C-BF91-22E1DB7CF4C9}" type="datetimeFigureOut">
               <a:rPr lang="en-US" smtClean="0"/>
-              <a:t>8/20/2019</a:t>
+              <a:t>9/10/2019</a:t>
             </a:fld>
-            <a:endParaRPr lang="en-US"/>
+            <a:endParaRPr lang="en-US" dirty="0"/>
           </a:p>
         </p:txBody>
       </p:sp>
@@ -2981,7 +2979,7 @@
             </a:lvl1pPr>
           </a:lstStyle>
           <a:p>
-            <a:endParaRPr lang="en-US"/>
+            <a:endParaRPr lang="en-US" dirty="0"/>
           </a:p>
         </p:txBody>
       </p:sp>
@@ -3028,7 +3026,7 @@
               <a:rPr lang="en-US" smtClean="0"/>
               <a:t>‹#›</a:t>
             </a:fld>
-            <a:endParaRPr lang="en-US"/>
+            <a:endParaRPr lang="en-US" dirty="0"/>
           </a:p>
         </p:txBody>
       </p:sp>
@@ -3407,6 +3405,12 @@
               <a:t>Nathan Schneider</a:t>
             </a:r>
           </a:p>
+          <a:p>
+            <a:r>
+              <a:rPr lang="en-US" dirty="0"/>
+              <a:t>schnei.Nathan@gmail.com</a:t>
+            </a:r>
+          </a:p>
         </p:txBody>
       </p:sp>
     </p:spTree>
@@ -3546,7 +3550,7 @@
           <a:lstStyle/>
           <a:p>
             <a:pPr algn="ctr"/>
-            <a:endParaRPr lang="en-US"/>
+            <a:endParaRPr lang="en-US" dirty="0"/>
           </a:p>
         </p:txBody>
       </p:sp>
@@ -3592,7 +3596,7 @@
           <a:lstStyle/>
           <a:p>
             <a:pPr algn="ctr"/>
-            <a:endParaRPr lang="en-US"/>
+            <a:endParaRPr lang="en-US" dirty="0"/>
           </a:p>
         </p:txBody>
       </p:sp>
@@ -3638,7 +3642,7 @@
           <a:lstStyle/>
           <a:p>
             <a:pPr algn="ctr"/>
-            <a:endParaRPr lang="en-US"/>
+            <a:endParaRPr lang="en-US" dirty="0"/>
           </a:p>
         </p:txBody>
       </p:sp>
@@ -3684,7 +3688,7 @@
           <a:lstStyle/>
           <a:p>
             <a:pPr algn="ctr"/>
-            <a:endParaRPr lang="en-US"/>
+            <a:endParaRPr lang="en-US" dirty="0"/>
           </a:p>
         </p:txBody>
       </p:sp>
@@ -3730,7 +3734,7 @@
           <a:lstStyle/>
           <a:p>
             <a:pPr algn="ctr"/>
-            <a:endParaRPr lang="en-US"/>
+            <a:endParaRPr lang="en-US" dirty="0"/>
           </a:p>
         </p:txBody>
       </p:sp>
@@ -3776,7 +3780,7 @@
           <a:lstStyle/>
           <a:p>
             <a:pPr algn="ctr"/>
-            <a:endParaRPr lang="en-US"/>
+            <a:endParaRPr lang="en-US" dirty="0"/>
           </a:p>
         </p:txBody>
       </p:sp>
@@ -3822,7 +3826,7 @@
           <a:lstStyle/>
           <a:p>
             <a:pPr algn="ctr"/>
-            <a:endParaRPr lang="en-US"/>
+            <a:endParaRPr lang="en-US" dirty="0"/>
           </a:p>
         </p:txBody>
       </p:sp>
@@ -3868,7 +3872,7 @@
           <a:lstStyle/>
           <a:p>
             <a:pPr algn="ctr"/>
-            <a:endParaRPr lang="en-US"/>
+            <a:endParaRPr lang="en-US" dirty="0"/>
           </a:p>
         </p:txBody>
       </p:sp>
@@ -3914,7 +3918,7 @@
           <a:lstStyle/>
           <a:p>
             <a:pPr algn="ctr"/>
-            <a:endParaRPr lang="en-US"/>
+            <a:endParaRPr lang="en-US" dirty="0"/>
           </a:p>
         </p:txBody>
       </p:sp>
@@ -3960,7 +3964,7 @@
           <a:lstStyle/>
           <a:p>
             <a:pPr algn="ctr"/>
-            <a:endParaRPr lang="en-US"/>
+            <a:endParaRPr lang="en-US" dirty="0"/>
           </a:p>
         </p:txBody>
       </p:sp>
@@ -4006,7 +4010,7 @@
           <a:lstStyle/>
           <a:p>
             <a:pPr algn="ctr"/>
-            <a:endParaRPr lang="en-US"/>
+            <a:endParaRPr lang="en-US" dirty="0"/>
           </a:p>
         </p:txBody>
       </p:sp>
@@ -4052,7 +4056,7 @@
           <a:lstStyle/>
           <a:p>
             <a:pPr algn="ctr"/>
-            <a:endParaRPr lang="en-US"/>
+            <a:endParaRPr lang="en-US" dirty="0"/>
           </a:p>
         </p:txBody>
       </p:sp>
@@ -4098,7 +4102,7 @@
           <a:lstStyle/>
           <a:p>
             <a:pPr algn="ctr"/>
-            <a:endParaRPr lang="en-US"/>
+            <a:endParaRPr lang="en-US" dirty="0"/>
           </a:p>
         </p:txBody>
       </p:sp>
@@ -4144,7 +4148,7 @@
           <a:lstStyle/>
           <a:p>
             <a:pPr algn="ctr"/>
-            <a:endParaRPr lang="en-US"/>
+            <a:endParaRPr lang="en-US" dirty="0"/>
           </a:p>
         </p:txBody>
       </p:sp>
@@ -4190,7 +4194,7 @@
           <a:lstStyle/>
           <a:p>
             <a:pPr algn="ctr"/>
-            <a:endParaRPr lang="en-US"/>
+            <a:endParaRPr lang="en-US" dirty="0"/>
           </a:p>
         </p:txBody>
       </p:sp>
@@ -4236,7 +4240,7 @@
           <a:lstStyle/>
           <a:p>
             <a:pPr algn="ctr"/>
-            <a:endParaRPr lang="en-US"/>
+            <a:endParaRPr lang="en-US" dirty="0"/>
           </a:p>
         </p:txBody>
       </p:sp>
@@ -4282,7 +4286,7 @@
           <a:lstStyle/>
           <a:p>
             <a:pPr algn="ctr"/>
-            <a:endParaRPr lang="en-US"/>
+            <a:endParaRPr lang="en-US" dirty="0"/>
           </a:p>
         </p:txBody>
       </p:sp>
@@ -4328,7 +4332,7 @@
           <a:lstStyle/>
           <a:p>
             <a:pPr algn="ctr"/>
-            <a:endParaRPr lang="en-US"/>
+            <a:endParaRPr lang="en-US" dirty="0"/>
           </a:p>
         </p:txBody>
       </p:sp>
@@ -4375,7 +4379,7 @@
           <a:lstStyle/>
           <a:p>
             <a:pPr algn="ctr"/>
-            <a:endParaRPr lang="en-US"/>
+            <a:endParaRPr lang="en-US" dirty="0"/>
           </a:p>
         </p:txBody>
       </p:sp>
@@ -4421,7 +4425,7 @@
           <a:lstStyle/>
           <a:p>
             <a:pPr algn="ctr"/>
-            <a:endParaRPr lang="en-US"/>
+            <a:endParaRPr lang="en-US" dirty="0"/>
           </a:p>
         </p:txBody>
       </p:sp>
@@ -4467,7 +4471,7 @@
           <a:lstStyle/>
           <a:p>
             <a:pPr algn="ctr"/>
-            <a:endParaRPr lang="en-US"/>
+            <a:endParaRPr lang="en-US" dirty="0"/>
           </a:p>
         </p:txBody>
       </p:sp>
@@ -4513,7 +4517,7 @@
           <a:lstStyle/>
           <a:p>
             <a:pPr algn="ctr"/>
-            <a:endParaRPr lang="en-US"/>
+            <a:endParaRPr lang="en-US" dirty="0"/>
           </a:p>
         </p:txBody>
       </p:sp>
@@ -4559,7 +4563,7 @@
           <a:lstStyle/>
           <a:p>
             <a:pPr algn="ctr"/>
-            <a:endParaRPr lang="en-US"/>
+            <a:endParaRPr lang="en-US" dirty="0"/>
           </a:p>
         </p:txBody>
       </p:sp>
@@ -4605,7 +4609,7 @@
           <a:lstStyle/>
           <a:p>
             <a:pPr algn="ctr"/>
-            <a:endParaRPr lang="en-US"/>
+            <a:endParaRPr lang="en-US" dirty="0"/>
           </a:p>
         </p:txBody>
       </p:sp>
@@ -4651,7 +4655,7 @@
           <a:lstStyle/>
           <a:p>
             <a:pPr algn="ctr"/>
-            <a:endParaRPr lang="en-US"/>
+            <a:endParaRPr lang="en-US" dirty="0"/>
           </a:p>
         </p:txBody>
       </p:sp>
@@ -4697,7 +4701,7 @@
           <a:lstStyle/>
           <a:p>
             <a:pPr algn="ctr"/>
-            <a:endParaRPr lang="en-US"/>
+            <a:endParaRPr lang="en-US" dirty="0"/>
           </a:p>
         </p:txBody>
       </p:sp>
@@ -4743,7 +4747,7 @@
           <a:lstStyle/>
           <a:p>
             <a:pPr algn="ctr"/>
-            <a:endParaRPr lang="en-US"/>
+            <a:endParaRPr lang="en-US" dirty="0"/>
           </a:p>
         </p:txBody>
       </p:sp>
@@ -4789,7 +4793,7 @@
           <a:lstStyle/>
           <a:p>
             <a:pPr algn="ctr"/>
-            <a:endParaRPr lang="en-US"/>
+            <a:endParaRPr lang="en-US" dirty="0"/>
           </a:p>
         </p:txBody>
       </p:sp>
@@ -4835,7 +4839,7 @@
           <a:lstStyle/>
           <a:p>
             <a:pPr algn="ctr"/>
-            <a:endParaRPr lang="en-US"/>
+            <a:endParaRPr lang="en-US" dirty="0"/>
           </a:p>
         </p:txBody>
       </p:sp>
@@ -4881,7 +4885,7 @@
           <a:lstStyle/>
           <a:p>
             <a:pPr algn="ctr"/>
-            <a:endParaRPr lang="en-US"/>
+            <a:endParaRPr lang="en-US" dirty="0"/>
           </a:p>
         </p:txBody>
       </p:sp>
@@ -4927,7 +4931,7 @@
           <a:lstStyle/>
           <a:p>
             <a:pPr algn="ctr"/>
-            <a:endParaRPr lang="en-US"/>
+            <a:endParaRPr lang="en-US" dirty="0"/>
           </a:p>
         </p:txBody>
       </p:sp>
@@ -4973,7 +4977,7 @@
           <a:lstStyle/>
           <a:p>
             <a:pPr algn="ctr"/>
-            <a:endParaRPr lang="en-US"/>
+            <a:endParaRPr lang="en-US" dirty="0"/>
           </a:p>
         </p:txBody>
       </p:sp>
@@ -5019,7 +5023,7 @@
           <a:lstStyle/>
           <a:p>
             <a:pPr algn="ctr"/>
-            <a:endParaRPr lang="en-US"/>
+            <a:endParaRPr lang="en-US" dirty="0"/>
           </a:p>
         </p:txBody>
       </p:sp>
@@ -5065,7 +5069,7 @@
           <a:lstStyle/>
           <a:p>
             <a:pPr algn="ctr"/>
-            <a:endParaRPr lang="en-US"/>
+            <a:endParaRPr lang="en-US" dirty="0"/>
           </a:p>
         </p:txBody>
       </p:sp>
@@ -5111,7 +5115,7 @@
           <a:lstStyle/>
           <a:p>
             <a:pPr algn="ctr"/>
-            <a:endParaRPr lang="en-US"/>
+            <a:endParaRPr lang="en-US" dirty="0"/>
           </a:p>
         </p:txBody>
       </p:sp>
@@ -5157,7 +5161,7 @@
           <a:lstStyle/>
           <a:p>
             <a:pPr algn="ctr"/>
-            <a:endParaRPr lang="en-US"/>
+            <a:endParaRPr lang="en-US" dirty="0"/>
           </a:p>
         </p:txBody>
       </p:sp>
@@ -5203,7 +5207,7 @@
           <a:lstStyle/>
           <a:p>
             <a:pPr algn="ctr"/>
-            <a:endParaRPr lang="en-US"/>
+            <a:endParaRPr lang="en-US" dirty="0"/>
           </a:p>
         </p:txBody>
       </p:sp>
@@ -5249,7 +5253,7 @@
           <a:lstStyle/>
           <a:p>
             <a:pPr algn="ctr"/>
-            <a:endParaRPr lang="en-US"/>
+            <a:endParaRPr lang="en-US" dirty="0"/>
           </a:p>
         </p:txBody>
       </p:sp>
@@ -5295,7 +5299,7 @@
           <a:lstStyle/>
           <a:p>
             <a:pPr algn="ctr"/>
-            <a:endParaRPr lang="en-US"/>
+            <a:endParaRPr lang="en-US" dirty="0"/>
           </a:p>
         </p:txBody>
       </p:sp>
@@ -5341,7 +5345,7 @@
           <a:lstStyle/>
           <a:p>
             <a:pPr algn="ctr"/>
-            <a:endParaRPr lang="en-US"/>
+            <a:endParaRPr lang="en-US" dirty="0"/>
           </a:p>
         </p:txBody>
       </p:sp>
@@ -5388,7 +5392,7 @@
           <a:lstStyle/>
           <a:p>
             <a:pPr algn="ctr"/>
-            <a:endParaRPr lang="en-US"/>
+            <a:endParaRPr lang="en-US" dirty="0"/>
           </a:p>
         </p:txBody>
       </p:sp>
@@ -5477,7 +5481,7 @@
           <a:lstStyle/>
           <a:p>
             <a:pPr algn="ctr"/>
-            <a:endParaRPr lang="en-US"/>
+            <a:endParaRPr lang="en-US" dirty="0"/>
           </a:p>
         </p:txBody>
       </p:sp>
@@ -5523,7 +5527,7 @@
           <a:lstStyle/>
           <a:p>
             <a:pPr algn="ctr"/>
-            <a:endParaRPr lang="en-US"/>
+            <a:endParaRPr lang="en-US" dirty="0"/>
           </a:p>
         </p:txBody>
       </p:sp>
@@ -5569,7 +5573,7 @@
           <a:lstStyle/>
           <a:p>
             <a:pPr algn="ctr"/>
-            <a:endParaRPr lang="en-US"/>
+            <a:endParaRPr lang="en-US" dirty="0"/>
           </a:p>
         </p:txBody>
       </p:sp>
@@ -5615,7 +5619,7 @@
           <a:lstStyle/>
           <a:p>
             <a:pPr algn="ctr"/>
-            <a:endParaRPr lang="en-US"/>
+            <a:endParaRPr lang="en-US" dirty="0"/>
           </a:p>
         </p:txBody>
       </p:sp>
@@ -5661,7 +5665,7 @@
           <a:lstStyle/>
           <a:p>
             <a:pPr algn="ctr"/>
-            <a:endParaRPr lang="en-US"/>
+            <a:endParaRPr lang="en-US" dirty="0"/>
           </a:p>
         </p:txBody>
       </p:sp>
@@ -5707,7 +5711,7 @@
           <a:lstStyle/>
           <a:p>
             <a:pPr algn="ctr"/>
-            <a:endParaRPr lang="en-US"/>
+            <a:endParaRPr lang="en-US" dirty="0"/>
           </a:p>
         </p:txBody>
       </p:sp>
@@ -5753,7 +5757,7 @@
           <a:lstStyle/>
           <a:p>
             <a:pPr algn="ctr"/>
-            <a:endParaRPr lang="en-US"/>
+            <a:endParaRPr lang="en-US" dirty="0"/>
           </a:p>
         </p:txBody>
       </p:sp>
@@ -5799,7 +5803,7 @@
           <a:lstStyle/>
           <a:p>
             <a:pPr algn="ctr"/>
-            <a:endParaRPr lang="en-US"/>
+            <a:endParaRPr lang="en-US" dirty="0"/>
           </a:p>
         </p:txBody>
       </p:sp>
@@ -5845,7 +5849,7 @@
           <a:lstStyle/>
           <a:p>
             <a:pPr algn="ctr"/>
-            <a:endParaRPr lang="en-US"/>
+            <a:endParaRPr lang="en-US" dirty="0"/>
           </a:p>
         </p:txBody>
       </p:sp>
@@ -5891,7 +5895,7 @@
           <a:lstStyle/>
           <a:p>
             <a:pPr algn="ctr"/>
-            <a:endParaRPr lang="en-US"/>
+            <a:endParaRPr lang="en-US" dirty="0"/>
           </a:p>
         </p:txBody>
       </p:sp>
@@ -5937,7 +5941,7 @@
           <a:lstStyle/>
           <a:p>
             <a:pPr algn="ctr"/>
-            <a:endParaRPr lang="en-US"/>
+            <a:endParaRPr lang="en-US" dirty="0"/>
           </a:p>
         </p:txBody>
       </p:sp>
@@ -5983,7 +5987,7 @@
           <a:lstStyle/>
           <a:p>
             <a:pPr algn="ctr"/>
-            <a:endParaRPr lang="en-US"/>
+            <a:endParaRPr lang="en-US" dirty="0"/>
           </a:p>
         </p:txBody>
       </p:sp>
@@ -6029,7 +6033,7 @@
           <a:lstStyle/>
           <a:p>
             <a:pPr algn="ctr"/>
-            <a:endParaRPr lang="en-US"/>
+            <a:endParaRPr lang="en-US" dirty="0"/>
           </a:p>
         </p:txBody>
       </p:sp>
@@ -6075,7 +6079,7 @@
           <a:lstStyle/>
           <a:p>
             <a:pPr algn="ctr"/>
-            <a:endParaRPr lang="en-US"/>
+            <a:endParaRPr lang="en-US" dirty="0"/>
           </a:p>
         </p:txBody>
       </p:sp>
@@ -6121,7 +6125,7 @@
           <a:lstStyle/>
           <a:p>
             <a:pPr algn="ctr"/>
-            <a:endParaRPr lang="en-US"/>
+            <a:endParaRPr lang="en-US" dirty="0"/>
           </a:p>
         </p:txBody>
       </p:sp>
@@ -6167,7 +6171,7 @@
           <a:lstStyle/>
           <a:p>
             <a:pPr algn="ctr"/>
-            <a:endParaRPr lang="en-US"/>
+            <a:endParaRPr lang="en-US" dirty="0"/>
           </a:p>
         </p:txBody>
       </p:sp>
@@ -6213,7 +6217,7 @@
           <a:lstStyle/>
           <a:p>
             <a:pPr algn="ctr"/>
-            <a:endParaRPr lang="en-US"/>
+            <a:endParaRPr lang="en-US" dirty="0"/>
           </a:p>
         </p:txBody>
       </p:sp>
@@ -6259,7 +6263,7 @@
           <a:lstStyle/>
           <a:p>
             <a:pPr algn="ctr"/>
-            <a:endParaRPr lang="en-US"/>
+            <a:endParaRPr lang="en-US" dirty="0"/>
           </a:p>
         </p:txBody>
       </p:sp>
@@ -6306,7 +6310,7 @@
           <a:lstStyle/>
           <a:p>
             <a:pPr algn="ctr"/>
-            <a:endParaRPr lang="en-US"/>
+            <a:endParaRPr lang="en-US" dirty="0"/>
           </a:p>
         </p:txBody>
       </p:sp>
@@ -6353,7 +6357,7 @@
           <a:lstStyle/>
           <a:p>
             <a:pPr algn="ctr"/>
-            <a:endParaRPr lang="en-US"/>
+            <a:endParaRPr lang="en-US" dirty="0"/>
           </a:p>
         </p:txBody>
       </p:sp>
@@ -6400,7 +6404,7 @@
           <a:lstStyle/>
           <a:p>
             <a:pPr algn="ctr"/>
-            <a:endParaRPr lang="en-US"/>
+            <a:endParaRPr lang="en-US" dirty="0"/>
           </a:p>
         </p:txBody>
       </p:sp>
@@ -6447,7 +6451,7 @@
           <a:lstStyle/>
           <a:p>
             <a:pPr algn="ctr"/>
-            <a:endParaRPr lang="en-US"/>
+            <a:endParaRPr lang="en-US" dirty="0"/>
           </a:p>
         </p:txBody>
       </p:sp>
@@ -6493,7 +6497,7 @@
           <a:lstStyle/>
           <a:p>
             <a:pPr algn="ctr"/>
-            <a:endParaRPr lang="en-US"/>
+            <a:endParaRPr lang="en-US" dirty="0"/>
           </a:p>
         </p:txBody>
       </p:sp>
@@ -6539,7 +6543,7 @@
           <a:lstStyle/>
           <a:p>
             <a:pPr algn="ctr"/>
-            <a:endParaRPr lang="en-US"/>
+            <a:endParaRPr lang="en-US" dirty="0"/>
           </a:p>
         </p:txBody>
       </p:sp>
@@ -6585,7 +6589,7 @@
           <a:lstStyle/>
           <a:p>
             <a:pPr algn="ctr"/>
-            <a:endParaRPr lang="en-US"/>
+            <a:endParaRPr lang="en-US" dirty="0"/>
           </a:p>
         </p:txBody>
       </p:sp>
@@ -6632,7 +6636,7 @@
           <a:lstStyle/>
           <a:p>
             <a:pPr algn="ctr"/>
-            <a:endParaRPr lang="en-US"/>
+            <a:endParaRPr lang="en-US" dirty="0"/>
           </a:p>
         </p:txBody>
       </p:sp>
@@ -6721,7 +6725,7 @@
           <a:lstStyle/>
           <a:p>
             <a:pPr algn="ctr"/>
-            <a:endParaRPr lang="en-US"/>
+            <a:endParaRPr lang="en-US" dirty="0"/>
           </a:p>
         </p:txBody>
       </p:sp>
@@ -6767,7 +6771,7 @@
           <a:lstStyle/>
           <a:p>
             <a:pPr algn="ctr"/>
-            <a:endParaRPr lang="en-US"/>
+            <a:endParaRPr lang="en-US" dirty="0"/>
           </a:p>
         </p:txBody>
       </p:sp>
@@ -6813,7 +6817,7 @@
           <a:lstStyle/>
           <a:p>
             <a:pPr algn="ctr"/>
-            <a:endParaRPr lang="en-US"/>
+            <a:endParaRPr lang="en-US" dirty="0"/>
           </a:p>
         </p:txBody>
       </p:sp>
@@ -6859,7 +6863,7 @@
           <a:lstStyle/>
           <a:p>
             <a:pPr algn="ctr"/>
-            <a:endParaRPr lang="en-US"/>
+            <a:endParaRPr lang="en-US" dirty="0"/>
           </a:p>
         </p:txBody>
       </p:sp>
@@ -6905,7 +6909,7 @@
           <a:lstStyle/>
           <a:p>
             <a:pPr algn="ctr"/>
-            <a:endParaRPr lang="en-US"/>
+            <a:endParaRPr lang="en-US" dirty="0"/>
           </a:p>
         </p:txBody>
       </p:sp>
@@ -6951,7 +6955,7 @@
           <a:lstStyle/>
           <a:p>
             <a:pPr algn="ctr"/>
-            <a:endParaRPr lang="en-US"/>
+            <a:endParaRPr lang="en-US" dirty="0"/>
           </a:p>
         </p:txBody>
       </p:sp>
@@ -6997,7 +7001,7 @@
           <a:lstStyle/>
           <a:p>
             <a:pPr algn="ctr"/>
-            <a:endParaRPr lang="en-US"/>
+            <a:endParaRPr lang="en-US" dirty="0"/>
           </a:p>
         </p:txBody>
       </p:sp>
@@ -7043,7 +7047,7 @@
           <a:lstStyle/>
           <a:p>
             <a:pPr algn="ctr"/>
-            <a:endParaRPr lang="en-US"/>
+            <a:endParaRPr lang="en-US" dirty="0"/>
           </a:p>
         </p:txBody>
       </p:sp>
@@ -7089,7 +7093,7 @@
           <a:lstStyle/>
           <a:p>
             <a:pPr algn="ctr"/>
-            <a:endParaRPr lang="en-US"/>
+            <a:endParaRPr lang="en-US" dirty="0"/>
           </a:p>
         </p:txBody>
       </p:sp>
@@ -7135,7 +7139,7 @@
           <a:lstStyle/>
           <a:p>
             <a:pPr algn="ctr"/>
-            <a:endParaRPr lang="en-US"/>
+            <a:endParaRPr lang="en-US" dirty="0"/>
           </a:p>
         </p:txBody>
       </p:sp>
@@ -7181,7 +7185,7 @@
           <a:lstStyle/>
           <a:p>
             <a:pPr algn="ctr"/>
-            <a:endParaRPr lang="en-US"/>
+            <a:endParaRPr lang="en-US" dirty="0"/>
           </a:p>
         </p:txBody>
       </p:sp>
@@ -7227,7 +7231,7 @@
           <a:lstStyle/>
           <a:p>
             <a:pPr algn="ctr"/>
-            <a:endParaRPr lang="en-US"/>
+            <a:endParaRPr lang="en-US" dirty="0"/>
           </a:p>
         </p:txBody>
       </p:sp>
@@ -7273,7 +7277,7 @@
           <a:lstStyle/>
           <a:p>
             <a:pPr algn="ctr"/>
-            <a:endParaRPr lang="en-US"/>
+            <a:endParaRPr lang="en-US" dirty="0"/>
           </a:p>
         </p:txBody>
       </p:sp>
@@ -7320,7 +7324,7 @@
           <a:lstStyle/>
           <a:p>
             <a:pPr algn="ctr"/>
-            <a:endParaRPr lang="en-US"/>
+            <a:endParaRPr lang="en-US" dirty="0"/>
           </a:p>
         </p:txBody>
       </p:sp>
@@ -7366,7 +7370,7 @@
           <a:lstStyle/>
           <a:p>
             <a:pPr algn="ctr"/>
-            <a:endParaRPr lang="en-US"/>
+            <a:endParaRPr lang="en-US" dirty="0"/>
           </a:p>
         </p:txBody>
       </p:sp>
@@ -7412,7 +7416,7 @@
           <a:lstStyle/>
           <a:p>
             <a:pPr algn="ctr"/>
-            <a:endParaRPr lang="en-US"/>
+            <a:endParaRPr lang="en-US" dirty="0"/>
           </a:p>
         </p:txBody>
       </p:sp>
@@ -7458,7 +7462,7 @@
           <a:lstStyle/>
           <a:p>
             <a:pPr algn="ctr"/>
-            <a:endParaRPr lang="en-US"/>
+            <a:endParaRPr lang="en-US" dirty="0"/>
           </a:p>
         </p:txBody>
       </p:sp>
@@ -7504,7 +7508,7 @@
           <a:lstStyle/>
           <a:p>
             <a:pPr algn="ctr"/>
-            <a:endParaRPr lang="en-US"/>
+            <a:endParaRPr lang="en-US" dirty="0"/>
           </a:p>
         </p:txBody>
       </p:sp>
@@ -7550,7 +7554,7 @@
           <a:lstStyle/>
           <a:p>
             <a:pPr algn="ctr"/>
-            <a:endParaRPr lang="en-US"/>
+            <a:endParaRPr lang="en-US" dirty="0"/>
           </a:p>
         </p:txBody>
       </p:sp>
@@ -7596,7 +7600,7 @@
           <a:lstStyle/>
           <a:p>
             <a:pPr algn="ctr"/>
-            <a:endParaRPr lang="en-US"/>
+            <a:endParaRPr lang="en-US" dirty="0"/>
           </a:p>
         </p:txBody>
       </p:sp>
@@ -7642,7 +7646,7 @@
           <a:lstStyle/>
           <a:p>
             <a:pPr algn="ctr"/>
-            <a:endParaRPr lang="en-US"/>
+            <a:endParaRPr lang="en-US" dirty="0"/>
           </a:p>
         </p:txBody>
       </p:sp>
@@ -7688,7 +7692,7 @@
           <a:lstStyle/>
           <a:p>
             <a:pPr algn="ctr"/>
-            <a:endParaRPr lang="en-US"/>
+            <a:endParaRPr lang="en-US" dirty="0"/>
           </a:p>
         </p:txBody>
       </p:sp>
@@ -7734,7 +7738,7 @@
           <a:lstStyle/>
           <a:p>
             <a:pPr algn="ctr"/>
-            <a:endParaRPr lang="en-US"/>
+            <a:endParaRPr lang="en-US" dirty="0"/>
           </a:p>
         </p:txBody>
       </p:sp>
@@ -7780,7 +7784,7 @@
           <a:lstStyle/>
           <a:p>
             <a:pPr algn="ctr"/>
-            <a:endParaRPr lang="en-US"/>
+            <a:endParaRPr lang="en-US" dirty="0"/>
           </a:p>
         </p:txBody>
       </p:sp>
@@ -7826,7 +7830,7 @@
           <a:lstStyle/>
           <a:p>
             <a:pPr algn="ctr"/>
-            <a:endParaRPr lang="en-US"/>
+            <a:endParaRPr lang="en-US" dirty="0"/>
           </a:p>
         </p:txBody>
       </p:sp>
@@ -7872,7 +7876,7 @@
           <a:lstStyle/>
           <a:p>
             <a:pPr algn="ctr"/>
-            <a:endParaRPr lang="en-US"/>
+            <a:endParaRPr lang="en-US" dirty="0"/>
           </a:p>
         </p:txBody>
       </p:sp>
@@ -7918,7 +7922,7 @@
           <a:lstStyle/>
           <a:p>
             <a:pPr algn="ctr"/>
-            <a:endParaRPr lang="en-US"/>
+            <a:endParaRPr lang="en-US" dirty="0"/>
           </a:p>
         </p:txBody>
       </p:sp>
@@ -7964,7 +7968,7 @@
           <a:lstStyle/>
           <a:p>
             <a:pPr algn="ctr"/>
-            <a:endParaRPr lang="en-US"/>
+            <a:endParaRPr lang="en-US" dirty="0"/>
           </a:p>
         </p:txBody>
       </p:sp>
@@ -8010,7 +8014,7 @@
           <a:lstStyle/>
           <a:p>
             <a:pPr algn="ctr"/>
-            <a:endParaRPr lang="en-US"/>
+            <a:endParaRPr lang="en-US" dirty="0"/>
           </a:p>
         </p:txBody>
       </p:sp>
@@ -8057,7 +8061,7 @@
           <a:lstStyle/>
           <a:p>
             <a:pPr algn="ctr"/>
-            <a:endParaRPr lang="en-US"/>
+            <a:endParaRPr lang="en-US" dirty="0"/>
           </a:p>
         </p:txBody>
       </p:sp>
@@ -8103,7 +8107,7 @@
           <a:lstStyle/>
           <a:p>
             <a:pPr algn="ctr"/>
-            <a:endParaRPr lang="en-US"/>
+            <a:endParaRPr lang="en-US" dirty="0"/>
           </a:p>
         </p:txBody>
       </p:sp>
@@ -8149,7 +8153,7 @@
           <a:lstStyle/>
           <a:p>
             <a:pPr algn="ctr"/>
-            <a:endParaRPr lang="en-US"/>
+            <a:endParaRPr lang="en-US" dirty="0"/>
           </a:p>
         </p:txBody>
       </p:sp>
@@ -8195,7 +8199,7 @@
           <a:lstStyle/>
           <a:p>
             <a:pPr algn="ctr"/>
-            <a:endParaRPr lang="en-US"/>
+            <a:endParaRPr lang="en-US" dirty="0"/>
           </a:p>
         </p:txBody>
       </p:sp>
@@ -8241,7 +8245,7 @@
           <a:lstStyle/>
           <a:p>
             <a:pPr algn="ctr"/>
-            <a:endParaRPr lang="en-US"/>
+            <a:endParaRPr lang="en-US" dirty="0"/>
           </a:p>
         </p:txBody>
       </p:sp>
@@ -8287,7 +8291,7 @@
           <a:lstStyle/>
           <a:p>
             <a:pPr algn="ctr"/>
-            <a:endParaRPr lang="en-US"/>
+            <a:endParaRPr lang="en-US" dirty="0"/>
           </a:p>
         </p:txBody>
       </p:sp>
@@ -8333,7 +8337,7 @@
           <a:lstStyle/>
           <a:p>
             <a:pPr algn="ctr"/>
-            <a:endParaRPr lang="en-US"/>
+            <a:endParaRPr lang="en-US" dirty="0"/>
           </a:p>
         </p:txBody>
       </p:sp>
@@ -8379,7 +8383,7 @@
           <a:lstStyle/>
           <a:p>
             <a:pPr algn="ctr"/>
-            <a:endParaRPr lang="en-US"/>
+            <a:endParaRPr lang="en-US" dirty="0"/>
           </a:p>
         </p:txBody>
       </p:sp>
@@ -8425,7 +8429,7 @@
           <a:lstStyle/>
           <a:p>
             <a:pPr algn="ctr"/>
-            <a:endParaRPr lang="en-US"/>
+            <a:endParaRPr lang="en-US" dirty="0"/>
           </a:p>
         </p:txBody>
       </p:sp>
@@ -8471,7 +8475,7 @@
           <a:lstStyle/>
           <a:p>
             <a:pPr algn="ctr"/>
-            <a:endParaRPr lang="en-US"/>
+            <a:endParaRPr lang="en-US" dirty="0"/>
           </a:p>
         </p:txBody>
       </p:sp>
@@ -8517,7 +8521,7 @@
           <a:lstStyle/>
           <a:p>
             <a:pPr algn="ctr"/>
-            <a:endParaRPr lang="en-US"/>
+            <a:endParaRPr lang="en-US" dirty="0"/>
           </a:p>
         </p:txBody>
       </p:sp>
@@ -8563,7 +8567,7 @@
           <a:lstStyle/>
           <a:p>
             <a:pPr algn="ctr"/>
-            <a:endParaRPr lang="en-US"/>
+            <a:endParaRPr lang="en-US" dirty="0"/>
           </a:p>
         </p:txBody>
       </p:sp>
@@ -8609,7 +8613,7 @@
           <a:lstStyle/>
           <a:p>
             <a:pPr algn="ctr"/>
-            <a:endParaRPr lang="en-US"/>
+            <a:endParaRPr lang="en-US" dirty="0"/>
           </a:p>
         </p:txBody>
       </p:sp>
@@ -8655,7 +8659,7 @@
           <a:lstStyle/>
           <a:p>
             <a:pPr algn="ctr"/>
-            <a:endParaRPr lang="en-US"/>
+            <a:endParaRPr lang="en-US" dirty="0"/>
           </a:p>
         </p:txBody>
       </p:sp>
@@ -8702,7 +8706,7 @@
           <a:lstStyle/>
           <a:p>
             <a:pPr algn="ctr"/>
-            <a:endParaRPr lang="en-US"/>
+            <a:endParaRPr lang="en-US" dirty="0"/>
           </a:p>
         </p:txBody>
       </p:sp>
@@ -8749,7 +8753,7 @@
           <a:lstStyle/>
           <a:p>
             <a:pPr algn="ctr"/>
-            <a:endParaRPr lang="en-US"/>
+            <a:endParaRPr lang="en-US" dirty="0"/>
           </a:p>
         </p:txBody>
       </p:sp>
@@ -8796,7 +8800,7 @@
           <a:lstStyle/>
           <a:p>
             <a:pPr algn="ctr"/>
-            <a:endParaRPr lang="en-US"/>
+            <a:endParaRPr lang="en-US" dirty="0"/>
           </a:p>
         </p:txBody>
       </p:sp>
@@ -8843,7 +8847,7 @@
           <a:lstStyle/>
           <a:p>
             <a:pPr algn="ctr"/>
-            <a:endParaRPr lang="en-US"/>
+            <a:endParaRPr lang="en-US" dirty="0"/>
           </a:p>
         </p:txBody>
       </p:sp>
@@ -8889,7 +8893,7 @@
           <a:lstStyle/>
           <a:p>
             <a:pPr algn="ctr"/>
-            <a:endParaRPr lang="en-US"/>
+            <a:endParaRPr lang="en-US" dirty="0"/>
           </a:p>
         </p:txBody>
       </p:sp>
@@ -8935,7 +8939,7 @@
           <a:lstStyle/>
           <a:p>
             <a:pPr algn="ctr"/>
-            <a:endParaRPr lang="en-US"/>
+            <a:endParaRPr lang="en-US" dirty="0"/>
           </a:p>
         </p:txBody>
       </p:sp>
@@ -8982,7 +8986,7 @@
           <a:lstStyle/>
           <a:p>
             <a:pPr algn="ctr"/>
-            <a:endParaRPr lang="en-US"/>
+            <a:endParaRPr lang="en-US" dirty="0"/>
           </a:p>
         </p:txBody>
       </p:sp>
@@ -9123,7 +9127,7 @@
           <a:lstStyle/>
           <a:p>
             <a:pPr algn="ctr"/>
-            <a:endParaRPr lang="en-US"/>
+            <a:endParaRPr lang="en-US" dirty="0"/>
           </a:p>
         </p:txBody>
       </p:sp>
@@ -9169,7 +9173,7 @@
           <a:lstStyle/>
           <a:p>
             <a:pPr algn="ctr"/>
-            <a:endParaRPr lang="en-US"/>
+            <a:endParaRPr lang="en-US" dirty="0"/>
           </a:p>
         </p:txBody>
       </p:sp>
@@ -9215,7 +9219,7 @@
           <a:lstStyle/>
           <a:p>
             <a:pPr algn="ctr"/>
-            <a:endParaRPr lang="en-US"/>
+            <a:endParaRPr lang="en-US" dirty="0"/>
           </a:p>
         </p:txBody>
       </p:sp>
@@ -9261,7 +9265,7 @@
           <a:lstStyle/>
           <a:p>
             <a:pPr algn="ctr"/>
-            <a:endParaRPr lang="en-US"/>
+            <a:endParaRPr lang="en-US" dirty="0"/>
           </a:p>
         </p:txBody>
       </p:sp>
@@ -9307,7 +9311,7 @@
           <a:lstStyle/>
           <a:p>
             <a:pPr algn="ctr"/>
-            <a:endParaRPr lang="en-US"/>
+            <a:endParaRPr lang="en-US" dirty="0"/>
           </a:p>
         </p:txBody>
       </p:sp>
@@ -9353,7 +9357,7 @@
           <a:lstStyle/>
           <a:p>
             <a:pPr algn="ctr"/>
-            <a:endParaRPr lang="en-US"/>
+            <a:endParaRPr lang="en-US" dirty="0"/>
           </a:p>
         </p:txBody>
       </p:sp>
@@ -9399,7 +9403,7 @@
           <a:lstStyle/>
           <a:p>
             <a:pPr algn="ctr"/>
-            <a:endParaRPr lang="en-US"/>
+            <a:endParaRPr lang="en-US" dirty="0"/>
           </a:p>
         </p:txBody>
       </p:sp>
@@ -9445,7 +9449,7 @@
           <a:lstStyle/>
           <a:p>
             <a:pPr algn="ctr"/>
-            <a:endParaRPr lang="en-US"/>
+            <a:endParaRPr lang="en-US" dirty="0"/>
           </a:p>
         </p:txBody>
       </p:sp>
@@ -9491,7 +9495,7 @@
           <a:lstStyle/>
           <a:p>
             <a:pPr algn="ctr"/>
-            <a:endParaRPr lang="en-US"/>
+            <a:endParaRPr lang="en-US" dirty="0"/>
           </a:p>
         </p:txBody>
       </p:sp>
@@ -9537,7 +9541,7 @@
           <a:lstStyle/>
           <a:p>
             <a:pPr algn="ctr"/>
-            <a:endParaRPr lang="en-US"/>
+            <a:endParaRPr lang="en-US" dirty="0"/>
           </a:p>
         </p:txBody>
       </p:sp>
@@ -9583,7 +9587,7 @@
           <a:lstStyle/>
           <a:p>
             <a:pPr algn="ctr"/>
-            <a:endParaRPr lang="en-US"/>
+            <a:endParaRPr lang="en-US" dirty="0"/>
           </a:p>
         </p:txBody>
       </p:sp>
@@ -9629,7 +9633,7 @@
           <a:lstStyle/>
           <a:p>
             <a:pPr algn="ctr"/>
-            <a:endParaRPr lang="en-US"/>
+            <a:endParaRPr lang="en-US" dirty="0"/>
           </a:p>
         </p:txBody>
       </p:sp>
@@ -9675,7 +9679,7 @@
           <a:lstStyle/>
           <a:p>
             <a:pPr algn="ctr"/>
-            <a:endParaRPr lang="en-US"/>
+            <a:endParaRPr lang="en-US" dirty="0"/>
           </a:p>
         </p:txBody>
       </p:sp>
@@ -9722,7 +9726,7 @@
           <a:lstStyle/>
           <a:p>
             <a:pPr algn="ctr"/>
-            <a:endParaRPr lang="en-US"/>
+            <a:endParaRPr lang="en-US" dirty="0"/>
           </a:p>
         </p:txBody>
       </p:sp>
@@ -9768,7 +9772,7 @@
           <a:lstStyle/>
           <a:p>
             <a:pPr algn="ctr"/>
-            <a:endParaRPr lang="en-US"/>
+            <a:endParaRPr lang="en-US" dirty="0"/>
           </a:p>
         </p:txBody>
       </p:sp>
@@ -9814,7 +9818,7 @@
           <a:lstStyle/>
           <a:p>
             <a:pPr algn="ctr"/>
-            <a:endParaRPr lang="en-US"/>
+            <a:endParaRPr lang="en-US" dirty="0"/>
           </a:p>
         </p:txBody>
       </p:sp>
@@ -9860,7 +9864,7 @@
           <a:lstStyle/>
           <a:p>
             <a:pPr algn="ctr"/>
-            <a:endParaRPr lang="en-US"/>
+            <a:endParaRPr lang="en-US" dirty="0"/>
           </a:p>
         </p:txBody>
       </p:sp>
@@ -9906,7 +9910,7 @@
           <a:lstStyle/>
           <a:p>
             <a:pPr algn="ctr"/>
-            <a:endParaRPr lang="en-US"/>
+            <a:endParaRPr lang="en-US" dirty="0"/>
           </a:p>
         </p:txBody>
       </p:sp>
@@ -9952,7 +9956,7 @@
           <a:lstStyle/>
           <a:p>
             <a:pPr algn="ctr"/>
-            <a:endParaRPr lang="en-US"/>
+            <a:endParaRPr lang="en-US" dirty="0"/>
           </a:p>
         </p:txBody>
       </p:sp>
@@ -9998,7 +10002,7 @@
           <a:lstStyle/>
           <a:p>
             <a:pPr algn="ctr"/>
-            <a:endParaRPr lang="en-US"/>
+            <a:endParaRPr lang="en-US" dirty="0"/>
           </a:p>
         </p:txBody>
       </p:sp>
@@ -10044,7 +10048,7 @@
           <a:lstStyle/>
           <a:p>
             <a:pPr algn="ctr"/>
-            <a:endParaRPr lang="en-US"/>
+            <a:endParaRPr lang="en-US" dirty="0"/>
           </a:p>
         </p:txBody>
       </p:sp>
@@ -10090,7 +10094,7 @@
           <a:lstStyle/>
           <a:p>
             <a:pPr algn="ctr"/>
-            <a:endParaRPr lang="en-US"/>
+            <a:endParaRPr lang="en-US" dirty="0"/>
           </a:p>
         </p:txBody>
       </p:sp>
@@ -10136,7 +10140,7 @@
           <a:lstStyle/>
           <a:p>
             <a:pPr algn="ctr"/>
-            <a:endParaRPr lang="en-US"/>
+            <a:endParaRPr lang="en-US" dirty="0"/>
           </a:p>
         </p:txBody>
       </p:sp>
@@ -10182,7 +10186,7 @@
           <a:lstStyle/>
           <a:p>
             <a:pPr algn="ctr"/>
-            <a:endParaRPr lang="en-US"/>
+            <a:endParaRPr lang="en-US" dirty="0"/>
           </a:p>
         </p:txBody>
       </p:sp>
@@ -10228,7 +10232,7 @@
           <a:lstStyle/>
           <a:p>
             <a:pPr algn="ctr"/>
-            <a:endParaRPr lang="en-US"/>
+            <a:endParaRPr lang="en-US" dirty="0"/>
           </a:p>
         </p:txBody>
       </p:sp>
@@ -10274,7 +10278,7 @@
           <a:lstStyle/>
           <a:p>
             <a:pPr algn="ctr"/>
-            <a:endParaRPr lang="en-US"/>
+            <a:endParaRPr lang="en-US" dirty="0"/>
           </a:p>
         </p:txBody>
       </p:sp>
@@ -10320,7 +10324,7 @@
           <a:lstStyle/>
           <a:p>
             <a:pPr algn="ctr"/>
-            <a:endParaRPr lang="en-US"/>
+            <a:endParaRPr lang="en-US" dirty="0"/>
           </a:p>
         </p:txBody>
       </p:sp>
@@ -10366,7 +10370,7 @@
           <a:lstStyle/>
           <a:p>
             <a:pPr algn="ctr"/>
-            <a:endParaRPr lang="en-US"/>
+            <a:endParaRPr lang="en-US" dirty="0"/>
           </a:p>
         </p:txBody>
       </p:sp>
@@ -10412,7 +10416,7 @@
           <a:lstStyle/>
           <a:p>
             <a:pPr algn="ctr"/>
-            <a:endParaRPr lang="en-US"/>
+            <a:endParaRPr lang="en-US" dirty="0"/>
           </a:p>
         </p:txBody>
       </p:sp>
@@ -10459,7 +10463,7 @@
           <a:lstStyle/>
           <a:p>
             <a:pPr algn="ctr"/>
-            <a:endParaRPr lang="en-US"/>
+            <a:endParaRPr lang="en-US" dirty="0"/>
           </a:p>
         </p:txBody>
       </p:sp>
@@ -10505,7 +10509,7 @@
           <a:lstStyle/>
           <a:p>
             <a:pPr algn="ctr"/>
-            <a:endParaRPr lang="en-US"/>
+            <a:endParaRPr lang="en-US" dirty="0"/>
           </a:p>
         </p:txBody>
       </p:sp>
@@ -10551,7 +10555,7 @@
           <a:lstStyle/>
           <a:p>
             <a:pPr algn="ctr"/>
-            <a:endParaRPr lang="en-US"/>
+            <a:endParaRPr lang="en-US" dirty="0"/>
           </a:p>
         </p:txBody>
       </p:sp>
@@ -10597,7 +10601,7 @@
           <a:lstStyle/>
           <a:p>
             <a:pPr algn="ctr"/>
-            <a:endParaRPr lang="en-US"/>
+            <a:endParaRPr lang="en-US" dirty="0"/>
           </a:p>
         </p:txBody>
       </p:sp>
@@ -10643,7 +10647,7 @@
           <a:lstStyle/>
           <a:p>
             <a:pPr algn="ctr"/>
-            <a:endParaRPr lang="en-US"/>
+            <a:endParaRPr lang="en-US" dirty="0"/>
           </a:p>
         </p:txBody>
       </p:sp>
@@ -10689,7 +10693,7 @@
           <a:lstStyle/>
           <a:p>
             <a:pPr algn="ctr"/>
-            <a:endParaRPr lang="en-US"/>
+            <a:endParaRPr lang="en-US" dirty="0"/>
           </a:p>
         </p:txBody>
       </p:sp>
@@ -10735,7 +10739,7 @@
           <a:lstStyle/>
           <a:p>
             <a:pPr algn="ctr"/>
-            <a:endParaRPr lang="en-US"/>
+            <a:endParaRPr lang="en-US" dirty="0"/>
           </a:p>
         </p:txBody>
       </p:sp>
@@ -10781,7 +10785,7 @@
           <a:lstStyle/>
           <a:p>
             <a:pPr algn="ctr"/>
-            <a:endParaRPr lang="en-US"/>
+            <a:endParaRPr lang="en-US" dirty="0"/>
           </a:p>
         </p:txBody>
       </p:sp>
@@ -10827,7 +10831,7 @@
           <a:lstStyle/>
           <a:p>
             <a:pPr algn="ctr"/>
-            <a:endParaRPr lang="en-US"/>
+            <a:endParaRPr lang="en-US" dirty="0"/>
           </a:p>
         </p:txBody>
       </p:sp>
@@ -10873,7 +10877,7 @@
           <a:lstStyle/>
           <a:p>
             <a:pPr algn="ctr"/>
-            <a:endParaRPr lang="en-US"/>
+            <a:endParaRPr lang="en-US" dirty="0"/>
           </a:p>
         </p:txBody>
       </p:sp>
@@ -10919,7 +10923,7 @@
           <a:lstStyle/>
           <a:p>
             <a:pPr algn="ctr"/>
-            <a:endParaRPr lang="en-US"/>
+            <a:endParaRPr lang="en-US" dirty="0"/>
           </a:p>
         </p:txBody>
       </p:sp>
@@ -10965,7 +10969,7 @@
           <a:lstStyle/>
           <a:p>
             <a:pPr algn="ctr"/>
-            <a:endParaRPr lang="en-US"/>
+            <a:endParaRPr lang="en-US" dirty="0"/>
           </a:p>
         </p:txBody>
       </p:sp>
@@ -11011,7 +11015,7 @@
           <a:lstStyle/>
           <a:p>
             <a:pPr algn="ctr"/>
-            <a:endParaRPr lang="en-US"/>
+            <a:endParaRPr lang="en-US" dirty="0"/>
           </a:p>
         </p:txBody>
       </p:sp>
@@ -11057,7 +11061,7 @@
           <a:lstStyle/>
           <a:p>
             <a:pPr algn="ctr"/>
-            <a:endParaRPr lang="en-US"/>
+            <a:endParaRPr lang="en-US" dirty="0"/>
           </a:p>
         </p:txBody>
       </p:sp>
@@ -11104,7 +11108,7 @@
           <a:lstStyle/>
           <a:p>
             <a:pPr algn="ctr"/>
-            <a:endParaRPr lang="en-US"/>
+            <a:endParaRPr lang="en-US" dirty="0"/>
           </a:p>
         </p:txBody>
       </p:sp>
@@ -11151,7 +11155,7 @@
           <a:lstStyle/>
           <a:p>
             <a:pPr algn="ctr"/>
-            <a:endParaRPr lang="en-US"/>
+            <a:endParaRPr lang="en-US" dirty="0"/>
           </a:p>
         </p:txBody>
       </p:sp>
@@ -11198,7 +11202,7 @@
           <a:lstStyle/>
           <a:p>
             <a:pPr algn="ctr"/>
-            <a:endParaRPr lang="en-US"/>
+            <a:endParaRPr lang="en-US" dirty="0"/>
           </a:p>
         </p:txBody>
       </p:sp>
@@ -11245,7 +11249,7 @@
           <a:lstStyle/>
           <a:p>
             <a:pPr algn="ctr"/>
-            <a:endParaRPr lang="en-US"/>
+            <a:endParaRPr lang="en-US" dirty="0"/>
           </a:p>
         </p:txBody>
       </p:sp>
@@ -11291,7 +11295,7 @@
           <a:lstStyle/>
           <a:p>
             <a:pPr algn="ctr"/>
-            <a:endParaRPr lang="en-US"/>
+            <a:endParaRPr lang="en-US" dirty="0"/>
           </a:p>
         </p:txBody>
       </p:sp>
@@ -11337,7 +11341,7 @@
           <a:lstStyle/>
           <a:p>
             <a:pPr algn="ctr"/>
-            <a:endParaRPr lang="en-US"/>
+            <a:endParaRPr lang="en-US" dirty="0"/>
           </a:p>
         </p:txBody>
       </p:sp>
@@ -11384,7 +11388,7 @@
           <a:lstStyle/>
           <a:p>
             <a:pPr algn="ctr"/>
-            <a:endParaRPr lang="en-US"/>
+            <a:endParaRPr lang="en-US" dirty="0"/>
           </a:p>
         </p:txBody>
       </p:sp>
@@ -11468,39 +11472,23 @@
           <a:p>
             <a:pPr algn="ctr"/>
             <a:r>
-              <a:rPr lang="en-US" sz="1200" dirty="0" err="1">
+              <a:rPr lang="en-US" sz="1200" dirty="0">
                 <a:solidFill>
                   <a:schemeClr val="tx1"/>
                 </a:solidFill>
               </a:rPr>
-              <a:t>ExpID</a:t>
+              <a:t>ExpID: 265</a:t>
             </a:r>
+          </a:p>
+          <a:p>
+            <a:pPr algn="ctr"/>
             <a:r>
               <a:rPr lang="en-US" sz="1200" dirty="0">
                 <a:solidFill>
                   <a:schemeClr val="tx1"/>
                 </a:solidFill>
               </a:rPr>
-              <a:t>: 265</a:t>
-            </a:r>
-          </a:p>
-          <a:p>
-            <a:pPr algn="ctr"/>
-            <a:r>
-              <a:rPr lang="en-US" sz="1200" dirty="0" err="1">
-                <a:solidFill>
-                  <a:schemeClr val="tx1"/>
-                </a:solidFill>
-              </a:rPr>
-              <a:t>DustID</a:t>
-            </a:r>
-            <a:r>
-              <a:rPr lang="en-US" sz="1200" dirty="0">
-                <a:solidFill>
-                  <a:schemeClr val="tx1"/>
-                </a:solidFill>
-              </a:rPr>
-              <a:t>: 97</a:t>
+              <a:t>DustID: 97</a:t>
             </a:r>
           </a:p>
         </p:txBody>
@@ -11585,39 +11573,23 @@
           <a:p>
             <a:pPr algn="ctr"/>
             <a:r>
-              <a:rPr lang="en-US" sz="1200" dirty="0" err="1">
+              <a:rPr lang="en-US" sz="1200" dirty="0">
                 <a:solidFill>
                   <a:schemeClr val="tx1"/>
                 </a:solidFill>
               </a:rPr>
-              <a:t>ExpID</a:t>
+              <a:t>ExpID: 265</a:t>
             </a:r>
+          </a:p>
+          <a:p>
+            <a:pPr algn="ctr"/>
             <a:r>
               <a:rPr lang="en-US" sz="1200" dirty="0">
                 <a:solidFill>
                   <a:schemeClr val="tx1"/>
                 </a:solidFill>
               </a:rPr>
-              <a:t>: 265</a:t>
-            </a:r>
-          </a:p>
-          <a:p>
-            <a:pPr algn="ctr"/>
-            <a:r>
-              <a:rPr lang="en-US" sz="1200" dirty="0" err="1">
-                <a:solidFill>
-                  <a:schemeClr val="tx1"/>
-                </a:solidFill>
-              </a:rPr>
-              <a:t>DustID</a:t>
-            </a:r>
-            <a:r>
-              <a:rPr lang="en-US" sz="1200" dirty="0">
-                <a:solidFill>
-                  <a:schemeClr val="tx1"/>
-                </a:solidFill>
-              </a:rPr>
-              <a:t>: 97</a:t>
+              <a:t>DustID: 97</a:t>
             </a:r>
           </a:p>
         </p:txBody>
@@ -11702,39 +11674,23 @@
           <a:p>
             <a:pPr algn="ctr"/>
             <a:r>
-              <a:rPr lang="en-US" sz="1200" dirty="0" err="1">
+              <a:rPr lang="en-US" sz="1200" dirty="0">
                 <a:solidFill>
                   <a:schemeClr val="tx1"/>
                 </a:solidFill>
               </a:rPr>
-              <a:t>ExpID</a:t>
+              <a:t>ExpID: 265</a:t>
             </a:r>
+          </a:p>
+          <a:p>
+            <a:pPr algn="ctr"/>
             <a:r>
               <a:rPr lang="en-US" sz="1200" dirty="0">
                 <a:solidFill>
                   <a:schemeClr val="tx1"/>
                 </a:solidFill>
               </a:rPr>
-              <a:t>: 265</a:t>
-            </a:r>
-          </a:p>
-          <a:p>
-            <a:pPr algn="ctr"/>
-            <a:r>
-              <a:rPr lang="en-US" sz="1200" dirty="0" err="1">
-                <a:solidFill>
-                  <a:schemeClr val="tx1"/>
-                </a:solidFill>
-              </a:rPr>
-              <a:t>DustID</a:t>
-            </a:r>
-            <a:r>
-              <a:rPr lang="en-US" sz="1200" dirty="0">
-                <a:solidFill>
-                  <a:schemeClr val="tx1"/>
-                </a:solidFill>
-              </a:rPr>
-              <a:t>: 97</a:t>
+              <a:t>DustID: 97</a:t>
             </a:r>
           </a:p>
         </p:txBody>
@@ -11819,39 +11775,23 @@
           <a:p>
             <a:pPr algn="ctr"/>
             <a:r>
-              <a:rPr lang="en-US" sz="1200" dirty="0" err="1">
+              <a:rPr lang="en-US" sz="1200" dirty="0">
                 <a:solidFill>
                   <a:schemeClr val="tx1"/>
                 </a:solidFill>
               </a:rPr>
-              <a:t>ExpID</a:t>
+              <a:t>ExpID: 266</a:t>
             </a:r>
+          </a:p>
+          <a:p>
+            <a:pPr algn="ctr"/>
             <a:r>
               <a:rPr lang="en-US" sz="1200" dirty="0">
                 <a:solidFill>
                   <a:schemeClr val="tx1"/>
                 </a:solidFill>
               </a:rPr>
-              <a:t>: 266</a:t>
-            </a:r>
-          </a:p>
-          <a:p>
-            <a:pPr algn="ctr"/>
-            <a:r>
-              <a:rPr lang="en-US" sz="1200" dirty="0" err="1">
-                <a:solidFill>
-                  <a:schemeClr val="tx1"/>
-                </a:solidFill>
-              </a:rPr>
-              <a:t>DustID</a:t>
-            </a:r>
-            <a:r>
-              <a:rPr lang="en-US" sz="1200" dirty="0">
-                <a:solidFill>
-                  <a:schemeClr val="tx1"/>
-                </a:solidFill>
-              </a:rPr>
-              <a:t>: 97</a:t>
+              <a:t>DustID: 97</a:t>
             </a:r>
           </a:p>
         </p:txBody>
@@ -11936,39 +11876,23 @@
           <a:p>
             <a:pPr algn="ctr"/>
             <a:r>
-              <a:rPr lang="en-US" sz="1200" dirty="0" err="1">
+              <a:rPr lang="en-US" sz="1200" dirty="0">
                 <a:solidFill>
                   <a:schemeClr val="tx1"/>
                 </a:solidFill>
               </a:rPr>
-              <a:t>ExpID</a:t>
+              <a:t>ExpID: 265</a:t>
             </a:r>
+          </a:p>
+          <a:p>
+            <a:pPr algn="ctr"/>
             <a:r>
               <a:rPr lang="en-US" sz="1200" dirty="0">
                 <a:solidFill>
                   <a:schemeClr val="tx1"/>
                 </a:solidFill>
               </a:rPr>
-              <a:t>: 265</a:t>
-            </a:r>
-          </a:p>
-          <a:p>
-            <a:pPr algn="ctr"/>
-            <a:r>
-              <a:rPr lang="en-US" sz="1200" dirty="0" err="1">
-                <a:solidFill>
-                  <a:schemeClr val="tx1"/>
-                </a:solidFill>
-              </a:rPr>
-              <a:t>DustID</a:t>
-            </a:r>
-            <a:r>
-              <a:rPr lang="en-US" sz="1200" dirty="0">
-                <a:solidFill>
-                  <a:schemeClr val="tx1"/>
-                </a:solidFill>
-              </a:rPr>
-              <a:t>: 97</a:t>
+              <a:t>DustID: 97</a:t>
             </a:r>
           </a:p>
         </p:txBody>
@@ -12047,8 +11971,8 @@
         </p:nvSpPr>
         <p:spPr>
           <a:xfrm>
-            <a:off x="941315" y="1610686"/>
-            <a:ext cx="10515600" cy="954107"/>
+            <a:off x="231196" y="1406405"/>
+            <a:ext cx="6054290" cy="5262979"/>
           </a:xfrm>
           <a:prstGeom prst="rect">
             <a:avLst/>
@@ -12061,1088 +11985,70 @@
           </a:bodyPr>
           <a:lstStyle/>
           <a:p>
+            <a:pPr marL="457200" indent="-457200">
+              <a:buFont typeface="Arial" panose="020B0604020202020204" pitchFamily="34" charset="0"/>
+              <a:buChar char="•"/>
+            </a:pPr>
             <a:r>
               <a:rPr lang="en-US" sz="2800" dirty="0"/>
-              <a:t>For each selected session, add its duration to a run time histogram with velocity range bins</a:t>
+              <a:t>To calculate a rate of particles for a given set of parameters, all sessions that meet the session parameters are isolated.</a:t>
             </a:r>
           </a:p>
-        </p:txBody>
-      </p:sp>
-      <p:sp>
-        <p:nvSpPr>
-          <p:cNvPr id="382" name="Oval 381">
-            <a:extLst>
-              <a:ext uri="{FF2B5EF4-FFF2-40B4-BE49-F238E27FC236}">
-                <a16:creationId xmlns:a16="http://schemas.microsoft.com/office/drawing/2014/main" id="{8873FE98-D058-4BB1-B9C0-79B4FB7CCD64}"/>
-              </a:ext>
-            </a:extLst>
-          </p:cNvPr>
-          <p:cNvSpPr/>
-          <p:nvPr/>
-        </p:nvSpPr>
-        <p:spPr>
-          <a:xfrm>
-            <a:off x="754310" y="3645219"/>
-            <a:ext cx="167780" cy="176169"/>
-          </a:xfrm>
-          <a:prstGeom prst="ellipse">
-            <a:avLst/>
-          </a:prstGeom>
-        </p:spPr>
-        <p:style>
-          <a:lnRef idx="2">
-            <a:schemeClr val="accent1">
-              <a:shade val="50000"/>
-            </a:schemeClr>
-          </a:lnRef>
-          <a:fillRef idx="1">
-            <a:schemeClr val="accent1"/>
-          </a:fillRef>
-          <a:effectRef idx="0">
-            <a:schemeClr val="accent1"/>
-          </a:effectRef>
-          <a:fontRef idx="minor">
-            <a:schemeClr val="lt1"/>
-          </a:fontRef>
-        </p:style>
-        <p:txBody>
-          <a:bodyPr rtlCol="0" anchor="ctr"/>
-          <a:lstStyle/>
-          <a:p>
-            <a:pPr algn="ctr"/>
-            <a:endParaRPr lang="en-US"/>
-          </a:p>
-        </p:txBody>
-      </p:sp>
-      <p:sp>
-        <p:nvSpPr>
-          <p:cNvPr id="383" name="Oval 382">
-            <a:extLst>
-              <a:ext uri="{FF2B5EF4-FFF2-40B4-BE49-F238E27FC236}">
-                <a16:creationId xmlns:a16="http://schemas.microsoft.com/office/drawing/2014/main" id="{A678A168-A329-44F2-87A3-05189C5CBEC6}"/>
-              </a:ext>
-            </a:extLst>
-          </p:cNvPr>
-          <p:cNvSpPr/>
-          <p:nvPr/>
-        </p:nvSpPr>
-        <p:spPr>
-          <a:xfrm>
-            <a:off x="1250659" y="3645218"/>
-            <a:ext cx="167780" cy="176169"/>
-          </a:xfrm>
-          <a:prstGeom prst="ellipse">
-            <a:avLst/>
-          </a:prstGeom>
-        </p:spPr>
-        <p:style>
-          <a:lnRef idx="2">
-            <a:schemeClr val="accent1">
-              <a:shade val="50000"/>
-            </a:schemeClr>
-          </a:lnRef>
-          <a:fillRef idx="1">
-            <a:schemeClr val="accent1"/>
-          </a:fillRef>
-          <a:effectRef idx="0">
-            <a:schemeClr val="accent1"/>
-          </a:effectRef>
-          <a:fontRef idx="minor">
-            <a:schemeClr val="lt1"/>
-          </a:fontRef>
-        </p:style>
-        <p:txBody>
-          <a:bodyPr rtlCol="0" anchor="ctr"/>
-          <a:lstStyle/>
-          <a:p>
-            <a:pPr algn="ctr"/>
-            <a:endParaRPr lang="en-US"/>
-          </a:p>
-        </p:txBody>
-      </p:sp>
-      <p:sp>
-        <p:nvSpPr>
-          <p:cNvPr id="384" name="Oval 383">
-            <a:extLst>
-              <a:ext uri="{FF2B5EF4-FFF2-40B4-BE49-F238E27FC236}">
-                <a16:creationId xmlns:a16="http://schemas.microsoft.com/office/drawing/2014/main" id="{505EC6F4-603E-4740-B742-D41E166B61DD}"/>
-              </a:ext>
-            </a:extLst>
-          </p:cNvPr>
-          <p:cNvSpPr/>
-          <p:nvPr/>
-        </p:nvSpPr>
-        <p:spPr>
-          <a:xfrm>
-            <a:off x="1558954" y="3645218"/>
-            <a:ext cx="167780" cy="176169"/>
-          </a:xfrm>
-          <a:prstGeom prst="ellipse">
-            <a:avLst/>
-          </a:prstGeom>
-        </p:spPr>
-        <p:style>
-          <a:lnRef idx="2">
-            <a:schemeClr val="accent1">
-              <a:shade val="50000"/>
-            </a:schemeClr>
-          </a:lnRef>
-          <a:fillRef idx="1">
-            <a:schemeClr val="accent1"/>
-          </a:fillRef>
-          <a:effectRef idx="0">
-            <a:schemeClr val="accent1"/>
-          </a:effectRef>
-          <a:fontRef idx="minor">
-            <a:schemeClr val="lt1"/>
-          </a:fontRef>
-        </p:style>
-        <p:txBody>
-          <a:bodyPr rtlCol="0" anchor="ctr"/>
-          <a:lstStyle/>
-          <a:p>
-            <a:pPr algn="ctr"/>
-            <a:endParaRPr lang="en-US"/>
-          </a:p>
-        </p:txBody>
-      </p:sp>
-      <p:sp>
-        <p:nvSpPr>
-          <p:cNvPr id="400" name="Rectangle: Rounded Corners 399">
-            <a:extLst>
-              <a:ext uri="{FF2B5EF4-FFF2-40B4-BE49-F238E27FC236}">
-                <a16:creationId xmlns:a16="http://schemas.microsoft.com/office/drawing/2014/main" id="{820DDB85-9464-47FD-B909-7D35289FF8DB}"/>
-              </a:ext>
-            </a:extLst>
-          </p:cNvPr>
-          <p:cNvSpPr/>
-          <p:nvPr/>
-        </p:nvSpPr>
-        <p:spPr>
-          <a:xfrm>
-            <a:off x="754310" y="3515190"/>
-            <a:ext cx="1280719" cy="385878"/>
-          </a:xfrm>
-          <a:prstGeom prst="roundRect">
-            <a:avLst/>
-          </a:prstGeom>
-          <a:noFill/>
-        </p:spPr>
-        <p:style>
-          <a:lnRef idx="2">
-            <a:schemeClr val="accent1">
-              <a:shade val="50000"/>
-            </a:schemeClr>
-          </a:lnRef>
-          <a:fillRef idx="1">
-            <a:schemeClr val="accent1"/>
-          </a:fillRef>
-          <a:effectRef idx="0">
-            <a:schemeClr val="accent1"/>
-          </a:effectRef>
-          <a:fontRef idx="minor">
-            <a:schemeClr val="lt1"/>
-          </a:fontRef>
-        </p:style>
-        <p:txBody>
-          <a:bodyPr rtlCol="0" anchor="ctr"/>
-          <a:lstStyle/>
-          <a:p>
-            <a:pPr algn="ctr"/>
-            <a:endParaRPr lang="en-US"/>
-          </a:p>
-        </p:txBody>
-      </p:sp>
-      <p:sp>
-        <p:nvSpPr>
-          <p:cNvPr id="405" name="Oval 404">
-            <a:extLst>
-              <a:ext uri="{FF2B5EF4-FFF2-40B4-BE49-F238E27FC236}">
-                <a16:creationId xmlns:a16="http://schemas.microsoft.com/office/drawing/2014/main" id="{6D1078F5-C373-472E-BB57-BA0DC9F77FE1}"/>
-              </a:ext>
-            </a:extLst>
-          </p:cNvPr>
-          <p:cNvSpPr/>
-          <p:nvPr/>
-        </p:nvSpPr>
-        <p:spPr>
-          <a:xfrm>
-            <a:off x="754310" y="3645219"/>
-            <a:ext cx="167780" cy="176169"/>
-          </a:xfrm>
-          <a:prstGeom prst="ellipse">
-            <a:avLst/>
-          </a:prstGeom>
-        </p:spPr>
-        <p:style>
-          <a:lnRef idx="2">
-            <a:schemeClr val="accent1">
-              <a:shade val="50000"/>
-            </a:schemeClr>
-          </a:lnRef>
-          <a:fillRef idx="1">
-            <a:schemeClr val="accent1"/>
-          </a:fillRef>
-          <a:effectRef idx="0">
-            <a:schemeClr val="accent1"/>
-          </a:effectRef>
-          <a:fontRef idx="minor">
-            <a:schemeClr val="lt1"/>
-          </a:fontRef>
-        </p:style>
-        <p:txBody>
-          <a:bodyPr rtlCol="0" anchor="ctr"/>
-          <a:lstStyle/>
-          <a:p>
-            <a:pPr algn="ctr"/>
-            <a:endParaRPr lang="en-US"/>
-          </a:p>
-        </p:txBody>
-      </p:sp>
-      <p:sp>
-        <p:nvSpPr>
-          <p:cNvPr id="406" name="Oval 405">
-            <a:extLst>
-              <a:ext uri="{FF2B5EF4-FFF2-40B4-BE49-F238E27FC236}">
-                <a16:creationId xmlns:a16="http://schemas.microsoft.com/office/drawing/2014/main" id="{86466033-5A5F-4A09-A702-824ACED6912D}"/>
-              </a:ext>
-            </a:extLst>
-          </p:cNvPr>
-          <p:cNvSpPr/>
-          <p:nvPr/>
-        </p:nvSpPr>
-        <p:spPr>
-          <a:xfrm>
-            <a:off x="1250659" y="3645218"/>
-            <a:ext cx="167780" cy="176169"/>
-          </a:xfrm>
-          <a:prstGeom prst="ellipse">
-            <a:avLst/>
-          </a:prstGeom>
-        </p:spPr>
-        <p:style>
-          <a:lnRef idx="2">
-            <a:schemeClr val="accent1">
-              <a:shade val="50000"/>
-            </a:schemeClr>
-          </a:lnRef>
-          <a:fillRef idx="1">
-            <a:schemeClr val="accent1"/>
-          </a:fillRef>
-          <a:effectRef idx="0">
-            <a:schemeClr val="accent1"/>
-          </a:effectRef>
-          <a:fontRef idx="minor">
-            <a:schemeClr val="lt1"/>
-          </a:fontRef>
-        </p:style>
-        <p:txBody>
-          <a:bodyPr rtlCol="0" anchor="ctr"/>
-          <a:lstStyle/>
-          <a:p>
-            <a:pPr algn="ctr"/>
-            <a:endParaRPr lang="en-US"/>
-          </a:p>
-        </p:txBody>
-      </p:sp>
-      <p:sp>
-        <p:nvSpPr>
-          <p:cNvPr id="407" name="Oval 406">
-            <a:extLst>
-              <a:ext uri="{FF2B5EF4-FFF2-40B4-BE49-F238E27FC236}">
-                <a16:creationId xmlns:a16="http://schemas.microsoft.com/office/drawing/2014/main" id="{9F775E6E-5110-40D9-A7EC-5AC12550134A}"/>
-              </a:ext>
-            </a:extLst>
-          </p:cNvPr>
-          <p:cNvSpPr/>
-          <p:nvPr/>
-        </p:nvSpPr>
-        <p:spPr>
-          <a:xfrm>
-            <a:off x="1558954" y="3645218"/>
-            <a:ext cx="167780" cy="176169"/>
-          </a:xfrm>
-          <a:prstGeom prst="ellipse">
-            <a:avLst/>
-          </a:prstGeom>
-        </p:spPr>
-        <p:style>
-          <a:lnRef idx="2">
-            <a:schemeClr val="accent1">
-              <a:shade val="50000"/>
-            </a:schemeClr>
-          </a:lnRef>
-          <a:fillRef idx="1">
-            <a:schemeClr val="accent1"/>
-          </a:fillRef>
-          <a:effectRef idx="0">
-            <a:schemeClr val="accent1"/>
-          </a:effectRef>
-          <a:fontRef idx="minor">
-            <a:schemeClr val="lt1"/>
-          </a:fontRef>
-        </p:style>
-        <p:txBody>
-          <a:bodyPr rtlCol="0" anchor="ctr"/>
-          <a:lstStyle/>
-          <a:p>
-            <a:pPr algn="ctr"/>
-            <a:endParaRPr lang="en-US"/>
-          </a:p>
-        </p:txBody>
-      </p:sp>
-      <p:sp>
-        <p:nvSpPr>
-          <p:cNvPr id="423" name="Rectangle: Rounded Corners 422">
-            <a:extLst>
-              <a:ext uri="{FF2B5EF4-FFF2-40B4-BE49-F238E27FC236}">
-                <a16:creationId xmlns:a16="http://schemas.microsoft.com/office/drawing/2014/main" id="{10A423D6-A600-4B0D-BB60-C56D0A7FB289}"/>
-              </a:ext>
-            </a:extLst>
-          </p:cNvPr>
-          <p:cNvSpPr/>
-          <p:nvPr/>
-        </p:nvSpPr>
-        <p:spPr>
-          <a:xfrm>
-            <a:off x="754310" y="3515190"/>
-            <a:ext cx="1280719" cy="385878"/>
-          </a:xfrm>
-          <a:prstGeom prst="roundRect">
-            <a:avLst/>
-          </a:prstGeom>
-          <a:noFill/>
-        </p:spPr>
-        <p:style>
-          <a:lnRef idx="2">
-            <a:schemeClr val="accent1">
-              <a:shade val="50000"/>
-            </a:schemeClr>
-          </a:lnRef>
-          <a:fillRef idx="1">
-            <a:schemeClr val="accent1"/>
-          </a:fillRef>
-          <a:effectRef idx="0">
-            <a:schemeClr val="accent1"/>
-          </a:effectRef>
-          <a:fontRef idx="minor">
-            <a:schemeClr val="lt1"/>
-          </a:fontRef>
-        </p:style>
-        <p:txBody>
-          <a:bodyPr rtlCol="0" anchor="ctr"/>
-          <a:lstStyle/>
-          <a:p>
-            <a:pPr algn="ctr"/>
-            <a:endParaRPr lang="en-US"/>
-          </a:p>
-        </p:txBody>
-      </p:sp>
-      <p:sp>
-        <p:nvSpPr>
-          <p:cNvPr id="425" name="Oval 424">
-            <a:extLst>
-              <a:ext uri="{FF2B5EF4-FFF2-40B4-BE49-F238E27FC236}">
-                <a16:creationId xmlns:a16="http://schemas.microsoft.com/office/drawing/2014/main" id="{F243695D-25AB-46B4-AD74-FCC36C25FF7D}"/>
-              </a:ext>
-            </a:extLst>
-          </p:cNvPr>
-          <p:cNvSpPr/>
-          <p:nvPr/>
-        </p:nvSpPr>
-        <p:spPr>
-          <a:xfrm>
-            <a:off x="754310" y="3645219"/>
-            <a:ext cx="167780" cy="176169"/>
-          </a:xfrm>
-          <a:prstGeom prst="ellipse">
-            <a:avLst/>
-          </a:prstGeom>
-        </p:spPr>
-        <p:style>
-          <a:lnRef idx="2">
-            <a:schemeClr val="accent1">
-              <a:shade val="50000"/>
-            </a:schemeClr>
-          </a:lnRef>
-          <a:fillRef idx="1">
-            <a:schemeClr val="accent1"/>
-          </a:fillRef>
-          <a:effectRef idx="0">
-            <a:schemeClr val="accent1"/>
-          </a:effectRef>
-          <a:fontRef idx="minor">
-            <a:schemeClr val="lt1"/>
-          </a:fontRef>
-        </p:style>
-        <p:txBody>
-          <a:bodyPr rtlCol="0" anchor="ctr"/>
-          <a:lstStyle/>
-          <a:p>
-            <a:pPr algn="ctr"/>
-            <a:endParaRPr lang="en-US"/>
-          </a:p>
-        </p:txBody>
-      </p:sp>
-      <p:sp>
-        <p:nvSpPr>
-          <p:cNvPr id="426" name="Oval 425">
-            <a:extLst>
-              <a:ext uri="{FF2B5EF4-FFF2-40B4-BE49-F238E27FC236}">
-                <a16:creationId xmlns:a16="http://schemas.microsoft.com/office/drawing/2014/main" id="{ED68531C-54D8-4C42-8B73-09152126AB80}"/>
-              </a:ext>
-            </a:extLst>
-          </p:cNvPr>
-          <p:cNvSpPr/>
-          <p:nvPr/>
-        </p:nvSpPr>
-        <p:spPr>
-          <a:xfrm>
-            <a:off x="1250659" y="3645218"/>
-            <a:ext cx="167780" cy="176169"/>
-          </a:xfrm>
-          <a:prstGeom prst="ellipse">
-            <a:avLst/>
-          </a:prstGeom>
-        </p:spPr>
-        <p:style>
-          <a:lnRef idx="2">
-            <a:schemeClr val="accent1">
-              <a:shade val="50000"/>
-            </a:schemeClr>
-          </a:lnRef>
-          <a:fillRef idx="1">
-            <a:schemeClr val="accent1"/>
-          </a:fillRef>
-          <a:effectRef idx="0">
-            <a:schemeClr val="accent1"/>
-          </a:effectRef>
-          <a:fontRef idx="minor">
-            <a:schemeClr val="lt1"/>
-          </a:fontRef>
-        </p:style>
-        <p:txBody>
-          <a:bodyPr rtlCol="0" anchor="ctr"/>
-          <a:lstStyle/>
-          <a:p>
-            <a:pPr algn="ctr"/>
-            <a:endParaRPr lang="en-US"/>
-          </a:p>
-        </p:txBody>
-      </p:sp>
-      <p:sp>
-        <p:nvSpPr>
-          <p:cNvPr id="427" name="Oval 426">
-            <a:extLst>
-              <a:ext uri="{FF2B5EF4-FFF2-40B4-BE49-F238E27FC236}">
-                <a16:creationId xmlns:a16="http://schemas.microsoft.com/office/drawing/2014/main" id="{7A9BFA42-8471-4CBD-A5E9-2C52D9018A83}"/>
-              </a:ext>
-            </a:extLst>
-          </p:cNvPr>
-          <p:cNvSpPr/>
-          <p:nvPr/>
-        </p:nvSpPr>
-        <p:spPr>
-          <a:xfrm>
-            <a:off x="1558954" y="3645218"/>
-            <a:ext cx="167780" cy="176169"/>
-          </a:xfrm>
-          <a:prstGeom prst="ellipse">
-            <a:avLst/>
-          </a:prstGeom>
-        </p:spPr>
-        <p:style>
-          <a:lnRef idx="2">
-            <a:schemeClr val="accent1">
-              <a:shade val="50000"/>
-            </a:schemeClr>
-          </a:lnRef>
-          <a:fillRef idx="1">
-            <a:schemeClr val="accent1"/>
-          </a:fillRef>
-          <a:effectRef idx="0">
-            <a:schemeClr val="accent1"/>
-          </a:effectRef>
-          <a:fontRef idx="minor">
-            <a:schemeClr val="lt1"/>
-          </a:fontRef>
-        </p:style>
-        <p:txBody>
-          <a:bodyPr rtlCol="0" anchor="ctr"/>
-          <a:lstStyle/>
-          <a:p>
-            <a:pPr algn="ctr"/>
-            <a:endParaRPr lang="en-US"/>
-          </a:p>
-        </p:txBody>
-      </p:sp>
-      <p:sp>
-        <p:nvSpPr>
-          <p:cNvPr id="443" name="Rectangle: Rounded Corners 442">
-            <a:extLst>
-              <a:ext uri="{FF2B5EF4-FFF2-40B4-BE49-F238E27FC236}">
-                <a16:creationId xmlns:a16="http://schemas.microsoft.com/office/drawing/2014/main" id="{047E621B-802E-4175-8401-EBEC4E1EC7A1}"/>
-              </a:ext>
-            </a:extLst>
-          </p:cNvPr>
-          <p:cNvSpPr/>
-          <p:nvPr/>
-        </p:nvSpPr>
-        <p:spPr>
-          <a:xfrm>
-            <a:off x="754310" y="3515190"/>
-            <a:ext cx="1280719" cy="385878"/>
-          </a:xfrm>
-          <a:prstGeom prst="roundRect">
-            <a:avLst/>
-          </a:prstGeom>
-          <a:noFill/>
-        </p:spPr>
-        <p:style>
-          <a:lnRef idx="2">
-            <a:schemeClr val="accent1">
-              <a:shade val="50000"/>
-            </a:schemeClr>
-          </a:lnRef>
-          <a:fillRef idx="1">
-            <a:schemeClr val="accent1"/>
-          </a:fillRef>
-          <a:effectRef idx="0">
-            <a:schemeClr val="accent1"/>
-          </a:effectRef>
-          <a:fontRef idx="minor">
-            <a:schemeClr val="lt1"/>
-          </a:fontRef>
-        </p:style>
-        <p:txBody>
-          <a:bodyPr rtlCol="0" anchor="ctr"/>
-          <a:lstStyle/>
-          <a:p>
-            <a:pPr algn="ctr"/>
-            <a:endParaRPr lang="en-US"/>
-          </a:p>
-        </p:txBody>
-      </p:sp>
-      <p:sp>
-        <p:nvSpPr>
-          <p:cNvPr id="137" name="Callout: Bent Line 136">
-            <a:extLst>
-              <a:ext uri="{FF2B5EF4-FFF2-40B4-BE49-F238E27FC236}">
-                <a16:creationId xmlns:a16="http://schemas.microsoft.com/office/drawing/2014/main" id="{63850147-59F3-4295-B361-07A41E5A8A08}"/>
-              </a:ext>
-            </a:extLst>
-          </p:cNvPr>
-          <p:cNvSpPr/>
-          <p:nvPr/>
-        </p:nvSpPr>
-        <p:spPr>
-          <a:xfrm>
-            <a:off x="892028" y="4381044"/>
-            <a:ext cx="1280719" cy="866270"/>
-          </a:xfrm>
-          <a:prstGeom prst="borderCallout2">
-            <a:avLst>
-              <a:gd name="adj1" fmla="val -1790"/>
-              <a:gd name="adj2" fmla="val 22663"/>
-              <a:gd name="adj3" fmla="val -34437"/>
-              <a:gd name="adj4" fmla="val 2498"/>
-              <a:gd name="adj5" fmla="val -54788"/>
-              <a:gd name="adj6" fmla="val 770"/>
-            </a:avLst>
-          </a:prstGeom>
-          <a:solidFill>
-            <a:schemeClr val="bg1"/>
-          </a:solidFill>
-          <a:ln>
-            <a:solidFill>
-              <a:schemeClr val="tx1"/>
-            </a:solidFill>
-          </a:ln>
-        </p:spPr>
-        <p:style>
-          <a:lnRef idx="2">
-            <a:schemeClr val="accent1">
-              <a:shade val="50000"/>
-            </a:schemeClr>
-          </a:lnRef>
-          <a:fillRef idx="1">
-            <a:schemeClr val="accent1"/>
-          </a:fillRef>
-          <a:effectRef idx="0">
-            <a:schemeClr val="accent1"/>
-          </a:effectRef>
-          <a:fontRef idx="minor">
-            <a:schemeClr val="lt1"/>
-          </a:fontRef>
-        </p:style>
-        <p:txBody>
-          <a:bodyPr rtlCol="0" anchor="ctr"/>
-          <a:lstStyle/>
-          <a:p>
-            <a:pPr algn="ctr"/>
+          <a:p>
+            <a:pPr marL="457200" indent="-457200">
+              <a:buFont typeface="Arial" panose="020B0604020202020204" pitchFamily="34" charset="0"/>
+              <a:buChar char="•"/>
+            </a:pPr>
             <a:r>
-              <a:rPr lang="en-US" sz="1200" dirty="0">
-                <a:solidFill>
-                  <a:schemeClr val="tx1"/>
-                </a:solidFill>
-              </a:rPr>
-              <a:t>V min: 5km/s</a:t>
+              <a:rPr lang="en-US" sz="2800" dirty="0"/>
+              <a:t>A histogram is created, with velocity in km/s along the x axis. This allows us to sum our sessions and get accurate results for the total amount of time spend running between any two velocity values, with a resolution of our bin size, .1km/s</a:t>
             </a:r>
           </a:p>
           <a:p>
-            <a:pPr algn="ctr"/>
-            <a:r>
-              <a:rPr lang="en-US" sz="1200" dirty="0">
-                <a:solidFill>
-                  <a:schemeClr val="tx1"/>
-                </a:solidFill>
-              </a:rPr>
-              <a:t>V max: 10km/s</a:t>
-            </a:r>
-          </a:p>
-          <a:p>
-            <a:pPr algn="ctr"/>
-            <a:r>
-              <a:rPr lang="en-US" sz="1200" dirty="0" err="1">
-                <a:solidFill>
-                  <a:schemeClr val="tx1"/>
-                </a:solidFill>
-              </a:rPr>
-              <a:t>ExpID</a:t>
-            </a:r>
-            <a:r>
-              <a:rPr lang="en-US" sz="1200" dirty="0">
-                <a:solidFill>
-                  <a:schemeClr val="tx1"/>
-                </a:solidFill>
-              </a:rPr>
-              <a:t>: 265</a:t>
-            </a:r>
-          </a:p>
-          <a:p>
-            <a:pPr algn="ctr"/>
-            <a:r>
-              <a:rPr lang="en-US" sz="1200" dirty="0" err="1">
-                <a:solidFill>
-                  <a:schemeClr val="tx1"/>
-                </a:solidFill>
-              </a:rPr>
-              <a:t>DustID</a:t>
-            </a:r>
-            <a:r>
-              <a:rPr lang="en-US" sz="1200" dirty="0">
-                <a:solidFill>
-                  <a:schemeClr val="tx1"/>
-                </a:solidFill>
-              </a:rPr>
-              <a:t>: 97</a:t>
-            </a:r>
-          </a:p>
-          <a:p>
-            <a:pPr algn="ctr"/>
-            <a:r>
-              <a:rPr lang="en-US" sz="1200" dirty="0">
-                <a:solidFill>
-                  <a:schemeClr val="tx1"/>
-                </a:solidFill>
-              </a:rPr>
-              <a:t>Duration: 40 min</a:t>
-            </a:r>
-          </a:p>
-        </p:txBody>
-      </p:sp>
-      <p:sp>
-        <p:nvSpPr>
-          <p:cNvPr id="7" name="Rectangle 6">
-            <a:extLst>
-              <a:ext uri="{FF2B5EF4-FFF2-40B4-BE49-F238E27FC236}">
-                <a16:creationId xmlns:a16="http://schemas.microsoft.com/office/drawing/2014/main" id="{852825B4-A847-4E4F-8C2B-AAFD8E702F2A}"/>
-              </a:ext>
-            </a:extLst>
-          </p:cNvPr>
-          <p:cNvSpPr/>
-          <p:nvPr/>
-        </p:nvSpPr>
-        <p:spPr>
-          <a:xfrm>
-            <a:off x="3338818" y="5402510"/>
-            <a:ext cx="8014982" cy="335560"/>
+            <a:endParaRPr lang="en-US" sz="2800" dirty="0"/>
+          </a:p>
+        </p:txBody>
+      </p:sp>
+      <p:pic>
+        <p:nvPicPr>
+          <p:cNvPr id="7" name="Picture 6" descr="A screenshot of a cell phone&#10;&#10;Description automatically generated">
+            <a:extLst>
+              <a:ext uri="{FF2B5EF4-FFF2-40B4-BE49-F238E27FC236}">
+                <a16:creationId xmlns:a16="http://schemas.microsoft.com/office/drawing/2014/main" id="{C1C0033E-1F2D-4EC1-A86E-FDFC17F32C48}"/>
+              </a:ext>
+            </a:extLst>
+          </p:cNvPr>
+          <p:cNvPicPr>
+            <a:picLocks noChangeAspect="1"/>
+          </p:cNvPicPr>
+          <p:nvPr/>
+        </p:nvPicPr>
+        <p:blipFill>
+          <a:blip r:embed="rId2">
+            <a:extLst>
+              <a:ext uri="{28A0092B-C50C-407E-A947-70E740481C1C}">
+                <a14:useLocalDpi xmlns:a14="http://schemas.microsoft.com/office/drawing/2010/main" val="0"/>
+              </a:ext>
+            </a:extLst>
+          </a:blip>
+          <a:stretch>
+            <a:fillRect/>
+          </a:stretch>
+        </p:blipFill>
+        <p:spPr>
+          <a:xfrm>
+            <a:off x="6285486" y="1327667"/>
+            <a:ext cx="5817352" cy="4363014"/>
           </a:xfrm>
           <a:prstGeom prst="rect">
             <a:avLst/>
           </a:prstGeom>
         </p:spPr>
-        <p:style>
-          <a:lnRef idx="2">
-            <a:schemeClr val="dk1"/>
-          </a:lnRef>
-          <a:fillRef idx="1">
-            <a:schemeClr val="lt1"/>
-          </a:fillRef>
-          <a:effectRef idx="0">
-            <a:schemeClr val="dk1"/>
-          </a:effectRef>
-          <a:fontRef idx="minor">
-            <a:schemeClr val="dk1"/>
-          </a:fontRef>
-        </p:style>
-        <p:txBody>
-          <a:bodyPr rtlCol="0" anchor="ctr"/>
-          <a:lstStyle/>
-          <a:p>
-            <a:pPr algn="ctr"/>
-            <a:r>
-              <a:rPr lang="en-US" dirty="0"/>
-              <a:t>0-1,	 1-2,	 3-4,	 4-5, 	5-6,	 6-7, 	7-8, 	8-9, 	9-10</a:t>
-            </a:r>
-          </a:p>
-        </p:txBody>
-      </p:sp>
-      <p:sp>
-        <p:nvSpPr>
-          <p:cNvPr id="8" name="TextBox 7">
-            <a:extLst>
-              <a:ext uri="{FF2B5EF4-FFF2-40B4-BE49-F238E27FC236}">
-                <a16:creationId xmlns:a16="http://schemas.microsoft.com/office/drawing/2014/main" id="{BAC08C6D-F752-4C9E-A83E-0736D7A8C8B4}"/>
-              </a:ext>
-            </a:extLst>
-          </p:cNvPr>
-          <p:cNvSpPr txBox="1"/>
-          <p:nvPr/>
-        </p:nvSpPr>
-        <p:spPr>
-          <a:xfrm>
-            <a:off x="6795082" y="5838738"/>
-            <a:ext cx="2659310" cy="369332"/>
-          </a:xfrm>
-          <a:prstGeom prst="rect">
-            <a:avLst/>
-          </a:prstGeom>
-          <a:noFill/>
-        </p:spPr>
-        <p:txBody>
-          <a:bodyPr wrap="square" rtlCol="0">
-            <a:spAutoFit/>
-          </a:bodyPr>
-          <a:lstStyle/>
-          <a:p>
-            <a:r>
-              <a:rPr lang="en-US" dirty="0"/>
-              <a:t>km/s</a:t>
-            </a:r>
-          </a:p>
-        </p:txBody>
-      </p:sp>
-      <p:sp>
-        <p:nvSpPr>
-          <p:cNvPr id="9" name="Rectangle 8">
-            <a:extLst>
-              <a:ext uri="{FF2B5EF4-FFF2-40B4-BE49-F238E27FC236}">
-                <a16:creationId xmlns:a16="http://schemas.microsoft.com/office/drawing/2014/main" id="{D378D896-DC96-499A-8878-E4049D7D8506}"/>
-              </a:ext>
-            </a:extLst>
-          </p:cNvPr>
-          <p:cNvSpPr/>
-          <p:nvPr/>
-        </p:nvSpPr>
-        <p:spPr>
-          <a:xfrm>
-            <a:off x="7021586" y="3348606"/>
-            <a:ext cx="469784" cy="2051108"/>
-          </a:xfrm>
-          <a:prstGeom prst="rect">
-            <a:avLst/>
-          </a:prstGeom>
-        </p:spPr>
-        <p:style>
-          <a:lnRef idx="2">
-            <a:schemeClr val="accent1">
-              <a:shade val="50000"/>
-            </a:schemeClr>
-          </a:lnRef>
-          <a:fillRef idx="1">
-            <a:schemeClr val="accent1"/>
-          </a:fillRef>
-          <a:effectRef idx="0">
-            <a:schemeClr val="accent1"/>
-          </a:effectRef>
-          <a:fontRef idx="minor">
-            <a:schemeClr val="lt1"/>
-          </a:fontRef>
-        </p:style>
-        <p:txBody>
-          <a:bodyPr rtlCol="0" anchor="ctr"/>
-          <a:lstStyle/>
-          <a:p>
-            <a:pPr algn="ctr"/>
-            <a:endParaRPr lang="en-US"/>
-          </a:p>
-        </p:txBody>
-      </p:sp>
-      <p:sp>
-        <p:nvSpPr>
-          <p:cNvPr id="72" name="Rectangle 71">
-            <a:extLst>
-              <a:ext uri="{FF2B5EF4-FFF2-40B4-BE49-F238E27FC236}">
-                <a16:creationId xmlns:a16="http://schemas.microsoft.com/office/drawing/2014/main" id="{9F177A75-6B33-4FA3-93A4-5E6F1797EE1A}"/>
-              </a:ext>
-            </a:extLst>
-          </p:cNvPr>
-          <p:cNvSpPr/>
-          <p:nvPr/>
-        </p:nvSpPr>
-        <p:spPr>
-          <a:xfrm>
-            <a:off x="7987717" y="3348606"/>
-            <a:ext cx="469784" cy="2051108"/>
-          </a:xfrm>
-          <a:prstGeom prst="rect">
-            <a:avLst/>
-          </a:prstGeom>
-        </p:spPr>
-        <p:style>
-          <a:lnRef idx="2">
-            <a:schemeClr val="accent1">
-              <a:shade val="50000"/>
-            </a:schemeClr>
-          </a:lnRef>
-          <a:fillRef idx="1">
-            <a:schemeClr val="accent1"/>
-          </a:fillRef>
-          <a:effectRef idx="0">
-            <a:schemeClr val="accent1"/>
-          </a:effectRef>
-          <a:fontRef idx="minor">
-            <a:schemeClr val="lt1"/>
-          </a:fontRef>
-        </p:style>
-        <p:txBody>
-          <a:bodyPr rtlCol="0" anchor="ctr"/>
-          <a:lstStyle/>
-          <a:p>
-            <a:pPr algn="ctr"/>
-            <a:endParaRPr lang="en-US"/>
-          </a:p>
-        </p:txBody>
-      </p:sp>
-      <p:sp>
-        <p:nvSpPr>
-          <p:cNvPr id="73" name="Rectangle 72">
-            <a:extLst>
-              <a:ext uri="{FF2B5EF4-FFF2-40B4-BE49-F238E27FC236}">
-                <a16:creationId xmlns:a16="http://schemas.microsoft.com/office/drawing/2014/main" id="{2E0081DD-FDB7-489D-B7C5-66E2B1DDA3EF}"/>
-              </a:ext>
-            </a:extLst>
-          </p:cNvPr>
-          <p:cNvSpPr/>
-          <p:nvPr/>
-        </p:nvSpPr>
-        <p:spPr>
-          <a:xfrm>
-            <a:off x="8835006" y="3348606"/>
-            <a:ext cx="469784" cy="2051108"/>
-          </a:xfrm>
-          <a:prstGeom prst="rect">
-            <a:avLst/>
-          </a:prstGeom>
-        </p:spPr>
-        <p:style>
-          <a:lnRef idx="2">
-            <a:schemeClr val="accent1">
-              <a:shade val="50000"/>
-            </a:schemeClr>
-          </a:lnRef>
-          <a:fillRef idx="1">
-            <a:schemeClr val="accent1"/>
-          </a:fillRef>
-          <a:effectRef idx="0">
-            <a:schemeClr val="accent1"/>
-          </a:effectRef>
-          <a:fontRef idx="minor">
-            <a:schemeClr val="lt1"/>
-          </a:fontRef>
-        </p:style>
-        <p:txBody>
-          <a:bodyPr rtlCol="0" anchor="ctr"/>
-          <a:lstStyle/>
-          <a:p>
-            <a:pPr algn="ctr"/>
-            <a:endParaRPr lang="en-US"/>
-          </a:p>
-        </p:txBody>
-      </p:sp>
-      <p:sp>
-        <p:nvSpPr>
-          <p:cNvPr id="74" name="Rectangle 73">
-            <a:extLst>
-              <a:ext uri="{FF2B5EF4-FFF2-40B4-BE49-F238E27FC236}">
-                <a16:creationId xmlns:a16="http://schemas.microsoft.com/office/drawing/2014/main" id="{6091F13D-8FA9-4639-A24F-2FBB01956C6B}"/>
-              </a:ext>
-            </a:extLst>
-          </p:cNvPr>
-          <p:cNvSpPr/>
-          <p:nvPr/>
-        </p:nvSpPr>
-        <p:spPr>
-          <a:xfrm>
-            <a:off x="9774574" y="3348606"/>
-            <a:ext cx="469784" cy="2051108"/>
-          </a:xfrm>
-          <a:prstGeom prst="rect">
-            <a:avLst/>
-          </a:prstGeom>
-        </p:spPr>
-        <p:style>
-          <a:lnRef idx="2">
-            <a:schemeClr val="accent1">
-              <a:shade val="50000"/>
-            </a:schemeClr>
-          </a:lnRef>
-          <a:fillRef idx="1">
-            <a:schemeClr val="accent1"/>
-          </a:fillRef>
-          <a:effectRef idx="0">
-            <a:schemeClr val="accent1"/>
-          </a:effectRef>
-          <a:fontRef idx="minor">
-            <a:schemeClr val="lt1"/>
-          </a:fontRef>
-        </p:style>
-        <p:txBody>
-          <a:bodyPr rtlCol="0" anchor="ctr"/>
-          <a:lstStyle/>
-          <a:p>
-            <a:pPr algn="ctr"/>
-            <a:endParaRPr lang="en-US"/>
-          </a:p>
-        </p:txBody>
-      </p:sp>
-      <p:sp>
-        <p:nvSpPr>
-          <p:cNvPr id="75" name="Rectangle 74">
-            <a:extLst>
-              <a:ext uri="{FF2B5EF4-FFF2-40B4-BE49-F238E27FC236}">
-                <a16:creationId xmlns:a16="http://schemas.microsoft.com/office/drawing/2014/main" id="{3DA5CC9B-427E-4CD2-A6D2-0ED9BBBA6D5D}"/>
-              </a:ext>
-            </a:extLst>
-          </p:cNvPr>
-          <p:cNvSpPr/>
-          <p:nvPr/>
-        </p:nvSpPr>
-        <p:spPr>
-          <a:xfrm>
-            <a:off x="10722532" y="3348606"/>
-            <a:ext cx="469784" cy="2051108"/>
-          </a:xfrm>
-          <a:prstGeom prst="rect">
-            <a:avLst/>
-          </a:prstGeom>
-        </p:spPr>
-        <p:style>
-          <a:lnRef idx="2">
-            <a:schemeClr val="accent1">
-              <a:shade val="50000"/>
-            </a:schemeClr>
-          </a:lnRef>
-          <a:fillRef idx="1">
-            <a:schemeClr val="accent1"/>
-          </a:fillRef>
-          <a:effectRef idx="0">
-            <a:schemeClr val="accent1"/>
-          </a:effectRef>
-          <a:fontRef idx="minor">
-            <a:schemeClr val="lt1"/>
-          </a:fontRef>
-        </p:style>
-        <p:txBody>
-          <a:bodyPr rtlCol="0" anchor="ctr"/>
-          <a:lstStyle/>
-          <a:p>
-            <a:pPr algn="ctr"/>
-            <a:endParaRPr lang="en-US"/>
-          </a:p>
-        </p:txBody>
-      </p:sp>
-      <p:cxnSp>
-        <p:nvCxnSpPr>
-          <p:cNvPr id="11" name="Straight Connector 10">
-            <a:extLst>
-              <a:ext uri="{FF2B5EF4-FFF2-40B4-BE49-F238E27FC236}">
-                <a16:creationId xmlns:a16="http://schemas.microsoft.com/office/drawing/2014/main" id="{8E630DEA-B61E-4CE9-A36F-6E81FFD3C904}"/>
-              </a:ext>
-            </a:extLst>
-          </p:cNvPr>
-          <p:cNvCxnSpPr/>
-          <p:nvPr/>
-        </p:nvCxnSpPr>
-        <p:spPr>
-          <a:xfrm>
-            <a:off x="2743200" y="3229761"/>
-            <a:ext cx="595618" cy="0"/>
-          </a:xfrm>
-          <a:prstGeom prst="line">
-            <a:avLst/>
-          </a:prstGeom>
-          <a:ln w="57150">
-            <a:solidFill>
-              <a:schemeClr val="tx1"/>
-            </a:solidFill>
-          </a:ln>
-        </p:spPr>
-        <p:style>
-          <a:lnRef idx="1">
-            <a:schemeClr val="accent1"/>
-          </a:lnRef>
-          <a:fillRef idx="0">
-            <a:schemeClr val="accent1"/>
-          </a:fillRef>
-          <a:effectRef idx="0">
-            <a:schemeClr val="accent1"/>
-          </a:effectRef>
-          <a:fontRef idx="minor">
-            <a:schemeClr val="tx1"/>
-          </a:fontRef>
-        </p:style>
-      </p:cxnSp>
-      <p:sp>
-        <p:nvSpPr>
-          <p:cNvPr id="12" name="TextBox 11">
-            <a:extLst>
-              <a:ext uri="{FF2B5EF4-FFF2-40B4-BE49-F238E27FC236}">
-                <a16:creationId xmlns:a16="http://schemas.microsoft.com/office/drawing/2014/main" id="{C8066170-C11D-4D08-8979-184AA9511A76}"/>
-              </a:ext>
-            </a:extLst>
-          </p:cNvPr>
-          <p:cNvSpPr txBox="1"/>
-          <p:nvPr/>
-        </p:nvSpPr>
-        <p:spPr>
-          <a:xfrm>
-            <a:off x="2642532" y="2801923"/>
-            <a:ext cx="889233" cy="369332"/>
-          </a:xfrm>
-          <a:prstGeom prst="rect">
-            <a:avLst/>
-          </a:prstGeom>
-          <a:noFill/>
-        </p:spPr>
-        <p:txBody>
-          <a:bodyPr wrap="square" rtlCol="0">
-            <a:spAutoFit/>
-          </a:bodyPr>
-          <a:lstStyle/>
-          <a:p>
-            <a:r>
-              <a:rPr lang="en-US" dirty="0"/>
-              <a:t>40 min</a:t>
-            </a:r>
-          </a:p>
-        </p:txBody>
-      </p:sp>
+      </p:pic>
     </p:spTree>
     <p:extLst>
       <p:ext uri="{BB962C8B-B14F-4D97-AF65-F5344CB8AC3E}">
-        <p14:creationId xmlns:p14="http://schemas.microsoft.com/office/powerpoint/2010/main" val="3206356154"/>
+        <p14:creationId xmlns:p14="http://schemas.microsoft.com/office/powerpoint/2010/main" val="4101637559"/>
       </p:ext>
     </p:extLst>
   </p:cSld>
@@ -13174,7 +12080,7 @@
           <p:cNvPr id="2" name="Title 1">
             <a:extLst>
               <a:ext uri="{FF2B5EF4-FFF2-40B4-BE49-F238E27FC236}">
-                <a16:creationId xmlns:a16="http://schemas.microsoft.com/office/drawing/2014/main" id="{ABA89B1C-1A8F-4120-A0CB-EBD6963409B1}"/>
+                <a16:creationId xmlns:a16="http://schemas.microsoft.com/office/drawing/2014/main" id="{5DA35116-706B-4A40-BE04-53BF1A91A660}"/>
               </a:ext>
             </a:extLst>
           </p:cNvPr>
@@ -13187,13 +12093,11 @@
         </p:nvSpPr>
         <p:spPr/>
         <p:txBody>
-          <a:bodyPr>
-            <a:normAutofit/>
-          </a:bodyPr>
+          <a:bodyPr/>
           <a:lstStyle/>
           <a:p>
             <a:r>
-              <a:rPr lang="en-US" sz="5400" dirty="0"/>
+              <a:rPr lang="en-US" dirty="0"/>
               <a:t>Chosen Approach</a:t>
             </a:r>
           </a:p>
@@ -13201,70 +12105,83 @@
       </p:sp>
       <p:sp>
         <p:nvSpPr>
-          <p:cNvPr id="3" name="TextBox 2">
-            <a:extLst>
-              <a:ext uri="{FF2B5EF4-FFF2-40B4-BE49-F238E27FC236}">
-                <a16:creationId xmlns:a16="http://schemas.microsoft.com/office/drawing/2014/main" id="{43DFC0BF-54B6-4E8E-A98C-538F1ACEECA7}"/>
-              </a:ext>
-            </a:extLst>
-          </p:cNvPr>
-          <p:cNvSpPr txBox="1"/>
-          <p:nvPr/>
-        </p:nvSpPr>
-        <p:spPr>
-          <a:xfrm>
-            <a:off x="941314" y="1610686"/>
-            <a:ext cx="10412485" cy="2677656"/>
+          <p:cNvPr id="3" name="Content Placeholder 2">
+            <a:extLst>
+              <a:ext uri="{FF2B5EF4-FFF2-40B4-BE49-F238E27FC236}">
+                <a16:creationId xmlns:a16="http://schemas.microsoft.com/office/drawing/2014/main" id="{913071B9-C15C-4DB2-9BB0-E86F9BE47C6C}"/>
+              </a:ext>
+            </a:extLst>
+          </p:cNvPr>
+          <p:cNvSpPr>
+            <a:spLocks noGrp="1"/>
+          </p:cNvSpPr>
+          <p:nvPr>
+            <p:ph idx="1"/>
+          </p:nvPr>
+        </p:nvSpPr>
+        <p:spPr>
+          <a:xfrm>
+            <a:off x="838200" y="1825625"/>
+            <a:ext cx="4950041" cy="4351338"/>
+          </a:xfrm>
+        </p:spPr>
+        <p:txBody>
+          <a:bodyPr/>
+          <a:lstStyle/>
+          <a:p>
+            <a:r>
+              <a:rPr lang="en-US" dirty="0"/>
+              <a:t>Another histogram is created to hold the distribution of the particles, again with bins of .1km/s. </a:t>
+            </a:r>
+          </a:p>
+          <a:p>
+            <a:r>
+              <a:rPr lang="en-US" dirty="0"/>
+              <a:t>The rate is then calculated with a third histogram, the particle distribution histogram divided by the run time histogram. </a:t>
+            </a:r>
+          </a:p>
+        </p:txBody>
+      </p:sp>
+      <p:pic>
+        <p:nvPicPr>
+          <p:cNvPr id="5" name="Picture 4" descr="A screenshot of a cell phone&#10;&#10;Description automatically generated">
+            <a:extLst>
+              <a:ext uri="{FF2B5EF4-FFF2-40B4-BE49-F238E27FC236}">
+                <a16:creationId xmlns:a16="http://schemas.microsoft.com/office/drawing/2014/main" id="{F2A054FD-6E80-4C22-84C4-FE437B9D2EC3}"/>
+              </a:ext>
+            </a:extLst>
+          </p:cNvPr>
+          <p:cNvPicPr>
+            <a:picLocks noChangeAspect="1"/>
+          </p:cNvPicPr>
+          <p:nvPr/>
+        </p:nvPicPr>
+        <p:blipFill>
+          <a:blip r:embed="rId2">
+            <a:extLst>
+              <a:ext uri="{28A0092B-C50C-407E-A947-70E740481C1C}">
+                <a14:useLocalDpi xmlns:a14="http://schemas.microsoft.com/office/drawing/2010/main" val="0"/>
+              </a:ext>
+            </a:extLst>
+          </a:blip>
+          <a:stretch>
+            <a:fillRect/>
+          </a:stretch>
+        </p:blipFill>
+        <p:spPr>
+          <a:xfrm>
+            <a:off x="5903387" y="1370623"/>
+            <a:ext cx="5852172" cy="4389129"/>
           </a:xfrm>
           <a:prstGeom prst="rect">
             <a:avLst/>
           </a:prstGeom>
-          <a:noFill/>
-        </p:spPr>
-        <p:txBody>
-          <a:bodyPr wrap="square" rtlCol="0">
-            <a:spAutoFit/>
-          </a:bodyPr>
-          <a:lstStyle/>
-          <a:p>
-            <a:pPr marL="457200" indent="-457200">
-              <a:buFont typeface="Arial" panose="020B0604020202020204" pitchFamily="34" charset="0"/>
-              <a:buChar char="•"/>
-            </a:pPr>
-            <a:r>
-              <a:rPr lang="en-US" sz="2800" dirty="0"/>
-              <a:t>Add all sessions within user parameters of dust material, dust ID, date range, and experiment ID to a run time histogram</a:t>
-            </a:r>
-          </a:p>
-          <a:p>
-            <a:pPr marL="457200" indent="-457200">
-              <a:buFont typeface="Arial" panose="020B0604020202020204" pitchFamily="34" charset="0"/>
-              <a:buChar char="•"/>
-            </a:pPr>
-            <a:r>
-              <a:rPr lang="en-US" sz="2800" dirty="0"/>
-              <a:t>Add the enclosed dust events to another histogram</a:t>
-            </a:r>
-          </a:p>
-          <a:p>
-            <a:pPr marL="457200" indent="-457200">
-              <a:buFont typeface="Arial" panose="020B0604020202020204" pitchFamily="34" charset="0"/>
-              <a:buChar char="•"/>
-            </a:pPr>
-            <a:r>
-              <a:rPr lang="en-US" sz="2800" dirty="0"/>
-              <a:t>Divide the values, then sum over the intended velocity range to get a single rate for the user parameters</a:t>
-            </a:r>
-          </a:p>
-          <a:p>
-            <a:endParaRPr lang="en-US" sz="2800" dirty="0"/>
-          </a:p>
-        </p:txBody>
-      </p:sp>
+        </p:spPr>
+      </p:pic>
     </p:spTree>
     <p:extLst>
       <p:ext uri="{BB962C8B-B14F-4D97-AF65-F5344CB8AC3E}">
-        <p14:creationId xmlns:p14="http://schemas.microsoft.com/office/powerpoint/2010/main" val="4101637559"/>
+        <p14:creationId xmlns:p14="http://schemas.microsoft.com/office/powerpoint/2010/main" val="1540569587"/>
       </p:ext>
     </p:extLst>
   </p:cSld>
@@ -13356,32 +12273,14 @@
           <a:p>
             <a:r>
               <a:rPr lang="en-US" dirty="0"/>
-              <a:t>Local processing requires &lt; 2 seconds</a:t>
+              <a:t>Python requires installation of mysql.connector, which can be installed through the MySQL installer or pip. </a:t>
             </a:r>
           </a:p>
           <a:p>
             <a:r>
               <a:rPr lang="en-US" dirty="0"/>
-              <a:t>Python requires installation of mysql.connector, which can be installed through the MySQL installer or pip. </a:t>
+              <a:t>Code and documentation is held in the Accelerator GitHub repo</a:t>
             </a:r>
-          </a:p>
-          <a:p>
-            <a:r>
-              <a:rPr lang="en-US" dirty="0"/>
-              <a:t>Code and documentation is held in GitHub repo, </a:t>
-            </a:r>
-          </a:p>
-          <a:p>
-            <a:pPr marL="0" indent="0">
-              <a:buNone/>
-            </a:pPr>
-            <a:r>
-              <a:rPr lang="en-US" dirty="0">
-                <a:hlinkClick r:id="rId2"/>
-              </a:rPr>
-              <a:t>github.com/nathan-m-schneider-22/Dust-Accelerator-Database-Analysis</a:t>
-            </a:r>
-            <a:endParaRPr lang="en-US" dirty="0"/>
           </a:p>
         </p:txBody>
       </p:sp>
@@ -13562,7 +12461,7 @@
           <p:cNvPr id="2" name="Title 1">
             <a:extLst>
               <a:ext uri="{FF2B5EF4-FFF2-40B4-BE49-F238E27FC236}">
-                <a16:creationId xmlns:a16="http://schemas.microsoft.com/office/drawing/2014/main" id="{5A371459-3769-479F-BC6E-570F1069BF83}"/>
+                <a16:creationId xmlns:a16="http://schemas.microsoft.com/office/drawing/2014/main" id="{096119BB-6B55-4E15-BD0E-CFDDA381B4DB}"/>
               </a:ext>
             </a:extLst>
           </p:cNvPr>
@@ -13580,7 +12479,7 @@
           <a:p>
             <a:r>
               <a:rPr lang="en-US" dirty="0"/>
-              <a:t>Potential Problems/Limitations</a:t>
+              <a:t>Optimal and Poor Results</a:t>
             </a:r>
           </a:p>
         </p:txBody>
@@ -13590,7 +12489,7 @@
           <p:cNvPr id="3" name="Content Placeholder 2">
             <a:extLst>
               <a:ext uri="{FF2B5EF4-FFF2-40B4-BE49-F238E27FC236}">
-                <a16:creationId xmlns:a16="http://schemas.microsoft.com/office/drawing/2014/main" id="{DE178EB9-EA7C-43DB-B384-7F9676C8A105}"/>
+                <a16:creationId xmlns:a16="http://schemas.microsoft.com/office/drawing/2014/main" id="{CBEE8965-C01B-4E61-B7E3-7EB73CE3BDFE}"/>
               </a:ext>
             </a:extLst>
           </p:cNvPr>
@@ -13601,280 +12500,72 @@
             <p:ph idx="1"/>
           </p:nvPr>
         </p:nvSpPr>
-        <p:spPr>
-          <a:xfrm>
-            <a:off x="838200" y="1825625"/>
-            <a:ext cx="8540692" cy="4351338"/>
-          </a:xfrm>
-        </p:spPr>
+        <p:spPr/>
         <p:txBody>
           <a:bodyPr/>
           <a:lstStyle/>
           <a:p>
             <a:r>
               <a:rPr lang="en-US" dirty="0"/>
-              <a:t>For low event count sessions, the start and end boundaries from the first and last detection may not accurately reflect the true start and end of the session. There are 900 session with 2 or less detections, making up 21 hours of runtime. </a:t>
+              <a:t>There tends to be significant variation in the performance between sessions, so insights on variation of rate performance was necessary. </a:t>
             </a:r>
           </a:p>
           <a:p>
             <a:r>
               <a:rPr lang="en-US" dirty="0"/>
-              <a:t>Total runtime of all sessions totals to 2800 hours, falling short of 4450 hours of shaft run time. </a:t>
+              <a:t>A “performance factor” is assigned to each session, which is how the session compares to the expected performance based on mean results. </a:t>
             </a:r>
           </a:p>
           <a:p>
             <a:r>
               <a:rPr lang="en-US" dirty="0"/>
-              <a:t>686 sessions with 0 particles in them, totaling 7.7 hours of runtime</a:t>
+              <a:t>Optimal Results are results taken from the sessions with 60</a:t>
             </a:r>
-          </a:p>
-          <a:p>
-            <a:endParaRPr lang="en-US" dirty="0"/>
-          </a:p>
-        </p:txBody>
-      </p:sp>
-      <p:sp>
-        <p:nvSpPr>
-          <p:cNvPr id="22" name="Oval 21">
-            <a:extLst>
-              <a:ext uri="{FF2B5EF4-FFF2-40B4-BE49-F238E27FC236}">
-                <a16:creationId xmlns:a16="http://schemas.microsoft.com/office/drawing/2014/main" id="{CEF0B5BE-A57F-47E4-BE45-9F9BA8DAE471}"/>
-              </a:ext>
-            </a:extLst>
-          </p:cNvPr>
-          <p:cNvSpPr/>
-          <p:nvPr/>
-        </p:nvSpPr>
-        <p:spPr>
-          <a:xfrm>
-            <a:off x="9492846" y="2175417"/>
-            <a:ext cx="167780" cy="176169"/>
-          </a:xfrm>
-          <a:prstGeom prst="ellipse">
-            <a:avLst/>
-          </a:prstGeom>
-        </p:spPr>
-        <p:style>
-          <a:lnRef idx="2">
-            <a:schemeClr val="accent1">
-              <a:shade val="50000"/>
-            </a:schemeClr>
-          </a:lnRef>
-          <a:fillRef idx="1">
-            <a:schemeClr val="accent1"/>
-          </a:fillRef>
-          <a:effectRef idx="0">
-            <a:schemeClr val="accent1"/>
-          </a:effectRef>
-          <a:fontRef idx="minor">
-            <a:schemeClr val="lt1"/>
-          </a:fontRef>
-        </p:style>
-        <p:txBody>
-          <a:bodyPr rtlCol="0" anchor="ctr"/>
-          <a:lstStyle/>
-          <a:p>
-            <a:pPr algn="ctr"/>
-            <a:endParaRPr lang="en-US"/>
-          </a:p>
-        </p:txBody>
-      </p:sp>
-      <p:sp>
-        <p:nvSpPr>
-          <p:cNvPr id="23" name="Oval 22">
-            <a:extLst>
-              <a:ext uri="{FF2B5EF4-FFF2-40B4-BE49-F238E27FC236}">
-                <a16:creationId xmlns:a16="http://schemas.microsoft.com/office/drawing/2014/main" id="{BFA89DEC-0033-49DC-8BEF-61512D9E010D}"/>
-              </a:ext>
-            </a:extLst>
-          </p:cNvPr>
-          <p:cNvSpPr/>
-          <p:nvPr/>
-        </p:nvSpPr>
-        <p:spPr>
-          <a:xfrm>
-            <a:off x="11116465" y="2190668"/>
-            <a:ext cx="167780" cy="176169"/>
-          </a:xfrm>
-          <a:prstGeom prst="ellipse">
-            <a:avLst/>
-          </a:prstGeom>
-        </p:spPr>
-        <p:style>
-          <a:lnRef idx="2">
-            <a:schemeClr val="accent1">
-              <a:shade val="50000"/>
-            </a:schemeClr>
-          </a:lnRef>
-          <a:fillRef idx="1">
-            <a:schemeClr val="accent1"/>
-          </a:fillRef>
-          <a:effectRef idx="0">
-            <a:schemeClr val="accent1"/>
-          </a:effectRef>
-          <a:fontRef idx="minor">
-            <a:schemeClr val="lt1"/>
-          </a:fontRef>
-        </p:style>
-        <p:txBody>
-          <a:bodyPr rtlCol="0" anchor="ctr"/>
-          <a:lstStyle/>
-          <a:p>
-            <a:pPr algn="ctr"/>
-            <a:endParaRPr lang="en-US"/>
-          </a:p>
-        </p:txBody>
-      </p:sp>
-      <p:sp>
-        <p:nvSpPr>
-          <p:cNvPr id="24" name="Rectangle: Rounded Corners 23">
-            <a:extLst>
-              <a:ext uri="{FF2B5EF4-FFF2-40B4-BE49-F238E27FC236}">
-                <a16:creationId xmlns:a16="http://schemas.microsoft.com/office/drawing/2014/main" id="{FDA44750-266D-4B9E-BF5E-B1C3925B968A}"/>
-              </a:ext>
-            </a:extLst>
-          </p:cNvPr>
-          <p:cNvSpPr/>
-          <p:nvPr/>
-        </p:nvSpPr>
-        <p:spPr>
-          <a:xfrm>
-            <a:off x="9492846" y="2070563"/>
-            <a:ext cx="1791399" cy="385878"/>
-          </a:xfrm>
-          <a:prstGeom prst="roundRect">
-            <a:avLst/>
-          </a:prstGeom>
-          <a:noFill/>
-        </p:spPr>
-        <p:style>
-          <a:lnRef idx="2">
-            <a:schemeClr val="accent1">
-              <a:shade val="50000"/>
-            </a:schemeClr>
-          </a:lnRef>
-          <a:fillRef idx="1">
-            <a:schemeClr val="accent1"/>
-          </a:fillRef>
-          <a:effectRef idx="0">
-            <a:schemeClr val="accent1"/>
-          </a:effectRef>
-          <a:fontRef idx="minor">
-            <a:schemeClr val="lt1"/>
-          </a:fontRef>
-        </p:style>
-        <p:txBody>
-          <a:bodyPr rtlCol="0" anchor="ctr"/>
-          <a:lstStyle/>
-          <a:p>
-            <a:pPr algn="ctr"/>
             <a:r>
-              <a:rPr lang="en-US"/>
-              <a:t>78420612</a:t>
+              <a:rPr lang="en-US" baseline="30000" dirty="0"/>
+              <a:t>th</a:t>
             </a:r>
-          </a:p>
-        </p:txBody>
-      </p:sp>
-      <p:sp>
-        <p:nvSpPr>
-          <p:cNvPr id="25" name="Rectangle: Rounded Corners 24">
-            <a:extLst>
-              <a:ext uri="{FF2B5EF4-FFF2-40B4-BE49-F238E27FC236}">
-                <a16:creationId xmlns:a16="http://schemas.microsoft.com/office/drawing/2014/main" id="{25B7015D-EBB2-40A5-B745-3E70C7FF9FC1}"/>
-              </a:ext>
-            </a:extLst>
-          </p:cNvPr>
-          <p:cNvSpPr/>
-          <p:nvPr/>
-        </p:nvSpPr>
-        <p:spPr>
-          <a:xfrm>
-            <a:off x="10301682" y="2717914"/>
-            <a:ext cx="360726" cy="385878"/>
-          </a:xfrm>
-          <a:prstGeom prst="roundRect">
-            <a:avLst/>
-          </a:prstGeom>
-          <a:noFill/>
-        </p:spPr>
-        <p:style>
-          <a:lnRef idx="2">
-            <a:schemeClr val="accent1">
-              <a:shade val="50000"/>
-            </a:schemeClr>
-          </a:lnRef>
-          <a:fillRef idx="1">
-            <a:schemeClr val="accent1"/>
-          </a:fillRef>
-          <a:effectRef idx="0">
-            <a:schemeClr val="accent1"/>
-          </a:effectRef>
-          <a:fontRef idx="minor">
-            <a:schemeClr val="lt1"/>
-          </a:fontRef>
-        </p:style>
-        <p:txBody>
-          <a:bodyPr rtlCol="0" anchor="ctr"/>
-          <a:lstStyle/>
-          <a:p>
-            <a:pPr algn="ctr"/>
             <a:r>
               <a:rPr lang="en-US" dirty="0"/>
-              <a:t>78420612</a:t>
+              <a:t>-90</a:t>
             </a:r>
-          </a:p>
-        </p:txBody>
-      </p:sp>
-      <p:sp>
-        <p:nvSpPr>
-          <p:cNvPr id="26" name="Oval 25">
-            <a:extLst>
-              <a:ext uri="{FF2B5EF4-FFF2-40B4-BE49-F238E27FC236}">
-                <a16:creationId xmlns:a16="http://schemas.microsoft.com/office/drawing/2014/main" id="{F8987049-0098-44D1-A861-2646FAC32E24}"/>
-              </a:ext>
-            </a:extLst>
-          </p:cNvPr>
-          <p:cNvSpPr/>
-          <p:nvPr/>
-        </p:nvSpPr>
-        <p:spPr>
-          <a:xfrm>
-            <a:off x="10388545" y="2836316"/>
-            <a:ext cx="167780" cy="176169"/>
-          </a:xfrm>
-          <a:prstGeom prst="ellipse">
-            <a:avLst/>
-          </a:prstGeom>
-        </p:spPr>
-        <p:style>
-          <a:lnRef idx="2">
-            <a:schemeClr val="accent1">
-              <a:shade val="50000"/>
-            </a:schemeClr>
-          </a:lnRef>
-          <a:fillRef idx="1">
-            <a:schemeClr val="accent1"/>
-          </a:fillRef>
-          <a:effectRef idx="0">
-            <a:schemeClr val="accent1"/>
-          </a:effectRef>
-          <a:fontRef idx="minor">
-            <a:schemeClr val="lt1"/>
-          </a:fontRef>
-        </p:style>
-        <p:txBody>
-          <a:bodyPr rtlCol="0" anchor="ctr"/>
-          <a:lstStyle/>
-          <a:p>
-            <a:pPr algn="ctr"/>
-            <a:endParaRPr lang="en-US"/>
+            <a:r>
+              <a:rPr lang="en-US" baseline="30000" dirty="0"/>
+              <a:t>th</a:t>
+            </a:r>
+            <a:r>
+              <a:rPr lang="en-US" dirty="0"/>
+              <a:t> percentile performance results, to avoid outliers.</a:t>
+            </a:r>
+          </a:p>
+          <a:p>
+            <a:r>
+              <a:rPr lang="en-US" dirty="0"/>
+              <a:t>Poor results are taken from the sessions with 10</a:t>
+            </a:r>
+            <a:r>
+              <a:rPr lang="en-US" baseline="30000" dirty="0"/>
+              <a:t>th</a:t>
+            </a:r>
+            <a:r>
+              <a:rPr lang="en-US" dirty="0"/>
+              <a:t>-40</a:t>
+            </a:r>
+            <a:r>
+              <a:rPr lang="en-US" baseline="30000" dirty="0"/>
+              <a:t>th</a:t>
+            </a:r>
+            <a:r>
+              <a:rPr lang="en-US" dirty="0"/>
+              <a:t> percentile performance results </a:t>
+            </a:r>
           </a:p>
         </p:txBody>
       </p:sp>
     </p:spTree>
     <p:extLst>
       <p:ext uri="{BB962C8B-B14F-4D97-AF65-F5344CB8AC3E}">
-        <p14:creationId xmlns:p14="http://schemas.microsoft.com/office/powerpoint/2010/main" val="1105853327"/>
+        <p14:creationId xmlns:p14="http://schemas.microsoft.com/office/powerpoint/2010/main" val="3801261712"/>
       </p:ext>
     </p:extLst>
   </p:cSld>
@@ -13906,736 +12597,6 @@
           <p:cNvPr id="2" name="Title 1">
             <a:extLst>
               <a:ext uri="{FF2B5EF4-FFF2-40B4-BE49-F238E27FC236}">
-                <a16:creationId xmlns:a16="http://schemas.microsoft.com/office/drawing/2014/main" id="{CBC69C80-A140-48F4-B3C3-CC3499BBF255}"/>
-              </a:ext>
-            </a:extLst>
-          </p:cNvPr>
-          <p:cNvSpPr>
-            <a:spLocks noGrp="1"/>
-          </p:cNvSpPr>
-          <p:nvPr>
-            <p:ph type="title"/>
-          </p:nvPr>
-        </p:nvSpPr>
-        <p:spPr/>
-        <p:txBody>
-          <a:bodyPr/>
-          <a:lstStyle/>
-          <a:p>
-            <a:r>
-              <a:rPr lang="en-US" dirty="0"/>
-              <a:t>Difficulties in Development</a:t>
-            </a:r>
-          </a:p>
-        </p:txBody>
-      </p:sp>
-      <p:sp>
-        <p:nvSpPr>
-          <p:cNvPr id="3" name="Content Placeholder 2">
-            <a:extLst>
-              <a:ext uri="{FF2B5EF4-FFF2-40B4-BE49-F238E27FC236}">
-                <a16:creationId xmlns:a16="http://schemas.microsoft.com/office/drawing/2014/main" id="{F9A32DFF-8B57-447C-B7B1-DC2F4B151BCF}"/>
-              </a:ext>
-            </a:extLst>
-          </p:cNvPr>
-          <p:cNvSpPr>
-            <a:spLocks noGrp="1"/>
-          </p:cNvSpPr>
-          <p:nvPr>
-            <p:ph idx="1"/>
-          </p:nvPr>
-        </p:nvSpPr>
-        <p:spPr/>
-        <p:txBody>
-          <a:bodyPr/>
-          <a:lstStyle/>
-          <a:p>
-            <a:r>
-              <a:rPr lang="en-US" dirty="0"/>
-              <a:t>Managing Python environment on Windows, particularly pip installation of necessary packages</a:t>
-            </a:r>
-          </a:p>
-          <a:p>
-            <a:r>
-              <a:rPr lang="en-US" dirty="0"/>
-              <a:t>Lacking/incorrect data in the database, such as the run time table, and the backing up of dust source settings failing during shutdown</a:t>
-            </a:r>
-          </a:p>
-          <a:p>
-            <a:r>
-              <a:rPr lang="en-US" dirty="0"/>
-              <a:t>Run times generated by source settings produced sessions with total runtimes above 6500 hours, above what the 4450 that the pelletron shaft was running. </a:t>
-            </a:r>
-          </a:p>
-        </p:txBody>
-      </p:sp>
-    </p:spTree>
-    <p:extLst>
-      <p:ext uri="{BB962C8B-B14F-4D97-AF65-F5344CB8AC3E}">
-        <p14:creationId xmlns:p14="http://schemas.microsoft.com/office/powerpoint/2010/main" val="1713485187"/>
-      </p:ext>
-    </p:extLst>
-  </p:cSld>
-  <p:clrMapOvr>
-    <a:masterClrMapping/>
-  </p:clrMapOvr>
-</p:sld>
-</file>
-
-<file path=ppt/slides/slide18.xml><?xml version="1.0" encoding="utf-8"?>
-<p:sld xmlns:a="http://schemas.openxmlformats.org/drawingml/2006/main" xmlns:r="http://schemas.openxmlformats.org/officeDocument/2006/relationships" xmlns:p="http://schemas.openxmlformats.org/presentationml/2006/main">
-  <p:cSld>
-    <p:spTree>
-      <p:nvGrpSpPr>
-        <p:cNvPr id="1" name=""/>
-        <p:cNvGrpSpPr/>
-        <p:nvPr/>
-      </p:nvGrpSpPr>
-      <p:grpSpPr>
-        <a:xfrm>
-          <a:off x="0" y="0"/>
-          <a:ext cx="0" cy="0"/>
-          <a:chOff x="0" y="0"/>
-          <a:chExt cx="0" cy="0"/>
-        </a:xfrm>
-      </p:grpSpPr>
-      <p:sp>
-        <p:nvSpPr>
-          <p:cNvPr id="2" name="Title 1">
-            <a:extLst>
-              <a:ext uri="{FF2B5EF4-FFF2-40B4-BE49-F238E27FC236}">
-                <a16:creationId xmlns:a16="http://schemas.microsoft.com/office/drawing/2014/main" id="{19F14155-9364-410B-9252-06D96887FDD8}"/>
-              </a:ext>
-            </a:extLst>
-          </p:cNvPr>
-          <p:cNvSpPr>
-            <a:spLocks noGrp="1"/>
-          </p:cNvSpPr>
-          <p:nvPr>
-            <p:ph type="title"/>
-          </p:nvPr>
-        </p:nvSpPr>
-        <p:spPr/>
-        <p:txBody>
-          <a:bodyPr>
-            <a:normAutofit/>
-          </a:bodyPr>
-          <a:lstStyle/>
-          <a:p>
-            <a:r>
-              <a:rPr lang="en-US" sz="4800" dirty="0"/>
-              <a:t>Work going forward</a:t>
-            </a:r>
-          </a:p>
-        </p:txBody>
-      </p:sp>
-      <p:sp>
-        <p:nvSpPr>
-          <p:cNvPr id="3" name="Content Placeholder 2">
-            <a:extLst>
-              <a:ext uri="{FF2B5EF4-FFF2-40B4-BE49-F238E27FC236}">
-                <a16:creationId xmlns:a16="http://schemas.microsoft.com/office/drawing/2014/main" id="{561E0A85-1F18-4BB1-8FFD-D3F0EAED361D}"/>
-              </a:ext>
-            </a:extLst>
-          </p:cNvPr>
-          <p:cNvSpPr>
-            <a:spLocks noGrp="1"/>
-          </p:cNvSpPr>
-          <p:nvPr>
-            <p:ph idx="1"/>
-          </p:nvPr>
-        </p:nvSpPr>
-        <p:spPr>
-          <a:xfrm>
-            <a:off x="838200" y="1535185"/>
-            <a:ext cx="10515600" cy="4641778"/>
-          </a:xfrm>
-        </p:spPr>
-        <p:txBody>
-          <a:bodyPr>
-            <a:normAutofit lnSpcReduction="10000"/>
-          </a:bodyPr>
-          <a:lstStyle/>
-          <a:p>
-            <a:r>
-              <a:rPr lang="en-US" dirty="0"/>
-              <a:t>Create a GUI for easy usage of the lookup and processing system</a:t>
-            </a:r>
-          </a:p>
-          <a:p>
-            <a:r>
-              <a:rPr lang="en-US" dirty="0"/>
-              <a:t>Update the </a:t>
-            </a:r>
-            <a:r>
-              <a:rPr lang="en-US" dirty="0" err="1"/>
-              <a:t>mySQL</a:t>
-            </a:r>
-            <a:r>
-              <a:rPr lang="en-US" dirty="0"/>
-              <a:t> server from 5.1.73 to 5.5 or later to allow python3 tools to access data</a:t>
-            </a:r>
-          </a:p>
-          <a:p>
-            <a:r>
-              <a:rPr lang="en-US" dirty="0"/>
-              <a:t>Possibly streamline SQL query to reduce data retrieval time to almost zero OR make local storage and fetch only new data</a:t>
-            </a:r>
-          </a:p>
-          <a:p>
-            <a:r>
-              <a:rPr lang="en-US" dirty="0"/>
-              <a:t>Make the process more modular, in case it is needed to integrate with another system</a:t>
-            </a:r>
-          </a:p>
-          <a:p>
-            <a:r>
-              <a:rPr lang="en-US" dirty="0"/>
-              <a:t>Tweak low-count sessions to give more accurate results by defining start and stop times from dust source settings. </a:t>
-            </a:r>
-          </a:p>
-          <a:p>
-            <a:r>
-              <a:rPr lang="en-US" dirty="0"/>
-              <a:t>Fix the runtime table of the database with this information, or replace it with a session table. </a:t>
-            </a:r>
-          </a:p>
-          <a:p>
-            <a:endParaRPr lang="en-US" dirty="0"/>
-          </a:p>
-        </p:txBody>
-      </p:sp>
-    </p:spTree>
-    <p:extLst>
-      <p:ext uri="{BB962C8B-B14F-4D97-AF65-F5344CB8AC3E}">
-        <p14:creationId xmlns:p14="http://schemas.microsoft.com/office/powerpoint/2010/main" val="3758535720"/>
-      </p:ext>
-    </p:extLst>
-  </p:cSld>
-  <p:clrMapOvr>
-    <a:masterClrMapping/>
-  </p:clrMapOvr>
-</p:sld>
-</file>
-
-<file path=ppt/slides/slide19.xml><?xml version="1.0" encoding="utf-8"?>
-<p:sld xmlns:a="http://schemas.openxmlformats.org/drawingml/2006/main" xmlns:r="http://schemas.openxmlformats.org/officeDocument/2006/relationships" xmlns:p="http://schemas.openxmlformats.org/presentationml/2006/main">
-  <p:cSld>
-    <p:spTree>
-      <p:nvGrpSpPr>
-        <p:cNvPr id="1" name=""/>
-        <p:cNvGrpSpPr/>
-        <p:nvPr/>
-      </p:nvGrpSpPr>
-      <p:grpSpPr>
-        <a:xfrm>
-          <a:off x="0" y="0"/>
-          <a:ext cx="0" cy="0"/>
-          <a:chOff x="0" y="0"/>
-          <a:chExt cx="0" cy="0"/>
-        </a:xfrm>
-      </p:grpSpPr>
-      <p:sp>
-        <p:nvSpPr>
-          <p:cNvPr id="2" name="Title 1">
-            <a:extLst>
-              <a:ext uri="{FF2B5EF4-FFF2-40B4-BE49-F238E27FC236}">
-                <a16:creationId xmlns:a16="http://schemas.microsoft.com/office/drawing/2014/main" id="{12973E94-8D3C-46AA-8F2D-919A57736381}"/>
-              </a:ext>
-            </a:extLst>
-          </p:cNvPr>
-          <p:cNvSpPr>
-            <a:spLocks noGrp="1"/>
-          </p:cNvSpPr>
-          <p:nvPr>
-            <p:ph type="title"/>
-          </p:nvPr>
-        </p:nvSpPr>
-        <p:spPr/>
-        <p:txBody>
-          <a:bodyPr/>
-          <a:lstStyle/>
-          <a:p>
-            <a:r>
-              <a:rPr lang="en-US" dirty="0"/>
-              <a:t>Improvements</a:t>
-            </a:r>
-          </a:p>
-        </p:txBody>
-      </p:sp>
-      <p:sp>
-        <p:nvSpPr>
-          <p:cNvPr id="3" name="Content Placeholder 2">
-            <a:extLst>
-              <a:ext uri="{FF2B5EF4-FFF2-40B4-BE49-F238E27FC236}">
-                <a16:creationId xmlns:a16="http://schemas.microsoft.com/office/drawing/2014/main" id="{8EF7DD2C-782C-4902-B83B-E2F138D7615B}"/>
-              </a:ext>
-            </a:extLst>
-          </p:cNvPr>
-          <p:cNvSpPr>
-            <a:spLocks noGrp="1"/>
-          </p:cNvSpPr>
-          <p:nvPr>
-            <p:ph idx="1"/>
-          </p:nvPr>
-        </p:nvSpPr>
-        <p:spPr/>
-        <p:txBody>
-          <a:bodyPr>
-            <a:normAutofit/>
-          </a:bodyPr>
-          <a:lstStyle/>
-          <a:p>
-            <a:r>
-              <a:rPr lang="en-US" dirty="0"/>
-              <a:t>LabVIEW GUI</a:t>
-            </a:r>
-          </a:p>
-          <a:p>
-            <a:pPr lvl="1"/>
-            <a:r>
-              <a:rPr lang="en-US" dirty="0"/>
-              <a:t>Design Iteration</a:t>
-            </a:r>
-          </a:p>
-          <a:p>
-            <a:pPr lvl="1"/>
-            <a:r>
-              <a:rPr lang="en-US" dirty="0"/>
-              <a:t>Control fixation</a:t>
-            </a:r>
-          </a:p>
-          <a:p>
-            <a:pPr lvl="1"/>
-            <a:r>
-              <a:rPr lang="en-US" dirty="0"/>
-              <a:t>Backend validation</a:t>
-            </a:r>
-          </a:p>
-          <a:p>
-            <a:pPr lvl="1"/>
-            <a:r>
-              <a:rPr lang="en-US" dirty="0"/>
-              <a:t>Python integration</a:t>
-            </a:r>
-          </a:p>
-          <a:p>
-            <a:pPr lvl="1"/>
-            <a:r>
-              <a:rPr lang="en-US" dirty="0"/>
-              <a:t>Graphics generation</a:t>
-            </a:r>
-          </a:p>
-          <a:p>
-            <a:r>
-              <a:rPr lang="en-US" dirty="0"/>
-              <a:t>Windows setup tools</a:t>
-            </a:r>
-          </a:p>
-          <a:p>
-            <a:r>
-              <a:rPr lang="en-US" dirty="0"/>
-              <a:t>Python documentation and README</a:t>
-            </a:r>
-          </a:p>
-          <a:p>
-            <a:endParaRPr lang="en-US" dirty="0"/>
-          </a:p>
-          <a:p>
-            <a:endParaRPr lang="en-US" dirty="0"/>
-          </a:p>
-        </p:txBody>
-      </p:sp>
-    </p:spTree>
-    <p:extLst>
-      <p:ext uri="{BB962C8B-B14F-4D97-AF65-F5344CB8AC3E}">
-        <p14:creationId xmlns:p14="http://schemas.microsoft.com/office/powerpoint/2010/main" val="1323231805"/>
-      </p:ext>
-    </p:extLst>
-  </p:cSld>
-  <p:clrMapOvr>
-    <a:masterClrMapping/>
-  </p:clrMapOvr>
-</p:sld>
-</file>
-
-<file path=ppt/slides/slide2.xml><?xml version="1.0" encoding="utf-8"?>
-<p:sld xmlns:a="http://schemas.openxmlformats.org/drawingml/2006/main" xmlns:r="http://schemas.openxmlformats.org/officeDocument/2006/relationships" xmlns:p="http://schemas.openxmlformats.org/presentationml/2006/main">
-  <p:cSld>
-    <p:spTree>
-      <p:nvGrpSpPr>
-        <p:cNvPr id="1" name=""/>
-        <p:cNvGrpSpPr/>
-        <p:nvPr/>
-      </p:nvGrpSpPr>
-      <p:grpSpPr>
-        <a:xfrm>
-          <a:off x="0" y="0"/>
-          <a:ext cx="0" cy="0"/>
-          <a:chOff x="0" y="0"/>
-          <a:chExt cx="0" cy="0"/>
-        </a:xfrm>
-      </p:grpSpPr>
-      <p:sp>
-        <p:nvSpPr>
-          <p:cNvPr id="2" name="Title 1">
-            <a:extLst>
-              <a:ext uri="{FF2B5EF4-FFF2-40B4-BE49-F238E27FC236}">
-                <a16:creationId xmlns:a16="http://schemas.microsoft.com/office/drawing/2014/main" id="{8E715D5D-9F80-4CAC-90F0-3AB27B1D188F}"/>
-              </a:ext>
-            </a:extLst>
-          </p:cNvPr>
-          <p:cNvSpPr>
-            <a:spLocks noGrp="1"/>
-          </p:cNvSpPr>
-          <p:nvPr>
-            <p:ph type="title"/>
-          </p:nvPr>
-        </p:nvSpPr>
-        <p:spPr/>
-        <p:txBody>
-          <a:bodyPr>
-            <a:normAutofit/>
-          </a:bodyPr>
-          <a:lstStyle/>
-          <a:p>
-            <a:r>
-              <a:rPr lang="en-US" sz="4800" dirty="0"/>
-              <a:t>Project</a:t>
-            </a:r>
-            <a:r>
-              <a:rPr lang="en-US" sz="5400" dirty="0"/>
-              <a:t> </a:t>
-            </a:r>
-            <a:r>
-              <a:rPr lang="en-US" sz="4800" dirty="0"/>
-              <a:t>Requirements</a:t>
-            </a:r>
-            <a:r>
-              <a:rPr lang="en-US" sz="5400" dirty="0"/>
-              <a:t>	</a:t>
-            </a:r>
-          </a:p>
-        </p:txBody>
-      </p:sp>
-      <p:sp>
-        <p:nvSpPr>
-          <p:cNvPr id="3" name="Content Placeholder 2">
-            <a:extLst>
-              <a:ext uri="{FF2B5EF4-FFF2-40B4-BE49-F238E27FC236}">
-                <a16:creationId xmlns:a16="http://schemas.microsoft.com/office/drawing/2014/main" id="{A9577D8B-34A1-4A21-8B87-99BD02D3E960}"/>
-              </a:ext>
-            </a:extLst>
-          </p:cNvPr>
-          <p:cNvSpPr>
-            <a:spLocks noGrp="1"/>
-          </p:cNvSpPr>
-          <p:nvPr>
-            <p:ph idx="1"/>
-          </p:nvPr>
-        </p:nvSpPr>
-        <p:spPr/>
-        <p:txBody>
-          <a:bodyPr>
-            <a:normAutofit/>
-          </a:bodyPr>
-          <a:lstStyle/>
-          <a:p>
-            <a:r>
-              <a:rPr lang="en-US" dirty="0"/>
-              <a:t>Get rate of valid dust events per hour from database data</a:t>
-            </a:r>
-          </a:p>
-          <a:p>
-            <a:r>
-              <a:rPr lang="en-US" dirty="0"/>
-              <a:t>Obtain data directly from the MySQL database</a:t>
-            </a:r>
-          </a:p>
-          <a:p>
-            <a:r>
-              <a:rPr lang="en-US" dirty="0"/>
-              <a:t>Searchable by velocity range, dust material, specific dust ID, date range, and given experiment ID</a:t>
-            </a:r>
-          </a:p>
-          <a:p>
-            <a:r>
-              <a:rPr lang="en-US" dirty="0"/>
-              <a:t>Graphical Interface for ease of use</a:t>
-            </a:r>
-          </a:p>
-        </p:txBody>
-      </p:sp>
-    </p:spTree>
-    <p:extLst>
-      <p:ext uri="{BB962C8B-B14F-4D97-AF65-F5344CB8AC3E}">
-        <p14:creationId xmlns:p14="http://schemas.microsoft.com/office/powerpoint/2010/main" val="304829104"/>
-      </p:ext>
-    </p:extLst>
-  </p:cSld>
-  <p:clrMapOvr>
-    <a:masterClrMapping/>
-  </p:clrMapOvr>
-</p:sld>
-</file>
-
-<file path=ppt/slides/slide20.xml><?xml version="1.0" encoding="utf-8"?>
-<p:sld xmlns:a="http://schemas.openxmlformats.org/drawingml/2006/main" xmlns:r="http://schemas.openxmlformats.org/officeDocument/2006/relationships" xmlns:p="http://schemas.openxmlformats.org/presentationml/2006/main">
-  <p:cSld>
-    <p:spTree>
-      <p:nvGrpSpPr>
-        <p:cNvPr id="1" name=""/>
-        <p:cNvGrpSpPr/>
-        <p:nvPr/>
-      </p:nvGrpSpPr>
-      <p:grpSpPr>
-        <a:xfrm>
-          <a:off x="0" y="0"/>
-          <a:ext cx="0" cy="0"/>
-          <a:chOff x="0" y="0"/>
-          <a:chExt cx="0" cy="0"/>
-        </a:xfrm>
-      </p:grpSpPr>
-      <p:sp>
-        <p:nvSpPr>
-          <p:cNvPr id="2" name="Title 1">
-            <a:extLst>
-              <a:ext uri="{FF2B5EF4-FFF2-40B4-BE49-F238E27FC236}">
-                <a16:creationId xmlns:a16="http://schemas.microsoft.com/office/drawing/2014/main" id="{D4C99E6C-30DA-49FF-AE43-75F69309BB26}"/>
-              </a:ext>
-            </a:extLst>
-          </p:cNvPr>
-          <p:cNvSpPr>
-            <a:spLocks noGrp="1"/>
-          </p:cNvSpPr>
-          <p:nvPr>
-            <p:ph type="title"/>
-          </p:nvPr>
-        </p:nvSpPr>
-        <p:spPr/>
-        <p:txBody>
-          <a:bodyPr/>
-          <a:lstStyle/>
-          <a:p>
-            <a:r>
-              <a:rPr lang="en-US" dirty="0"/>
-              <a:t>Work Going Forward</a:t>
-            </a:r>
-          </a:p>
-        </p:txBody>
-      </p:sp>
-      <p:sp>
-        <p:nvSpPr>
-          <p:cNvPr id="3" name="Content Placeholder 2">
-            <a:extLst>
-              <a:ext uri="{FF2B5EF4-FFF2-40B4-BE49-F238E27FC236}">
-                <a16:creationId xmlns:a16="http://schemas.microsoft.com/office/drawing/2014/main" id="{4A717BA5-ACC9-4A06-B9C3-5C183950F6BC}"/>
-              </a:ext>
-            </a:extLst>
-          </p:cNvPr>
-          <p:cNvSpPr>
-            <a:spLocks noGrp="1"/>
-          </p:cNvSpPr>
-          <p:nvPr>
-            <p:ph idx="1"/>
-          </p:nvPr>
-        </p:nvSpPr>
-        <p:spPr/>
-        <p:txBody>
-          <a:bodyPr/>
-          <a:lstStyle/>
-          <a:p>
-            <a:r>
-              <a:rPr lang="en-US" dirty="0"/>
-              <a:t>Mac/Linux executable setups</a:t>
-            </a:r>
-          </a:p>
-          <a:p>
-            <a:r>
-              <a:rPr lang="en-US" dirty="0"/>
-              <a:t>Mac/Linux LabVIEW Executables</a:t>
-            </a:r>
-          </a:p>
-          <a:p>
-            <a:r>
-              <a:rPr lang="en-US" dirty="0"/>
-              <a:t>LabVIEW Documentation</a:t>
-            </a:r>
-          </a:p>
-          <a:p>
-            <a:r>
-              <a:rPr lang="en-US" dirty="0"/>
-              <a:t>Other database insights?</a:t>
-            </a:r>
-          </a:p>
-          <a:p>
-            <a:pPr lvl="1"/>
-            <a:r>
-              <a:rPr lang="en-US" dirty="0"/>
-              <a:t>Optimal Rate</a:t>
-            </a:r>
-          </a:p>
-          <a:p>
-            <a:r>
-              <a:rPr lang="en-US" dirty="0"/>
-              <a:t>Setup for connection to external MySQL server</a:t>
-            </a:r>
-          </a:p>
-        </p:txBody>
-      </p:sp>
-    </p:spTree>
-    <p:extLst>
-      <p:ext uri="{BB962C8B-B14F-4D97-AF65-F5344CB8AC3E}">
-        <p14:creationId xmlns:p14="http://schemas.microsoft.com/office/powerpoint/2010/main" val="3510450141"/>
-      </p:ext>
-    </p:extLst>
-  </p:cSld>
-  <p:clrMapOvr>
-    <a:masterClrMapping/>
-  </p:clrMapOvr>
-</p:sld>
-</file>
-
-<file path=ppt/slides/slide21.xml><?xml version="1.0" encoding="utf-8"?>
-<p:sld xmlns:a="http://schemas.openxmlformats.org/drawingml/2006/main" xmlns:r="http://schemas.openxmlformats.org/officeDocument/2006/relationships" xmlns:p="http://schemas.openxmlformats.org/presentationml/2006/main">
-  <p:cSld>
-    <p:spTree>
-      <p:nvGrpSpPr>
-        <p:cNvPr id="1" name=""/>
-        <p:cNvGrpSpPr/>
-        <p:nvPr/>
-      </p:nvGrpSpPr>
-      <p:grpSpPr>
-        <a:xfrm>
-          <a:off x="0" y="0"/>
-          <a:ext cx="0" cy="0"/>
-          <a:chOff x="0" y="0"/>
-          <a:chExt cx="0" cy="0"/>
-        </a:xfrm>
-      </p:grpSpPr>
-      <p:sp>
-        <p:nvSpPr>
-          <p:cNvPr id="2" name="Title 1">
-            <a:extLst>
-              <a:ext uri="{FF2B5EF4-FFF2-40B4-BE49-F238E27FC236}">
-                <a16:creationId xmlns:a16="http://schemas.microsoft.com/office/drawing/2014/main" id="{A5A5A45C-9CDB-402B-9B96-636F218992E7}"/>
-              </a:ext>
-            </a:extLst>
-          </p:cNvPr>
-          <p:cNvSpPr>
-            <a:spLocks noGrp="1"/>
-          </p:cNvSpPr>
-          <p:nvPr>
-            <p:ph type="title"/>
-          </p:nvPr>
-        </p:nvSpPr>
-        <p:spPr/>
-        <p:txBody>
-          <a:bodyPr/>
-          <a:lstStyle/>
-          <a:p>
-            <a:r>
-              <a:rPr lang="en-US" dirty="0"/>
-              <a:t>Windows Demo Version</a:t>
-            </a:r>
-          </a:p>
-        </p:txBody>
-      </p:sp>
-      <p:sp>
-        <p:nvSpPr>
-          <p:cNvPr id="3" name="Content Placeholder 2">
-            <a:extLst>
-              <a:ext uri="{FF2B5EF4-FFF2-40B4-BE49-F238E27FC236}">
-                <a16:creationId xmlns:a16="http://schemas.microsoft.com/office/drawing/2014/main" id="{357E6D70-06B2-4F73-9537-B40ADB242EDA}"/>
-              </a:ext>
-            </a:extLst>
-          </p:cNvPr>
-          <p:cNvSpPr>
-            <a:spLocks noGrp="1"/>
-          </p:cNvSpPr>
-          <p:nvPr>
-            <p:ph idx="1"/>
-          </p:nvPr>
-        </p:nvSpPr>
-        <p:spPr/>
-        <p:txBody>
-          <a:bodyPr/>
-          <a:lstStyle/>
-          <a:p>
-            <a:r>
-              <a:rPr lang="en-US" dirty="0">
-                <a:hlinkClick r:id="rId2"/>
-              </a:rPr>
-              <a:t>https://bit.ly/2Z7DOXY</a:t>
-            </a:r>
-            <a:endParaRPr lang="en-US" dirty="0"/>
-          </a:p>
-          <a:p>
-            <a:r>
-              <a:rPr lang="en-US" dirty="0"/>
-              <a:t>Clone my GitHub repository, use the Demo folder specifically</a:t>
-            </a:r>
-          </a:p>
-          <a:p>
-            <a:r>
-              <a:rPr lang="en-US" dirty="0"/>
-              <a:t>Executable and Setup tools are only Windows compatible, .vi files are available in the main folder</a:t>
-            </a:r>
-          </a:p>
-          <a:p>
-            <a:r>
-              <a:rPr lang="en-US" dirty="0"/>
-              <a:t>Demo pulls from saved data included in the .</a:t>
-            </a:r>
-            <a:r>
-              <a:rPr lang="en-US" dirty="0" err="1"/>
-              <a:t>pkl</a:t>
-            </a:r>
-            <a:r>
-              <a:rPr lang="en-US" dirty="0"/>
-              <a:t> file, no need to draw from database</a:t>
-            </a:r>
-          </a:p>
-          <a:p>
-            <a:endParaRPr lang="en-US" dirty="0"/>
-          </a:p>
-        </p:txBody>
-      </p:sp>
-    </p:spTree>
-    <p:extLst>
-      <p:ext uri="{BB962C8B-B14F-4D97-AF65-F5344CB8AC3E}">
-        <p14:creationId xmlns:p14="http://schemas.microsoft.com/office/powerpoint/2010/main" val="1505682374"/>
-      </p:ext>
-    </p:extLst>
-  </p:cSld>
-  <p:clrMapOvr>
-    <a:masterClrMapping/>
-  </p:clrMapOvr>
-</p:sld>
-</file>
-
-<file path=ppt/slides/slide22.xml><?xml version="1.0" encoding="utf-8"?>
-<p:sld xmlns:a="http://schemas.openxmlformats.org/drawingml/2006/main" xmlns:r="http://schemas.openxmlformats.org/officeDocument/2006/relationships" xmlns:p="http://schemas.openxmlformats.org/presentationml/2006/main">
-  <p:cSld>
-    <p:spTree>
-      <p:nvGrpSpPr>
-        <p:cNvPr id="1" name=""/>
-        <p:cNvGrpSpPr/>
-        <p:nvPr/>
-      </p:nvGrpSpPr>
-      <p:grpSpPr>
-        <a:xfrm>
-          <a:off x="0" y="0"/>
-          <a:ext cx="0" cy="0"/>
-          <a:chOff x="0" y="0"/>
-          <a:chExt cx="0" cy="0"/>
-        </a:xfrm>
-      </p:grpSpPr>
-      <p:sp>
-        <p:nvSpPr>
-          <p:cNvPr id="2" name="Title 1">
-            <a:extLst>
-              <a:ext uri="{FF2B5EF4-FFF2-40B4-BE49-F238E27FC236}">
                 <a16:creationId xmlns:a16="http://schemas.microsoft.com/office/drawing/2014/main" id="{5F76F6A8-A427-41B0-B792-B7478FC2F91C}"/>
               </a:ext>
             </a:extLst>
@@ -14703,8 +12664,8 @@
         </p:nvSpPr>
         <p:spPr>
           <a:xfrm>
-            <a:off x="838200" y="3413194"/>
-            <a:ext cx="3439486" cy="923330"/>
+            <a:off x="838200" y="4160706"/>
+            <a:ext cx="3439486" cy="1323439"/>
           </a:xfrm>
           <a:prstGeom prst="rect">
             <a:avLst/>
@@ -14718,20 +12679,26 @@
           <a:lstStyle/>
           <a:p>
             <a:r>
-              <a:rPr lang="en-US" dirty="0"/>
+              <a:rPr lang="en-US" sz="2000" dirty="0"/>
               <a:t>Session</a:t>
             </a:r>
           </a:p>
           <a:p>
             <a:r>
-              <a:rPr lang="en-US" dirty="0"/>
+              <a:rPr lang="en-US" sz="2000" dirty="0"/>
               <a:t>445 dust events in 2 hours</a:t>
             </a:r>
           </a:p>
           <a:p>
             <a:r>
-              <a:rPr lang="en-US" dirty="0"/>
+              <a:rPr lang="en-US" sz="2000" dirty="0"/>
               <a:t>5km/s – 30km/s</a:t>
+            </a:r>
+          </a:p>
+          <a:p>
+            <a:r>
+              <a:rPr lang="en-US" sz="2000" dirty="0"/>
+              <a:t>222.5 events/hour</a:t>
             </a:r>
           </a:p>
         </p:txBody>
@@ -16059,7 +14026,7 @@
           <a:lstStyle/>
           <a:p>
             <a:pPr algn="ctr"/>
-            <a:endParaRPr lang="en-US"/>
+            <a:endParaRPr lang="en-US" dirty="0"/>
           </a:p>
         </p:txBody>
       </p:sp>
@@ -16078,7 +14045,7 @@
         <p:spPr>
           <a:xfrm>
             <a:off x="724560" y="1685835"/>
-            <a:ext cx="3784126" cy="1200329"/>
+            <a:ext cx="3784126" cy="1938992"/>
           </a:xfrm>
           <a:prstGeom prst="rect">
             <a:avLst/>
@@ -16092,8 +14059,8 @@
           <a:lstStyle/>
           <a:p>
             <a:r>
-              <a:rPr lang="en-US" dirty="0"/>
-              <a:t>Performance Factor is a measure of how the session compares to a hypothetical session that follows the mean of the rate data.</a:t>
+              <a:rPr lang="en-US" sz="2000" dirty="0"/>
+              <a:t>For example, a session with the following characteristics is compared to the expected rate, and the performance factor is the rate, divided by the sum of the blue area between the lines</a:t>
             </a:r>
           </a:p>
         </p:txBody>
@@ -16102,6 +14069,512 @@
     <p:extLst>
       <p:ext uri="{BB962C8B-B14F-4D97-AF65-F5344CB8AC3E}">
         <p14:creationId xmlns:p14="http://schemas.microsoft.com/office/powerpoint/2010/main" val="891354714"/>
+      </p:ext>
+    </p:extLst>
+  </p:cSld>
+  <p:clrMapOvr>
+    <a:masterClrMapping/>
+  </p:clrMapOvr>
+</p:sld>
+</file>
+
+<file path=ppt/slides/slide18.xml><?xml version="1.0" encoding="utf-8"?>
+<p:sld xmlns:a="http://schemas.openxmlformats.org/drawingml/2006/main" xmlns:r="http://schemas.openxmlformats.org/officeDocument/2006/relationships" xmlns:p="http://schemas.openxmlformats.org/presentationml/2006/main">
+  <p:cSld>
+    <p:spTree>
+      <p:nvGrpSpPr>
+        <p:cNvPr id="1" name=""/>
+        <p:cNvGrpSpPr/>
+        <p:nvPr/>
+      </p:nvGrpSpPr>
+      <p:grpSpPr>
+        <a:xfrm>
+          <a:off x="0" y="0"/>
+          <a:ext cx="0" cy="0"/>
+          <a:chOff x="0" y="0"/>
+          <a:chExt cx="0" cy="0"/>
+        </a:xfrm>
+      </p:grpSpPr>
+      <p:pic>
+        <p:nvPicPr>
+          <p:cNvPr id="5" name="Picture 4" descr="A picture containing screenshot&#10;&#10;Description automatically generated">
+            <a:extLst>
+              <a:ext uri="{FF2B5EF4-FFF2-40B4-BE49-F238E27FC236}">
+                <a16:creationId xmlns:a16="http://schemas.microsoft.com/office/drawing/2014/main" id="{10A4C676-9D95-4F77-8D7F-963DB49ADEAB}"/>
+              </a:ext>
+            </a:extLst>
+          </p:cNvPr>
+          <p:cNvPicPr>
+            <a:picLocks noChangeAspect="1"/>
+          </p:cNvPicPr>
+          <p:nvPr/>
+        </p:nvPicPr>
+        <p:blipFill>
+          <a:blip r:embed="rId2">
+            <a:extLst>
+              <a:ext uri="{28A0092B-C50C-407E-A947-70E740481C1C}">
+                <a14:useLocalDpi xmlns:a14="http://schemas.microsoft.com/office/drawing/2010/main" val="0"/>
+              </a:ext>
+            </a:extLst>
+          </a:blip>
+          <a:stretch>
+            <a:fillRect/>
+          </a:stretch>
+        </p:blipFill>
+        <p:spPr>
+          <a:xfrm>
+            <a:off x="419450" y="401506"/>
+            <a:ext cx="11772550" cy="6278694"/>
+          </a:xfrm>
+          <a:prstGeom prst="rect">
+            <a:avLst/>
+          </a:prstGeom>
+        </p:spPr>
+      </p:pic>
+      <p:sp>
+        <p:nvSpPr>
+          <p:cNvPr id="2" name="Title 1">
+            <a:extLst>
+              <a:ext uri="{FF2B5EF4-FFF2-40B4-BE49-F238E27FC236}">
+                <a16:creationId xmlns:a16="http://schemas.microsoft.com/office/drawing/2014/main" id="{23B0CD1D-94F3-44CA-AF8A-916778F408DA}"/>
+              </a:ext>
+            </a:extLst>
+          </p:cNvPr>
+          <p:cNvSpPr>
+            <a:spLocks noGrp="1"/>
+          </p:cNvSpPr>
+          <p:nvPr>
+            <p:ph type="title"/>
+          </p:nvPr>
+        </p:nvSpPr>
+        <p:spPr>
+          <a:xfrm>
+            <a:off x="3782736" y="0"/>
+            <a:ext cx="10515600" cy="1325563"/>
+          </a:xfrm>
+        </p:spPr>
+        <p:txBody>
+          <a:bodyPr/>
+          <a:lstStyle/>
+          <a:p>
+            <a:r>
+              <a:rPr lang="en-US" dirty="0"/>
+              <a:t>Performance Distribution</a:t>
+            </a:r>
+          </a:p>
+        </p:txBody>
+      </p:sp>
+    </p:spTree>
+    <p:extLst>
+      <p:ext uri="{BB962C8B-B14F-4D97-AF65-F5344CB8AC3E}">
+        <p14:creationId xmlns:p14="http://schemas.microsoft.com/office/powerpoint/2010/main" val="3576612028"/>
+      </p:ext>
+    </p:extLst>
+  </p:cSld>
+  <p:clrMapOvr>
+    <a:masterClrMapping/>
+  </p:clrMapOvr>
+</p:sld>
+</file>
+
+<file path=ppt/slides/slide19.xml><?xml version="1.0" encoding="utf-8"?>
+<p:sld xmlns:a="http://schemas.openxmlformats.org/drawingml/2006/main" xmlns:r="http://schemas.openxmlformats.org/officeDocument/2006/relationships" xmlns:p="http://schemas.openxmlformats.org/presentationml/2006/main">
+  <p:cSld>
+    <p:spTree>
+      <p:nvGrpSpPr>
+        <p:cNvPr id="1" name=""/>
+        <p:cNvGrpSpPr/>
+        <p:nvPr/>
+      </p:nvGrpSpPr>
+      <p:grpSpPr>
+        <a:xfrm>
+          <a:off x="0" y="0"/>
+          <a:ext cx="0" cy="0"/>
+          <a:chOff x="0" y="0"/>
+          <a:chExt cx="0" cy="0"/>
+        </a:xfrm>
+      </p:grpSpPr>
+      <p:pic>
+        <p:nvPicPr>
+          <p:cNvPr id="7" name="Content Placeholder 6" descr="A screenshot of a cell phone&#10;&#10;Description automatically generated">
+            <a:extLst>
+              <a:ext uri="{FF2B5EF4-FFF2-40B4-BE49-F238E27FC236}">
+                <a16:creationId xmlns:a16="http://schemas.microsoft.com/office/drawing/2014/main" id="{DA9A2D2B-0CF0-4542-A227-3882BA199E60}"/>
+              </a:ext>
+            </a:extLst>
+          </p:cNvPr>
+          <p:cNvPicPr>
+            <a:picLocks noGrp="1" noChangeAspect="1"/>
+          </p:cNvPicPr>
+          <p:nvPr>
+            <p:ph idx="1"/>
+          </p:nvPr>
+        </p:nvPicPr>
+        <p:blipFill>
+          <a:blip r:embed="rId2">
+            <a:extLst>
+              <a:ext uri="{28A0092B-C50C-407E-A947-70E740481C1C}">
+                <a14:useLocalDpi xmlns:a14="http://schemas.microsoft.com/office/drawing/2010/main" val="0"/>
+              </a:ext>
+            </a:extLst>
+          </a:blip>
+          <a:stretch>
+            <a:fillRect/>
+          </a:stretch>
+        </p:blipFill>
+        <p:spPr>
+          <a:xfrm>
+            <a:off x="338455" y="140864"/>
+            <a:ext cx="11515089" cy="6717136"/>
+          </a:xfrm>
+        </p:spPr>
+      </p:pic>
+    </p:spTree>
+    <p:extLst>
+      <p:ext uri="{BB962C8B-B14F-4D97-AF65-F5344CB8AC3E}">
+        <p14:creationId xmlns:p14="http://schemas.microsoft.com/office/powerpoint/2010/main" val="2302028446"/>
+      </p:ext>
+    </p:extLst>
+  </p:cSld>
+  <p:clrMapOvr>
+    <a:masterClrMapping/>
+  </p:clrMapOvr>
+</p:sld>
+</file>
+
+<file path=ppt/slides/slide2.xml><?xml version="1.0" encoding="utf-8"?>
+<p:sld xmlns:a="http://schemas.openxmlformats.org/drawingml/2006/main" xmlns:r="http://schemas.openxmlformats.org/officeDocument/2006/relationships" xmlns:p="http://schemas.openxmlformats.org/presentationml/2006/main">
+  <p:cSld>
+    <p:spTree>
+      <p:nvGrpSpPr>
+        <p:cNvPr id="1" name=""/>
+        <p:cNvGrpSpPr/>
+        <p:nvPr/>
+      </p:nvGrpSpPr>
+      <p:grpSpPr>
+        <a:xfrm>
+          <a:off x="0" y="0"/>
+          <a:ext cx="0" cy="0"/>
+          <a:chOff x="0" y="0"/>
+          <a:chExt cx="0" cy="0"/>
+        </a:xfrm>
+      </p:grpSpPr>
+      <p:sp>
+        <p:nvSpPr>
+          <p:cNvPr id="2" name="Title 1">
+            <a:extLst>
+              <a:ext uri="{FF2B5EF4-FFF2-40B4-BE49-F238E27FC236}">
+                <a16:creationId xmlns:a16="http://schemas.microsoft.com/office/drawing/2014/main" id="{8E715D5D-9F80-4CAC-90F0-3AB27B1D188F}"/>
+              </a:ext>
+            </a:extLst>
+          </p:cNvPr>
+          <p:cNvSpPr>
+            <a:spLocks noGrp="1"/>
+          </p:cNvSpPr>
+          <p:nvPr>
+            <p:ph type="title"/>
+          </p:nvPr>
+        </p:nvSpPr>
+        <p:spPr/>
+        <p:txBody>
+          <a:bodyPr>
+            <a:normAutofit/>
+          </a:bodyPr>
+          <a:lstStyle/>
+          <a:p>
+            <a:r>
+              <a:rPr lang="en-US" sz="4800" dirty="0"/>
+              <a:t>Project</a:t>
+            </a:r>
+            <a:r>
+              <a:rPr lang="en-US" sz="5400" dirty="0"/>
+              <a:t> </a:t>
+            </a:r>
+            <a:r>
+              <a:rPr lang="en-US" sz="4800" dirty="0"/>
+              <a:t>Requirements</a:t>
+            </a:r>
+            <a:r>
+              <a:rPr lang="en-US" sz="5400" dirty="0"/>
+              <a:t>	</a:t>
+            </a:r>
+          </a:p>
+        </p:txBody>
+      </p:sp>
+      <p:sp>
+        <p:nvSpPr>
+          <p:cNvPr id="3" name="Content Placeholder 2">
+            <a:extLst>
+              <a:ext uri="{FF2B5EF4-FFF2-40B4-BE49-F238E27FC236}">
+                <a16:creationId xmlns:a16="http://schemas.microsoft.com/office/drawing/2014/main" id="{A9577D8B-34A1-4A21-8B87-99BD02D3E960}"/>
+              </a:ext>
+            </a:extLst>
+          </p:cNvPr>
+          <p:cNvSpPr>
+            <a:spLocks noGrp="1"/>
+          </p:cNvSpPr>
+          <p:nvPr>
+            <p:ph idx="1"/>
+          </p:nvPr>
+        </p:nvSpPr>
+        <p:spPr/>
+        <p:txBody>
+          <a:bodyPr>
+            <a:normAutofit/>
+          </a:bodyPr>
+          <a:lstStyle/>
+          <a:p>
+            <a:r>
+              <a:rPr lang="en-US" dirty="0"/>
+              <a:t>Get rate of valid dust events per hour from database data</a:t>
+            </a:r>
+          </a:p>
+          <a:p>
+            <a:r>
+              <a:rPr lang="en-US" dirty="0"/>
+              <a:t>Obtain data directly from the MySQL database</a:t>
+            </a:r>
+          </a:p>
+          <a:p>
+            <a:r>
+              <a:rPr lang="en-US" dirty="0"/>
+              <a:t>Searchable by velocity range, dust material, specific dust IDs, date range, mass, and given experiment IDs</a:t>
+            </a:r>
+          </a:p>
+          <a:p>
+            <a:r>
+              <a:rPr lang="en-US" dirty="0"/>
+              <a:t>Graphical Interface for ease of use through LabVIEW</a:t>
+            </a:r>
+          </a:p>
+        </p:txBody>
+      </p:sp>
+    </p:spTree>
+    <p:extLst>
+      <p:ext uri="{BB962C8B-B14F-4D97-AF65-F5344CB8AC3E}">
+        <p14:creationId xmlns:p14="http://schemas.microsoft.com/office/powerpoint/2010/main" val="304829104"/>
+      </p:ext>
+    </p:extLst>
+  </p:cSld>
+  <p:clrMapOvr>
+    <a:masterClrMapping/>
+  </p:clrMapOvr>
+</p:sld>
+</file>
+
+<file path=ppt/slides/slide20.xml><?xml version="1.0" encoding="utf-8"?>
+<p:sld xmlns:a="http://schemas.openxmlformats.org/drawingml/2006/main" xmlns:r="http://schemas.openxmlformats.org/officeDocument/2006/relationships" xmlns:p="http://schemas.openxmlformats.org/presentationml/2006/main">
+  <p:cSld>
+    <p:spTree>
+      <p:nvGrpSpPr>
+        <p:cNvPr id="1" name=""/>
+        <p:cNvGrpSpPr/>
+        <p:nvPr/>
+      </p:nvGrpSpPr>
+      <p:grpSpPr>
+        <a:xfrm>
+          <a:off x="0" y="0"/>
+          <a:ext cx="0" cy="0"/>
+          <a:chOff x="0" y="0"/>
+          <a:chExt cx="0" cy="0"/>
+        </a:xfrm>
+      </p:grpSpPr>
+      <p:sp>
+        <p:nvSpPr>
+          <p:cNvPr id="2" name="Title 1">
+            <a:extLst>
+              <a:ext uri="{FF2B5EF4-FFF2-40B4-BE49-F238E27FC236}">
+                <a16:creationId xmlns:a16="http://schemas.microsoft.com/office/drawing/2014/main" id="{48B8DEBA-77FD-4500-8AE7-C8D197EA0995}"/>
+              </a:ext>
+            </a:extLst>
+          </p:cNvPr>
+          <p:cNvSpPr>
+            <a:spLocks noGrp="1"/>
+          </p:cNvSpPr>
+          <p:nvPr>
+            <p:ph type="title"/>
+          </p:nvPr>
+        </p:nvSpPr>
+        <p:spPr/>
+        <p:txBody>
+          <a:bodyPr/>
+          <a:lstStyle/>
+          <a:p>
+            <a:r>
+              <a:rPr lang="en-US" dirty="0"/>
+              <a:t>Heatmaps</a:t>
+            </a:r>
+          </a:p>
+        </p:txBody>
+      </p:sp>
+      <p:sp>
+        <p:nvSpPr>
+          <p:cNvPr id="3" name="Content Placeholder 2">
+            <a:extLst>
+              <a:ext uri="{FF2B5EF4-FFF2-40B4-BE49-F238E27FC236}">
+                <a16:creationId xmlns:a16="http://schemas.microsoft.com/office/drawing/2014/main" id="{A5879E61-CA68-439A-93BE-377BA0FF8461}"/>
+              </a:ext>
+            </a:extLst>
+          </p:cNvPr>
+          <p:cNvSpPr>
+            <a:spLocks noGrp="1"/>
+          </p:cNvSpPr>
+          <p:nvPr>
+            <p:ph idx="1"/>
+          </p:nvPr>
+        </p:nvSpPr>
+        <p:spPr/>
+        <p:txBody>
+          <a:bodyPr/>
+          <a:lstStyle/>
+          <a:p>
+            <a:r>
+              <a:rPr lang="en-US" dirty="0"/>
+              <a:t>The heatmaps are created in a similar fashion to the earlier histograms, now with mass parameters</a:t>
+            </a:r>
+          </a:p>
+          <a:p>
+            <a:r>
+              <a:rPr lang="en-US" dirty="0"/>
+              <a:t>Below are heatmaps for the runtime, particles, and rate. The particle and rate heatmaps are adjusted for their true bin size in (kg)(km/s)</a:t>
+            </a:r>
+          </a:p>
+        </p:txBody>
+      </p:sp>
+    </p:spTree>
+    <p:extLst>
+      <p:ext uri="{BB962C8B-B14F-4D97-AF65-F5344CB8AC3E}">
+        <p14:creationId xmlns:p14="http://schemas.microsoft.com/office/powerpoint/2010/main" val="3453593063"/>
+      </p:ext>
+    </p:extLst>
+  </p:cSld>
+  <p:clrMapOvr>
+    <a:masterClrMapping/>
+  </p:clrMapOvr>
+</p:sld>
+</file>
+
+<file path=ppt/slides/slide21.xml><?xml version="1.0" encoding="utf-8"?>
+<p:sld xmlns:a="http://schemas.openxmlformats.org/drawingml/2006/main" xmlns:r="http://schemas.openxmlformats.org/officeDocument/2006/relationships" xmlns:p="http://schemas.openxmlformats.org/presentationml/2006/main">
+  <p:cSld>
+    <p:spTree>
+      <p:nvGrpSpPr>
+        <p:cNvPr id="1" name=""/>
+        <p:cNvGrpSpPr/>
+        <p:nvPr/>
+      </p:nvGrpSpPr>
+      <p:grpSpPr>
+        <a:xfrm>
+          <a:off x="0" y="0"/>
+          <a:ext cx="0" cy="0"/>
+          <a:chOff x="0" y="0"/>
+          <a:chExt cx="0" cy="0"/>
+        </a:xfrm>
+      </p:grpSpPr>
+      <p:pic>
+        <p:nvPicPr>
+          <p:cNvPr id="5" name="Picture 4" descr="A close up of a map&#10;&#10;Description automatically generated">
+            <a:extLst>
+              <a:ext uri="{FF2B5EF4-FFF2-40B4-BE49-F238E27FC236}">
+                <a16:creationId xmlns:a16="http://schemas.microsoft.com/office/drawing/2014/main" id="{9A690538-9DD6-4A1F-AD8D-20969EFADCBD}"/>
+              </a:ext>
+            </a:extLst>
+          </p:cNvPr>
+          <p:cNvPicPr>
+            <a:picLocks noChangeAspect="1"/>
+          </p:cNvPicPr>
+          <p:nvPr/>
+        </p:nvPicPr>
+        <p:blipFill rotWithShape="1">
+          <a:blip r:embed="rId2">
+            <a:extLst>
+              <a:ext uri="{28A0092B-C50C-407E-A947-70E740481C1C}">
+                <a14:useLocalDpi xmlns:a14="http://schemas.microsoft.com/office/drawing/2010/main" val="0"/>
+              </a:ext>
+            </a:extLst>
+          </a:blip>
+          <a:srcRect l="1639" t="1706" r="45602" b="52000"/>
+          <a:stretch/>
+        </p:blipFill>
+        <p:spPr>
+          <a:xfrm>
+            <a:off x="574088" y="703555"/>
+            <a:ext cx="11043823" cy="5450890"/>
+          </a:xfrm>
+          <a:prstGeom prst="rect">
+            <a:avLst/>
+          </a:prstGeom>
+        </p:spPr>
+      </p:pic>
+    </p:spTree>
+    <p:extLst>
+      <p:ext uri="{BB962C8B-B14F-4D97-AF65-F5344CB8AC3E}">
+        <p14:creationId xmlns:p14="http://schemas.microsoft.com/office/powerpoint/2010/main" val="3159803653"/>
+      </p:ext>
+    </p:extLst>
+  </p:cSld>
+  <p:clrMapOvr>
+    <a:masterClrMapping/>
+  </p:clrMapOvr>
+</p:sld>
+</file>
+
+<file path=ppt/slides/slide22.xml><?xml version="1.0" encoding="utf-8"?>
+<p:sld xmlns:a="http://schemas.openxmlformats.org/drawingml/2006/main" xmlns:r="http://schemas.openxmlformats.org/officeDocument/2006/relationships" xmlns:p="http://schemas.openxmlformats.org/presentationml/2006/main">
+  <p:cSld>
+    <p:spTree>
+      <p:nvGrpSpPr>
+        <p:cNvPr id="1" name=""/>
+        <p:cNvGrpSpPr/>
+        <p:nvPr/>
+      </p:nvGrpSpPr>
+      <p:grpSpPr>
+        <a:xfrm>
+          <a:off x="0" y="0"/>
+          <a:ext cx="0" cy="0"/>
+          <a:chOff x="0" y="0"/>
+          <a:chExt cx="0" cy="0"/>
+        </a:xfrm>
+      </p:grpSpPr>
+      <p:pic>
+        <p:nvPicPr>
+          <p:cNvPr id="5" name="Picture 4" descr="A screenshot of a cell phone&#10;&#10;Description automatically generated">
+            <a:extLst>
+              <a:ext uri="{FF2B5EF4-FFF2-40B4-BE49-F238E27FC236}">
+                <a16:creationId xmlns:a16="http://schemas.microsoft.com/office/drawing/2014/main" id="{1D382DA1-012C-468E-9BDA-95814A76EA88}"/>
+              </a:ext>
+            </a:extLst>
+          </p:cNvPr>
+          <p:cNvPicPr>
+            <a:picLocks noChangeAspect="1"/>
+          </p:cNvPicPr>
+          <p:nvPr/>
+        </p:nvPicPr>
+        <p:blipFill rotWithShape="1">
+          <a:blip r:embed="rId2">
+            <a:extLst>
+              <a:ext uri="{28A0092B-C50C-407E-A947-70E740481C1C}">
+                <a14:useLocalDpi xmlns:a14="http://schemas.microsoft.com/office/drawing/2010/main" val="0"/>
+              </a:ext>
+            </a:extLst>
+          </a:blip>
+          <a:srcRect r="37597" b="46537"/>
+          <a:stretch/>
+        </p:blipFill>
+        <p:spPr>
+          <a:xfrm>
+            <a:off x="-97654" y="612558"/>
+            <a:ext cx="12121479" cy="5841507"/>
+          </a:xfrm>
+          <a:prstGeom prst="rect">
+            <a:avLst/>
+          </a:prstGeom>
+        </p:spPr>
+      </p:pic>
+    </p:spTree>
+    <p:extLst>
+      <p:ext uri="{BB962C8B-B14F-4D97-AF65-F5344CB8AC3E}">
+        <p14:creationId xmlns:p14="http://schemas.microsoft.com/office/powerpoint/2010/main" val="1320094792"/>
       </p:ext>
     </p:extLst>
   </p:cSld>
@@ -16130,10 +14603,10 @@
       </p:grpSpPr>
       <p:pic>
         <p:nvPicPr>
-          <p:cNvPr id="5" name="Picture 4" descr="A picture containing screenshot&#10;&#10;Description automatically generated">
-            <a:extLst>
-              <a:ext uri="{FF2B5EF4-FFF2-40B4-BE49-F238E27FC236}">
-                <a16:creationId xmlns:a16="http://schemas.microsoft.com/office/drawing/2014/main" id="{10A4C676-9D95-4F77-8D7F-963DB49ADEAB}"/>
+          <p:cNvPr id="3" name="Picture 2" descr="A screenshot of a cell phone&#10;&#10;Description automatically generated">
+            <a:extLst>
+              <a:ext uri="{FF2B5EF4-FFF2-40B4-BE49-F238E27FC236}">
+                <a16:creationId xmlns:a16="http://schemas.microsoft.com/office/drawing/2014/main" id="{19A6BE9B-0F07-451D-949A-DB01A7D04FCC}"/>
               </a:ext>
             </a:extLst>
           </p:cNvPr>
@@ -16142,7 +14615,7 @@
           </p:cNvPicPr>
           <p:nvPr/>
         </p:nvPicPr>
-        <p:blipFill>
+        <p:blipFill rotWithShape="1">
           <a:blip r:embed="rId2">
             <a:extLst>
               <a:ext uri="{28A0092B-C50C-407E-A947-70E740481C1C}">
@@ -16150,57 +14623,23 @@
               </a:ext>
             </a:extLst>
           </a:blip>
-          <a:stretch>
-            <a:fillRect/>
-          </a:stretch>
+          <a:srcRect l="5605" t="16989" r="14541" b="15474"/>
+          <a:stretch/>
         </p:blipFill>
         <p:spPr>
           <a:xfrm>
-            <a:off x="419450" y="401506"/>
-            <a:ext cx="11772550" cy="6278694"/>
+            <a:off x="753909" y="793442"/>
+            <a:ext cx="10684182" cy="5271116"/>
           </a:xfrm>
           <a:prstGeom prst="rect">
             <a:avLst/>
           </a:prstGeom>
         </p:spPr>
       </p:pic>
-      <p:sp>
-        <p:nvSpPr>
-          <p:cNvPr id="2" name="Title 1">
-            <a:extLst>
-              <a:ext uri="{FF2B5EF4-FFF2-40B4-BE49-F238E27FC236}">
-                <a16:creationId xmlns:a16="http://schemas.microsoft.com/office/drawing/2014/main" id="{23B0CD1D-94F3-44CA-AF8A-916778F408DA}"/>
-              </a:ext>
-            </a:extLst>
-          </p:cNvPr>
-          <p:cNvSpPr>
-            <a:spLocks noGrp="1"/>
-          </p:cNvSpPr>
-          <p:nvPr>
-            <p:ph type="title"/>
-          </p:nvPr>
-        </p:nvSpPr>
-        <p:spPr>
-          <a:xfrm>
-            <a:off x="3782736" y="0"/>
-            <a:ext cx="10515600" cy="1325563"/>
-          </a:xfrm>
-        </p:spPr>
-        <p:txBody>
-          <a:bodyPr/>
-          <a:lstStyle/>
-          <a:p>
-            <a:r>
-              <a:rPr lang="en-US" dirty="0"/>
-              <a:t>Performance Distribution</a:t>
-            </a:r>
-          </a:p>
-        </p:txBody>
-      </p:sp>
     </p:spTree>
     <p:extLst>
       <p:ext uri="{BB962C8B-B14F-4D97-AF65-F5344CB8AC3E}">
-        <p14:creationId xmlns:p14="http://schemas.microsoft.com/office/powerpoint/2010/main" val="3576612028"/>
+        <p14:creationId xmlns:p14="http://schemas.microsoft.com/office/powerpoint/2010/main" val="3999913125"/>
       </p:ext>
     </p:extLst>
   </p:cSld>
@@ -16227,45 +14666,12 @@
           <a:chExt cx="0" cy="0"/>
         </a:xfrm>
       </p:grpSpPr>
-      <p:sp>
-        <p:nvSpPr>
-          <p:cNvPr id="2" name="Title 1">
-            <a:extLst>
-              <a:ext uri="{FF2B5EF4-FFF2-40B4-BE49-F238E27FC236}">
-                <a16:creationId xmlns:a16="http://schemas.microsoft.com/office/drawing/2014/main" id="{91B68519-0B64-47C3-A0FB-0842BAB05FA7}"/>
-              </a:ext>
-            </a:extLst>
-          </p:cNvPr>
-          <p:cNvSpPr>
-            <a:spLocks noGrp="1"/>
-          </p:cNvSpPr>
-          <p:nvPr>
-            <p:ph type="title"/>
-          </p:nvPr>
-        </p:nvSpPr>
-        <p:spPr>
-          <a:xfrm>
-            <a:off x="762301" y="-180159"/>
-            <a:ext cx="10515600" cy="1325563"/>
-          </a:xfrm>
-        </p:spPr>
-        <p:txBody>
-          <a:bodyPr/>
-          <a:lstStyle/>
-          <a:p>
-            <a:r>
-              <a:rPr lang="en-US" dirty="0"/>
-              <a:t>Does increasing min v change performance?</a:t>
-            </a:r>
-          </a:p>
-        </p:txBody>
-      </p:sp>
       <p:pic>
         <p:nvPicPr>
-          <p:cNvPr id="5" name="Content Placeholder 4" descr="A close up of a map&#10;&#10;Description automatically generated">
-            <a:extLst>
-              <a:ext uri="{FF2B5EF4-FFF2-40B4-BE49-F238E27FC236}">
-                <a16:creationId xmlns:a16="http://schemas.microsoft.com/office/drawing/2014/main" id="{84A19DFE-9390-4600-A7D3-07F111E3D0F7}"/>
+          <p:cNvPr id="5" name="Content Placeholder 4" descr="A screenshot of a cell phone&#10;&#10;Description automatically generated">
+            <a:extLst>
+              <a:ext uri="{FF2B5EF4-FFF2-40B4-BE49-F238E27FC236}">
+                <a16:creationId xmlns:a16="http://schemas.microsoft.com/office/drawing/2014/main" id="{BF600B6F-3C15-4A05-B37A-C5636670B700}"/>
               </a:ext>
             </a:extLst>
           </p:cNvPr>
@@ -16276,7 +14682,7 @@
             <p:ph idx="1"/>
           </p:nvPr>
         </p:nvPicPr>
-        <p:blipFill>
+        <p:blipFill rotWithShape="1">
           <a:blip r:embed="rId2">
             <a:extLst>
               <a:ext uri="{28A0092B-C50C-407E-A947-70E740481C1C}">
@@ -16284,21 +14690,20 @@
               </a:ext>
             </a:extLst>
           </a:blip>
-          <a:stretch>
-            <a:fillRect/>
-          </a:stretch>
+          <a:srcRect l="615" t="3701" r="47085" b="50545"/>
+          <a:stretch/>
         </p:blipFill>
         <p:spPr>
           <a:xfrm>
-            <a:off x="2353961" y="784625"/>
-            <a:ext cx="7484077" cy="5613058"/>
+            <a:off x="485312" y="668044"/>
+            <a:ext cx="11221376" cy="5521912"/>
           </a:xfrm>
         </p:spPr>
       </p:pic>
     </p:spTree>
     <p:extLst>
       <p:ext uri="{BB962C8B-B14F-4D97-AF65-F5344CB8AC3E}">
-        <p14:creationId xmlns:p14="http://schemas.microsoft.com/office/powerpoint/2010/main" val="1234422390"/>
+        <p14:creationId xmlns:p14="http://schemas.microsoft.com/office/powerpoint/2010/main" val="2404361834"/>
       </p:ext>
     </p:extLst>
   </p:cSld>
@@ -16325,45 +14730,12 @@
           <a:chExt cx="0" cy="0"/>
         </a:xfrm>
       </p:grpSpPr>
-      <p:sp>
-        <p:nvSpPr>
-          <p:cNvPr id="2" name="Title 1">
-            <a:extLst>
-              <a:ext uri="{FF2B5EF4-FFF2-40B4-BE49-F238E27FC236}">
-                <a16:creationId xmlns:a16="http://schemas.microsoft.com/office/drawing/2014/main" id="{BD2F4936-9483-409F-BFAA-98EE23ED550E}"/>
-              </a:ext>
-            </a:extLst>
-          </p:cNvPr>
-          <p:cNvSpPr>
-            <a:spLocks noGrp="1"/>
-          </p:cNvSpPr>
-          <p:nvPr>
-            <p:ph type="title"/>
-          </p:nvPr>
-        </p:nvSpPr>
-        <p:spPr>
-          <a:xfrm>
-            <a:off x="838200" y="365125"/>
-            <a:ext cx="3943525" cy="5708504"/>
-          </a:xfrm>
-        </p:spPr>
-        <p:txBody>
-          <a:bodyPr/>
-          <a:lstStyle/>
-          <a:p>
-            <a:r>
-              <a:rPr lang="en-US" dirty="0"/>
-              <a:t>Increased Specificity and Performance</a:t>
-            </a:r>
-          </a:p>
-        </p:txBody>
-      </p:sp>
       <p:pic>
         <p:nvPicPr>
-          <p:cNvPr id="4" name="Picture 3">
-            <a:extLst>
-              <a:ext uri="{FF2B5EF4-FFF2-40B4-BE49-F238E27FC236}">
-                <a16:creationId xmlns:a16="http://schemas.microsoft.com/office/drawing/2014/main" id="{5B0929B8-5410-4AE3-8449-112A024881E2}"/>
+          <p:cNvPr id="5" name="Picture 4" descr="A close up of a map&#10;&#10;Description automatically generated">
+            <a:extLst>
+              <a:ext uri="{FF2B5EF4-FFF2-40B4-BE49-F238E27FC236}">
+                <a16:creationId xmlns:a16="http://schemas.microsoft.com/office/drawing/2014/main" id="{2EBD11A3-E027-4F55-B3D8-EF40EB8DA12B}"/>
               </a:ext>
             </a:extLst>
           </p:cNvPr>
@@ -16372,16 +14744,21 @@
           </p:cNvPicPr>
           <p:nvPr/>
         </p:nvPicPr>
-        <p:blipFill>
-          <a:blip r:embed="rId2"/>
-          <a:stretch>
-            <a:fillRect/>
-          </a:stretch>
+        <p:blipFill rotWithShape="1">
+          <a:blip r:embed="rId2">
+            <a:extLst>
+              <a:ext uri="{28A0092B-C50C-407E-A947-70E740481C1C}">
+                <a14:useLocalDpi xmlns:a14="http://schemas.microsoft.com/office/drawing/2010/main" val="0"/>
+              </a:ext>
+            </a:extLst>
+          </a:blip>
+          <a:srcRect l="5502" t="16857" r="13435" b="15607"/>
+          <a:stretch/>
         </p:blipFill>
         <p:spPr>
           <a:xfrm>
-            <a:off x="4901618" y="0"/>
-            <a:ext cx="7086600" cy="6619875"/>
+            <a:off x="415001" y="668044"/>
+            <a:ext cx="11361998" cy="5521911"/>
           </a:xfrm>
           <a:prstGeom prst="rect">
             <a:avLst/>
@@ -16391,7 +14768,7 @@
     </p:spTree>
     <p:extLst>
       <p:ext uri="{BB962C8B-B14F-4D97-AF65-F5344CB8AC3E}">
-        <p14:creationId xmlns:p14="http://schemas.microsoft.com/office/powerpoint/2010/main" val="2063002891"/>
+        <p14:creationId xmlns:p14="http://schemas.microsoft.com/office/powerpoint/2010/main" val="2756894765"/>
       </p:ext>
     </p:extLst>
   </p:cSld>
@@ -16418,177 +14795,141 @@
           <a:chExt cx="0" cy="0"/>
         </a:xfrm>
       </p:grpSpPr>
-      <p:pic>
-        <p:nvPicPr>
-          <p:cNvPr id="9" name="Content Placeholder 8" descr="A screenshot of a cell phone&#10;&#10;Description automatically generated">
-            <a:extLst>
-              <a:ext uri="{FF2B5EF4-FFF2-40B4-BE49-F238E27FC236}">
-                <a16:creationId xmlns:a16="http://schemas.microsoft.com/office/drawing/2014/main" id="{5D0B0E5A-89AE-4C77-A467-C0C2CC353221}"/>
-              </a:ext>
-            </a:extLst>
-          </p:cNvPr>
-          <p:cNvPicPr>
-            <a:picLocks noGrp="1" noChangeAspect="1"/>
-          </p:cNvPicPr>
+      <p:sp>
+        <p:nvSpPr>
+          <p:cNvPr id="2" name="Title 1">
+            <a:extLst>
+              <a:ext uri="{FF2B5EF4-FFF2-40B4-BE49-F238E27FC236}">
+                <a16:creationId xmlns:a16="http://schemas.microsoft.com/office/drawing/2014/main" id="{7E5F395A-79D4-4969-BD71-D4E3F14B5F81}"/>
+              </a:ext>
+            </a:extLst>
+          </p:cNvPr>
+          <p:cNvSpPr>
+            <a:spLocks noGrp="1"/>
+          </p:cNvSpPr>
+          <p:nvPr>
+            <p:ph type="title"/>
+          </p:nvPr>
+        </p:nvSpPr>
+        <p:spPr/>
+        <p:txBody>
+          <a:bodyPr/>
+          <a:lstStyle/>
+          <a:p>
+            <a:r>
+              <a:rPr lang="en-US" dirty="0" err="1"/>
+              <a:t>run_times</a:t>
+            </a:r>
+            <a:r>
+              <a:rPr lang="en-US" dirty="0"/>
+              <a:t> Table Fix</a:t>
+            </a:r>
+          </a:p>
+        </p:txBody>
+      </p:sp>
+      <p:sp>
+        <p:nvSpPr>
+          <p:cNvPr id="3" name="Content Placeholder 2">
+            <a:extLst>
+              <a:ext uri="{FF2B5EF4-FFF2-40B4-BE49-F238E27FC236}">
+                <a16:creationId xmlns:a16="http://schemas.microsoft.com/office/drawing/2014/main" id="{3B21755D-6899-4B80-A6CA-35148113EC52}"/>
+              </a:ext>
+            </a:extLst>
+          </p:cNvPr>
+          <p:cNvSpPr>
+            <a:spLocks noGrp="1"/>
+          </p:cNvSpPr>
           <p:nvPr>
             <p:ph idx="1"/>
           </p:nvPr>
+        </p:nvSpPr>
+        <p:spPr>
+          <a:xfrm>
+            <a:off x="452761" y="1542527"/>
+            <a:ext cx="5246703" cy="4634436"/>
+          </a:xfrm>
+        </p:spPr>
+        <p:txBody>
+          <a:bodyPr>
+            <a:normAutofit lnSpcReduction="10000"/>
+          </a:bodyPr>
+          <a:lstStyle/>
+          <a:p>
+            <a:r>
+              <a:rPr lang="en-US" dirty="0"/>
+              <a:t>Table incorrect due to a small change in LabVIEW code 6 June 2016, registering the start time twice</a:t>
+            </a:r>
+          </a:p>
+          <a:p>
+            <a:r>
+              <a:rPr lang="en-US" dirty="0"/>
+              <a:t>Included in the directory is a </a:t>
+            </a:r>
+            <a:r>
+              <a:rPr lang="en-US" dirty="0" err="1"/>
+              <a:t>run_times</a:t>
+            </a:r>
+            <a:r>
+              <a:rPr lang="en-US" dirty="0"/>
+              <a:t> table fixer, which retroactively changes the table to reflect the correct</a:t>
+            </a:r>
+          </a:p>
+          <a:p>
+            <a:r>
+              <a:rPr lang="en-US" dirty="0"/>
+              <a:t>Requires update for </a:t>
+            </a:r>
+            <a:r>
+              <a:rPr lang="en-US" dirty="0" err="1"/>
+              <a:t>mySQL</a:t>
+            </a:r>
+            <a:r>
+              <a:rPr lang="en-US" dirty="0"/>
+              <a:t> server</a:t>
+            </a:r>
+          </a:p>
+          <a:p>
+            <a:r>
+              <a:rPr lang="en-US" dirty="0"/>
+              <a:t>LabVIEW code has been corrected</a:t>
+            </a:r>
+          </a:p>
+        </p:txBody>
+      </p:sp>
+      <p:pic>
+        <p:nvPicPr>
+          <p:cNvPr id="4" name="Picture 3">
+            <a:extLst>
+              <a:ext uri="{FF2B5EF4-FFF2-40B4-BE49-F238E27FC236}">
+                <a16:creationId xmlns:a16="http://schemas.microsoft.com/office/drawing/2014/main" id="{EC10068D-41C5-4214-BCD3-3813586CB495}"/>
+              </a:ext>
+            </a:extLst>
+          </p:cNvPr>
+          <p:cNvPicPr>
+            <a:picLocks noChangeAspect="1"/>
+          </p:cNvPicPr>
+          <p:nvPr/>
         </p:nvPicPr>
         <p:blipFill>
-          <a:blip r:embed="rId2">
-            <a:extLst>
-              <a:ext uri="{28A0092B-C50C-407E-A947-70E740481C1C}">
-                <a14:useLocalDpi xmlns:a14="http://schemas.microsoft.com/office/drawing/2010/main" val="0"/>
-              </a:ext>
-            </a:extLst>
-          </a:blip>
+          <a:blip r:embed="rId2"/>
           <a:stretch>
             <a:fillRect/>
           </a:stretch>
         </p:blipFill>
         <p:spPr>
           <a:xfrm>
-            <a:off x="691644" y="-377504"/>
-            <a:ext cx="10806450" cy="7859238"/>
-          </a:xfrm>
+            <a:off x="6096000" y="1021248"/>
+            <a:ext cx="5129719" cy="4634436"/>
+          </a:xfrm>
+          <a:prstGeom prst="rect">
+            <a:avLst/>
+          </a:prstGeom>
         </p:spPr>
       </p:pic>
     </p:spTree>
     <p:extLst>
       <p:ext uri="{BB962C8B-B14F-4D97-AF65-F5344CB8AC3E}">
-        <p14:creationId xmlns:p14="http://schemas.microsoft.com/office/powerpoint/2010/main" val="2302028446"/>
-      </p:ext>
-    </p:extLst>
-  </p:cSld>
-  <p:clrMapOvr>
-    <a:masterClrMapping/>
-  </p:clrMapOvr>
-</p:sld>
-</file>
-
-<file path=ppt/slides/slide27.xml><?xml version="1.0" encoding="utf-8"?>
-<p:sld xmlns:a="http://schemas.openxmlformats.org/drawingml/2006/main" xmlns:r="http://schemas.openxmlformats.org/officeDocument/2006/relationships" xmlns:p="http://schemas.openxmlformats.org/presentationml/2006/main">
-  <p:cSld>
-    <p:spTree>
-      <p:nvGrpSpPr>
-        <p:cNvPr id="1" name=""/>
-        <p:cNvGrpSpPr/>
-        <p:nvPr/>
-      </p:nvGrpSpPr>
-      <p:grpSpPr>
-        <a:xfrm>
-          <a:off x="0" y="0"/>
-          <a:ext cx="0" cy="0"/>
-          <a:chOff x="0" y="0"/>
-          <a:chExt cx="0" cy="0"/>
-        </a:xfrm>
-      </p:grpSpPr>
-      <p:pic>
-        <p:nvPicPr>
-          <p:cNvPr id="5" name="Picture 4" descr="A screenshot of a cell phone&#10;&#10;Description automatically generated">
-            <a:extLst>
-              <a:ext uri="{FF2B5EF4-FFF2-40B4-BE49-F238E27FC236}">
-                <a16:creationId xmlns:a16="http://schemas.microsoft.com/office/drawing/2014/main" id="{A66C27BC-F01C-48E0-9438-66D8949EF371}"/>
-              </a:ext>
-            </a:extLst>
-          </p:cNvPr>
-          <p:cNvPicPr>
-            <a:picLocks noChangeAspect="1"/>
-          </p:cNvPicPr>
-          <p:nvPr/>
-        </p:nvPicPr>
-        <p:blipFill>
-          <a:blip r:embed="rId2">
-            <a:extLst>
-              <a:ext uri="{28A0092B-C50C-407E-A947-70E740481C1C}">
-                <a14:useLocalDpi xmlns:a14="http://schemas.microsoft.com/office/drawing/2010/main" val="0"/>
-              </a:ext>
-            </a:extLst>
-          </a:blip>
-          <a:stretch>
-            <a:fillRect/>
-          </a:stretch>
-        </p:blipFill>
-        <p:spPr>
-          <a:xfrm>
-            <a:off x="523558" y="-623686"/>
-            <a:ext cx="11144884" cy="8105371"/>
-          </a:xfrm>
-          <a:prstGeom prst="rect">
-            <a:avLst/>
-          </a:prstGeom>
-        </p:spPr>
-      </p:pic>
-    </p:spTree>
-    <p:extLst>
-      <p:ext uri="{BB962C8B-B14F-4D97-AF65-F5344CB8AC3E}">
-        <p14:creationId xmlns:p14="http://schemas.microsoft.com/office/powerpoint/2010/main" val="3999913125"/>
-      </p:ext>
-    </p:extLst>
-  </p:cSld>
-  <p:clrMapOvr>
-    <a:masterClrMapping/>
-  </p:clrMapOvr>
-</p:sld>
-</file>
-
-<file path=ppt/slides/slide28.xml><?xml version="1.0" encoding="utf-8"?>
-<p:sld xmlns:a="http://schemas.openxmlformats.org/drawingml/2006/main" xmlns:r="http://schemas.openxmlformats.org/officeDocument/2006/relationships" xmlns:p="http://schemas.openxmlformats.org/presentationml/2006/main">
-  <p:cSld>
-    <p:spTree>
-      <p:nvGrpSpPr>
-        <p:cNvPr id="1" name=""/>
-        <p:cNvGrpSpPr/>
-        <p:nvPr/>
-      </p:nvGrpSpPr>
-      <p:grpSpPr>
-        <a:xfrm>
-          <a:off x="0" y="0"/>
-          <a:ext cx="0" cy="0"/>
-          <a:chOff x="0" y="0"/>
-          <a:chExt cx="0" cy="0"/>
-        </a:xfrm>
-      </p:grpSpPr>
-      <p:pic>
-        <p:nvPicPr>
-          <p:cNvPr id="5" name="Picture 4" descr="A screenshot of a cell phone&#10;&#10;Description automatically generated">
-            <a:extLst>
-              <a:ext uri="{FF2B5EF4-FFF2-40B4-BE49-F238E27FC236}">
-                <a16:creationId xmlns:a16="http://schemas.microsoft.com/office/drawing/2014/main" id="{E7F618D4-1DE7-4FB8-90A0-CE4C0932FFBD}"/>
-              </a:ext>
-            </a:extLst>
-          </p:cNvPr>
-          <p:cNvPicPr>
-            <a:picLocks noChangeAspect="1"/>
-          </p:cNvPicPr>
-          <p:nvPr/>
-        </p:nvPicPr>
-        <p:blipFill>
-          <a:blip r:embed="rId2">
-            <a:extLst>
-              <a:ext uri="{28A0092B-C50C-407E-A947-70E740481C1C}">
-                <a14:useLocalDpi xmlns:a14="http://schemas.microsoft.com/office/drawing/2010/main" val="0"/>
-              </a:ext>
-            </a:extLst>
-          </a:blip>
-          <a:stretch>
-            <a:fillRect/>
-          </a:stretch>
-        </p:blipFill>
-        <p:spPr>
-          <a:xfrm>
-            <a:off x="272374" y="-806364"/>
-            <a:ext cx="11635293" cy="8462032"/>
-          </a:xfrm>
-          <a:prstGeom prst="rect">
-            <a:avLst/>
-          </a:prstGeom>
-        </p:spPr>
-      </p:pic>
-    </p:spTree>
-    <p:extLst>
-      <p:ext uri="{BB962C8B-B14F-4D97-AF65-F5344CB8AC3E}">
-        <p14:creationId xmlns:p14="http://schemas.microsoft.com/office/powerpoint/2010/main" val="1004199942"/>
+        <p14:creationId xmlns:p14="http://schemas.microsoft.com/office/powerpoint/2010/main" val="2827456731"/>
       </p:ext>
     </p:extLst>
   </p:cSld>
@@ -16688,15 +15029,7 @@
           <a:p>
             <a:r>
               <a:rPr lang="en-US" dirty="0"/>
-              <a:t>Database </a:t>
-            </a:r>
-            <a:r>
-              <a:rPr lang="en-US" dirty="0" err="1"/>
-              <a:t>run_times</a:t>
-            </a:r>
-            <a:r>
-              <a:rPr lang="en-US" dirty="0"/>
-              <a:t> table has incorrect data past June 2016, so need to calculate running times differently</a:t>
+              <a:t>Database run_times table has incorrect data past June 2014, correction needed going forward</a:t>
             </a:r>
           </a:p>
           <a:p>
@@ -16774,18 +15107,9 @@
           <a:lstStyle/>
           <a:p>
             <a:r>
-              <a:rPr lang="en-US"/>
-              <a:t>Problematic</a:t>
+              <a:rPr lang="en-US" dirty="0"/>
+              <a:t>Problematic Approaches</a:t>
             </a:r>
-            <a:r>
-              <a:rPr lang="en-US" dirty="0"/>
-              <a:t> </a:t>
-            </a:r>
-            <a:r>
-              <a:rPr lang="en-US"/>
-              <a:t>Approaches</a:t>
-            </a:r>
-            <a:endParaRPr lang="en-US" dirty="0"/>
           </a:p>
         </p:txBody>
       </p:sp>
@@ -16818,18 +15142,18 @@
           <a:lstStyle/>
           <a:p>
             <a:r>
-              <a:rPr lang="en-US" sz="2400"/>
+              <a:rPr lang="en-US" sz="2400" dirty="0"/>
               <a:t>Previously Attempted to define active sessions by stored and timestamped setting changes for the dust source, including needle voltage, frequency</a:t>
             </a:r>
           </a:p>
           <a:p>
             <a:r>
-              <a:rPr lang="en-US" sz="2400"/>
+              <a:rPr lang="en-US" sz="2400" dirty="0"/>
               <a:t>These source settings had a five-minute delay between changes and backup to the database, meaning if the rest of the system was shut down before the backup, the settings were not saved to the database</a:t>
             </a:r>
           </a:p>
           <a:p>
-            <a:endParaRPr lang="en-US" sz="2400"/>
+            <a:endParaRPr lang="en-US" sz="2400" dirty="0"/>
           </a:p>
         </p:txBody>
       </p:sp>
@@ -17008,7 +15332,7 @@
           <a:lstStyle/>
           <a:p>
             <a:pPr algn="ctr"/>
-            <a:endParaRPr lang="en-US"/>
+            <a:endParaRPr lang="en-US" dirty="0"/>
           </a:p>
         </p:txBody>
       </p:sp>
@@ -17054,7 +15378,7 @@
           <a:lstStyle/>
           <a:p>
             <a:pPr algn="ctr"/>
-            <a:endParaRPr lang="en-US"/>
+            <a:endParaRPr lang="en-US" dirty="0"/>
           </a:p>
         </p:txBody>
       </p:sp>
@@ -17100,7 +15424,7 @@
           <a:lstStyle/>
           <a:p>
             <a:pPr algn="ctr"/>
-            <a:endParaRPr lang="en-US"/>
+            <a:endParaRPr lang="en-US" dirty="0"/>
           </a:p>
         </p:txBody>
       </p:sp>
@@ -17146,7 +15470,7 @@
           <a:lstStyle/>
           <a:p>
             <a:pPr algn="ctr"/>
-            <a:endParaRPr lang="en-US"/>
+            <a:endParaRPr lang="en-US" dirty="0"/>
           </a:p>
         </p:txBody>
       </p:sp>
@@ -17192,7 +15516,7 @@
           <a:lstStyle/>
           <a:p>
             <a:pPr algn="ctr"/>
-            <a:endParaRPr lang="en-US"/>
+            <a:endParaRPr lang="en-US" dirty="0"/>
           </a:p>
         </p:txBody>
       </p:sp>
@@ -17238,7 +15562,7 @@
           <a:lstStyle/>
           <a:p>
             <a:pPr algn="ctr"/>
-            <a:endParaRPr lang="en-US"/>
+            <a:endParaRPr lang="en-US" dirty="0"/>
           </a:p>
         </p:txBody>
       </p:sp>
@@ -17284,7 +15608,7 @@
           <a:lstStyle/>
           <a:p>
             <a:pPr algn="ctr"/>
-            <a:endParaRPr lang="en-US"/>
+            <a:endParaRPr lang="en-US" dirty="0"/>
           </a:p>
         </p:txBody>
       </p:sp>
@@ -17330,7 +15654,7 @@
           <a:lstStyle/>
           <a:p>
             <a:pPr algn="ctr"/>
-            <a:endParaRPr lang="en-US"/>
+            <a:endParaRPr lang="en-US" dirty="0"/>
           </a:p>
         </p:txBody>
       </p:sp>
@@ -17376,7 +15700,7 @@
           <a:lstStyle/>
           <a:p>
             <a:pPr algn="ctr"/>
-            <a:endParaRPr lang="en-US"/>
+            <a:endParaRPr lang="en-US" dirty="0"/>
           </a:p>
         </p:txBody>
       </p:sp>
@@ -17422,7 +15746,7 @@
           <a:lstStyle/>
           <a:p>
             <a:pPr algn="ctr"/>
-            <a:endParaRPr lang="en-US"/>
+            <a:endParaRPr lang="en-US" dirty="0"/>
           </a:p>
         </p:txBody>
       </p:sp>
@@ -17468,7 +15792,7 @@
           <a:lstStyle/>
           <a:p>
             <a:pPr algn="ctr"/>
-            <a:endParaRPr lang="en-US"/>
+            <a:endParaRPr lang="en-US" dirty="0"/>
           </a:p>
         </p:txBody>
       </p:sp>
@@ -17514,7 +15838,7 @@
           <a:lstStyle/>
           <a:p>
             <a:pPr algn="ctr"/>
-            <a:endParaRPr lang="en-US"/>
+            <a:endParaRPr lang="en-US" dirty="0"/>
           </a:p>
         </p:txBody>
       </p:sp>
@@ -17560,7 +15884,7 @@
           <a:lstStyle/>
           <a:p>
             <a:pPr algn="ctr"/>
-            <a:endParaRPr lang="en-US"/>
+            <a:endParaRPr lang="en-US" dirty="0"/>
           </a:p>
         </p:txBody>
       </p:sp>
@@ -17606,7 +15930,7 @@
           <a:lstStyle/>
           <a:p>
             <a:pPr algn="ctr"/>
-            <a:endParaRPr lang="en-US"/>
+            <a:endParaRPr lang="en-US" dirty="0"/>
           </a:p>
         </p:txBody>
       </p:sp>
@@ -17652,7 +15976,7 @@
           <a:lstStyle/>
           <a:p>
             <a:pPr algn="ctr"/>
-            <a:endParaRPr lang="en-US"/>
+            <a:endParaRPr lang="en-US" dirty="0"/>
           </a:p>
         </p:txBody>
       </p:sp>
@@ -17698,7 +16022,7 @@
           <a:lstStyle/>
           <a:p>
             <a:pPr algn="ctr"/>
-            <a:endParaRPr lang="en-US"/>
+            <a:endParaRPr lang="en-US" dirty="0"/>
           </a:p>
         </p:txBody>
       </p:sp>
@@ -17744,7 +16068,7 @@
           <a:lstStyle/>
           <a:p>
             <a:pPr algn="ctr"/>
-            <a:endParaRPr lang="en-US"/>
+            <a:endParaRPr lang="en-US" dirty="0"/>
           </a:p>
         </p:txBody>
       </p:sp>
@@ -17790,7 +16114,7 @@
           <a:lstStyle/>
           <a:p>
             <a:pPr algn="ctr"/>
-            <a:endParaRPr lang="en-US"/>
+            <a:endParaRPr lang="en-US" dirty="0"/>
           </a:p>
         </p:txBody>
       </p:sp>
@@ -17836,7 +16160,7 @@
           <a:lstStyle/>
           <a:p>
             <a:pPr algn="ctr"/>
-            <a:endParaRPr lang="en-US"/>
+            <a:endParaRPr lang="en-US" dirty="0"/>
           </a:p>
         </p:txBody>
       </p:sp>
@@ -18261,20 +16585,12 @@
           <a:p>
             <a:pPr algn="ctr"/>
             <a:r>
-              <a:rPr lang="en-US" dirty="0" err="1">
-                <a:solidFill>
-                  <a:schemeClr val="tx1"/>
-                </a:solidFill>
-              </a:rPr>
-              <a:t>ExpID</a:t>
-            </a:r>
-            <a:r>
               <a:rPr lang="en-US" dirty="0">
                 <a:solidFill>
                   <a:schemeClr val="tx1"/>
                 </a:solidFill>
               </a:rPr>
-              <a:t>: 265</a:t>
+              <a:t>ExpID: 265</a:t>
             </a:r>
           </a:p>
         </p:txBody>
@@ -18337,20 +16653,12 @@
           <a:p>
             <a:pPr algn="ctr"/>
             <a:r>
-              <a:rPr lang="en-US" dirty="0" err="1">
-                <a:solidFill>
-                  <a:schemeClr val="tx1"/>
-                </a:solidFill>
-              </a:rPr>
-              <a:t>ExpID</a:t>
-            </a:r>
-            <a:r>
               <a:rPr lang="en-US" dirty="0">
                 <a:solidFill>
                   <a:schemeClr val="tx1"/>
                 </a:solidFill>
               </a:rPr>
-              <a:t>: 266</a:t>
+              <a:t>ExpID: 266</a:t>
             </a:r>
           </a:p>
         </p:txBody>
@@ -18645,7 +16953,7 @@
           <a:lstStyle/>
           <a:p>
             <a:pPr algn="ctr"/>
-            <a:endParaRPr lang="en-US"/>
+            <a:endParaRPr lang="en-US" dirty="0"/>
           </a:p>
         </p:txBody>
       </p:sp>
@@ -18691,7 +16999,7 @@
           <a:lstStyle/>
           <a:p>
             <a:pPr algn="ctr"/>
-            <a:endParaRPr lang="en-US"/>
+            <a:endParaRPr lang="en-US" dirty="0"/>
           </a:p>
         </p:txBody>
       </p:sp>
@@ -18737,7 +17045,42 @@
           <a:lstStyle/>
           <a:p>
             <a:pPr algn="ctr"/>
-            <a:endParaRPr lang="en-US"/>
+            <a:endParaRPr lang="en-US" dirty="0"/>
+          </a:p>
+        </p:txBody>
+      </p:sp>
+      <p:sp>
+        <p:nvSpPr>
+          <p:cNvPr id="3" name="TextBox 2">
+            <a:extLst>
+              <a:ext uri="{FF2B5EF4-FFF2-40B4-BE49-F238E27FC236}">
+                <a16:creationId xmlns:a16="http://schemas.microsoft.com/office/drawing/2014/main" id="{26D728DE-71EC-416D-BA57-678D81BDFA5C}"/>
+              </a:ext>
+            </a:extLst>
+          </p:cNvPr>
+          <p:cNvSpPr txBox="1"/>
+          <p:nvPr/>
+        </p:nvSpPr>
+        <p:spPr>
+          <a:xfrm>
+            <a:off x="654341" y="5486400"/>
+            <a:ext cx="8232207" cy="646331"/>
+          </a:xfrm>
+          <a:prstGeom prst="rect">
+            <a:avLst/>
+          </a:prstGeom>
+          <a:noFill/>
+        </p:spPr>
+        <p:txBody>
+          <a:bodyPr wrap="square" rtlCol="0">
+            <a:spAutoFit/>
+          </a:bodyPr>
+          <a:lstStyle/>
+          <a:p>
+            <a:r>
+              <a:rPr lang="en-US" dirty="0"/>
+              <a:t>The chosen approach is the segmentation of the total timeline along gaps between particle clusters, PSU setting changes, and experiment setting changes. </a:t>
+            </a:r>
           </a:p>
         </p:txBody>
       </p:sp>
@@ -18886,7 +17229,7 @@
           <a:lstStyle/>
           <a:p>
             <a:pPr algn="ctr"/>
-            <a:endParaRPr lang="en-US"/>
+            <a:endParaRPr lang="en-US" dirty="0"/>
           </a:p>
         </p:txBody>
       </p:sp>
@@ -18932,7 +17275,7 @@
           <a:lstStyle/>
           <a:p>
             <a:pPr algn="ctr"/>
-            <a:endParaRPr lang="en-US"/>
+            <a:endParaRPr lang="en-US" dirty="0"/>
           </a:p>
         </p:txBody>
       </p:sp>
@@ -18978,7 +17321,7 @@
           <a:lstStyle/>
           <a:p>
             <a:pPr algn="ctr"/>
-            <a:endParaRPr lang="en-US"/>
+            <a:endParaRPr lang="en-US" dirty="0"/>
           </a:p>
         </p:txBody>
       </p:sp>
@@ -19024,7 +17367,7 @@
           <a:lstStyle/>
           <a:p>
             <a:pPr algn="ctr"/>
-            <a:endParaRPr lang="en-US"/>
+            <a:endParaRPr lang="en-US" dirty="0"/>
           </a:p>
         </p:txBody>
       </p:sp>
@@ -19070,7 +17413,7 @@
           <a:lstStyle/>
           <a:p>
             <a:pPr algn="ctr"/>
-            <a:endParaRPr lang="en-US"/>
+            <a:endParaRPr lang="en-US" dirty="0"/>
           </a:p>
         </p:txBody>
       </p:sp>
@@ -19116,7 +17459,7 @@
           <a:lstStyle/>
           <a:p>
             <a:pPr algn="ctr"/>
-            <a:endParaRPr lang="en-US"/>
+            <a:endParaRPr lang="en-US" dirty="0"/>
           </a:p>
         </p:txBody>
       </p:sp>
@@ -19162,7 +17505,7 @@
           <a:lstStyle/>
           <a:p>
             <a:pPr algn="ctr"/>
-            <a:endParaRPr lang="en-US"/>
+            <a:endParaRPr lang="en-US" dirty="0"/>
           </a:p>
         </p:txBody>
       </p:sp>
@@ -19208,7 +17551,7 @@
           <a:lstStyle/>
           <a:p>
             <a:pPr algn="ctr"/>
-            <a:endParaRPr lang="en-US"/>
+            <a:endParaRPr lang="en-US" dirty="0"/>
           </a:p>
         </p:txBody>
       </p:sp>
@@ -19254,7 +17597,7 @@
           <a:lstStyle/>
           <a:p>
             <a:pPr algn="ctr"/>
-            <a:endParaRPr lang="en-US"/>
+            <a:endParaRPr lang="en-US" dirty="0"/>
           </a:p>
         </p:txBody>
       </p:sp>
@@ -19300,7 +17643,7 @@
           <a:lstStyle/>
           <a:p>
             <a:pPr algn="ctr"/>
-            <a:endParaRPr lang="en-US"/>
+            <a:endParaRPr lang="en-US" dirty="0"/>
           </a:p>
         </p:txBody>
       </p:sp>
@@ -19346,7 +17689,7 @@
           <a:lstStyle/>
           <a:p>
             <a:pPr algn="ctr"/>
-            <a:endParaRPr lang="en-US"/>
+            <a:endParaRPr lang="en-US" dirty="0"/>
           </a:p>
         </p:txBody>
       </p:sp>
@@ -19392,7 +17735,7 @@
           <a:lstStyle/>
           <a:p>
             <a:pPr algn="ctr"/>
-            <a:endParaRPr lang="en-US"/>
+            <a:endParaRPr lang="en-US" dirty="0"/>
           </a:p>
         </p:txBody>
       </p:sp>
@@ -19438,7 +17781,7 @@
           <a:lstStyle/>
           <a:p>
             <a:pPr algn="ctr"/>
-            <a:endParaRPr lang="en-US"/>
+            <a:endParaRPr lang="en-US" dirty="0"/>
           </a:p>
         </p:txBody>
       </p:sp>
@@ -19484,7 +17827,7 @@
           <a:lstStyle/>
           <a:p>
             <a:pPr algn="ctr"/>
-            <a:endParaRPr lang="en-US"/>
+            <a:endParaRPr lang="en-US" dirty="0"/>
           </a:p>
         </p:txBody>
       </p:sp>
@@ -19530,7 +17873,7 @@
           <a:lstStyle/>
           <a:p>
             <a:pPr algn="ctr"/>
-            <a:endParaRPr lang="en-US"/>
+            <a:endParaRPr lang="en-US" dirty="0"/>
           </a:p>
         </p:txBody>
       </p:sp>
@@ -19576,7 +17919,7 @@
           <a:lstStyle/>
           <a:p>
             <a:pPr algn="ctr"/>
-            <a:endParaRPr lang="en-US"/>
+            <a:endParaRPr lang="en-US" dirty="0"/>
           </a:p>
         </p:txBody>
       </p:sp>
@@ -19622,7 +17965,7 @@
           <a:lstStyle/>
           <a:p>
             <a:pPr algn="ctr"/>
-            <a:endParaRPr lang="en-US"/>
+            <a:endParaRPr lang="en-US" dirty="0"/>
           </a:p>
         </p:txBody>
       </p:sp>
@@ -19668,7 +18011,7 @@
           <a:lstStyle/>
           <a:p>
             <a:pPr algn="ctr"/>
-            <a:endParaRPr lang="en-US"/>
+            <a:endParaRPr lang="en-US" dirty="0"/>
           </a:p>
         </p:txBody>
       </p:sp>
@@ -19828,7 +18171,7 @@
           <a:lstStyle/>
           <a:p>
             <a:pPr algn="ctr"/>
-            <a:endParaRPr lang="en-US"/>
+            <a:endParaRPr lang="en-US" dirty="0"/>
           </a:p>
         </p:txBody>
       </p:sp>
@@ -19875,7 +18218,7 @@
           <a:lstStyle/>
           <a:p>
             <a:pPr algn="ctr"/>
-            <a:endParaRPr lang="en-US"/>
+            <a:endParaRPr lang="en-US" dirty="0"/>
           </a:p>
         </p:txBody>
       </p:sp>
@@ -19922,7 +18265,7 @@
           <a:lstStyle/>
           <a:p>
             <a:pPr algn="ctr"/>
-            <a:endParaRPr lang="en-US"/>
+            <a:endParaRPr lang="en-US" dirty="0"/>
           </a:p>
         </p:txBody>
       </p:sp>
@@ -19968,7 +18311,7 @@
           <a:lstStyle/>
           <a:p>
             <a:pPr algn="ctr"/>
-            <a:endParaRPr lang="en-US"/>
+            <a:endParaRPr lang="en-US" dirty="0"/>
           </a:p>
         </p:txBody>
       </p:sp>
@@ -20014,7 +18357,7 @@
           <a:lstStyle/>
           <a:p>
             <a:pPr algn="ctr"/>
-            <a:endParaRPr lang="en-US"/>
+            <a:endParaRPr lang="en-US" dirty="0"/>
           </a:p>
         </p:txBody>
       </p:sp>
@@ -20060,7 +18403,7 @@
           <a:lstStyle/>
           <a:p>
             <a:pPr algn="ctr"/>
-            <a:endParaRPr lang="en-US"/>
+            <a:endParaRPr lang="en-US" dirty="0"/>
           </a:p>
         </p:txBody>
       </p:sp>
@@ -20214,7 +18557,7 @@
           <a:lstStyle/>
           <a:p>
             <a:pPr algn="ctr"/>
-            <a:endParaRPr lang="en-US"/>
+            <a:endParaRPr lang="en-US" dirty="0"/>
           </a:p>
         </p:txBody>
       </p:sp>
@@ -20260,7 +18603,7 @@
           <a:lstStyle/>
           <a:p>
             <a:pPr algn="ctr"/>
-            <a:endParaRPr lang="en-US"/>
+            <a:endParaRPr lang="en-US" dirty="0"/>
           </a:p>
         </p:txBody>
       </p:sp>
@@ -20306,7 +18649,7 @@
           <a:lstStyle/>
           <a:p>
             <a:pPr algn="ctr"/>
-            <a:endParaRPr lang="en-US"/>
+            <a:endParaRPr lang="en-US" dirty="0"/>
           </a:p>
         </p:txBody>
       </p:sp>
@@ -20352,7 +18695,7 @@
           <a:lstStyle/>
           <a:p>
             <a:pPr algn="ctr"/>
-            <a:endParaRPr lang="en-US"/>
+            <a:endParaRPr lang="en-US" dirty="0"/>
           </a:p>
         </p:txBody>
       </p:sp>
@@ -20398,7 +18741,7 @@
           <a:lstStyle/>
           <a:p>
             <a:pPr algn="ctr"/>
-            <a:endParaRPr lang="en-US"/>
+            <a:endParaRPr lang="en-US" dirty="0"/>
           </a:p>
         </p:txBody>
       </p:sp>
@@ -20444,7 +18787,7 @@
           <a:lstStyle/>
           <a:p>
             <a:pPr algn="ctr"/>
-            <a:endParaRPr lang="en-US"/>
+            <a:endParaRPr lang="en-US" dirty="0"/>
           </a:p>
         </p:txBody>
       </p:sp>
@@ -20490,7 +18833,7 @@
           <a:lstStyle/>
           <a:p>
             <a:pPr algn="ctr"/>
-            <a:endParaRPr lang="en-US"/>
+            <a:endParaRPr lang="en-US" dirty="0"/>
           </a:p>
         </p:txBody>
       </p:sp>
@@ -20536,7 +18879,7 @@
           <a:lstStyle/>
           <a:p>
             <a:pPr algn="ctr"/>
-            <a:endParaRPr lang="en-US"/>
+            <a:endParaRPr lang="en-US" dirty="0"/>
           </a:p>
         </p:txBody>
       </p:sp>
@@ -20582,7 +18925,7 @@
           <a:lstStyle/>
           <a:p>
             <a:pPr algn="ctr"/>
-            <a:endParaRPr lang="en-US"/>
+            <a:endParaRPr lang="en-US" dirty="0"/>
           </a:p>
         </p:txBody>
       </p:sp>
@@ -20628,7 +18971,7 @@
           <a:lstStyle/>
           <a:p>
             <a:pPr algn="ctr"/>
-            <a:endParaRPr lang="en-US"/>
+            <a:endParaRPr lang="en-US" dirty="0"/>
           </a:p>
         </p:txBody>
       </p:sp>
@@ -20674,7 +19017,7 @@
           <a:lstStyle/>
           <a:p>
             <a:pPr algn="ctr"/>
-            <a:endParaRPr lang="en-US"/>
+            <a:endParaRPr lang="en-US" dirty="0"/>
           </a:p>
         </p:txBody>
       </p:sp>
@@ -20720,7 +19063,7 @@
           <a:lstStyle/>
           <a:p>
             <a:pPr algn="ctr"/>
-            <a:endParaRPr lang="en-US"/>
+            <a:endParaRPr lang="en-US" dirty="0"/>
           </a:p>
         </p:txBody>
       </p:sp>
@@ -20766,7 +19109,7 @@
           <a:lstStyle/>
           <a:p>
             <a:pPr algn="ctr"/>
-            <a:endParaRPr lang="en-US"/>
+            <a:endParaRPr lang="en-US" dirty="0"/>
           </a:p>
         </p:txBody>
       </p:sp>
@@ -20812,7 +19155,7 @@
           <a:lstStyle/>
           <a:p>
             <a:pPr algn="ctr"/>
-            <a:endParaRPr lang="en-US"/>
+            <a:endParaRPr lang="en-US" dirty="0"/>
           </a:p>
         </p:txBody>
       </p:sp>
@@ -20858,7 +19201,7 @@
           <a:lstStyle/>
           <a:p>
             <a:pPr algn="ctr"/>
-            <a:endParaRPr lang="en-US"/>
+            <a:endParaRPr lang="en-US" dirty="0"/>
           </a:p>
         </p:txBody>
       </p:sp>
@@ -20904,7 +19247,7 @@
           <a:lstStyle/>
           <a:p>
             <a:pPr algn="ctr"/>
-            <a:endParaRPr lang="en-US"/>
+            <a:endParaRPr lang="en-US" dirty="0"/>
           </a:p>
         </p:txBody>
       </p:sp>
@@ -20950,7 +19293,7 @@
           <a:lstStyle/>
           <a:p>
             <a:pPr algn="ctr"/>
-            <a:endParaRPr lang="en-US"/>
+            <a:endParaRPr lang="en-US" dirty="0"/>
           </a:p>
         </p:txBody>
       </p:sp>
@@ -20996,7 +19339,7 @@
           <a:lstStyle/>
           <a:p>
             <a:pPr algn="ctr"/>
-            <a:endParaRPr lang="en-US"/>
+            <a:endParaRPr lang="en-US" dirty="0"/>
           </a:p>
         </p:txBody>
       </p:sp>
@@ -21078,7 +19421,7 @@
           <a:lstStyle/>
           <a:p>
             <a:pPr algn="ctr"/>
-            <a:endParaRPr lang="en-US"/>
+            <a:endParaRPr lang="en-US" dirty="0"/>
           </a:p>
         </p:txBody>
       </p:sp>
@@ -21125,7 +19468,7 @@
           <a:lstStyle/>
           <a:p>
             <a:pPr algn="ctr"/>
-            <a:endParaRPr lang="en-US"/>
+            <a:endParaRPr lang="en-US" dirty="0"/>
           </a:p>
         </p:txBody>
       </p:sp>
@@ -21172,7 +19515,7 @@
           <a:lstStyle/>
           <a:p>
             <a:pPr algn="ctr"/>
-            <a:endParaRPr lang="en-US"/>
+            <a:endParaRPr lang="en-US" dirty="0"/>
           </a:p>
         </p:txBody>
       </p:sp>
@@ -21505,7 +19848,7 @@
           <a:lstStyle/>
           <a:p>
             <a:pPr algn="ctr"/>
-            <a:endParaRPr lang="en-US"/>
+            <a:endParaRPr lang="en-US" dirty="0"/>
           </a:p>
         </p:txBody>
       </p:sp>
@@ -21551,7 +19894,7 @@
           <a:lstStyle/>
           <a:p>
             <a:pPr algn="ctr"/>
-            <a:endParaRPr lang="en-US"/>
+            <a:endParaRPr lang="en-US" dirty="0"/>
           </a:p>
         </p:txBody>
       </p:sp>
@@ -21597,7 +19940,7 @@
           <a:lstStyle/>
           <a:p>
             <a:pPr algn="ctr"/>
-            <a:endParaRPr lang="en-US"/>
+            <a:endParaRPr lang="en-US" dirty="0"/>
           </a:p>
         </p:txBody>
       </p:sp>
@@ -21643,7 +19986,7 @@
           <a:lstStyle/>
           <a:p>
             <a:pPr algn="ctr"/>
-            <a:endParaRPr lang="en-US"/>
+            <a:endParaRPr lang="en-US" dirty="0"/>
           </a:p>
         </p:txBody>
       </p:sp>
@@ -21689,7 +20032,7 @@
           <a:lstStyle/>
           <a:p>
             <a:pPr algn="ctr"/>
-            <a:endParaRPr lang="en-US"/>
+            <a:endParaRPr lang="en-US" dirty="0"/>
           </a:p>
         </p:txBody>
       </p:sp>
@@ -21735,7 +20078,7 @@
           <a:lstStyle/>
           <a:p>
             <a:pPr algn="ctr"/>
-            <a:endParaRPr lang="en-US"/>
+            <a:endParaRPr lang="en-US" dirty="0"/>
           </a:p>
         </p:txBody>
       </p:sp>
@@ -21781,7 +20124,7 @@
           <a:lstStyle/>
           <a:p>
             <a:pPr algn="ctr"/>
-            <a:endParaRPr lang="en-US"/>
+            <a:endParaRPr lang="en-US" dirty="0"/>
           </a:p>
         </p:txBody>
       </p:sp>
@@ -21827,7 +20170,7 @@
           <a:lstStyle/>
           <a:p>
             <a:pPr algn="ctr"/>
-            <a:endParaRPr lang="en-US"/>
+            <a:endParaRPr lang="en-US" dirty="0"/>
           </a:p>
         </p:txBody>
       </p:sp>
@@ -21873,7 +20216,7 @@
           <a:lstStyle/>
           <a:p>
             <a:pPr algn="ctr"/>
-            <a:endParaRPr lang="en-US"/>
+            <a:endParaRPr lang="en-US" dirty="0"/>
           </a:p>
         </p:txBody>
       </p:sp>
@@ -21919,7 +20262,7 @@
           <a:lstStyle/>
           <a:p>
             <a:pPr algn="ctr"/>
-            <a:endParaRPr lang="en-US"/>
+            <a:endParaRPr lang="en-US" dirty="0"/>
           </a:p>
         </p:txBody>
       </p:sp>
@@ -21965,7 +20308,7 @@
           <a:lstStyle/>
           <a:p>
             <a:pPr algn="ctr"/>
-            <a:endParaRPr lang="en-US"/>
+            <a:endParaRPr lang="en-US" dirty="0"/>
           </a:p>
         </p:txBody>
       </p:sp>
@@ -22011,7 +20354,7 @@
           <a:lstStyle/>
           <a:p>
             <a:pPr algn="ctr"/>
-            <a:endParaRPr lang="en-US"/>
+            <a:endParaRPr lang="en-US" dirty="0"/>
           </a:p>
         </p:txBody>
       </p:sp>
@@ -22057,7 +20400,7 @@
           <a:lstStyle/>
           <a:p>
             <a:pPr algn="ctr"/>
-            <a:endParaRPr lang="en-US"/>
+            <a:endParaRPr lang="en-US" dirty="0"/>
           </a:p>
         </p:txBody>
       </p:sp>
@@ -22103,7 +20446,7 @@
           <a:lstStyle/>
           <a:p>
             <a:pPr algn="ctr"/>
-            <a:endParaRPr lang="en-US"/>
+            <a:endParaRPr lang="en-US" dirty="0"/>
           </a:p>
         </p:txBody>
       </p:sp>
@@ -22149,7 +20492,7 @@
           <a:lstStyle/>
           <a:p>
             <a:pPr algn="ctr"/>
-            <a:endParaRPr lang="en-US"/>
+            <a:endParaRPr lang="en-US" dirty="0"/>
           </a:p>
         </p:txBody>
       </p:sp>
@@ -22195,7 +20538,7 @@
           <a:lstStyle/>
           <a:p>
             <a:pPr algn="ctr"/>
-            <a:endParaRPr lang="en-US"/>
+            <a:endParaRPr lang="en-US" dirty="0"/>
           </a:p>
         </p:txBody>
       </p:sp>
@@ -22241,7 +20584,7 @@
           <a:lstStyle/>
           <a:p>
             <a:pPr algn="ctr"/>
-            <a:endParaRPr lang="en-US"/>
+            <a:endParaRPr lang="en-US" dirty="0"/>
           </a:p>
         </p:txBody>
       </p:sp>
@@ -22287,7 +20630,7 @@
           <a:lstStyle/>
           <a:p>
             <a:pPr algn="ctr"/>
-            <a:endParaRPr lang="en-US"/>
+            <a:endParaRPr lang="en-US" dirty="0"/>
           </a:p>
         </p:txBody>
       </p:sp>
@@ -22334,7 +20677,7 @@
           <a:lstStyle/>
           <a:p>
             <a:pPr algn="ctr"/>
-            <a:endParaRPr lang="en-US"/>
+            <a:endParaRPr lang="en-US" dirty="0"/>
           </a:p>
         </p:txBody>
       </p:sp>
@@ -22381,7 +20724,7 @@
           <a:lstStyle/>
           <a:p>
             <a:pPr algn="ctr"/>
-            <a:endParaRPr lang="en-US"/>
+            <a:endParaRPr lang="en-US" dirty="0"/>
           </a:p>
         </p:txBody>
       </p:sp>
@@ -22428,7 +20771,7 @@
           <a:lstStyle/>
           <a:p>
             <a:pPr algn="ctr"/>
-            <a:endParaRPr lang="en-US"/>
+            <a:endParaRPr lang="en-US" dirty="0"/>
           </a:p>
         </p:txBody>
       </p:sp>
@@ -22475,7 +20818,7 @@
           <a:lstStyle/>
           <a:p>
             <a:pPr algn="ctr"/>
-            <a:endParaRPr lang="en-US"/>
+            <a:endParaRPr lang="en-US" dirty="0"/>
           </a:p>
         </p:txBody>
       </p:sp>
@@ -22837,7 +21180,7 @@
           <a:lstStyle/>
           <a:p>
             <a:pPr algn="ctr"/>
-            <a:endParaRPr lang="en-US"/>
+            <a:endParaRPr lang="en-US" dirty="0"/>
           </a:p>
         </p:txBody>
       </p:sp>
@@ -22883,7 +21226,7 @@
           <a:lstStyle/>
           <a:p>
             <a:pPr algn="ctr"/>
-            <a:endParaRPr lang="en-US"/>
+            <a:endParaRPr lang="en-US" dirty="0"/>
           </a:p>
         </p:txBody>
       </p:sp>
@@ -22929,7 +21272,7 @@
           <a:lstStyle/>
           <a:p>
             <a:pPr algn="ctr"/>
-            <a:endParaRPr lang="en-US"/>
+            <a:endParaRPr lang="en-US" dirty="0"/>
           </a:p>
         </p:txBody>
       </p:sp>
@@ -22975,7 +21318,7 @@
           <a:lstStyle/>
           <a:p>
             <a:pPr algn="ctr"/>
-            <a:endParaRPr lang="en-US"/>
+            <a:endParaRPr lang="en-US" dirty="0"/>
           </a:p>
         </p:txBody>
       </p:sp>
@@ -23021,7 +21364,7 @@
           <a:lstStyle/>
           <a:p>
             <a:pPr algn="ctr"/>
-            <a:endParaRPr lang="en-US"/>
+            <a:endParaRPr lang="en-US" dirty="0"/>
           </a:p>
         </p:txBody>
       </p:sp>
@@ -23067,7 +21410,7 @@
           <a:lstStyle/>
           <a:p>
             <a:pPr algn="ctr"/>
-            <a:endParaRPr lang="en-US"/>
+            <a:endParaRPr lang="en-US" dirty="0"/>
           </a:p>
         </p:txBody>
       </p:sp>
@@ -23216,7 +21559,7 @@
           <a:lstStyle/>
           <a:p>
             <a:pPr algn="ctr"/>
-            <a:endParaRPr lang="en-US"/>
+            <a:endParaRPr lang="en-US" dirty="0"/>
           </a:p>
         </p:txBody>
       </p:sp>
@@ -23262,7 +21605,7 @@
           <a:lstStyle/>
           <a:p>
             <a:pPr algn="ctr"/>
-            <a:endParaRPr lang="en-US"/>
+            <a:endParaRPr lang="en-US" dirty="0"/>
           </a:p>
         </p:txBody>
       </p:sp>
@@ -23308,7 +21651,7 @@
           <a:lstStyle/>
           <a:p>
             <a:pPr algn="ctr"/>
-            <a:endParaRPr lang="en-US"/>
+            <a:endParaRPr lang="en-US" dirty="0"/>
           </a:p>
         </p:txBody>
       </p:sp>
@@ -23354,7 +21697,7 @@
           <a:lstStyle/>
           <a:p>
             <a:pPr algn="ctr"/>
-            <a:endParaRPr lang="en-US"/>
+            <a:endParaRPr lang="en-US" dirty="0"/>
           </a:p>
         </p:txBody>
       </p:sp>
@@ -23400,7 +21743,7 @@
           <a:lstStyle/>
           <a:p>
             <a:pPr algn="ctr"/>
-            <a:endParaRPr lang="en-US"/>
+            <a:endParaRPr lang="en-US" dirty="0"/>
           </a:p>
         </p:txBody>
       </p:sp>
@@ -23446,7 +21789,7 @@
           <a:lstStyle/>
           <a:p>
             <a:pPr algn="ctr"/>
-            <a:endParaRPr lang="en-US"/>
+            <a:endParaRPr lang="en-US" dirty="0"/>
           </a:p>
         </p:txBody>
       </p:sp>
@@ -23492,7 +21835,7 @@
           <a:lstStyle/>
           <a:p>
             <a:pPr algn="ctr"/>
-            <a:endParaRPr lang="en-US"/>
+            <a:endParaRPr lang="en-US" dirty="0"/>
           </a:p>
         </p:txBody>
       </p:sp>
@@ -23538,7 +21881,7 @@
           <a:lstStyle/>
           <a:p>
             <a:pPr algn="ctr"/>
-            <a:endParaRPr lang="en-US"/>
+            <a:endParaRPr lang="en-US" dirty="0"/>
           </a:p>
         </p:txBody>
       </p:sp>
@@ -23584,7 +21927,7 @@
           <a:lstStyle/>
           <a:p>
             <a:pPr algn="ctr"/>
-            <a:endParaRPr lang="en-US"/>
+            <a:endParaRPr lang="en-US" dirty="0"/>
           </a:p>
         </p:txBody>
       </p:sp>
@@ -23630,7 +21973,7 @@
           <a:lstStyle/>
           <a:p>
             <a:pPr algn="ctr"/>
-            <a:endParaRPr lang="en-US"/>
+            <a:endParaRPr lang="en-US" dirty="0"/>
           </a:p>
         </p:txBody>
       </p:sp>
@@ -23676,7 +22019,7 @@
           <a:lstStyle/>
           <a:p>
             <a:pPr algn="ctr"/>
-            <a:endParaRPr lang="en-US"/>
+            <a:endParaRPr lang="en-US" dirty="0"/>
           </a:p>
         </p:txBody>
       </p:sp>
@@ -23722,7 +22065,7 @@
           <a:lstStyle/>
           <a:p>
             <a:pPr algn="ctr"/>
-            <a:endParaRPr lang="en-US"/>
+            <a:endParaRPr lang="en-US" dirty="0"/>
           </a:p>
         </p:txBody>
       </p:sp>
@@ -23768,7 +22111,7 @@
           <a:lstStyle/>
           <a:p>
             <a:pPr algn="ctr"/>
-            <a:endParaRPr lang="en-US"/>
+            <a:endParaRPr lang="en-US" dirty="0"/>
           </a:p>
         </p:txBody>
       </p:sp>
@@ -23814,7 +22157,7 @@
           <a:lstStyle/>
           <a:p>
             <a:pPr algn="ctr"/>
-            <a:endParaRPr lang="en-US"/>
+            <a:endParaRPr lang="en-US" dirty="0"/>
           </a:p>
         </p:txBody>
       </p:sp>
@@ -23860,7 +22203,7 @@
           <a:lstStyle/>
           <a:p>
             <a:pPr algn="ctr"/>
-            <a:endParaRPr lang="en-US"/>
+            <a:endParaRPr lang="en-US" dirty="0"/>
           </a:p>
         </p:txBody>
       </p:sp>
@@ -23906,7 +22249,7 @@
           <a:lstStyle/>
           <a:p>
             <a:pPr algn="ctr"/>
-            <a:endParaRPr lang="en-US"/>
+            <a:endParaRPr lang="en-US" dirty="0"/>
           </a:p>
         </p:txBody>
       </p:sp>
@@ -23952,7 +22295,7 @@
           <a:lstStyle/>
           <a:p>
             <a:pPr algn="ctr"/>
-            <a:endParaRPr lang="en-US"/>
+            <a:endParaRPr lang="en-US" dirty="0"/>
           </a:p>
         </p:txBody>
       </p:sp>
@@ -23998,7 +22341,7 @@
           <a:lstStyle/>
           <a:p>
             <a:pPr algn="ctr"/>
-            <a:endParaRPr lang="en-US"/>
+            <a:endParaRPr lang="en-US" dirty="0"/>
           </a:p>
         </p:txBody>
       </p:sp>
@@ -24080,7 +22423,7 @@
           <a:lstStyle/>
           <a:p>
             <a:pPr algn="ctr"/>
-            <a:endParaRPr lang="en-US"/>
+            <a:endParaRPr lang="en-US" dirty="0"/>
           </a:p>
         </p:txBody>
       </p:sp>
@@ -24169,7 +22512,7 @@
           <a:lstStyle/>
           <a:p>
             <a:pPr algn="ctr"/>
-            <a:endParaRPr lang="en-US"/>
+            <a:endParaRPr lang="en-US" dirty="0"/>
           </a:p>
         </p:txBody>
       </p:sp>
@@ -24215,7 +22558,7 @@
           <a:lstStyle/>
           <a:p>
             <a:pPr algn="ctr"/>
-            <a:endParaRPr lang="en-US"/>
+            <a:endParaRPr lang="en-US" dirty="0"/>
           </a:p>
         </p:txBody>
       </p:sp>
@@ -24261,7 +22604,7 @@
           <a:lstStyle/>
           <a:p>
             <a:pPr algn="ctr"/>
-            <a:endParaRPr lang="en-US"/>
+            <a:endParaRPr lang="en-US" dirty="0"/>
           </a:p>
         </p:txBody>
       </p:sp>
@@ -24307,7 +22650,7 @@
           <a:lstStyle/>
           <a:p>
             <a:pPr algn="ctr"/>
-            <a:endParaRPr lang="en-US"/>
+            <a:endParaRPr lang="en-US" dirty="0"/>
           </a:p>
         </p:txBody>
       </p:sp>
@@ -24353,7 +22696,7 @@
           <a:lstStyle/>
           <a:p>
             <a:pPr algn="ctr"/>
-            <a:endParaRPr lang="en-US"/>
+            <a:endParaRPr lang="en-US" dirty="0"/>
           </a:p>
         </p:txBody>
       </p:sp>
@@ -24399,7 +22742,7 @@
           <a:lstStyle/>
           <a:p>
             <a:pPr algn="ctr"/>
-            <a:endParaRPr lang="en-US"/>
+            <a:endParaRPr lang="en-US" dirty="0"/>
           </a:p>
         </p:txBody>
       </p:sp>
@@ -24445,7 +22788,7 @@
           <a:lstStyle/>
           <a:p>
             <a:pPr algn="ctr"/>
-            <a:endParaRPr lang="en-US"/>
+            <a:endParaRPr lang="en-US" dirty="0"/>
           </a:p>
         </p:txBody>
       </p:sp>
@@ -24491,7 +22834,7 @@
           <a:lstStyle/>
           <a:p>
             <a:pPr algn="ctr"/>
-            <a:endParaRPr lang="en-US"/>
+            <a:endParaRPr lang="en-US" dirty="0"/>
           </a:p>
         </p:txBody>
       </p:sp>
@@ -24537,7 +22880,7 @@
           <a:lstStyle/>
           <a:p>
             <a:pPr algn="ctr"/>
-            <a:endParaRPr lang="en-US"/>
+            <a:endParaRPr lang="en-US" dirty="0"/>
           </a:p>
         </p:txBody>
       </p:sp>
@@ -24583,7 +22926,7 @@
           <a:lstStyle/>
           <a:p>
             <a:pPr algn="ctr"/>
-            <a:endParaRPr lang="en-US"/>
+            <a:endParaRPr lang="en-US" dirty="0"/>
           </a:p>
         </p:txBody>
       </p:sp>
@@ -24629,7 +22972,7 @@
           <a:lstStyle/>
           <a:p>
             <a:pPr algn="ctr"/>
-            <a:endParaRPr lang="en-US"/>
+            <a:endParaRPr lang="en-US" dirty="0"/>
           </a:p>
         </p:txBody>
       </p:sp>
@@ -24675,7 +23018,7 @@
           <a:lstStyle/>
           <a:p>
             <a:pPr algn="ctr"/>
-            <a:endParaRPr lang="en-US"/>
+            <a:endParaRPr lang="en-US" dirty="0"/>
           </a:p>
         </p:txBody>
       </p:sp>
@@ -24721,7 +23064,7 @@
           <a:lstStyle/>
           <a:p>
             <a:pPr algn="ctr"/>
-            <a:endParaRPr lang="en-US"/>
+            <a:endParaRPr lang="en-US" dirty="0"/>
           </a:p>
         </p:txBody>
       </p:sp>
@@ -24767,7 +23110,7 @@
           <a:lstStyle/>
           <a:p>
             <a:pPr algn="ctr"/>
-            <a:endParaRPr lang="en-US"/>
+            <a:endParaRPr lang="en-US" dirty="0"/>
           </a:p>
         </p:txBody>
       </p:sp>
@@ -24813,7 +23156,7 @@
           <a:lstStyle/>
           <a:p>
             <a:pPr algn="ctr"/>
-            <a:endParaRPr lang="en-US"/>
+            <a:endParaRPr lang="en-US" dirty="0"/>
           </a:p>
         </p:txBody>
       </p:sp>
@@ -24859,7 +23202,7 @@
           <a:lstStyle/>
           <a:p>
             <a:pPr algn="ctr"/>
-            <a:endParaRPr lang="en-US"/>
+            <a:endParaRPr lang="en-US" dirty="0"/>
           </a:p>
         </p:txBody>
       </p:sp>
@@ -24905,7 +23248,7 @@
           <a:lstStyle/>
           <a:p>
             <a:pPr algn="ctr"/>
-            <a:endParaRPr lang="en-US"/>
+            <a:endParaRPr lang="en-US" dirty="0"/>
           </a:p>
         </p:txBody>
       </p:sp>
@@ -24951,7 +23294,7 @@
           <a:lstStyle/>
           <a:p>
             <a:pPr algn="ctr"/>
-            <a:endParaRPr lang="en-US"/>
+            <a:endParaRPr lang="en-US" dirty="0"/>
           </a:p>
         </p:txBody>
       </p:sp>
@@ -24998,7 +23341,7 @@
           <a:lstStyle/>
           <a:p>
             <a:pPr algn="ctr"/>
-            <a:endParaRPr lang="en-US"/>
+            <a:endParaRPr lang="en-US" dirty="0"/>
           </a:p>
         </p:txBody>
       </p:sp>
@@ -25045,7 +23388,7 @@
           <a:lstStyle/>
           <a:p>
             <a:pPr algn="ctr"/>
-            <a:endParaRPr lang="en-US"/>
+            <a:endParaRPr lang="en-US" dirty="0"/>
           </a:p>
         </p:txBody>
       </p:sp>
@@ -25092,7 +23435,7 @@
           <a:lstStyle/>
           <a:p>
             <a:pPr algn="ctr"/>
-            <a:endParaRPr lang="en-US"/>
+            <a:endParaRPr lang="en-US" dirty="0"/>
           </a:p>
         </p:txBody>
       </p:sp>
@@ -25139,7 +23482,7 @@
           <a:lstStyle/>
           <a:p>
             <a:pPr algn="ctr"/>
-            <a:endParaRPr lang="en-US"/>
+            <a:endParaRPr lang="en-US" dirty="0"/>
           </a:p>
         </p:txBody>
       </p:sp>
@@ -25244,20 +23587,12 @@
           <a:p>
             <a:pPr algn="ctr"/>
             <a:r>
-              <a:rPr lang="en-US" dirty="0" err="1">
-                <a:solidFill>
-                  <a:schemeClr val="tx1"/>
-                </a:solidFill>
-              </a:rPr>
-              <a:t>ExpID</a:t>
-            </a:r>
-            <a:r>
               <a:rPr lang="en-US" dirty="0">
                 <a:solidFill>
                   <a:schemeClr val="tx1"/>
                 </a:solidFill>
               </a:rPr>
-              <a:t>: 265</a:t>
+              <a:t>ExpID: 265</a:t>
             </a:r>
           </a:p>
         </p:txBody>
@@ -25363,20 +23698,12 @@
           <a:p>
             <a:pPr algn="ctr"/>
             <a:r>
-              <a:rPr lang="en-US" dirty="0" err="1">
-                <a:solidFill>
-                  <a:schemeClr val="tx1"/>
-                </a:solidFill>
-              </a:rPr>
-              <a:t>ExpID</a:t>
-            </a:r>
-            <a:r>
               <a:rPr lang="en-US" dirty="0">
                 <a:solidFill>
                   <a:schemeClr val="tx1"/>
                 </a:solidFill>
               </a:rPr>
-              <a:t>: 266</a:t>
+              <a:t>ExpID: 266</a:t>
             </a:r>
           </a:p>
         </p:txBody>
@@ -25423,7 +23750,7 @@
           <a:lstStyle/>
           <a:p>
             <a:pPr algn="ctr"/>
-            <a:endParaRPr lang="en-US"/>
+            <a:endParaRPr lang="en-US" dirty="0"/>
           </a:p>
         </p:txBody>
       </p:sp>
@@ -25469,7 +23796,7 @@
           <a:lstStyle/>
           <a:p>
             <a:pPr algn="ctr"/>
-            <a:endParaRPr lang="en-US"/>
+            <a:endParaRPr lang="en-US" dirty="0"/>
           </a:p>
         </p:txBody>
       </p:sp>
@@ -25515,7 +23842,7 @@
           <a:lstStyle/>
           <a:p>
             <a:pPr algn="ctr"/>
-            <a:endParaRPr lang="en-US"/>
+            <a:endParaRPr lang="en-US" dirty="0"/>
           </a:p>
         </p:txBody>
       </p:sp>
@@ -25920,7 +24247,7 @@
           <a:lstStyle/>
           <a:p>
             <a:pPr algn="ctr"/>
-            <a:endParaRPr lang="en-US"/>
+            <a:endParaRPr lang="en-US" dirty="0"/>
           </a:p>
         </p:txBody>
       </p:sp>
@@ -25966,7 +24293,7 @@
           <a:lstStyle/>
           <a:p>
             <a:pPr algn="ctr"/>
-            <a:endParaRPr lang="en-US"/>
+            <a:endParaRPr lang="en-US" dirty="0"/>
           </a:p>
         </p:txBody>
       </p:sp>
@@ -26012,7 +24339,7 @@
           <a:lstStyle/>
           <a:p>
             <a:pPr algn="ctr"/>
-            <a:endParaRPr lang="en-US"/>
+            <a:endParaRPr lang="en-US" dirty="0"/>
           </a:p>
         </p:txBody>
       </p:sp>
@@ -26058,7 +24385,7 @@
           <a:lstStyle/>
           <a:p>
             <a:pPr algn="ctr"/>
-            <a:endParaRPr lang="en-US"/>
+            <a:endParaRPr lang="en-US" dirty="0"/>
           </a:p>
         </p:txBody>
       </p:sp>
@@ -26104,7 +24431,7 @@
           <a:lstStyle/>
           <a:p>
             <a:pPr algn="ctr"/>
-            <a:endParaRPr lang="en-US"/>
+            <a:endParaRPr lang="en-US" dirty="0"/>
           </a:p>
         </p:txBody>
       </p:sp>
@@ -26150,7 +24477,7 @@
           <a:lstStyle/>
           <a:p>
             <a:pPr algn="ctr"/>
-            <a:endParaRPr lang="en-US"/>
+            <a:endParaRPr lang="en-US" dirty="0"/>
           </a:p>
         </p:txBody>
       </p:sp>
@@ -26196,7 +24523,7 @@
           <a:lstStyle/>
           <a:p>
             <a:pPr algn="ctr"/>
-            <a:endParaRPr lang="en-US"/>
+            <a:endParaRPr lang="en-US" dirty="0"/>
           </a:p>
         </p:txBody>
       </p:sp>
@@ -26242,7 +24569,7 @@
           <a:lstStyle/>
           <a:p>
             <a:pPr algn="ctr"/>
-            <a:endParaRPr lang="en-US"/>
+            <a:endParaRPr lang="en-US" dirty="0"/>
           </a:p>
         </p:txBody>
       </p:sp>
@@ -26288,7 +24615,7 @@
           <a:lstStyle/>
           <a:p>
             <a:pPr algn="ctr"/>
-            <a:endParaRPr lang="en-US"/>
+            <a:endParaRPr lang="en-US" dirty="0"/>
           </a:p>
         </p:txBody>
       </p:sp>
@@ -26334,7 +24661,7 @@
           <a:lstStyle/>
           <a:p>
             <a:pPr algn="ctr"/>
-            <a:endParaRPr lang="en-US"/>
+            <a:endParaRPr lang="en-US" dirty="0"/>
           </a:p>
         </p:txBody>
       </p:sp>
@@ -26380,7 +24707,7 @@
           <a:lstStyle/>
           <a:p>
             <a:pPr algn="ctr"/>
-            <a:endParaRPr lang="en-US"/>
+            <a:endParaRPr lang="en-US" dirty="0"/>
           </a:p>
         </p:txBody>
       </p:sp>
@@ -26426,7 +24753,7 @@
           <a:lstStyle/>
           <a:p>
             <a:pPr algn="ctr"/>
-            <a:endParaRPr lang="en-US"/>
+            <a:endParaRPr lang="en-US" dirty="0"/>
           </a:p>
         </p:txBody>
       </p:sp>
@@ -26472,7 +24799,7 @@
           <a:lstStyle/>
           <a:p>
             <a:pPr algn="ctr"/>
-            <a:endParaRPr lang="en-US"/>
+            <a:endParaRPr lang="en-US" dirty="0"/>
           </a:p>
         </p:txBody>
       </p:sp>
@@ -26518,7 +24845,7 @@
           <a:lstStyle/>
           <a:p>
             <a:pPr algn="ctr"/>
-            <a:endParaRPr lang="en-US"/>
+            <a:endParaRPr lang="en-US" dirty="0"/>
           </a:p>
         </p:txBody>
       </p:sp>
@@ -26564,7 +24891,7 @@
           <a:lstStyle/>
           <a:p>
             <a:pPr algn="ctr"/>
-            <a:endParaRPr lang="en-US"/>
+            <a:endParaRPr lang="en-US" dirty="0"/>
           </a:p>
         </p:txBody>
       </p:sp>
@@ -26610,7 +24937,7 @@
           <a:lstStyle/>
           <a:p>
             <a:pPr algn="ctr"/>
-            <a:endParaRPr lang="en-US"/>
+            <a:endParaRPr lang="en-US" dirty="0"/>
           </a:p>
         </p:txBody>
       </p:sp>
@@ -26656,7 +24983,7 @@
           <a:lstStyle/>
           <a:p>
             <a:pPr algn="ctr"/>
-            <a:endParaRPr lang="en-US"/>
+            <a:endParaRPr lang="en-US" dirty="0"/>
           </a:p>
         </p:txBody>
       </p:sp>
@@ -26702,7 +25029,7 @@
           <a:lstStyle/>
           <a:p>
             <a:pPr algn="ctr"/>
-            <a:endParaRPr lang="en-US"/>
+            <a:endParaRPr lang="en-US" dirty="0"/>
           </a:p>
         </p:txBody>
       </p:sp>
@@ -26749,7 +25076,7 @@
           <a:lstStyle/>
           <a:p>
             <a:pPr algn="ctr"/>
-            <a:endParaRPr lang="en-US"/>
+            <a:endParaRPr lang="en-US" dirty="0"/>
           </a:p>
         </p:txBody>
       </p:sp>
@@ -26838,7 +25165,7 @@
           <a:lstStyle/>
           <a:p>
             <a:pPr algn="ctr"/>
-            <a:endParaRPr lang="en-US"/>
+            <a:endParaRPr lang="en-US" dirty="0"/>
           </a:p>
         </p:txBody>
       </p:sp>
@@ -26884,7 +25211,7 @@
           <a:lstStyle/>
           <a:p>
             <a:pPr algn="ctr"/>
-            <a:endParaRPr lang="en-US"/>
+            <a:endParaRPr lang="en-US" dirty="0"/>
           </a:p>
         </p:txBody>
       </p:sp>
@@ -26930,7 +25257,7 @@
           <a:lstStyle/>
           <a:p>
             <a:pPr algn="ctr"/>
-            <a:endParaRPr lang="en-US"/>
+            <a:endParaRPr lang="en-US" dirty="0"/>
           </a:p>
         </p:txBody>
       </p:sp>
@@ -26976,7 +25303,7 @@
           <a:lstStyle/>
           <a:p>
             <a:pPr algn="ctr"/>
-            <a:endParaRPr lang="en-US"/>
+            <a:endParaRPr lang="en-US" dirty="0"/>
           </a:p>
         </p:txBody>
       </p:sp>
@@ -27022,7 +25349,7 @@
           <a:lstStyle/>
           <a:p>
             <a:pPr algn="ctr"/>
-            <a:endParaRPr lang="en-US"/>
+            <a:endParaRPr lang="en-US" dirty="0"/>
           </a:p>
         </p:txBody>
       </p:sp>
@@ -27068,7 +25395,7 @@
           <a:lstStyle/>
           <a:p>
             <a:pPr algn="ctr"/>
-            <a:endParaRPr lang="en-US"/>
+            <a:endParaRPr lang="en-US" dirty="0"/>
           </a:p>
         </p:txBody>
       </p:sp>
@@ -27114,7 +25441,7 @@
           <a:lstStyle/>
           <a:p>
             <a:pPr algn="ctr"/>
-            <a:endParaRPr lang="en-US"/>
+            <a:endParaRPr lang="en-US" dirty="0"/>
           </a:p>
         </p:txBody>
       </p:sp>
@@ -27160,7 +25487,7 @@
           <a:lstStyle/>
           <a:p>
             <a:pPr algn="ctr"/>
-            <a:endParaRPr lang="en-US"/>
+            <a:endParaRPr lang="en-US" dirty="0"/>
           </a:p>
         </p:txBody>
       </p:sp>
@@ -27206,7 +25533,7 @@
           <a:lstStyle/>
           <a:p>
             <a:pPr algn="ctr"/>
-            <a:endParaRPr lang="en-US"/>
+            <a:endParaRPr lang="en-US" dirty="0"/>
           </a:p>
         </p:txBody>
       </p:sp>
@@ -27252,7 +25579,7 @@
           <a:lstStyle/>
           <a:p>
             <a:pPr algn="ctr"/>
-            <a:endParaRPr lang="en-US"/>
+            <a:endParaRPr lang="en-US" dirty="0"/>
           </a:p>
         </p:txBody>
       </p:sp>
@@ -27298,7 +25625,7 @@
           <a:lstStyle/>
           <a:p>
             <a:pPr algn="ctr"/>
-            <a:endParaRPr lang="en-US"/>
+            <a:endParaRPr lang="en-US" dirty="0"/>
           </a:p>
         </p:txBody>
       </p:sp>
@@ -27344,7 +25671,7 @@
           <a:lstStyle/>
           <a:p>
             <a:pPr algn="ctr"/>
-            <a:endParaRPr lang="en-US"/>
+            <a:endParaRPr lang="en-US" dirty="0"/>
           </a:p>
         </p:txBody>
       </p:sp>
@@ -27390,7 +25717,7 @@
           <a:lstStyle/>
           <a:p>
             <a:pPr algn="ctr"/>
-            <a:endParaRPr lang="en-US"/>
+            <a:endParaRPr lang="en-US" dirty="0"/>
           </a:p>
         </p:txBody>
       </p:sp>
@@ -27436,7 +25763,7 @@
           <a:lstStyle/>
           <a:p>
             <a:pPr algn="ctr"/>
-            <a:endParaRPr lang="en-US"/>
+            <a:endParaRPr lang="en-US" dirty="0"/>
           </a:p>
         </p:txBody>
       </p:sp>
@@ -27482,7 +25809,7 @@
           <a:lstStyle/>
           <a:p>
             <a:pPr algn="ctr"/>
-            <a:endParaRPr lang="en-US"/>
+            <a:endParaRPr lang="en-US" dirty="0"/>
           </a:p>
         </p:txBody>
       </p:sp>
@@ -27528,7 +25855,7 @@
           <a:lstStyle/>
           <a:p>
             <a:pPr algn="ctr"/>
-            <a:endParaRPr lang="en-US"/>
+            <a:endParaRPr lang="en-US" dirty="0"/>
           </a:p>
         </p:txBody>
       </p:sp>
@@ -27574,7 +25901,7 @@
           <a:lstStyle/>
           <a:p>
             <a:pPr algn="ctr"/>
-            <a:endParaRPr lang="en-US"/>
+            <a:endParaRPr lang="en-US" dirty="0"/>
           </a:p>
         </p:txBody>
       </p:sp>
@@ -27620,7 +25947,7 @@
           <a:lstStyle/>
           <a:p>
             <a:pPr algn="ctr"/>
-            <a:endParaRPr lang="en-US"/>
+            <a:endParaRPr lang="en-US" dirty="0"/>
           </a:p>
         </p:txBody>
       </p:sp>
@@ -27667,7 +25994,7 @@
           <a:lstStyle/>
           <a:p>
             <a:pPr algn="ctr"/>
-            <a:endParaRPr lang="en-US"/>
+            <a:endParaRPr lang="en-US" dirty="0"/>
           </a:p>
         </p:txBody>
       </p:sp>
@@ -27714,7 +26041,7 @@
           <a:lstStyle/>
           <a:p>
             <a:pPr algn="ctr"/>
-            <a:endParaRPr lang="en-US"/>
+            <a:endParaRPr lang="en-US" dirty="0"/>
           </a:p>
         </p:txBody>
       </p:sp>
@@ -27761,7 +26088,7 @@
           <a:lstStyle/>
           <a:p>
             <a:pPr algn="ctr"/>
-            <a:endParaRPr lang="en-US"/>
+            <a:endParaRPr lang="en-US" dirty="0"/>
           </a:p>
         </p:txBody>
       </p:sp>
@@ -27808,7 +26135,7 @@
           <a:lstStyle/>
           <a:p>
             <a:pPr algn="ctr"/>
-            <a:endParaRPr lang="en-US"/>
+            <a:endParaRPr lang="en-US" dirty="0"/>
           </a:p>
         </p:txBody>
       </p:sp>
@@ -27854,7 +26181,7 @@
           <a:lstStyle/>
           <a:p>
             <a:pPr algn="ctr"/>
-            <a:endParaRPr lang="en-US"/>
+            <a:endParaRPr lang="en-US" dirty="0"/>
           </a:p>
         </p:txBody>
       </p:sp>
@@ -27900,7 +26227,7 @@
           <a:lstStyle/>
           <a:p>
             <a:pPr algn="ctr"/>
-            <a:endParaRPr lang="en-US"/>
+            <a:endParaRPr lang="en-US" dirty="0"/>
           </a:p>
         </p:txBody>
       </p:sp>
@@ -27946,7 +26273,7 @@
           <a:lstStyle/>
           <a:p>
             <a:pPr algn="ctr"/>
-            <a:endParaRPr lang="en-US"/>
+            <a:endParaRPr lang="en-US" dirty="0"/>
           </a:p>
         </p:txBody>
       </p:sp>
@@ -28030,20 +26357,12 @@
           <a:p>
             <a:pPr algn="ctr"/>
             <a:r>
-              <a:rPr lang="en-US" sz="1200" dirty="0" err="1">
-                <a:solidFill>
-                  <a:schemeClr val="tx1"/>
-                </a:solidFill>
-              </a:rPr>
-              <a:t>ExpID</a:t>
-            </a:r>
-            <a:r>
               <a:rPr lang="en-US" sz="1200" dirty="0">
                 <a:solidFill>
                   <a:schemeClr val="tx1"/>
                 </a:solidFill>
               </a:rPr>
-              <a:t>: 265</a:t>
+              <a:t>ExpID: 265</a:t>
             </a:r>
           </a:p>
         </p:txBody>
@@ -28128,20 +26447,12 @@
           <a:p>
             <a:pPr algn="ctr"/>
             <a:r>
-              <a:rPr lang="en-US" sz="1200" dirty="0" err="1">
-                <a:solidFill>
-                  <a:schemeClr val="tx1"/>
-                </a:solidFill>
-              </a:rPr>
-              <a:t>ExpID</a:t>
-            </a:r>
-            <a:r>
               <a:rPr lang="en-US" sz="1200" dirty="0">
                 <a:solidFill>
                   <a:schemeClr val="tx1"/>
                 </a:solidFill>
               </a:rPr>
-              <a:t>: 265</a:t>
+              <a:t>ExpID: 265</a:t>
             </a:r>
           </a:p>
         </p:txBody>
@@ -28226,20 +26537,12 @@
           <a:p>
             <a:pPr algn="ctr"/>
             <a:r>
-              <a:rPr lang="en-US" sz="1200" dirty="0" err="1">
-                <a:solidFill>
-                  <a:schemeClr val="tx1"/>
-                </a:solidFill>
-              </a:rPr>
-              <a:t>ExpID</a:t>
-            </a:r>
-            <a:r>
               <a:rPr lang="en-US" sz="1200" dirty="0">
                 <a:solidFill>
                   <a:schemeClr val="tx1"/>
                 </a:solidFill>
               </a:rPr>
-              <a:t>: 265</a:t>
+              <a:t>ExpID: 265</a:t>
             </a:r>
           </a:p>
         </p:txBody>
@@ -28324,20 +26627,12 @@
           <a:p>
             <a:pPr algn="ctr"/>
             <a:r>
-              <a:rPr lang="en-US" sz="1200" dirty="0" err="1">
-                <a:solidFill>
-                  <a:schemeClr val="tx1"/>
-                </a:solidFill>
-              </a:rPr>
-              <a:t>ExpID</a:t>
-            </a:r>
-            <a:r>
               <a:rPr lang="en-US" sz="1200" dirty="0">
                 <a:solidFill>
                   <a:schemeClr val="tx1"/>
                 </a:solidFill>
               </a:rPr>
-              <a:t>: 266</a:t>
+              <a:t>ExpID: 266</a:t>
             </a:r>
           </a:p>
         </p:txBody>
@@ -28385,7 +26680,7 @@
           <a:lstStyle/>
           <a:p>
             <a:pPr algn="ctr"/>
-            <a:endParaRPr lang="en-US"/>
+            <a:endParaRPr lang="en-US" dirty="0"/>
           </a:p>
         </p:txBody>
       </p:sp>
@@ -28469,20 +26764,12 @@
           <a:p>
             <a:pPr algn="ctr"/>
             <a:r>
-              <a:rPr lang="en-US" sz="1200" dirty="0" err="1">
-                <a:solidFill>
-                  <a:schemeClr val="tx1"/>
-                </a:solidFill>
-              </a:rPr>
-              <a:t>ExpID</a:t>
-            </a:r>
-            <a:r>
               <a:rPr lang="en-US" sz="1200" dirty="0">
                 <a:solidFill>
                   <a:schemeClr val="tx1"/>
                 </a:solidFill>
               </a:rPr>
-              <a:t>: 265</a:t>
+              <a:t>ExpID: 265</a:t>
             </a:r>
           </a:p>
         </p:txBody>
@@ -28632,7 +26919,7 @@
           <a:lstStyle/>
           <a:p>
             <a:pPr algn="ctr"/>
-            <a:endParaRPr lang="en-US"/>
+            <a:endParaRPr lang="en-US" dirty="0"/>
           </a:p>
         </p:txBody>
       </p:sp>
@@ -28678,7 +26965,7 @@
           <a:lstStyle/>
           <a:p>
             <a:pPr algn="ctr"/>
-            <a:endParaRPr lang="en-US"/>
+            <a:endParaRPr lang="en-US" dirty="0"/>
           </a:p>
         </p:txBody>
       </p:sp>
@@ -28724,7 +27011,7 @@
           <a:lstStyle/>
           <a:p>
             <a:pPr algn="ctr"/>
-            <a:endParaRPr lang="en-US"/>
+            <a:endParaRPr lang="en-US" dirty="0"/>
           </a:p>
         </p:txBody>
       </p:sp>
@@ -28770,7 +27057,7 @@
           <a:lstStyle/>
           <a:p>
             <a:pPr algn="ctr"/>
-            <a:endParaRPr lang="en-US"/>
+            <a:endParaRPr lang="en-US" dirty="0"/>
           </a:p>
         </p:txBody>
       </p:sp>
@@ -28816,7 +27103,7 @@
           <a:lstStyle/>
           <a:p>
             <a:pPr algn="ctr"/>
-            <a:endParaRPr lang="en-US"/>
+            <a:endParaRPr lang="en-US" dirty="0"/>
           </a:p>
         </p:txBody>
       </p:sp>
@@ -28862,7 +27149,7 @@
           <a:lstStyle/>
           <a:p>
             <a:pPr algn="ctr"/>
-            <a:endParaRPr lang="en-US"/>
+            <a:endParaRPr lang="en-US" dirty="0"/>
           </a:p>
         </p:txBody>
       </p:sp>
@@ -28908,7 +27195,7 @@
           <a:lstStyle/>
           <a:p>
             <a:pPr algn="ctr"/>
-            <a:endParaRPr lang="en-US"/>
+            <a:endParaRPr lang="en-US" dirty="0"/>
           </a:p>
         </p:txBody>
       </p:sp>
@@ -28954,7 +27241,7 @@
           <a:lstStyle/>
           <a:p>
             <a:pPr algn="ctr"/>
-            <a:endParaRPr lang="en-US"/>
+            <a:endParaRPr lang="en-US" dirty="0"/>
           </a:p>
         </p:txBody>
       </p:sp>
@@ -29000,7 +27287,7 @@
           <a:lstStyle/>
           <a:p>
             <a:pPr algn="ctr"/>
-            <a:endParaRPr lang="en-US"/>
+            <a:endParaRPr lang="en-US" dirty="0"/>
           </a:p>
         </p:txBody>
       </p:sp>
@@ -29046,7 +27333,7 @@
           <a:lstStyle/>
           <a:p>
             <a:pPr algn="ctr"/>
-            <a:endParaRPr lang="en-US"/>
+            <a:endParaRPr lang="en-US" dirty="0"/>
           </a:p>
         </p:txBody>
       </p:sp>
@@ -29092,7 +27379,7 @@
           <a:lstStyle/>
           <a:p>
             <a:pPr algn="ctr"/>
-            <a:endParaRPr lang="en-US"/>
+            <a:endParaRPr lang="en-US" dirty="0"/>
           </a:p>
         </p:txBody>
       </p:sp>
@@ -29138,7 +27425,7 @@
           <a:lstStyle/>
           <a:p>
             <a:pPr algn="ctr"/>
-            <a:endParaRPr lang="en-US"/>
+            <a:endParaRPr lang="en-US" dirty="0"/>
           </a:p>
         </p:txBody>
       </p:sp>
@@ -29184,7 +27471,7 @@
           <a:lstStyle/>
           <a:p>
             <a:pPr algn="ctr"/>
-            <a:endParaRPr lang="en-US"/>
+            <a:endParaRPr lang="en-US" dirty="0"/>
           </a:p>
         </p:txBody>
       </p:sp>
@@ -29230,7 +27517,7 @@
           <a:lstStyle/>
           <a:p>
             <a:pPr algn="ctr"/>
-            <a:endParaRPr lang="en-US"/>
+            <a:endParaRPr lang="en-US" dirty="0"/>
           </a:p>
         </p:txBody>
       </p:sp>
@@ -29276,7 +27563,7 @@
           <a:lstStyle/>
           <a:p>
             <a:pPr algn="ctr"/>
-            <a:endParaRPr lang="en-US"/>
+            <a:endParaRPr lang="en-US" dirty="0"/>
           </a:p>
         </p:txBody>
       </p:sp>
@@ -29322,7 +27609,7 @@
           <a:lstStyle/>
           <a:p>
             <a:pPr algn="ctr"/>
-            <a:endParaRPr lang="en-US"/>
+            <a:endParaRPr lang="en-US" dirty="0"/>
           </a:p>
         </p:txBody>
       </p:sp>
@@ -29368,7 +27655,7 @@
           <a:lstStyle/>
           <a:p>
             <a:pPr algn="ctr"/>
-            <a:endParaRPr lang="en-US"/>
+            <a:endParaRPr lang="en-US" dirty="0"/>
           </a:p>
         </p:txBody>
       </p:sp>
@@ -29414,7 +27701,7 @@
           <a:lstStyle/>
           <a:p>
             <a:pPr algn="ctr"/>
-            <a:endParaRPr lang="en-US"/>
+            <a:endParaRPr lang="en-US" dirty="0"/>
           </a:p>
         </p:txBody>
       </p:sp>
@@ -29496,7 +27783,7 @@
           <a:lstStyle/>
           <a:p>
             <a:pPr algn="ctr"/>
-            <a:endParaRPr lang="en-US"/>
+            <a:endParaRPr lang="en-US" dirty="0"/>
           </a:p>
         </p:txBody>
       </p:sp>
@@ -29542,7 +27829,7 @@
           <a:lstStyle/>
           <a:p>
             <a:pPr algn="ctr"/>
-            <a:endParaRPr lang="en-US"/>
+            <a:endParaRPr lang="en-US" dirty="0"/>
           </a:p>
         </p:txBody>
       </p:sp>
@@ -29588,7 +27875,7 @@
           <a:lstStyle/>
           <a:p>
             <a:pPr algn="ctr"/>
-            <a:endParaRPr lang="en-US"/>
+            <a:endParaRPr lang="en-US" dirty="0"/>
           </a:p>
         </p:txBody>
       </p:sp>
@@ -29634,7 +27921,7 @@
           <a:lstStyle/>
           <a:p>
             <a:pPr algn="ctr"/>
-            <a:endParaRPr lang="en-US"/>
+            <a:endParaRPr lang="en-US" dirty="0"/>
           </a:p>
         </p:txBody>
       </p:sp>
@@ -29723,7 +28010,7 @@
           <a:lstStyle/>
           <a:p>
             <a:pPr algn="ctr"/>
-            <a:endParaRPr lang="en-US"/>
+            <a:endParaRPr lang="en-US" dirty="0"/>
           </a:p>
         </p:txBody>
       </p:sp>
@@ -29769,7 +28056,7 @@
           <a:lstStyle/>
           <a:p>
             <a:pPr algn="ctr"/>
-            <a:endParaRPr lang="en-US"/>
+            <a:endParaRPr lang="en-US" dirty="0"/>
           </a:p>
         </p:txBody>
       </p:sp>
@@ -29815,7 +28102,7 @@
           <a:lstStyle/>
           <a:p>
             <a:pPr algn="ctr"/>
-            <a:endParaRPr lang="en-US"/>
+            <a:endParaRPr lang="en-US" dirty="0"/>
           </a:p>
         </p:txBody>
       </p:sp>
@@ -29861,7 +28148,7 @@
           <a:lstStyle/>
           <a:p>
             <a:pPr algn="ctr"/>
-            <a:endParaRPr lang="en-US"/>
+            <a:endParaRPr lang="en-US" dirty="0"/>
           </a:p>
         </p:txBody>
       </p:sp>
@@ -29907,7 +28194,7 @@
           <a:lstStyle/>
           <a:p>
             <a:pPr algn="ctr"/>
-            <a:endParaRPr lang="en-US"/>
+            <a:endParaRPr lang="en-US" dirty="0"/>
           </a:p>
         </p:txBody>
       </p:sp>
@@ -29953,7 +28240,7 @@
           <a:lstStyle/>
           <a:p>
             <a:pPr algn="ctr"/>
-            <a:endParaRPr lang="en-US"/>
+            <a:endParaRPr lang="en-US" dirty="0"/>
           </a:p>
         </p:txBody>
       </p:sp>
@@ -29999,7 +28286,7 @@
           <a:lstStyle/>
           <a:p>
             <a:pPr algn="ctr"/>
-            <a:endParaRPr lang="en-US"/>
+            <a:endParaRPr lang="en-US" dirty="0"/>
           </a:p>
         </p:txBody>
       </p:sp>
@@ -30045,7 +28332,7 @@
           <a:lstStyle/>
           <a:p>
             <a:pPr algn="ctr"/>
-            <a:endParaRPr lang="en-US"/>
+            <a:endParaRPr lang="en-US" dirty="0"/>
           </a:p>
         </p:txBody>
       </p:sp>
@@ -30091,7 +28378,7 @@
           <a:lstStyle/>
           <a:p>
             <a:pPr algn="ctr"/>
-            <a:endParaRPr lang="en-US"/>
+            <a:endParaRPr lang="en-US" dirty="0"/>
           </a:p>
         </p:txBody>
       </p:sp>
@@ -30137,7 +28424,7 @@
           <a:lstStyle/>
           <a:p>
             <a:pPr algn="ctr"/>
-            <a:endParaRPr lang="en-US"/>
+            <a:endParaRPr lang="en-US" dirty="0"/>
           </a:p>
         </p:txBody>
       </p:sp>
@@ -30183,7 +28470,7 @@
           <a:lstStyle/>
           <a:p>
             <a:pPr algn="ctr"/>
-            <a:endParaRPr lang="en-US"/>
+            <a:endParaRPr lang="en-US" dirty="0"/>
           </a:p>
         </p:txBody>
       </p:sp>
@@ -30229,7 +28516,7 @@
           <a:lstStyle/>
           <a:p>
             <a:pPr algn="ctr"/>
-            <a:endParaRPr lang="en-US"/>
+            <a:endParaRPr lang="en-US" dirty="0"/>
           </a:p>
         </p:txBody>
       </p:sp>
@@ -30275,7 +28562,7 @@
           <a:lstStyle/>
           <a:p>
             <a:pPr algn="ctr"/>
-            <a:endParaRPr lang="en-US"/>
+            <a:endParaRPr lang="en-US" dirty="0"/>
           </a:p>
         </p:txBody>
       </p:sp>
@@ -30321,7 +28608,7 @@
           <a:lstStyle/>
           <a:p>
             <a:pPr algn="ctr"/>
-            <a:endParaRPr lang="en-US"/>
+            <a:endParaRPr lang="en-US" dirty="0"/>
           </a:p>
         </p:txBody>
       </p:sp>
@@ -30367,7 +28654,7 @@
           <a:lstStyle/>
           <a:p>
             <a:pPr algn="ctr"/>
-            <a:endParaRPr lang="en-US"/>
+            <a:endParaRPr lang="en-US" dirty="0"/>
           </a:p>
         </p:txBody>
       </p:sp>
@@ -30413,7 +28700,7 @@
           <a:lstStyle/>
           <a:p>
             <a:pPr algn="ctr"/>
-            <a:endParaRPr lang="en-US"/>
+            <a:endParaRPr lang="en-US" dirty="0"/>
           </a:p>
         </p:txBody>
       </p:sp>
@@ -30459,7 +28746,7 @@
           <a:lstStyle/>
           <a:p>
             <a:pPr algn="ctr"/>
-            <a:endParaRPr lang="en-US"/>
+            <a:endParaRPr lang="en-US" dirty="0"/>
           </a:p>
         </p:txBody>
       </p:sp>
@@ -30505,7 +28792,7 @@
           <a:lstStyle/>
           <a:p>
             <a:pPr algn="ctr"/>
-            <a:endParaRPr lang="en-US"/>
+            <a:endParaRPr lang="en-US" dirty="0"/>
           </a:p>
         </p:txBody>
       </p:sp>
@@ -30552,7 +28839,7 @@
           <a:lstStyle/>
           <a:p>
             <a:pPr algn="ctr"/>
-            <a:endParaRPr lang="en-US"/>
+            <a:endParaRPr lang="en-US" dirty="0"/>
           </a:p>
         </p:txBody>
       </p:sp>
@@ -30641,7 +28928,7 @@
           <a:lstStyle/>
           <a:p>
             <a:pPr algn="ctr"/>
-            <a:endParaRPr lang="en-US"/>
+            <a:endParaRPr lang="en-US" dirty="0"/>
           </a:p>
         </p:txBody>
       </p:sp>
@@ -30687,7 +28974,7 @@
           <a:lstStyle/>
           <a:p>
             <a:pPr algn="ctr"/>
-            <a:endParaRPr lang="en-US"/>
+            <a:endParaRPr lang="en-US" dirty="0"/>
           </a:p>
         </p:txBody>
       </p:sp>
@@ -30733,7 +29020,7 @@
           <a:lstStyle/>
           <a:p>
             <a:pPr algn="ctr"/>
-            <a:endParaRPr lang="en-US"/>
+            <a:endParaRPr lang="en-US" dirty="0"/>
           </a:p>
         </p:txBody>
       </p:sp>
@@ -30779,7 +29066,7 @@
           <a:lstStyle/>
           <a:p>
             <a:pPr algn="ctr"/>
-            <a:endParaRPr lang="en-US"/>
+            <a:endParaRPr lang="en-US" dirty="0"/>
           </a:p>
         </p:txBody>
       </p:sp>
@@ -30825,7 +29112,7 @@
           <a:lstStyle/>
           <a:p>
             <a:pPr algn="ctr"/>
-            <a:endParaRPr lang="en-US"/>
+            <a:endParaRPr lang="en-US" dirty="0"/>
           </a:p>
         </p:txBody>
       </p:sp>
@@ -30871,7 +29158,7 @@
           <a:lstStyle/>
           <a:p>
             <a:pPr algn="ctr"/>
-            <a:endParaRPr lang="en-US"/>
+            <a:endParaRPr lang="en-US" dirty="0"/>
           </a:p>
         </p:txBody>
       </p:sp>
@@ -30917,7 +29204,7 @@
           <a:lstStyle/>
           <a:p>
             <a:pPr algn="ctr"/>
-            <a:endParaRPr lang="en-US"/>
+            <a:endParaRPr lang="en-US" dirty="0"/>
           </a:p>
         </p:txBody>
       </p:sp>
@@ -30963,7 +29250,7 @@
           <a:lstStyle/>
           <a:p>
             <a:pPr algn="ctr"/>
-            <a:endParaRPr lang="en-US"/>
+            <a:endParaRPr lang="en-US" dirty="0"/>
           </a:p>
         </p:txBody>
       </p:sp>
@@ -31009,7 +29296,7 @@
           <a:lstStyle/>
           <a:p>
             <a:pPr algn="ctr"/>
-            <a:endParaRPr lang="en-US"/>
+            <a:endParaRPr lang="en-US" dirty="0"/>
           </a:p>
         </p:txBody>
       </p:sp>
@@ -31055,7 +29342,7 @@
           <a:lstStyle/>
           <a:p>
             <a:pPr algn="ctr"/>
-            <a:endParaRPr lang="en-US"/>
+            <a:endParaRPr lang="en-US" dirty="0"/>
           </a:p>
         </p:txBody>
       </p:sp>
@@ -31101,7 +29388,7 @@
           <a:lstStyle/>
           <a:p>
             <a:pPr algn="ctr"/>
-            <a:endParaRPr lang="en-US"/>
+            <a:endParaRPr lang="en-US" dirty="0"/>
           </a:p>
         </p:txBody>
       </p:sp>
@@ -31147,7 +29434,7 @@
           <a:lstStyle/>
           <a:p>
             <a:pPr algn="ctr"/>
-            <a:endParaRPr lang="en-US"/>
+            <a:endParaRPr lang="en-US" dirty="0"/>
           </a:p>
         </p:txBody>
       </p:sp>
@@ -31193,7 +29480,7 @@
           <a:lstStyle/>
           <a:p>
             <a:pPr algn="ctr"/>
-            <a:endParaRPr lang="en-US"/>
+            <a:endParaRPr lang="en-US" dirty="0"/>
           </a:p>
         </p:txBody>
       </p:sp>
@@ -31239,7 +29526,7 @@
           <a:lstStyle/>
           <a:p>
             <a:pPr algn="ctr"/>
-            <a:endParaRPr lang="en-US"/>
+            <a:endParaRPr lang="en-US" dirty="0"/>
           </a:p>
         </p:txBody>
       </p:sp>
@@ -31285,7 +29572,7 @@
           <a:lstStyle/>
           <a:p>
             <a:pPr algn="ctr"/>
-            <a:endParaRPr lang="en-US"/>
+            <a:endParaRPr lang="en-US" dirty="0"/>
           </a:p>
         </p:txBody>
       </p:sp>
@@ -31331,7 +29618,7 @@
           <a:lstStyle/>
           <a:p>
             <a:pPr algn="ctr"/>
-            <a:endParaRPr lang="en-US"/>
+            <a:endParaRPr lang="en-US" dirty="0"/>
           </a:p>
         </p:txBody>
       </p:sp>
@@ -31377,7 +29664,7 @@
           <a:lstStyle/>
           <a:p>
             <a:pPr algn="ctr"/>
-            <a:endParaRPr lang="en-US"/>
+            <a:endParaRPr lang="en-US" dirty="0"/>
           </a:p>
         </p:txBody>
       </p:sp>
@@ -31423,7 +29710,7 @@
           <a:lstStyle/>
           <a:p>
             <a:pPr algn="ctr"/>
-            <a:endParaRPr lang="en-US"/>
+            <a:endParaRPr lang="en-US" dirty="0"/>
           </a:p>
         </p:txBody>
       </p:sp>
@@ -31470,7 +29757,7 @@
           <a:lstStyle/>
           <a:p>
             <a:pPr algn="ctr"/>
-            <a:endParaRPr lang="en-US"/>
+            <a:endParaRPr lang="en-US" dirty="0"/>
           </a:p>
         </p:txBody>
       </p:sp>
@@ -31517,7 +29804,7 @@
           <a:lstStyle/>
           <a:p>
             <a:pPr algn="ctr"/>
-            <a:endParaRPr lang="en-US"/>
+            <a:endParaRPr lang="en-US" dirty="0"/>
           </a:p>
         </p:txBody>
       </p:sp>
@@ -31564,7 +29851,7 @@
           <a:lstStyle/>
           <a:p>
             <a:pPr algn="ctr"/>
-            <a:endParaRPr lang="en-US"/>
+            <a:endParaRPr lang="en-US" dirty="0"/>
           </a:p>
         </p:txBody>
       </p:sp>
@@ -31611,7 +29898,7 @@
           <a:lstStyle/>
           <a:p>
             <a:pPr algn="ctr"/>
-            <a:endParaRPr lang="en-US"/>
+            <a:endParaRPr lang="en-US" dirty="0"/>
           </a:p>
         </p:txBody>
       </p:sp>
@@ -31657,7 +29944,7 @@
           <a:lstStyle/>
           <a:p>
             <a:pPr algn="ctr"/>
-            <a:endParaRPr lang="en-US"/>
+            <a:endParaRPr lang="en-US" dirty="0"/>
           </a:p>
         </p:txBody>
       </p:sp>
@@ -31703,7 +29990,7 @@
           <a:lstStyle/>
           <a:p>
             <a:pPr algn="ctr"/>
-            <a:endParaRPr lang="en-US"/>
+            <a:endParaRPr lang="en-US" dirty="0"/>
           </a:p>
         </p:txBody>
       </p:sp>
@@ -31749,7 +30036,7 @@
           <a:lstStyle/>
           <a:p>
             <a:pPr algn="ctr"/>
-            <a:endParaRPr lang="en-US"/>
+            <a:endParaRPr lang="en-US" dirty="0"/>
           </a:p>
         </p:txBody>
       </p:sp>
@@ -31833,20 +30120,12 @@
           <a:p>
             <a:pPr algn="ctr"/>
             <a:r>
-              <a:rPr lang="en-US" sz="1200" dirty="0" err="1">
-                <a:solidFill>
-                  <a:schemeClr val="tx1"/>
-                </a:solidFill>
-              </a:rPr>
-              <a:t>ExpID</a:t>
-            </a:r>
-            <a:r>
               <a:rPr lang="en-US" sz="1200" dirty="0">
                 <a:solidFill>
                   <a:schemeClr val="tx1"/>
                 </a:solidFill>
               </a:rPr>
-              <a:t>: 265</a:t>
+              <a:t>ExpID: 265</a:t>
             </a:r>
           </a:p>
         </p:txBody>
@@ -31931,20 +30210,12 @@
           <a:p>
             <a:pPr algn="ctr"/>
             <a:r>
-              <a:rPr lang="en-US" sz="1200" dirty="0" err="1">
-                <a:solidFill>
-                  <a:schemeClr val="tx1"/>
-                </a:solidFill>
-              </a:rPr>
-              <a:t>ExpID</a:t>
-            </a:r>
-            <a:r>
               <a:rPr lang="en-US" sz="1200" dirty="0">
                 <a:solidFill>
                   <a:schemeClr val="tx1"/>
                 </a:solidFill>
               </a:rPr>
-              <a:t>: 265</a:t>
+              <a:t>ExpID: 265</a:t>
             </a:r>
           </a:p>
         </p:txBody>
@@ -32029,20 +30300,12 @@
           <a:p>
             <a:pPr algn="ctr"/>
             <a:r>
-              <a:rPr lang="en-US" sz="1200" dirty="0" err="1">
-                <a:solidFill>
-                  <a:schemeClr val="tx1"/>
-                </a:solidFill>
-              </a:rPr>
-              <a:t>ExpID</a:t>
-            </a:r>
-            <a:r>
               <a:rPr lang="en-US" sz="1200" dirty="0">
                 <a:solidFill>
                   <a:schemeClr val="tx1"/>
                 </a:solidFill>
               </a:rPr>
-              <a:t>: 265</a:t>
+              <a:t>ExpID: 265</a:t>
             </a:r>
           </a:p>
         </p:txBody>
@@ -32127,20 +30390,12 @@
           <a:p>
             <a:pPr algn="ctr"/>
             <a:r>
-              <a:rPr lang="en-US" sz="1200" dirty="0" err="1">
-                <a:solidFill>
-                  <a:schemeClr val="tx1"/>
-                </a:solidFill>
-              </a:rPr>
-              <a:t>ExpID</a:t>
-            </a:r>
-            <a:r>
               <a:rPr lang="en-US" sz="1200" dirty="0">
                 <a:solidFill>
                   <a:schemeClr val="tx1"/>
                 </a:solidFill>
               </a:rPr>
-              <a:t>: 266</a:t>
+              <a:t>ExpID: 266</a:t>
             </a:r>
           </a:p>
         </p:txBody>
@@ -32188,7 +30443,7 @@
           <a:lstStyle/>
           <a:p>
             <a:pPr algn="ctr"/>
-            <a:endParaRPr lang="en-US"/>
+            <a:endParaRPr lang="en-US" dirty="0"/>
           </a:p>
         </p:txBody>
       </p:sp>
@@ -32272,20 +30527,12 @@
           <a:p>
             <a:pPr algn="ctr"/>
             <a:r>
-              <a:rPr lang="en-US" sz="1200" dirty="0" err="1">
-                <a:solidFill>
-                  <a:schemeClr val="tx1"/>
-                </a:solidFill>
-              </a:rPr>
-              <a:t>ExpID</a:t>
-            </a:r>
-            <a:r>
               <a:rPr lang="en-US" sz="1200" dirty="0">
                 <a:solidFill>
                   <a:schemeClr val="tx1"/>
                 </a:solidFill>
               </a:rPr>
-              <a:t>: 265</a:t>
+              <a:t>ExpID: 265</a:t>
             </a:r>
           </a:p>
         </p:txBody>
@@ -32715,7 +30962,7 @@
           <a:lstStyle/>
           <a:p>
             <a:pPr algn="ctr"/>
-            <a:endParaRPr lang="en-US"/>
+            <a:endParaRPr lang="en-US" dirty="0"/>
           </a:p>
         </p:txBody>
       </p:sp>
@@ -32761,7 +31008,7 @@
           <a:lstStyle/>
           <a:p>
             <a:pPr algn="ctr"/>
-            <a:endParaRPr lang="en-US"/>
+            <a:endParaRPr lang="en-US" dirty="0"/>
           </a:p>
         </p:txBody>
       </p:sp>
@@ -32807,7 +31054,7 @@
           <a:lstStyle/>
           <a:p>
             <a:pPr algn="ctr"/>
-            <a:endParaRPr lang="en-US"/>
+            <a:endParaRPr lang="en-US" dirty="0"/>
           </a:p>
         </p:txBody>
       </p:sp>
@@ -32853,7 +31100,7 @@
           <a:lstStyle/>
           <a:p>
             <a:pPr algn="ctr"/>
-            <a:endParaRPr lang="en-US"/>
+            <a:endParaRPr lang="en-US" dirty="0"/>
           </a:p>
         </p:txBody>
       </p:sp>
@@ -32899,7 +31146,7 @@
           <a:lstStyle/>
           <a:p>
             <a:pPr algn="ctr"/>
-            <a:endParaRPr lang="en-US"/>
+            <a:endParaRPr lang="en-US" dirty="0"/>
           </a:p>
         </p:txBody>
       </p:sp>
@@ -32945,7 +31192,7 @@
           <a:lstStyle/>
           <a:p>
             <a:pPr algn="ctr"/>
-            <a:endParaRPr lang="en-US"/>
+            <a:endParaRPr lang="en-US" dirty="0"/>
           </a:p>
         </p:txBody>
       </p:sp>
@@ -32991,7 +31238,7 @@
           <a:lstStyle/>
           <a:p>
             <a:pPr algn="ctr"/>
-            <a:endParaRPr lang="en-US"/>
+            <a:endParaRPr lang="en-US" dirty="0"/>
           </a:p>
         </p:txBody>
       </p:sp>
@@ -33037,7 +31284,7 @@
           <a:lstStyle/>
           <a:p>
             <a:pPr algn="ctr"/>
-            <a:endParaRPr lang="en-US"/>
+            <a:endParaRPr lang="en-US" dirty="0"/>
           </a:p>
         </p:txBody>
       </p:sp>
@@ -33083,7 +31330,7 @@
           <a:lstStyle/>
           <a:p>
             <a:pPr algn="ctr"/>
-            <a:endParaRPr lang="en-US"/>
+            <a:endParaRPr lang="en-US" dirty="0"/>
           </a:p>
         </p:txBody>
       </p:sp>
@@ -33129,7 +31376,7 @@
           <a:lstStyle/>
           <a:p>
             <a:pPr algn="ctr"/>
-            <a:endParaRPr lang="en-US"/>
+            <a:endParaRPr lang="en-US" dirty="0"/>
           </a:p>
         </p:txBody>
       </p:sp>
@@ -33175,7 +31422,7 @@
           <a:lstStyle/>
           <a:p>
             <a:pPr algn="ctr"/>
-            <a:endParaRPr lang="en-US"/>
+            <a:endParaRPr lang="en-US" dirty="0"/>
           </a:p>
         </p:txBody>
       </p:sp>
@@ -33221,7 +31468,7 @@
           <a:lstStyle/>
           <a:p>
             <a:pPr algn="ctr"/>
-            <a:endParaRPr lang="en-US"/>
+            <a:endParaRPr lang="en-US" dirty="0"/>
           </a:p>
         </p:txBody>
       </p:sp>
@@ -33267,7 +31514,7 @@
           <a:lstStyle/>
           <a:p>
             <a:pPr algn="ctr"/>
-            <a:endParaRPr lang="en-US"/>
+            <a:endParaRPr lang="en-US" dirty="0"/>
           </a:p>
         </p:txBody>
       </p:sp>
@@ -33313,7 +31560,7 @@
           <a:lstStyle/>
           <a:p>
             <a:pPr algn="ctr"/>
-            <a:endParaRPr lang="en-US"/>
+            <a:endParaRPr lang="en-US" dirty="0"/>
           </a:p>
         </p:txBody>
       </p:sp>
@@ -33359,7 +31606,7 @@
           <a:lstStyle/>
           <a:p>
             <a:pPr algn="ctr"/>
-            <a:endParaRPr lang="en-US"/>
+            <a:endParaRPr lang="en-US" dirty="0"/>
           </a:p>
         </p:txBody>
       </p:sp>
@@ -33405,7 +31652,7 @@
           <a:lstStyle/>
           <a:p>
             <a:pPr algn="ctr"/>
-            <a:endParaRPr lang="en-US"/>
+            <a:endParaRPr lang="en-US" dirty="0"/>
           </a:p>
         </p:txBody>
       </p:sp>
@@ -33451,7 +31698,7 @@
           <a:lstStyle/>
           <a:p>
             <a:pPr algn="ctr"/>
-            <a:endParaRPr lang="en-US"/>
+            <a:endParaRPr lang="en-US" dirty="0"/>
           </a:p>
         </p:txBody>
       </p:sp>
@@ -33497,7 +31744,7 @@
           <a:lstStyle/>
           <a:p>
             <a:pPr algn="ctr"/>
-            <a:endParaRPr lang="en-US"/>
+            <a:endParaRPr lang="en-US" dirty="0"/>
           </a:p>
         </p:txBody>
       </p:sp>
@@ -33544,7 +31791,7 @@
           <a:lstStyle/>
           <a:p>
             <a:pPr algn="ctr"/>
-            <a:endParaRPr lang="en-US"/>
+            <a:endParaRPr lang="en-US" dirty="0"/>
           </a:p>
         </p:txBody>
       </p:sp>
@@ -33590,7 +31837,7 @@
           <a:lstStyle/>
           <a:p>
             <a:pPr algn="ctr"/>
-            <a:endParaRPr lang="en-US"/>
+            <a:endParaRPr lang="en-US" dirty="0"/>
           </a:p>
         </p:txBody>
       </p:sp>
@@ -33636,7 +31883,7 @@
           <a:lstStyle/>
           <a:p>
             <a:pPr algn="ctr"/>
-            <a:endParaRPr lang="en-US"/>
+            <a:endParaRPr lang="en-US" dirty="0"/>
           </a:p>
         </p:txBody>
       </p:sp>
@@ -33682,7 +31929,7 @@
           <a:lstStyle/>
           <a:p>
             <a:pPr algn="ctr"/>
-            <a:endParaRPr lang="en-US"/>
+            <a:endParaRPr lang="en-US" dirty="0"/>
           </a:p>
         </p:txBody>
       </p:sp>
@@ -33771,7 +32018,7 @@
           <a:lstStyle/>
           <a:p>
             <a:pPr algn="ctr"/>
-            <a:endParaRPr lang="en-US"/>
+            <a:endParaRPr lang="en-US" dirty="0"/>
           </a:p>
         </p:txBody>
       </p:sp>
@@ -33817,7 +32064,7 @@
           <a:lstStyle/>
           <a:p>
             <a:pPr algn="ctr"/>
-            <a:endParaRPr lang="en-US"/>
+            <a:endParaRPr lang="en-US" dirty="0"/>
           </a:p>
         </p:txBody>
       </p:sp>
@@ -33863,7 +32110,7 @@
           <a:lstStyle/>
           <a:p>
             <a:pPr algn="ctr"/>
-            <a:endParaRPr lang="en-US"/>
+            <a:endParaRPr lang="en-US" dirty="0"/>
           </a:p>
         </p:txBody>
       </p:sp>
@@ -33909,7 +32156,7 @@
           <a:lstStyle/>
           <a:p>
             <a:pPr algn="ctr"/>
-            <a:endParaRPr lang="en-US"/>
+            <a:endParaRPr lang="en-US" dirty="0"/>
           </a:p>
         </p:txBody>
       </p:sp>
@@ -33955,7 +32202,7 @@
           <a:lstStyle/>
           <a:p>
             <a:pPr algn="ctr"/>
-            <a:endParaRPr lang="en-US"/>
+            <a:endParaRPr lang="en-US" dirty="0"/>
           </a:p>
         </p:txBody>
       </p:sp>
@@ -34001,7 +32248,7 @@
           <a:lstStyle/>
           <a:p>
             <a:pPr algn="ctr"/>
-            <a:endParaRPr lang="en-US"/>
+            <a:endParaRPr lang="en-US" dirty="0"/>
           </a:p>
         </p:txBody>
       </p:sp>
@@ -34047,7 +32294,7 @@
           <a:lstStyle/>
           <a:p>
             <a:pPr algn="ctr"/>
-            <a:endParaRPr lang="en-US"/>
+            <a:endParaRPr lang="en-US" dirty="0"/>
           </a:p>
         </p:txBody>
       </p:sp>
@@ -34093,7 +32340,7 @@
           <a:lstStyle/>
           <a:p>
             <a:pPr algn="ctr"/>
-            <a:endParaRPr lang="en-US"/>
+            <a:endParaRPr lang="en-US" dirty="0"/>
           </a:p>
         </p:txBody>
       </p:sp>
@@ -34139,7 +32386,7 @@
           <a:lstStyle/>
           <a:p>
             <a:pPr algn="ctr"/>
-            <a:endParaRPr lang="en-US"/>
+            <a:endParaRPr lang="en-US" dirty="0"/>
           </a:p>
         </p:txBody>
       </p:sp>
@@ -34185,7 +32432,7 @@
           <a:lstStyle/>
           <a:p>
             <a:pPr algn="ctr"/>
-            <a:endParaRPr lang="en-US"/>
+            <a:endParaRPr lang="en-US" dirty="0"/>
           </a:p>
         </p:txBody>
       </p:sp>
@@ -34231,7 +32478,7 @@
           <a:lstStyle/>
           <a:p>
             <a:pPr algn="ctr"/>
-            <a:endParaRPr lang="en-US"/>
+            <a:endParaRPr lang="en-US" dirty="0"/>
           </a:p>
         </p:txBody>
       </p:sp>
@@ -34277,7 +32524,7 @@
           <a:lstStyle/>
           <a:p>
             <a:pPr algn="ctr"/>
-            <a:endParaRPr lang="en-US"/>
+            <a:endParaRPr lang="en-US" dirty="0"/>
           </a:p>
         </p:txBody>
       </p:sp>
@@ -34323,7 +32570,7 @@
           <a:lstStyle/>
           <a:p>
             <a:pPr algn="ctr"/>
-            <a:endParaRPr lang="en-US"/>
+            <a:endParaRPr lang="en-US" dirty="0"/>
           </a:p>
         </p:txBody>
       </p:sp>
@@ -34369,7 +32616,7 @@
           <a:lstStyle/>
           <a:p>
             <a:pPr algn="ctr"/>
-            <a:endParaRPr lang="en-US"/>
+            <a:endParaRPr lang="en-US" dirty="0"/>
           </a:p>
         </p:txBody>
       </p:sp>
@@ -34415,7 +32662,7 @@
           <a:lstStyle/>
           <a:p>
             <a:pPr algn="ctr"/>
-            <a:endParaRPr lang="en-US"/>
+            <a:endParaRPr lang="en-US" dirty="0"/>
           </a:p>
         </p:txBody>
       </p:sp>
@@ -34461,7 +32708,7 @@
           <a:lstStyle/>
           <a:p>
             <a:pPr algn="ctr"/>
-            <a:endParaRPr lang="en-US"/>
+            <a:endParaRPr lang="en-US" dirty="0"/>
           </a:p>
         </p:txBody>
       </p:sp>
@@ -34507,7 +32754,7 @@
           <a:lstStyle/>
           <a:p>
             <a:pPr algn="ctr"/>
-            <a:endParaRPr lang="en-US"/>
+            <a:endParaRPr lang="en-US" dirty="0"/>
           </a:p>
         </p:txBody>
       </p:sp>
@@ -34553,7 +32800,7 @@
           <a:lstStyle/>
           <a:p>
             <a:pPr algn="ctr"/>
-            <a:endParaRPr lang="en-US"/>
+            <a:endParaRPr lang="en-US" dirty="0"/>
           </a:p>
         </p:txBody>
       </p:sp>
@@ -34600,7 +32847,7 @@
           <a:lstStyle/>
           <a:p>
             <a:pPr algn="ctr"/>
-            <a:endParaRPr lang="en-US"/>
+            <a:endParaRPr lang="en-US" dirty="0"/>
           </a:p>
         </p:txBody>
       </p:sp>
@@ -34689,7 +32936,7 @@
           <a:lstStyle/>
           <a:p>
             <a:pPr algn="ctr"/>
-            <a:endParaRPr lang="en-US"/>
+            <a:endParaRPr lang="en-US" dirty="0"/>
           </a:p>
         </p:txBody>
       </p:sp>
@@ -34735,7 +32982,7 @@
           <a:lstStyle/>
           <a:p>
             <a:pPr algn="ctr"/>
-            <a:endParaRPr lang="en-US"/>
+            <a:endParaRPr lang="en-US" dirty="0"/>
           </a:p>
         </p:txBody>
       </p:sp>
@@ -34781,7 +33028,7 @@
           <a:lstStyle/>
           <a:p>
             <a:pPr algn="ctr"/>
-            <a:endParaRPr lang="en-US"/>
+            <a:endParaRPr lang="en-US" dirty="0"/>
           </a:p>
         </p:txBody>
       </p:sp>
@@ -34827,7 +33074,7 @@
           <a:lstStyle/>
           <a:p>
             <a:pPr algn="ctr"/>
-            <a:endParaRPr lang="en-US"/>
+            <a:endParaRPr lang="en-US" dirty="0"/>
           </a:p>
         </p:txBody>
       </p:sp>
@@ -34873,7 +33120,7 @@
           <a:lstStyle/>
           <a:p>
             <a:pPr algn="ctr"/>
-            <a:endParaRPr lang="en-US"/>
+            <a:endParaRPr lang="en-US" dirty="0"/>
           </a:p>
         </p:txBody>
       </p:sp>
@@ -34919,7 +33166,7 @@
           <a:lstStyle/>
           <a:p>
             <a:pPr algn="ctr"/>
-            <a:endParaRPr lang="en-US"/>
+            <a:endParaRPr lang="en-US" dirty="0"/>
           </a:p>
         </p:txBody>
       </p:sp>
@@ -34965,7 +33212,7 @@
           <a:lstStyle/>
           <a:p>
             <a:pPr algn="ctr"/>
-            <a:endParaRPr lang="en-US"/>
+            <a:endParaRPr lang="en-US" dirty="0"/>
           </a:p>
         </p:txBody>
       </p:sp>
@@ -35011,7 +33258,7 @@
           <a:lstStyle/>
           <a:p>
             <a:pPr algn="ctr"/>
-            <a:endParaRPr lang="en-US"/>
+            <a:endParaRPr lang="en-US" dirty="0"/>
           </a:p>
         </p:txBody>
       </p:sp>
@@ -35057,7 +33304,7 @@
           <a:lstStyle/>
           <a:p>
             <a:pPr algn="ctr"/>
-            <a:endParaRPr lang="en-US"/>
+            <a:endParaRPr lang="en-US" dirty="0"/>
           </a:p>
         </p:txBody>
       </p:sp>
@@ -35103,7 +33350,7 @@
           <a:lstStyle/>
           <a:p>
             <a:pPr algn="ctr"/>
-            <a:endParaRPr lang="en-US"/>
+            <a:endParaRPr lang="en-US" dirty="0"/>
           </a:p>
         </p:txBody>
       </p:sp>
@@ -35149,7 +33396,7 @@
           <a:lstStyle/>
           <a:p>
             <a:pPr algn="ctr"/>
-            <a:endParaRPr lang="en-US"/>
+            <a:endParaRPr lang="en-US" dirty="0"/>
           </a:p>
         </p:txBody>
       </p:sp>
@@ -35195,7 +33442,7 @@
           <a:lstStyle/>
           <a:p>
             <a:pPr algn="ctr"/>
-            <a:endParaRPr lang="en-US"/>
+            <a:endParaRPr lang="en-US" dirty="0"/>
           </a:p>
         </p:txBody>
       </p:sp>
@@ -35241,7 +33488,7 @@
           <a:lstStyle/>
           <a:p>
             <a:pPr algn="ctr"/>
-            <a:endParaRPr lang="en-US"/>
+            <a:endParaRPr lang="en-US" dirty="0"/>
           </a:p>
         </p:txBody>
       </p:sp>
@@ -35287,7 +33534,7 @@
           <a:lstStyle/>
           <a:p>
             <a:pPr algn="ctr"/>
-            <a:endParaRPr lang="en-US"/>
+            <a:endParaRPr lang="en-US" dirty="0"/>
           </a:p>
         </p:txBody>
       </p:sp>
@@ -35333,7 +33580,7 @@
           <a:lstStyle/>
           <a:p>
             <a:pPr algn="ctr"/>
-            <a:endParaRPr lang="en-US"/>
+            <a:endParaRPr lang="en-US" dirty="0"/>
           </a:p>
         </p:txBody>
       </p:sp>
@@ -35379,7 +33626,7 @@
           <a:lstStyle/>
           <a:p>
             <a:pPr algn="ctr"/>
-            <a:endParaRPr lang="en-US"/>
+            <a:endParaRPr lang="en-US" dirty="0"/>
           </a:p>
         </p:txBody>
       </p:sp>
@@ -35425,7 +33672,7 @@
           <a:lstStyle/>
           <a:p>
             <a:pPr algn="ctr"/>
-            <a:endParaRPr lang="en-US"/>
+            <a:endParaRPr lang="en-US" dirty="0"/>
           </a:p>
         </p:txBody>
       </p:sp>
@@ -35471,7 +33718,7 @@
           <a:lstStyle/>
           <a:p>
             <a:pPr algn="ctr"/>
-            <a:endParaRPr lang="en-US"/>
+            <a:endParaRPr lang="en-US" dirty="0"/>
           </a:p>
         </p:txBody>
       </p:sp>
@@ -35518,7 +33765,7 @@
           <a:lstStyle/>
           <a:p>
             <a:pPr algn="ctr"/>
-            <a:endParaRPr lang="en-US"/>
+            <a:endParaRPr lang="en-US" dirty="0"/>
           </a:p>
         </p:txBody>
       </p:sp>
@@ -35565,7 +33812,7 @@
           <a:lstStyle/>
           <a:p>
             <a:pPr algn="ctr"/>
-            <a:endParaRPr lang="en-US"/>
+            <a:endParaRPr lang="en-US" dirty="0"/>
           </a:p>
         </p:txBody>
       </p:sp>
@@ -35612,7 +33859,7 @@
           <a:lstStyle/>
           <a:p>
             <a:pPr algn="ctr"/>
-            <a:endParaRPr lang="en-US"/>
+            <a:endParaRPr lang="en-US" dirty="0"/>
           </a:p>
         </p:txBody>
       </p:sp>
@@ -35659,7 +33906,7 @@
           <a:lstStyle/>
           <a:p>
             <a:pPr algn="ctr"/>
-            <a:endParaRPr lang="en-US"/>
+            <a:endParaRPr lang="en-US" dirty="0"/>
           </a:p>
         </p:txBody>
       </p:sp>
@@ -35705,7 +33952,7 @@
           <a:lstStyle/>
           <a:p>
             <a:pPr algn="ctr"/>
-            <a:endParaRPr lang="en-US"/>
+            <a:endParaRPr lang="en-US" dirty="0"/>
           </a:p>
         </p:txBody>
       </p:sp>
@@ -35751,7 +33998,7 @@
           <a:lstStyle/>
           <a:p>
             <a:pPr algn="ctr"/>
-            <a:endParaRPr lang="en-US"/>
+            <a:endParaRPr lang="en-US" dirty="0"/>
           </a:p>
         </p:txBody>
       </p:sp>
@@ -35797,7 +34044,7 @@
           <a:lstStyle/>
           <a:p>
             <a:pPr algn="ctr"/>
-            <a:endParaRPr lang="en-US"/>
+            <a:endParaRPr lang="en-US" dirty="0"/>
           </a:p>
         </p:txBody>
       </p:sp>
@@ -35881,39 +34128,23 @@
           <a:p>
             <a:pPr algn="ctr"/>
             <a:r>
-              <a:rPr lang="en-US" sz="1200" dirty="0" err="1">
+              <a:rPr lang="en-US" sz="1200" dirty="0">
                 <a:solidFill>
                   <a:schemeClr val="tx1"/>
                 </a:solidFill>
               </a:rPr>
-              <a:t>ExpID</a:t>
+              <a:t>ExpID: 265</a:t>
             </a:r>
+          </a:p>
+          <a:p>
+            <a:pPr algn="ctr"/>
             <a:r>
               <a:rPr lang="en-US" sz="1200" dirty="0">
                 <a:solidFill>
                   <a:schemeClr val="tx1"/>
                 </a:solidFill>
               </a:rPr>
-              <a:t>: 265</a:t>
-            </a:r>
-          </a:p>
-          <a:p>
-            <a:pPr algn="ctr"/>
-            <a:r>
-              <a:rPr lang="en-US" sz="1200" dirty="0" err="1">
-                <a:solidFill>
-                  <a:schemeClr val="tx1"/>
-                </a:solidFill>
-              </a:rPr>
-              <a:t>DustID</a:t>
-            </a:r>
-            <a:r>
-              <a:rPr lang="en-US" sz="1200" dirty="0">
-                <a:solidFill>
-                  <a:schemeClr val="tx1"/>
-                </a:solidFill>
-              </a:rPr>
-              <a:t>: 97</a:t>
+              <a:t>DustID: 97</a:t>
             </a:r>
           </a:p>
         </p:txBody>
@@ -35998,39 +34229,23 @@
           <a:p>
             <a:pPr algn="ctr"/>
             <a:r>
-              <a:rPr lang="en-US" sz="1200" dirty="0" err="1">
+              <a:rPr lang="en-US" sz="1200" dirty="0">
                 <a:solidFill>
                   <a:schemeClr val="tx1"/>
                 </a:solidFill>
               </a:rPr>
-              <a:t>ExpID</a:t>
+              <a:t>ExpID: 265</a:t>
             </a:r>
+          </a:p>
+          <a:p>
+            <a:pPr algn="ctr"/>
             <a:r>
               <a:rPr lang="en-US" sz="1200" dirty="0">
                 <a:solidFill>
                   <a:schemeClr val="tx1"/>
                 </a:solidFill>
               </a:rPr>
-              <a:t>: 265</a:t>
-            </a:r>
-          </a:p>
-          <a:p>
-            <a:pPr algn="ctr"/>
-            <a:r>
-              <a:rPr lang="en-US" sz="1200" dirty="0" err="1">
-                <a:solidFill>
-                  <a:schemeClr val="tx1"/>
-                </a:solidFill>
-              </a:rPr>
-              <a:t>DustID</a:t>
-            </a:r>
-            <a:r>
-              <a:rPr lang="en-US" sz="1200" dirty="0">
-                <a:solidFill>
-                  <a:schemeClr val="tx1"/>
-                </a:solidFill>
-              </a:rPr>
-              <a:t>: 97</a:t>
+              <a:t>DustID: 97</a:t>
             </a:r>
           </a:p>
         </p:txBody>
@@ -36115,39 +34330,23 @@
           <a:p>
             <a:pPr algn="ctr"/>
             <a:r>
-              <a:rPr lang="en-US" sz="1200" dirty="0" err="1">
+              <a:rPr lang="en-US" sz="1200" dirty="0">
                 <a:solidFill>
                   <a:schemeClr val="tx1"/>
                 </a:solidFill>
               </a:rPr>
-              <a:t>ExpID</a:t>
+              <a:t>ExpID: 265</a:t>
             </a:r>
+          </a:p>
+          <a:p>
+            <a:pPr algn="ctr"/>
             <a:r>
               <a:rPr lang="en-US" sz="1200" dirty="0">
                 <a:solidFill>
                   <a:schemeClr val="tx1"/>
                 </a:solidFill>
               </a:rPr>
-              <a:t>: 265</a:t>
-            </a:r>
-          </a:p>
-          <a:p>
-            <a:pPr algn="ctr"/>
-            <a:r>
-              <a:rPr lang="en-US" sz="1200" dirty="0" err="1">
-                <a:solidFill>
-                  <a:schemeClr val="tx1"/>
-                </a:solidFill>
-              </a:rPr>
-              <a:t>DustID</a:t>
-            </a:r>
-            <a:r>
-              <a:rPr lang="en-US" sz="1200" dirty="0">
-                <a:solidFill>
-                  <a:schemeClr val="tx1"/>
-                </a:solidFill>
-              </a:rPr>
-              <a:t>: 97</a:t>
+              <a:t>DustID: 97</a:t>
             </a:r>
           </a:p>
         </p:txBody>
@@ -36232,39 +34431,23 @@
           <a:p>
             <a:pPr algn="ctr"/>
             <a:r>
-              <a:rPr lang="en-US" sz="1200" dirty="0" err="1">
+              <a:rPr lang="en-US" sz="1200" dirty="0">
                 <a:solidFill>
                   <a:schemeClr val="tx1"/>
                 </a:solidFill>
               </a:rPr>
-              <a:t>ExpID</a:t>
+              <a:t>ExpID: 266</a:t>
             </a:r>
+          </a:p>
+          <a:p>
+            <a:pPr algn="ctr"/>
             <a:r>
               <a:rPr lang="en-US" sz="1200" dirty="0">
                 <a:solidFill>
                   <a:schemeClr val="tx1"/>
                 </a:solidFill>
               </a:rPr>
-              <a:t>: 266</a:t>
-            </a:r>
-          </a:p>
-          <a:p>
-            <a:pPr algn="ctr"/>
-            <a:r>
-              <a:rPr lang="en-US" sz="1200" dirty="0" err="1">
-                <a:solidFill>
-                  <a:schemeClr val="tx1"/>
-                </a:solidFill>
-              </a:rPr>
-              <a:t>DustID</a:t>
-            </a:r>
-            <a:r>
-              <a:rPr lang="en-US" sz="1200" dirty="0">
-                <a:solidFill>
-                  <a:schemeClr val="tx1"/>
-                </a:solidFill>
-              </a:rPr>
-              <a:t>: 97</a:t>
+              <a:t>DustID: 97</a:t>
             </a:r>
           </a:p>
         </p:txBody>
@@ -36312,7 +34495,7 @@
           <a:lstStyle/>
           <a:p>
             <a:pPr algn="ctr"/>
-            <a:endParaRPr lang="en-US"/>
+            <a:endParaRPr lang="en-US" dirty="0"/>
           </a:p>
         </p:txBody>
       </p:sp>
@@ -36396,39 +34579,23 @@
           <a:p>
             <a:pPr algn="ctr"/>
             <a:r>
-              <a:rPr lang="en-US" sz="1200" dirty="0" err="1">
+              <a:rPr lang="en-US" sz="1200" dirty="0">
                 <a:solidFill>
                   <a:schemeClr val="tx1"/>
                 </a:solidFill>
               </a:rPr>
-              <a:t>ExpID</a:t>
+              <a:t>ExpID: 265</a:t>
             </a:r>
+          </a:p>
+          <a:p>
+            <a:pPr algn="ctr"/>
             <a:r>
               <a:rPr lang="en-US" sz="1200" dirty="0">
                 <a:solidFill>
                   <a:schemeClr val="tx1"/>
                 </a:solidFill>
               </a:rPr>
-              <a:t>: 265</a:t>
-            </a:r>
-          </a:p>
-          <a:p>
-            <a:pPr algn="ctr"/>
-            <a:r>
-              <a:rPr lang="en-US" sz="1200" dirty="0" err="1">
-                <a:solidFill>
-                  <a:schemeClr val="tx1"/>
-                </a:solidFill>
-              </a:rPr>
-              <a:t>DustID</a:t>
-            </a:r>
-            <a:r>
-              <a:rPr lang="en-US" sz="1200" dirty="0">
-                <a:solidFill>
-                  <a:schemeClr val="tx1"/>
-                </a:solidFill>
-              </a:rPr>
-              <a:t>: 97</a:t>
+              <a:t>DustID: 97</a:t>
             </a:r>
           </a:p>
         </p:txBody>
